--- a/Stat_Analysis/regr_plots/Plots.pptx
+++ b/Stat_Analysis/regr_plots/Plots.pptx
@@ -6,6 +6,7 @@
   </p:sldMasterIdLst>
   <p:sldIdLst>
     <p:sldId id="256" r:id="rId2"/>
+    <p:sldId id="257" r:id="rId3"/>
   </p:sldIdLst>
   <p:sldSz cx="12192000" cy="6858000"/>
   <p:notesSz cx="6858000" cy="9144000"/>
@@ -104,6 +105,11 @@
       </a:defRPr>
     </a:lvl9pPr>
   </p:defaultTextStyle>
+  <p:extLst>
+    <p:ext uri="{EFAFB233-063F-42B5-8137-9DF3F51BA10A}">
+      <p15:sldGuideLst xmlns:p15="http://schemas.microsoft.com/office/powerpoint/2012/main"/>
+    </p:ext>
+  </p:extLst>
 </p:presentation>
 </file>
 
@@ -3448,6 +3454,61 @@
 </p:sld>
 </file>
 
+<file path=ppt/slides/slide2.xml><?xml version="1.0" encoding="utf-8"?>
+<p:sld xmlns:a="http://schemas.openxmlformats.org/drawingml/2006/main" xmlns:r="http://schemas.openxmlformats.org/officeDocument/2006/relationships" xmlns:p="http://schemas.openxmlformats.org/presentationml/2006/main">
+  <p:cSld>
+    <p:spTree>
+      <p:nvGrpSpPr>
+        <p:cNvPr id="1" name=""/>
+        <p:cNvGrpSpPr/>
+        <p:nvPr/>
+      </p:nvGrpSpPr>
+      <p:grpSpPr>
+        <a:xfrm>
+          <a:off x="0" y="0"/>
+          <a:ext cx="0" cy="0"/>
+          <a:chOff x="0" y="0"/>
+          <a:chExt cx="0" cy="0"/>
+        </a:xfrm>
+      </p:grpSpPr>
+      <p:sp>
+        <p:nvSpPr>
+          <p:cNvPr id="9" name="Inhaltsplatzhalter 8">
+            <a:extLst>
+              <a:ext uri="{FF2B5EF4-FFF2-40B4-BE49-F238E27FC236}">
+                <a16:creationId xmlns:a16="http://schemas.microsoft.com/office/drawing/2014/main" id="{BBA653CA-8026-3B45-9E1B-906DA6AA2707}"/>
+              </a:ext>
+            </a:extLst>
+          </p:cNvPr>
+          <p:cNvSpPr>
+            <a:spLocks noGrp="1"/>
+          </p:cNvSpPr>
+          <p:nvPr>
+            <p:ph idx="1"/>
+          </p:nvPr>
+        </p:nvSpPr>
+        <p:spPr/>
+        <p:txBody>
+          <a:bodyPr/>
+          <a:lstStyle/>
+          <a:p>
+            <a:endParaRPr lang="en-GB" dirty="0"/>
+          </a:p>
+        </p:txBody>
+      </p:sp>
+    </p:spTree>
+    <p:extLst>
+      <p:ext uri="{BB962C8B-B14F-4D97-AF65-F5344CB8AC3E}">
+        <p14:creationId xmlns:p14="http://schemas.microsoft.com/office/powerpoint/2010/main" val="14409880"/>
+      </p:ext>
+    </p:extLst>
+  </p:cSld>
+  <p:clrMapOvr>
+    <a:masterClrMapping/>
+  </p:clrMapOvr>
+</p:sld>
+</file>
+
 <file path=ppt/theme/theme1.xml><?xml version="1.0" encoding="utf-8"?>
 <a:theme xmlns:a="http://schemas.openxmlformats.org/drawingml/2006/main" name="Office">
   <a:themeElements>

--- a/Stat_Analysis/regr_plots/Plots.pptx
+++ b/Stat_Analysis/regr_plots/Plots.pptx
@@ -6,7 +6,9 @@
   </p:sldMasterIdLst>
   <p:sldIdLst>
     <p:sldId id="256" r:id="rId2"/>
-    <p:sldId id="257" r:id="rId3"/>
+    <p:sldId id="259" r:id="rId3"/>
+    <p:sldId id="260" r:id="rId4"/>
+    <p:sldId id="261" r:id="rId5"/>
   </p:sldIdLst>
   <p:sldSz cx="12192000" cy="6858000"/>
   <p:notesSz cx="6858000" cy="9144000"/>
@@ -262,7 +264,7 @@
           <a:p>
             <a:fld id="{789703A8-2D30-4E29-8AE8-FC3173B2BC9B}" type="datetimeFigureOut">
               <a:rPr lang="en-GB" smtClean="0"/>
-              <a:t>09/11/2023</a:t>
+              <a:t>16/11/2023</a:t>
             </a:fld>
             <a:endParaRPr lang="en-GB"/>
           </a:p>
@@ -462,7 +464,7 @@
           <a:p>
             <a:fld id="{789703A8-2D30-4E29-8AE8-FC3173B2BC9B}" type="datetimeFigureOut">
               <a:rPr lang="en-GB" smtClean="0"/>
-              <a:t>09/11/2023</a:t>
+              <a:t>16/11/2023</a:t>
             </a:fld>
             <a:endParaRPr lang="en-GB"/>
           </a:p>
@@ -672,7 +674,7 @@
           <a:p>
             <a:fld id="{789703A8-2D30-4E29-8AE8-FC3173B2BC9B}" type="datetimeFigureOut">
               <a:rPr lang="en-GB" smtClean="0"/>
-              <a:t>09/11/2023</a:t>
+              <a:t>16/11/2023</a:t>
             </a:fld>
             <a:endParaRPr lang="en-GB"/>
           </a:p>
@@ -872,7 +874,7 @@
           <a:p>
             <a:fld id="{789703A8-2D30-4E29-8AE8-FC3173B2BC9B}" type="datetimeFigureOut">
               <a:rPr lang="en-GB" smtClean="0"/>
-              <a:t>09/11/2023</a:t>
+              <a:t>16/11/2023</a:t>
             </a:fld>
             <a:endParaRPr lang="en-GB"/>
           </a:p>
@@ -1148,7 +1150,7 @@
           <a:p>
             <a:fld id="{789703A8-2D30-4E29-8AE8-FC3173B2BC9B}" type="datetimeFigureOut">
               <a:rPr lang="en-GB" smtClean="0"/>
-              <a:t>09/11/2023</a:t>
+              <a:t>16/11/2023</a:t>
             </a:fld>
             <a:endParaRPr lang="en-GB"/>
           </a:p>
@@ -1416,7 +1418,7 @@
           <a:p>
             <a:fld id="{789703A8-2D30-4E29-8AE8-FC3173B2BC9B}" type="datetimeFigureOut">
               <a:rPr lang="en-GB" smtClean="0"/>
-              <a:t>09/11/2023</a:t>
+              <a:t>16/11/2023</a:t>
             </a:fld>
             <a:endParaRPr lang="en-GB"/>
           </a:p>
@@ -1831,7 +1833,7 @@
           <a:p>
             <a:fld id="{789703A8-2D30-4E29-8AE8-FC3173B2BC9B}" type="datetimeFigureOut">
               <a:rPr lang="en-GB" smtClean="0"/>
-              <a:t>09/11/2023</a:t>
+              <a:t>16/11/2023</a:t>
             </a:fld>
             <a:endParaRPr lang="en-GB"/>
           </a:p>
@@ -1973,7 +1975,7 @@
           <a:p>
             <a:fld id="{789703A8-2D30-4E29-8AE8-FC3173B2BC9B}" type="datetimeFigureOut">
               <a:rPr lang="en-GB" smtClean="0"/>
-              <a:t>09/11/2023</a:t>
+              <a:t>16/11/2023</a:t>
             </a:fld>
             <a:endParaRPr lang="en-GB"/>
           </a:p>
@@ -2086,7 +2088,7 @@
           <a:p>
             <a:fld id="{789703A8-2D30-4E29-8AE8-FC3173B2BC9B}" type="datetimeFigureOut">
               <a:rPr lang="en-GB" smtClean="0"/>
-              <a:t>09/11/2023</a:t>
+              <a:t>16/11/2023</a:t>
             </a:fld>
             <a:endParaRPr lang="en-GB"/>
           </a:p>
@@ -2399,7 +2401,7 @@
           <a:p>
             <a:fld id="{789703A8-2D30-4E29-8AE8-FC3173B2BC9B}" type="datetimeFigureOut">
               <a:rPr lang="en-GB" smtClean="0"/>
-              <a:t>09/11/2023</a:t>
+              <a:t>16/11/2023</a:t>
             </a:fld>
             <a:endParaRPr lang="en-GB"/>
           </a:p>
@@ -2688,7 +2690,7 @@
           <a:p>
             <a:fld id="{789703A8-2D30-4E29-8AE8-FC3173B2BC9B}" type="datetimeFigureOut">
               <a:rPr lang="en-GB" smtClean="0"/>
-              <a:t>09/11/2023</a:t>
+              <a:t>16/11/2023</a:t>
             </a:fld>
             <a:endParaRPr lang="en-GB"/>
           </a:p>
@@ -2931,7 +2933,7 @@
           <a:p>
             <a:fld id="{789703A8-2D30-4E29-8AE8-FC3173B2BC9B}" type="datetimeFigureOut">
               <a:rPr lang="en-GB" smtClean="0"/>
-              <a:t>09/11/2023</a:t>
+              <a:t>16/11/2023</a:t>
             </a:fld>
             <a:endParaRPr lang="en-GB"/>
           </a:p>
@@ -3471,35 +3473,2210 @@
           <a:chExt cx="0" cy="0"/>
         </a:xfrm>
       </p:grpSpPr>
-      <p:sp>
-        <p:nvSpPr>
-          <p:cNvPr id="9" name="Inhaltsplatzhalter 8">
-            <a:extLst>
-              <a:ext uri="{FF2B5EF4-FFF2-40B4-BE49-F238E27FC236}">
-                <a16:creationId xmlns:a16="http://schemas.microsoft.com/office/drawing/2014/main" id="{BBA653CA-8026-3B45-9E1B-906DA6AA2707}"/>
-              </a:ext>
-            </a:extLst>
-          </p:cNvPr>
-          <p:cNvSpPr>
-            <a:spLocks noGrp="1"/>
-          </p:cNvSpPr>
-          <p:nvPr>
-            <p:ph idx="1"/>
-          </p:nvPr>
-        </p:nvSpPr>
-        <p:spPr/>
-        <p:txBody>
-          <a:bodyPr/>
-          <a:lstStyle/>
-          <a:p>
-            <a:endParaRPr lang="en-GB" dirty="0"/>
+      <p:pic>
+        <p:nvPicPr>
+          <p:cNvPr id="2" name="Inhaltsplatzhalter 13" descr="Ein Bild, das Screenshot, Quadrat, Schwarz enthält.&#10;&#10;Automatisch generierte Beschreibung">
+            <a:extLst>
+              <a:ext uri="{FF2B5EF4-FFF2-40B4-BE49-F238E27FC236}">
+                <a16:creationId xmlns:a16="http://schemas.microsoft.com/office/drawing/2014/main" id="{E784BBF0-D945-CE57-8D1F-E4DAB948F494}"/>
+              </a:ext>
+            </a:extLst>
+          </p:cNvPr>
+          <p:cNvPicPr>
+            <a:picLocks noChangeAspect="1"/>
+          </p:cNvPicPr>
+          <p:nvPr/>
+        </p:nvPicPr>
+        <p:blipFill>
+          <a:blip r:embed="rId2">
+            <a:extLst>
+              <a:ext uri="{28A0092B-C50C-407E-A947-70E740481C1C}">
+                <a14:useLocalDpi xmlns:a14="http://schemas.microsoft.com/office/drawing/2010/main" val="0"/>
+              </a:ext>
+            </a:extLst>
+          </a:blip>
+          <a:stretch>
+            <a:fillRect/>
+          </a:stretch>
+        </p:blipFill>
+        <p:spPr>
+          <a:xfrm>
+            <a:off x="6068396" y="380488"/>
+            <a:ext cx="3024000" cy="2520000"/>
+          </a:xfrm>
+          <a:prstGeom prst="rect">
+            <a:avLst/>
+          </a:prstGeom>
+          <a:ln>
+            <a:noFill/>
+          </a:ln>
+        </p:spPr>
+      </p:pic>
+      <p:pic>
+        <p:nvPicPr>
+          <p:cNvPr id="3" name="Grafik 2" descr="Ein Bild, das Screenshot, Schwarz enthält.&#10;&#10;Automatisch generierte Beschreibung">
+            <a:extLst>
+              <a:ext uri="{FF2B5EF4-FFF2-40B4-BE49-F238E27FC236}">
+                <a16:creationId xmlns:a16="http://schemas.microsoft.com/office/drawing/2014/main" id="{6311D3F9-C94E-7539-BFAA-A3B0E734ADD3}"/>
+              </a:ext>
+            </a:extLst>
+          </p:cNvPr>
+          <p:cNvPicPr>
+            <a:picLocks noChangeAspect="1"/>
+          </p:cNvPicPr>
+          <p:nvPr/>
+        </p:nvPicPr>
+        <p:blipFill>
+          <a:blip r:embed="rId3">
+            <a:extLst>
+              <a:ext uri="{28A0092B-C50C-407E-A947-70E740481C1C}">
+                <a14:useLocalDpi xmlns:a14="http://schemas.microsoft.com/office/drawing/2010/main" val="0"/>
+              </a:ext>
+            </a:extLst>
+          </a:blip>
+          <a:stretch>
+            <a:fillRect/>
+          </a:stretch>
+        </p:blipFill>
+        <p:spPr>
+          <a:xfrm>
+            <a:off x="9102594" y="380488"/>
+            <a:ext cx="3024000" cy="2520000"/>
+          </a:xfrm>
+          <a:prstGeom prst="rect">
+            <a:avLst/>
+          </a:prstGeom>
+          <a:ln>
+            <a:noFill/>
+          </a:ln>
+        </p:spPr>
+      </p:pic>
+      <p:pic>
+        <p:nvPicPr>
+          <p:cNvPr id="4" name="Grafik 3" descr="Ein Bild, das Screenshot, Schwarz, Quadrat enthält.&#10;&#10;Automatisch generierte Beschreibung">
+            <a:extLst>
+              <a:ext uri="{FF2B5EF4-FFF2-40B4-BE49-F238E27FC236}">
+                <a16:creationId xmlns:a16="http://schemas.microsoft.com/office/drawing/2014/main" id="{335CF80C-BA27-22DC-FB0A-584A7901F9D5}"/>
+              </a:ext>
+            </a:extLst>
+          </p:cNvPr>
+          <p:cNvPicPr>
+            <a:picLocks noChangeAspect="1"/>
+          </p:cNvPicPr>
+          <p:nvPr/>
+        </p:nvPicPr>
+        <p:blipFill>
+          <a:blip r:embed="rId4">
+            <a:extLst>
+              <a:ext uri="{28A0092B-C50C-407E-A947-70E740481C1C}">
+                <a14:useLocalDpi xmlns:a14="http://schemas.microsoft.com/office/drawing/2010/main" val="0"/>
+              </a:ext>
+            </a:extLst>
+          </a:blip>
+          <a:stretch>
+            <a:fillRect/>
+          </a:stretch>
+        </p:blipFill>
+        <p:spPr>
+          <a:xfrm>
+            <a:off x="3034198" y="380488"/>
+            <a:ext cx="3024000" cy="2520000"/>
+          </a:xfrm>
+          <a:prstGeom prst="rect">
+            <a:avLst/>
+          </a:prstGeom>
+          <a:ln>
+            <a:noFill/>
+          </a:ln>
+        </p:spPr>
+      </p:pic>
+      <p:pic>
+        <p:nvPicPr>
+          <p:cNvPr id="6" name="Grafik 5" descr="Ein Bild, das Screenshot, Schwarz enthält.&#10;&#10;Automatisch generierte Beschreibung">
+            <a:extLst>
+              <a:ext uri="{FF2B5EF4-FFF2-40B4-BE49-F238E27FC236}">
+                <a16:creationId xmlns:a16="http://schemas.microsoft.com/office/drawing/2014/main" id="{B2AF59D7-3E9C-47A9-DACE-AC3D89FFDAB4}"/>
+              </a:ext>
+            </a:extLst>
+          </p:cNvPr>
+          <p:cNvPicPr>
+            <a:picLocks noChangeAspect="1"/>
+          </p:cNvPicPr>
+          <p:nvPr/>
+        </p:nvPicPr>
+        <p:blipFill>
+          <a:blip r:embed="rId5">
+            <a:extLst>
+              <a:ext uri="{28A0092B-C50C-407E-A947-70E740481C1C}">
+                <a14:useLocalDpi xmlns:a14="http://schemas.microsoft.com/office/drawing/2010/main" val="0"/>
+              </a:ext>
+            </a:extLst>
+          </a:blip>
+          <a:stretch>
+            <a:fillRect/>
+          </a:stretch>
+        </p:blipFill>
+        <p:spPr>
+          <a:xfrm>
+            <a:off x="0" y="380488"/>
+            <a:ext cx="3024000" cy="2520000"/>
+          </a:xfrm>
+          <a:prstGeom prst="rect">
+            <a:avLst/>
+          </a:prstGeom>
+          <a:ln>
+            <a:noFill/>
+          </a:ln>
+        </p:spPr>
+      </p:pic>
+      <p:sp>
+        <p:nvSpPr>
+          <p:cNvPr id="9" name="Rechteck 8">
+            <a:extLst>
+              <a:ext uri="{FF2B5EF4-FFF2-40B4-BE49-F238E27FC236}">
+                <a16:creationId xmlns:a16="http://schemas.microsoft.com/office/drawing/2014/main" id="{F485914B-5698-BD5F-EA59-305FEC89457D}"/>
+              </a:ext>
+            </a:extLst>
+          </p:cNvPr>
+          <p:cNvSpPr/>
+          <p:nvPr/>
+        </p:nvSpPr>
+        <p:spPr>
+          <a:xfrm>
+            <a:off x="509363" y="515501"/>
+            <a:ext cx="312983" cy="312982"/>
+          </a:xfrm>
+          <a:prstGeom prst="rect">
+            <a:avLst/>
+          </a:prstGeom>
+          <a:solidFill>
+            <a:schemeClr val="bg1"/>
+          </a:solidFill>
+          <a:ln>
+            <a:solidFill>
+              <a:schemeClr val="tx1"/>
+            </a:solidFill>
+          </a:ln>
+        </p:spPr>
+        <p:style>
+          <a:lnRef idx="2">
+            <a:schemeClr val="accent1">
+              <a:shade val="15000"/>
+            </a:schemeClr>
+          </a:lnRef>
+          <a:fillRef idx="1">
+            <a:schemeClr val="accent1"/>
+          </a:fillRef>
+          <a:effectRef idx="0">
+            <a:schemeClr val="accent1"/>
+          </a:effectRef>
+          <a:fontRef idx="minor">
+            <a:schemeClr val="lt1"/>
+          </a:fontRef>
+        </p:style>
+        <p:txBody>
+          <a:bodyPr rtlCol="0" anchor="ctr"/>
+          <a:lstStyle/>
+          <a:p>
+            <a:pPr algn="ctr"/>
+            <a:r>
+              <a:rPr lang="de-CH" sz="1600" dirty="0">
+                <a:solidFill>
+                  <a:schemeClr val="tx1"/>
+                </a:solidFill>
+                <a:latin typeface="Avenir Next LT Pro" panose="020B0504020202020204" pitchFamily="34" charset="0"/>
+              </a:rPr>
+              <a:t>1</a:t>
+            </a:r>
+            <a:endParaRPr lang="en-GB" sz="1600" dirty="0">
+              <a:solidFill>
+                <a:schemeClr val="tx1"/>
+              </a:solidFill>
+              <a:latin typeface="Avenir Next LT Pro" panose="020B0504020202020204" pitchFamily="34" charset="0"/>
+            </a:endParaRPr>
+          </a:p>
+        </p:txBody>
+      </p:sp>
+      <p:sp>
+        <p:nvSpPr>
+          <p:cNvPr id="10" name="Rechteck 9">
+            <a:extLst>
+              <a:ext uri="{FF2B5EF4-FFF2-40B4-BE49-F238E27FC236}">
+                <a16:creationId xmlns:a16="http://schemas.microsoft.com/office/drawing/2014/main" id="{4ECA4311-3EE3-6254-67DE-543532601292}"/>
+              </a:ext>
+            </a:extLst>
+          </p:cNvPr>
+          <p:cNvSpPr/>
+          <p:nvPr/>
+        </p:nvSpPr>
+        <p:spPr>
+          <a:xfrm>
+            <a:off x="6571610" y="515501"/>
+            <a:ext cx="312983" cy="312982"/>
+          </a:xfrm>
+          <a:prstGeom prst="rect">
+            <a:avLst/>
+          </a:prstGeom>
+          <a:solidFill>
+            <a:schemeClr val="bg1"/>
+          </a:solidFill>
+          <a:ln>
+            <a:solidFill>
+              <a:schemeClr val="tx1"/>
+            </a:solidFill>
+          </a:ln>
+        </p:spPr>
+        <p:style>
+          <a:lnRef idx="2">
+            <a:schemeClr val="accent1">
+              <a:shade val="15000"/>
+            </a:schemeClr>
+          </a:lnRef>
+          <a:fillRef idx="1">
+            <a:schemeClr val="accent1"/>
+          </a:fillRef>
+          <a:effectRef idx="0">
+            <a:schemeClr val="accent1"/>
+          </a:effectRef>
+          <a:fontRef idx="minor">
+            <a:schemeClr val="lt1"/>
+          </a:fontRef>
+        </p:style>
+        <p:txBody>
+          <a:bodyPr rtlCol="0" anchor="ctr"/>
+          <a:lstStyle/>
+          <a:p>
+            <a:pPr algn="ctr"/>
+            <a:r>
+              <a:rPr lang="de-CH" sz="1600" dirty="0">
+                <a:solidFill>
+                  <a:schemeClr val="tx1"/>
+                </a:solidFill>
+                <a:latin typeface="Avenir Next LT Pro" panose="020B0504020202020204" pitchFamily="34" charset="0"/>
+              </a:rPr>
+              <a:t>3</a:t>
+            </a:r>
+            <a:endParaRPr lang="en-GB" sz="1600" dirty="0">
+              <a:solidFill>
+                <a:schemeClr val="tx1"/>
+              </a:solidFill>
+              <a:latin typeface="Avenir Next LT Pro" panose="020B0504020202020204" pitchFamily="34" charset="0"/>
+            </a:endParaRPr>
+          </a:p>
+        </p:txBody>
+      </p:sp>
+      <p:sp>
+        <p:nvSpPr>
+          <p:cNvPr id="11" name="Rechteck 10">
+            <a:extLst>
+              <a:ext uri="{FF2B5EF4-FFF2-40B4-BE49-F238E27FC236}">
+                <a16:creationId xmlns:a16="http://schemas.microsoft.com/office/drawing/2014/main" id="{01E61AAA-605D-DF6E-14EE-BD290083D835}"/>
+              </a:ext>
+            </a:extLst>
+          </p:cNvPr>
+          <p:cNvSpPr/>
+          <p:nvPr/>
+        </p:nvSpPr>
+        <p:spPr>
+          <a:xfrm>
+            <a:off x="3416215" y="515501"/>
+            <a:ext cx="312983" cy="312982"/>
+          </a:xfrm>
+          <a:prstGeom prst="rect">
+            <a:avLst/>
+          </a:prstGeom>
+          <a:solidFill>
+            <a:schemeClr val="bg1"/>
+          </a:solidFill>
+          <a:ln>
+            <a:solidFill>
+              <a:schemeClr val="tx1"/>
+            </a:solidFill>
+          </a:ln>
+        </p:spPr>
+        <p:style>
+          <a:lnRef idx="2">
+            <a:schemeClr val="accent1">
+              <a:shade val="15000"/>
+            </a:schemeClr>
+          </a:lnRef>
+          <a:fillRef idx="1">
+            <a:schemeClr val="accent1"/>
+          </a:fillRef>
+          <a:effectRef idx="0">
+            <a:schemeClr val="accent1"/>
+          </a:effectRef>
+          <a:fontRef idx="minor">
+            <a:schemeClr val="lt1"/>
+          </a:fontRef>
+        </p:style>
+        <p:txBody>
+          <a:bodyPr rtlCol="0" anchor="ctr"/>
+          <a:lstStyle/>
+          <a:p>
+            <a:pPr algn="ctr"/>
+            <a:r>
+              <a:rPr lang="de-CH" sz="1600" dirty="0">
+                <a:solidFill>
+                  <a:schemeClr val="tx1"/>
+                </a:solidFill>
+                <a:latin typeface="Avenir Next LT Pro" panose="020B0504020202020204" pitchFamily="34" charset="0"/>
+              </a:rPr>
+              <a:t>2</a:t>
+            </a:r>
+            <a:endParaRPr lang="en-GB" sz="1600" dirty="0">
+              <a:solidFill>
+                <a:schemeClr val="tx1"/>
+              </a:solidFill>
+              <a:latin typeface="Avenir Next LT Pro" panose="020B0504020202020204" pitchFamily="34" charset="0"/>
+            </a:endParaRPr>
+          </a:p>
+        </p:txBody>
+      </p:sp>
+      <p:sp>
+        <p:nvSpPr>
+          <p:cNvPr id="12" name="Rechteck 11">
+            <a:extLst>
+              <a:ext uri="{FF2B5EF4-FFF2-40B4-BE49-F238E27FC236}">
+                <a16:creationId xmlns:a16="http://schemas.microsoft.com/office/drawing/2014/main" id="{CEF2F6AE-E495-E51E-E663-D43D53BCFEDA}"/>
+              </a:ext>
+            </a:extLst>
+          </p:cNvPr>
+          <p:cNvSpPr/>
+          <p:nvPr/>
+        </p:nvSpPr>
+        <p:spPr>
+          <a:xfrm>
+            <a:off x="9637956" y="515501"/>
+            <a:ext cx="312983" cy="312982"/>
+          </a:xfrm>
+          <a:prstGeom prst="rect">
+            <a:avLst/>
+          </a:prstGeom>
+          <a:solidFill>
+            <a:schemeClr val="bg1"/>
+          </a:solidFill>
+          <a:ln>
+            <a:solidFill>
+              <a:schemeClr val="tx1"/>
+            </a:solidFill>
+          </a:ln>
+        </p:spPr>
+        <p:style>
+          <a:lnRef idx="2">
+            <a:schemeClr val="accent1">
+              <a:shade val="15000"/>
+            </a:schemeClr>
+          </a:lnRef>
+          <a:fillRef idx="1">
+            <a:schemeClr val="accent1"/>
+          </a:fillRef>
+          <a:effectRef idx="0">
+            <a:schemeClr val="accent1"/>
+          </a:effectRef>
+          <a:fontRef idx="minor">
+            <a:schemeClr val="lt1"/>
+          </a:fontRef>
+        </p:style>
+        <p:txBody>
+          <a:bodyPr rtlCol="0" anchor="ctr"/>
+          <a:lstStyle/>
+          <a:p>
+            <a:pPr algn="ctr"/>
+            <a:r>
+              <a:rPr lang="de-CH" sz="1600" dirty="0">
+                <a:solidFill>
+                  <a:schemeClr val="tx1"/>
+                </a:solidFill>
+                <a:latin typeface="Avenir Next LT Pro" panose="020B0504020202020204" pitchFamily="34" charset="0"/>
+              </a:rPr>
+              <a:t>4</a:t>
+            </a:r>
+            <a:endParaRPr lang="en-GB" sz="1600" dirty="0">
+              <a:solidFill>
+                <a:schemeClr val="tx1"/>
+              </a:solidFill>
+              <a:latin typeface="Avenir Next LT Pro" panose="020B0504020202020204" pitchFamily="34" charset="0"/>
+            </a:endParaRPr>
+          </a:p>
+        </p:txBody>
+      </p:sp>
+      <p:pic>
+        <p:nvPicPr>
+          <p:cNvPr id="14" name="Grafik 13" descr="Ein Bild, das Screenshot, Quadrat, Schwarz enthält.&#10;&#10;Automatisch generierte Beschreibung">
+            <a:extLst>
+              <a:ext uri="{FF2B5EF4-FFF2-40B4-BE49-F238E27FC236}">
+                <a16:creationId xmlns:a16="http://schemas.microsoft.com/office/drawing/2014/main" id="{541C8F75-ED44-C0CF-CB9D-B7651E47A496}"/>
+              </a:ext>
+            </a:extLst>
+          </p:cNvPr>
+          <p:cNvPicPr>
+            <a:picLocks noChangeAspect="1"/>
+          </p:cNvPicPr>
+          <p:nvPr/>
+        </p:nvPicPr>
+        <p:blipFill>
+          <a:blip r:embed="rId6">
+            <a:extLst>
+              <a:ext uri="{28A0092B-C50C-407E-A947-70E740481C1C}">
+                <a14:useLocalDpi xmlns:a14="http://schemas.microsoft.com/office/drawing/2010/main" val="0"/>
+              </a:ext>
+            </a:extLst>
+          </a:blip>
+          <a:stretch>
+            <a:fillRect/>
+          </a:stretch>
+        </p:blipFill>
+        <p:spPr>
+          <a:xfrm>
+            <a:off x="6078594" y="2903930"/>
+            <a:ext cx="3024000" cy="2520000"/>
+          </a:xfrm>
+          <a:prstGeom prst="rect">
+            <a:avLst/>
+          </a:prstGeom>
+          <a:ln>
+            <a:noFill/>
+          </a:ln>
+        </p:spPr>
+      </p:pic>
+      <p:pic>
+        <p:nvPicPr>
+          <p:cNvPr id="16" name="Grafik 15" descr="Ein Bild, das Screenshot, Schwarz enthält.&#10;&#10;Automatisch generierte Beschreibung">
+            <a:extLst>
+              <a:ext uri="{FF2B5EF4-FFF2-40B4-BE49-F238E27FC236}">
+                <a16:creationId xmlns:a16="http://schemas.microsoft.com/office/drawing/2014/main" id="{ED3E197B-661B-F4B8-28A0-424F0705CC7E}"/>
+              </a:ext>
+            </a:extLst>
+          </p:cNvPr>
+          <p:cNvPicPr>
+            <a:picLocks noChangeAspect="1"/>
+          </p:cNvPicPr>
+          <p:nvPr/>
+        </p:nvPicPr>
+        <p:blipFill>
+          <a:blip r:embed="rId7">
+            <a:extLst>
+              <a:ext uri="{28A0092B-C50C-407E-A947-70E740481C1C}">
+                <a14:useLocalDpi xmlns:a14="http://schemas.microsoft.com/office/drawing/2010/main" val="0"/>
+              </a:ext>
+            </a:extLst>
+          </a:blip>
+          <a:stretch>
+            <a:fillRect/>
+          </a:stretch>
+        </p:blipFill>
+        <p:spPr>
+          <a:xfrm>
+            <a:off x="9102594" y="2903930"/>
+            <a:ext cx="3024000" cy="2520000"/>
+          </a:xfrm>
+          <a:prstGeom prst="rect">
+            <a:avLst/>
+          </a:prstGeom>
+          <a:ln>
+            <a:noFill/>
+          </a:ln>
+        </p:spPr>
+      </p:pic>
+      <p:pic>
+        <p:nvPicPr>
+          <p:cNvPr id="18" name="Grafik 17" descr="Ein Bild, das Screenshot, Schwarz, Quadrat enthält.&#10;&#10;Automatisch generierte Beschreibung">
+            <a:extLst>
+              <a:ext uri="{FF2B5EF4-FFF2-40B4-BE49-F238E27FC236}">
+                <a16:creationId xmlns:a16="http://schemas.microsoft.com/office/drawing/2014/main" id="{1B517528-C9C1-7C55-B751-1224D31F1EBA}"/>
+              </a:ext>
+            </a:extLst>
+          </p:cNvPr>
+          <p:cNvPicPr>
+            <a:picLocks noChangeAspect="1"/>
+          </p:cNvPicPr>
+          <p:nvPr/>
+        </p:nvPicPr>
+        <p:blipFill>
+          <a:blip r:embed="rId8">
+            <a:extLst>
+              <a:ext uri="{28A0092B-C50C-407E-A947-70E740481C1C}">
+                <a14:useLocalDpi xmlns:a14="http://schemas.microsoft.com/office/drawing/2010/main" val="0"/>
+              </a:ext>
+            </a:extLst>
+          </a:blip>
+          <a:stretch>
+            <a:fillRect/>
+          </a:stretch>
+        </p:blipFill>
+        <p:spPr>
+          <a:xfrm>
+            <a:off x="3034198" y="2903930"/>
+            <a:ext cx="3024000" cy="2520000"/>
+          </a:xfrm>
+          <a:prstGeom prst="rect">
+            <a:avLst/>
+          </a:prstGeom>
+          <a:ln>
+            <a:noFill/>
+          </a:ln>
+        </p:spPr>
+      </p:pic>
+      <p:pic>
+        <p:nvPicPr>
+          <p:cNvPr id="20" name="Grafik 19" descr="Ein Bild, das Screenshot, Schwarz enthält.&#10;&#10;Automatisch generierte Beschreibung">
+            <a:extLst>
+              <a:ext uri="{FF2B5EF4-FFF2-40B4-BE49-F238E27FC236}">
+                <a16:creationId xmlns:a16="http://schemas.microsoft.com/office/drawing/2014/main" id="{1C9D66B0-01B3-61EC-F960-0739B8846053}"/>
+              </a:ext>
+            </a:extLst>
+          </p:cNvPr>
+          <p:cNvPicPr>
+            <a:picLocks noChangeAspect="1"/>
+          </p:cNvPicPr>
+          <p:nvPr/>
+        </p:nvPicPr>
+        <p:blipFill>
+          <a:blip r:embed="rId9">
+            <a:extLst>
+              <a:ext uri="{28A0092B-C50C-407E-A947-70E740481C1C}">
+                <a14:useLocalDpi xmlns:a14="http://schemas.microsoft.com/office/drawing/2010/main" val="0"/>
+              </a:ext>
+            </a:extLst>
+          </a:blip>
+          <a:stretch>
+            <a:fillRect/>
+          </a:stretch>
+        </p:blipFill>
+        <p:spPr>
+          <a:xfrm>
+            <a:off x="0" y="2903930"/>
+            <a:ext cx="3024000" cy="2520000"/>
+          </a:xfrm>
+          <a:prstGeom prst="rect">
+            <a:avLst/>
+          </a:prstGeom>
+          <a:ln>
+            <a:noFill/>
+          </a:ln>
+        </p:spPr>
+      </p:pic>
+      <p:sp>
+        <p:nvSpPr>
+          <p:cNvPr id="21" name="Rechteck 20">
+            <a:extLst>
+              <a:ext uri="{FF2B5EF4-FFF2-40B4-BE49-F238E27FC236}">
+                <a16:creationId xmlns:a16="http://schemas.microsoft.com/office/drawing/2014/main" id="{9319E523-3B5B-A406-92DC-F0BF9A399239}"/>
+              </a:ext>
+            </a:extLst>
+          </p:cNvPr>
+          <p:cNvSpPr/>
+          <p:nvPr/>
+        </p:nvSpPr>
+        <p:spPr>
+          <a:xfrm>
+            <a:off x="9637955" y="3033708"/>
+            <a:ext cx="312983" cy="312982"/>
+          </a:xfrm>
+          <a:prstGeom prst="rect">
+            <a:avLst/>
+          </a:prstGeom>
+          <a:solidFill>
+            <a:schemeClr val="bg1"/>
+          </a:solidFill>
+          <a:ln>
+            <a:solidFill>
+              <a:schemeClr val="tx1"/>
+            </a:solidFill>
+          </a:ln>
+        </p:spPr>
+        <p:style>
+          <a:lnRef idx="2">
+            <a:schemeClr val="accent1">
+              <a:shade val="15000"/>
+            </a:schemeClr>
+          </a:lnRef>
+          <a:fillRef idx="1">
+            <a:schemeClr val="accent1"/>
+          </a:fillRef>
+          <a:effectRef idx="0">
+            <a:schemeClr val="accent1"/>
+          </a:effectRef>
+          <a:fontRef idx="minor">
+            <a:schemeClr val="lt1"/>
+          </a:fontRef>
+        </p:style>
+        <p:txBody>
+          <a:bodyPr rtlCol="0" anchor="ctr"/>
+          <a:lstStyle/>
+          <a:p>
+            <a:pPr algn="ctr"/>
+            <a:r>
+              <a:rPr lang="de-CH" sz="1600" dirty="0">
+                <a:solidFill>
+                  <a:schemeClr val="tx1"/>
+                </a:solidFill>
+                <a:latin typeface="Avenir Next LT Pro" panose="020B0504020202020204" pitchFamily="34" charset="0"/>
+              </a:rPr>
+              <a:t>8</a:t>
+            </a:r>
+            <a:endParaRPr lang="en-GB" sz="1600" dirty="0">
+              <a:solidFill>
+                <a:schemeClr val="tx1"/>
+              </a:solidFill>
+              <a:latin typeface="Avenir Next LT Pro" panose="020B0504020202020204" pitchFamily="34" charset="0"/>
+            </a:endParaRPr>
+          </a:p>
+        </p:txBody>
+      </p:sp>
+      <p:sp>
+        <p:nvSpPr>
+          <p:cNvPr id="22" name="Rechteck 21">
+            <a:extLst>
+              <a:ext uri="{FF2B5EF4-FFF2-40B4-BE49-F238E27FC236}">
+                <a16:creationId xmlns:a16="http://schemas.microsoft.com/office/drawing/2014/main" id="{F053CB93-4F70-56B1-4A13-CEC5944348A6}"/>
+              </a:ext>
+            </a:extLst>
+          </p:cNvPr>
+          <p:cNvSpPr/>
+          <p:nvPr/>
+        </p:nvSpPr>
+        <p:spPr>
+          <a:xfrm>
+            <a:off x="6571609" y="3033708"/>
+            <a:ext cx="312983" cy="312982"/>
+          </a:xfrm>
+          <a:prstGeom prst="rect">
+            <a:avLst/>
+          </a:prstGeom>
+          <a:solidFill>
+            <a:schemeClr val="bg1"/>
+          </a:solidFill>
+          <a:ln>
+            <a:solidFill>
+              <a:schemeClr val="tx1"/>
+            </a:solidFill>
+          </a:ln>
+        </p:spPr>
+        <p:style>
+          <a:lnRef idx="2">
+            <a:schemeClr val="accent1">
+              <a:shade val="15000"/>
+            </a:schemeClr>
+          </a:lnRef>
+          <a:fillRef idx="1">
+            <a:schemeClr val="accent1"/>
+          </a:fillRef>
+          <a:effectRef idx="0">
+            <a:schemeClr val="accent1"/>
+          </a:effectRef>
+          <a:fontRef idx="minor">
+            <a:schemeClr val="lt1"/>
+          </a:fontRef>
+        </p:style>
+        <p:txBody>
+          <a:bodyPr rtlCol="0" anchor="ctr"/>
+          <a:lstStyle/>
+          <a:p>
+            <a:pPr algn="ctr"/>
+            <a:r>
+              <a:rPr lang="de-CH" sz="1600" dirty="0">
+                <a:solidFill>
+                  <a:schemeClr val="tx1"/>
+                </a:solidFill>
+                <a:latin typeface="Avenir Next LT Pro" panose="020B0504020202020204" pitchFamily="34" charset="0"/>
+              </a:rPr>
+              <a:t>7</a:t>
+            </a:r>
+            <a:endParaRPr lang="en-GB" sz="1600" dirty="0">
+              <a:solidFill>
+                <a:schemeClr val="tx1"/>
+              </a:solidFill>
+              <a:latin typeface="Avenir Next LT Pro" panose="020B0504020202020204" pitchFamily="34" charset="0"/>
+            </a:endParaRPr>
+          </a:p>
+        </p:txBody>
+      </p:sp>
+      <p:sp>
+        <p:nvSpPr>
+          <p:cNvPr id="23" name="Rechteck 22">
+            <a:extLst>
+              <a:ext uri="{FF2B5EF4-FFF2-40B4-BE49-F238E27FC236}">
+                <a16:creationId xmlns:a16="http://schemas.microsoft.com/office/drawing/2014/main" id="{D631D18E-895D-3847-0531-4068323BF272}"/>
+              </a:ext>
+            </a:extLst>
+          </p:cNvPr>
+          <p:cNvSpPr/>
+          <p:nvPr/>
+        </p:nvSpPr>
+        <p:spPr>
+          <a:xfrm>
+            <a:off x="3416214" y="3035501"/>
+            <a:ext cx="312983" cy="312982"/>
+          </a:xfrm>
+          <a:prstGeom prst="rect">
+            <a:avLst/>
+          </a:prstGeom>
+          <a:solidFill>
+            <a:schemeClr val="bg1"/>
+          </a:solidFill>
+          <a:ln>
+            <a:solidFill>
+              <a:schemeClr val="tx1"/>
+            </a:solidFill>
+          </a:ln>
+        </p:spPr>
+        <p:style>
+          <a:lnRef idx="2">
+            <a:schemeClr val="accent1">
+              <a:shade val="15000"/>
+            </a:schemeClr>
+          </a:lnRef>
+          <a:fillRef idx="1">
+            <a:schemeClr val="accent1"/>
+          </a:fillRef>
+          <a:effectRef idx="0">
+            <a:schemeClr val="accent1"/>
+          </a:effectRef>
+          <a:fontRef idx="minor">
+            <a:schemeClr val="lt1"/>
+          </a:fontRef>
+        </p:style>
+        <p:txBody>
+          <a:bodyPr rtlCol="0" anchor="ctr"/>
+          <a:lstStyle/>
+          <a:p>
+            <a:pPr algn="ctr"/>
+            <a:r>
+              <a:rPr lang="de-CH" sz="1600" dirty="0">
+                <a:solidFill>
+                  <a:schemeClr val="tx1"/>
+                </a:solidFill>
+                <a:latin typeface="Avenir Next LT Pro" panose="020B0504020202020204" pitchFamily="34" charset="0"/>
+              </a:rPr>
+              <a:t>6</a:t>
+            </a:r>
+            <a:endParaRPr lang="en-GB" sz="1600" dirty="0">
+              <a:solidFill>
+                <a:schemeClr val="tx1"/>
+              </a:solidFill>
+              <a:latin typeface="Avenir Next LT Pro" panose="020B0504020202020204" pitchFamily="34" charset="0"/>
+            </a:endParaRPr>
+          </a:p>
+        </p:txBody>
+      </p:sp>
+      <p:sp>
+        <p:nvSpPr>
+          <p:cNvPr id="24" name="Rechteck 23">
+            <a:extLst>
+              <a:ext uri="{FF2B5EF4-FFF2-40B4-BE49-F238E27FC236}">
+                <a16:creationId xmlns:a16="http://schemas.microsoft.com/office/drawing/2014/main" id="{6D2A2AC4-BC98-A54A-1C4A-802F6C5B95C7}"/>
+              </a:ext>
+            </a:extLst>
+          </p:cNvPr>
+          <p:cNvSpPr/>
+          <p:nvPr/>
+        </p:nvSpPr>
+        <p:spPr>
+          <a:xfrm>
+            <a:off x="509362" y="3035501"/>
+            <a:ext cx="312983" cy="312982"/>
+          </a:xfrm>
+          <a:prstGeom prst="rect">
+            <a:avLst/>
+          </a:prstGeom>
+          <a:solidFill>
+            <a:schemeClr val="bg1"/>
+          </a:solidFill>
+          <a:ln>
+            <a:solidFill>
+              <a:schemeClr val="tx1"/>
+            </a:solidFill>
+          </a:ln>
+        </p:spPr>
+        <p:style>
+          <a:lnRef idx="2">
+            <a:schemeClr val="accent1">
+              <a:shade val="15000"/>
+            </a:schemeClr>
+          </a:lnRef>
+          <a:fillRef idx="1">
+            <a:schemeClr val="accent1"/>
+          </a:fillRef>
+          <a:effectRef idx="0">
+            <a:schemeClr val="accent1"/>
+          </a:effectRef>
+          <a:fontRef idx="minor">
+            <a:schemeClr val="lt1"/>
+          </a:fontRef>
+        </p:style>
+        <p:txBody>
+          <a:bodyPr rtlCol="0" anchor="ctr"/>
+          <a:lstStyle/>
+          <a:p>
+            <a:pPr algn="ctr"/>
+            <a:r>
+              <a:rPr lang="de-CH" sz="1600" dirty="0">
+                <a:solidFill>
+                  <a:schemeClr val="tx1"/>
+                </a:solidFill>
+                <a:latin typeface="Avenir Next LT Pro" panose="020B0504020202020204" pitchFamily="34" charset="0"/>
+              </a:rPr>
+              <a:t>5</a:t>
+            </a:r>
+            <a:endParaRPr lang="en-GB" sz="1600" dirty="0">
+              <a:solidFill>
+                <a:schemeClr val="tx1"/>
+              </a:solidFill>
+              <a:latin typeface="Avenir Next LT Pro" panose="020B0504020202020204" pitchFamily="34" charset="0"/>
+            </a:endParaRPr>
           </a:p>
         </p:txBody>
       </p:sp>
     </p:spTree>
     <p:extLst>
       <p:ext uri="{BB962C8B-B14F-4D97-AF65-F5344CB8AC3E}">
-        <p14:creationId xmlns:p14="http://schemas.microsoft.com/office/powerpoint/2010/main" val="14409880"/>
+        <p14:creationId xmlns:p14="http://schemas.microsoft.com/office/powerpoint/2010/main" val="589128121"/>
+      </p:ext>
+    </p:extLst>
+  </p:cSld>
+  <p:clrMapOvr>
+    <a:masterClrMapping/>
+  </p:clrMapOvr>
+</p:sld>
+</file>
+
+<file path=ppt/slides/slide3.xml><?xml version="1.0" encoding="utf-8"?>
+<p:sld xmlns:a="http://schemas.openxmlformats.org/drawingml/2006/main" xmlns:r="http://schemas.openxmlformats.org/officeDocument/2006/relationships" xmlns:p="http://schemas.openxmlformats.org/presentationml/2006/main">
+  <p:cSld>
+    <p:spTree>
+      <p:nvGrpSpPr>
+        <p:cNvPr id="1" name=""/>
+        <p:cNvGrpSpPr/>
+        <p:nvPr/>
+      </p:nvGrpSpPr>
+      <p:grpSpPr>
+        <a:xfrm>
+          <a:off x="0" y="0"/>
+          <a:ext cx="0" cy="0"/>
+          <a:chOff x="0" y="0"/>
+          <a:chExt cx="0" cy="0"/>
+        </a:xfrm>
+      </p:grpSpPr>
+      <p:pic>
+        <p:nvPicPr>
+          <p:cNvPr id="33" name="Grafik 32" descr="Ein Bild, das Screenshot, Schwarz enthält.&#10;&#10;Automatisch generierte Beschreibung">
+            <a:extLst>
+              <a:ext uri="{FF2B5EF4-FFF2-40B4-BE49-F238E27FC236}">
+                <a16:creationId xmlns:a16="http://schemas.microsoft.com/office/drawing/2014/main" id="{8AED4D7E-D381-2717-C4B2-371493917A88}"/>
+              </a:ext>
+            </a:extLst>
+          </p:cNvPr>
+          <p:cNvPicPr>
+            <a:picLocks noChangeAspect="1"/>
+          </p:cNvPicPr>
+          <p:nvPr/>
+        </p:nvPicPr>
+        <p:blipFill>
+          <a:blip r:embed="rId2">
+            <a:extLst>
+              <a:ext uri="{28A0092B-C50C-407E-A947-70E740481C1C}">
+                <a14:useLocalDpi xmlns:a14="http://schemas.microsoft.com/office/drawing/2010/main" val="0"/>
+              </a:ext>
+            </a:extLst>
+          </a:blip>
+          <a:stretch>
+            <a:fillRect/>
+          </a:stretch>
+        </p:blipFill>
+        <p:spPr>
+          <a:xfrm>
+            <a:off x="-2629" y="2892002"/>
+            <a:ext cx="3024000" cy="2520000"/>
+          </a:xfrm>
+          <a:prstGeom prst="rect">
+            <a:avLst/>
+          </a:prstGeom>
+          <a:ln>
+            <a:noFill/>
+          </a:ln>
+        </p:spPr>
+      </p:pic>
+      <p:pic>
+        <p:nvPicPr>
+          <p:cNvPr id="31" name="Grafik 30" descr="Ein Bild, das Screenshot, Schwarz, Quadrat enthält.&#10;&#10;Automatisch generierte Beschreibung">
+            <a:extLst>
+              <a:ext uri="{FF2B5EF4-FFF2-40B4-BE49-F238E27FC236}">
+                <a16:creationId xmlns:a16="http://schemas.microsoft.com/office/drawing/2014/main" id="{52C0B63F-CC2E-83FF-E5D2-F56627FC9837}"/>
+              </a:ext>
+            </a:extLst>
+          </p:cNvPr>
+          <p:cNvPicPr>
+            <a:picLocks noChangeAspect="1"/>
+          </p:cNvPicPr>
+          <p:nvPr/>
+        </p:nvPicPr>
+        <p:blipFill>
+          <a:blip r:embed="rId3">
+            <a:extLst>
+              <a:ext uri="{28A0092B-C50C-407E-A947-70E740481C1C}">
+                <a14:useLocalDpi xmlns:a14="http://schemas.microsoft.com/office/drawing/2010/main" val="0"/>
+              </a:ext>
+            </a:extLst>
+          </a:blip>
+          <a:stretch>
+            <a:fillRect/>
+          </a:stretch>
+        </p:blipFill>
+        <p:spPr>
+          <a:xfrm>
+            <a:off x="3028441" y="2892002"/>
+            <a:ext cx="3024000" cy="2520000"/>
+          </a:xfrm>
+          <a:prstGeom prst="rect">
+            <a:avLst/>
+          </a:prstGeom>
+          <a:ln>
+            <a:noFill/>
+          </a:ln>
+        </p:spPr>
+      </p:pic>
+      <p:pic>
+        <p:nvPicPr>
+          <p:cNvPr id="27" name="Grafik 26" descr="Ein Bild, das Screenshot, Quadrat, Schwarz enthält.&#10;&#10;Automatisch generierte Beschreibung">
+            <a:extLst>
+              <a:ext uri="{FF2B5EF4-FFF2-40B4-BE49-F238E27FC236}">
+                <a16:creationId xmlns:a16="http://schemas.microsoft.com/office/drawing/2014/main" id="{5D69C42A-3AF8-B126-7427-2B8F1ED4B3C5}"/>
+              </a:ext>
+            </a:extLst>
+          </p:cNvPr>
+          <p:cNvPicPr>
+            <a:picLocks noChangeAspect="1"/>
+          </p:cNvPicPr>
+          <p:nvPr/>
+        </p:nvPicPr>
+        <p:blipFill>
+          <a:blip r:embed="rId4">
+            <a:extLst>
+              <a:ext uri="{28A0092B-C50C-407E-A947-70E740481C1C}">
+                <a14:useLocalDpi xmlns:a14="http://schemas.microsoft.com/office/drawing/2010/main" val="0"/>
+              </a:ext>
+            </a:extLst>
+          </a:blip>
+          <a:stretch>
+            <a:fillRect/>
+          </a:stretch>
+        </p:blipFill>
+        <p:spPr>
+          <a:xfrm>
+            <a:off x="6059511" y="2892002"/>
+            <a:ext cx="3024000" cy="2520000"/>
+          </a:xfrm>
+          <a:prstGeom prst="rect">
+            <a:avLst/>
+          </a:prstGeom>
+          <a:ln>
+            <a:noFill/>
+          </a:ln>
+        </p:spPr>
+      </p:pic>
+      <p:pic>
+        <p:nvPicPr>
+          <p:cNvPr id="29" name="Grafik 28" descr="Ein Bild, das Screenshot, Schwarz enthält.&#10;&#10;Automatisch generierte Beschreibung">
+            <a:extLst>
+              <a:ext uri="{FF2B5EF4-FFF2-40B4-BE49-F238E27FC236}">
+                <a16:creationId xmlns:a16="http://schemas.microsoft.com/office/drawing/2014/main" id="{202C9B8C-F82B-49A9-25A4-305FD0FD63FF}"/>
+              </a:ext>
+            </a:extLst>
+          </p:cNvPr>
+          <p:cNvPicPr>
+            <a:picLocks noChangeAspect="1"/>
+          </p:cNvPicPr>
+          <p:nvPr/>
+        </p:nvPicPr>
+        <p:blipFill>
+          <a:blip r:embed="rId5">
+            <a:extLst>
+              <a:ext uri="{28A0092B-C50C-407E-A947-70E740481C1C}">
+                <a14:useLocalDpi xmlns:a14="http://schemas.microsoft.com/office/drawing/2010/main" val="0"/>
+              </a:ext>
+            </a:extLst>
+          </a:blip>
+          <a:stretch>
+            <a:fillRect/>
+          </a:stretch>
+        </p:blipFill>
+        <p:spPr>
+          <a:xfrm>
+            <a:off x="9087952" y="2892002"/>
+            <a:ext cx="3024000" cy="2520000"/>
+          </a:xfrm>
+          <a:prstGeom prst="rect">
+            <a:avLst/>
+          </a:prstGeom>
+          <a:ln>
+            <a:noFill/>
+          </a:ln>
+        </p:spPr>
+      </p:pic>
+      <p:pic>
+        <p:nvPicPr>
+          <p:cNvPr id="25" name="Grafik 24" descr="Ein Bild, das Screenshot, Schwarz, Quadrat enthält.&#10;&#10;Automatisch generierte Beschreibung">
+            <a:extLst>
+              <a:ext uri="{FF2B5EF4-FFF2-40B4-BE49-F238E27FC236}">
+                <a16:creationId xmlns:a16="http://schemas.microsoft.com/office/drawing/2014/main" id="{8781709D-E21A-3C68-5171-598377D0D4C5}"/>
+              </a:ext>
+            </a:extLst>
+          </p:cNvPr>
+          <p:cNvPicPr>
+            <a:picLocks noChangeAspect="1"/>
+          </p:cNvPicPr>
+          <p:nvPr/>
+        </p:nvPicPr>
+        <p:blipFill>
+          <a:blip r:embed="rId6">
+            <a:extLst>
+              <a:ext uri="{28A0092B-C50C-407E-A947-70E740481C1C}">
+                <a14:useLocalDpi xmlns:a14="http://schemas.microsoft.com/office/drawing/2010/main" val="0"/>
+              </a:ext>
+            </a:extLst>
+          </a:blip>
+          <a:stretch>
+            <a:fillRect/>
+          </a:stretch>
+        </p:blipFill>
+        <p:spPr>
+          <a:xfrm>
+            <a:off x="0" y="372002"/>
+            <a:ext cx="3024000" cy="2520000"/>
+          </a:xfrm>
+          <a:prstGeom prst="rect">
+            <a:avLst/>
+          </a:prstGeom>
+          <a:ln>
+            <a:noFill/>
+          </a:ln>
+        </p:spPr>
+      </p:pic>
+      <p:pic>
+        <p:nvPicPr>
+          <p:cNvPr id="13" name="Grafik 12" descr="Ein Bild, das Screenshot, Schwarz enthält.&#10;&#10;Automatisch generierte Beschreibung">
+            <a:extLst>
+              <a:ext uri="{FF2B5EF4-FFF2-40B4-BE49-F238E27FC236}">
+                <a16:creationId xmlns:a16="http://schemas.microsoft.com/office/drawing/2014/main" id="{D0DBE286-D8C5-344F-1505-FEF7D4D77BEC}"/>
+              </a:ext>
+            </a:extLst>
+          </p:cNvPr>
+          <p:cNvPicPr>
+            <a:picLocks noChangeAspect="1"/>
+          </p:cNvPicPr>
+          <p:nvPr/>
+        </p:nvPicPr>
+        <p:blipFill>
+          <a:blip r:embed="rId7">
+            <a:extLst>
+              <a:ext uri="{28A0092B-C50C-407E-A947-70E740481C1C}">
+                <a14:useLocalDpi xmlns:a14="http://schemas.microsoft.com/office/drawing/2010/main" val="0"/>
+              </a:ext>
+            </a:extLst>
+          </a:blip>
+          <a:stretch>
+            <a:fillRect/>
+          </a:stretch>
+        </p:blipFill>
+        <p:spPr>
+          <a:xfrm>
+            <a:off x="9080882" y="372002"/>
+            <a:ext cx="3024000" cy="2520000"/>
+          </a:xfrm>
+          <a:prstGeom prst="rect">
+            <a:avLst/>
+          </a:prstGeom>
+          <a:ln>
+            <a:noFill/>
+          </a:ln>
+        </p:spPr>
+      </p:pic>
+      <p:pic>
+        <p:nvPicPr>
+          <p:cNvPr id="7" name="Grafik 6" descr="Ein Bild, das Screenshot, Quadrat, Schwarz enthält.&#10;&#10;Automatisch generierte Beschreibung">
+            <a:extLst>
+              <a:ext uri="{FF2B5EF4-FFF2-40B4-BE49-F238E27FC236}">
+                <a16:creationId xmlns:a16="http://schemas.microsoft.com/office/drawing/2014/main" id="{B6729352-9E42-F76A-9758-566709937064}"/>
+              </a:ext>
+            </a:extLst>
+          </p:cNvPr>
+          <p:cNvPicPr>
+            <a:picLocks noChangeAspect="1"/>
+          </p:cNvPicPr>
+          <p:nvPr/>
+        </p:nvPicPr>
+        <p:blipFill>
+          <a:blip r:embed="rId8">
+            <a:extLst>
+              <a:ext uri="{28A0092B-C50C-407E-A947-70E740481C1C}">
+                <a14:useLocalDpi xmlns:a14="http://schemas.microsoft.com/office/drawing/2010/main" val="0"/>
+              </a:ext>
+            </a:extLst>
+          </a:blip>
+          <a:stretch>
+            <a:fillRect/>
+          </a:stretch>
+        </p:blipFill>
+        <p:spPr>
+          <a:xfrm>
+            <a:off x="6056882" y="372002"/>
+            <a:ext cx="3024000" cy="2520000"/>
+          </a:xfrm>
+          <a:prstGeom prst="rect">
+            <a:avLst/>
+          </a:prstGeom>
+          <a:ln>
+            <a:noFill/>
+          </a:ln>
+        </p:spPr>
+      </p:pic>
+      <p:pic>
+        <p:nvPicPr>
+          <p:cNvPr id="17" name="Grafik 16" descr="Ein Bild, das Screenshot, Schwarz enthält.&#10;&#10;Automatisch generierte Beschreibung">
+            <a:extLst>
+              <a:ext uri="{FF2B5EF4-FFF2-40B4-BE49-F238E27FC236}">
+                <a16:creationId xmlns:a16="http://schemas.microsoft.com/office/drawing/2014/main" id="{31D5EF1C-0CF1-D644-9B71-855CF61EB2FB}"/>
+              </a:ext>
+            </a:extLst>
+          </p:cNvPr>
+          <p:cNvPicPr>
+            <a:picLocks noChangeAspect="1"/>
+          </p:cNvPicPr>
+          <p:nvPr/>
+        </p:nvPicPr>
+        <p:blipFill>
+          <a:blip r:embed="rId9">
+            <a:extLst>
+              <a:ext uri="{28A0092B-C50C-407E-A947-70E740481C1C}">
+                <a14:useLocalDpi xmlns:a14="http://schemas.microsoft.com/office/drawing/2010/main" val="0"/>
+              </a:ext>
+            </a:extLst>
+          </a:blip>
+          <a:stretch>
+            <a:fillRect/>
+          </a:stretch>
+        </p:blipFill>
+        <p:spPr>
+          <a:xfrm>
+            <a:off x="3028441" y="372002"/>
+            <a:ext cx="3024000" cy="2520000"/>
+          </a:xfrm>
+          <a:prstGeom prst="rect">
+            <a:avLst/>
+          </a:prstGeom>
+          <a:ln>
+            <a:noFill/>
+          </a:ln>
+        </p:spPr>
+      </p:pic>
+      <p:sp>
+        <p:nvSpPr>
+          <p:cNvPr id="9" name="Rechteck 8">
+            <a:extLst>
+              <a:ext uri="{FF2B5EF4-FFF2-40B4-BE49-F238E27FC236}">
+                <a16:creationId xmlns:a16="http://schemas.microsoft.com/office/drawing/2014/main" id="{F485914B-5698-BD5F-EA59-305FEC89457D}"/>
+              </a:ext>
+            </a:extLst>
+          </p:cNvPr>
+          <p:cNvSpPr/>
+          <p:nvPr/>
+        </p:nvSpPr>
+        <p:spPr>
+          <a:xfrm>
+            <a:off x="509363" y="515501"/>
+            <a:ext cx="312983" cy="312982"/>
+          </a:xfrm>
+          <a:prstGeom prst="rect">
+            <a:avLst/>
+          </a:prstGeom>
+          <a:solidFill>
+            <a:schemeClr val="bg1"/>
+          </a:solidFill>
+          <a:ln>
+            <a:solidFill>
+              <a:schemeClr val="tx1"/>
+            </a:solidFill>
+          </a:ln>
+        </p:spPr>
+        <p:style>
+          <a:lnRef idx="2">
+            <a:schemeClr val="accent1">
+              <a:shade val="15000"/>
+            </a:schemeClr>
+          </a:lnRef>
+          <a:fillRef idx="1">
+            <a:schemeClr val="accent1"/>
+          </a:fillRef>
+          <a:effectRef idx="0">
+            <a:schemeClr val="accent1"/>
+          </a:effectRef>
+          <a:fontRef idx="minor">
+            <a:schemeClr val="lt1"/>
+          </a:fontRef>
+        </p:style>
+        <p:txBody>
+          <a:bodyPr rtlCol="0" anchor="ctr"/>
+          <a:lstStyle/>
+          <a:p>
+            <a:pPr algn="ctr"/>
+            <a:r>
+              <a:rPr lang="de-CH" sz="1600" dirty="0">
+                <a:solidFill>
+                  <a:schemeClr val="tx1"/>
+                </a:solidFill>
+                <a:latin typeface="Avenir Next LT Pro" panose="020B0504020202020204" pitchFamily="34" charset="0"/>
+              </a:rPr>
+              <a:t>1</a:t>
+            </a:r>
+            <a:endParaRPr lang="en-GB" sz="1600" dirty="0">
+              <a:solidFill>
+                <a:schemeClr val="tx1"/>
+              </a:solidFill>
+              <a:latin typeface="Avenir Next LT Pro" panose="020B0504020202020204" pitchFamily="34" charset="0"/>
+            </a:endParaRPr>
+          </a:p>
+        </p:txBody>
+      </p:sp>
+      <p:sp>
+        <p:nvSpPr>
+          <p:cNvPr id="10" name="Rechteck 9">
+            <a:extLst>
+              <a:ext uri="{FF2B5EF4-FFF2-40B4-BE49-F238E27FC236}">
+                <a16:creationId xmlns:a16="http://schemas.microsoft.com/office/drawing/2014/main" id="{4ECA4311-3EE3-6254-67DE-543532601292}"/>
+              </a:ext>
+            </a:extLst>
+          </p:cNvPr>
+          <p:cNvSpPr/>
+          <p:nvPr/>
+        </p:nvSpPr>
+        <p:spPr>
+          <a:xfrm>
+            <a:off x="6571610" y="515501"/>
+            <a:ext cx="312983" cy="312982"/>
+          </a:xfrm>
+          <a:prstGeom prst="rect">
+            <a:avLst/>
+          </a:prstGeom>
+          <a:solidFill>
+            <a:schemeClr val="bg1"/>
+          </a:solidFill>
+          <a:ln>
+            <a:solidFill>
+              <a:schemeClr val="tx1"/>
+            </a:solidFill>
+          </a:ln>
+        </p:spPr>
+        <p:style>
+          <a:lnRef idx="2">
+            <a:schemeClr val="accent1">
+              <a:shade val="15000"/>
+            </a:schemeClr>
+          </a:lnRef>
+          <a:fillRef idx="1">
+            <a:schemeClr val="accent1"/>
+          </a:fillRef>
+          <a:effectRef idx="0">
+            <a:schemeClr val="accent1"/>
+          </a:effectRef>
+          <a:fontRef idx="minor">
+            <a:schemeClr val="lt1"/>
+          </a:fontRef>
+        </p:style>
+        <p:txBody>
+          <a:bodyPr rtlCol="0" anchor="ctr"/>
+          <a:lstStyle/>
+          <a:p>
+            <a:pPr algn="ctr"/>
+            <a:r>
+              <a:rPr lang="de-CH" sz="1600" dirty="0">
+                <a:solidFill>
+                  <a:schemeClr val="tx1"/>
+                </a:solidFill>
+                <a:latin typeface="Avenir Next LT Pro" panose="020B0504020202020204" pitchFamily="34" charset="0"/>
+              </a:rPr>
+              <a:t>3</a:t>
+            </a:r>
+            <a:endParaRPr lang="en-GB" sz="1600" dirty="0">
+              <a:solidFill>
+                <a:schemeClr val="tx1"/>
+              </a:solidFill>
+              <a:latin typeface="Avenir Next LT Pro" panose="020B0504020202020204" pitchFamily="34" charset="0"/>
+            </a:endParaRPr>
+          </a:p>
+        </p:txBody>
+      </p:sp>
+      <p:sp>
+        <p:nvSpPr>
+          <p:cNvPr id="11" name="Rechteck 10">
+            <a:extLst>
+              <a:ext uri="{FF2B5EF4-FFF2-40B4-BE49-F238E27FC236}">
+                <a16:creationId xmlns:a16="http://schemas.microsoft.com/office/drawing/2014/main" id="{01E61AAA-605D-DF6E-14EE-BD290083D835}"/>
+              </a:ext>
+            </a:extLst>
+          </p:cNvPr>
+          <p:cNvSpPr/>
+          <p:nvPr/>
+        </p:nvSpPr>
+        <p:spPr>
+          <a:xfrm>
+            <a:off x="3416215" y="515501"/>
+            <a:ext cx="312983" cy="312982"/>
+          </a:xfrm>
+          <a:prstGeom prst="rect">
+            <a:avLst/>
+          </a:prstGeom>
+          <a:solidFill>
+            <a:schemeClr val="bg1"/>
+          </a:solidFill>
+          <a:ln>
+            <a:solidFill>
+              <a:schemeClr val="tx1"/>
+            </a:solidFill>
+          </a:ln>
+        </p:spPr>
+        <p:style>
+          <a:lnRef idx="2">
+            <a:schemeClr val="accent1">
+              <a:shade val="15000"/>
+            </a:schemeClr>
+          </a:lnRef>
+          <a:fillRef idx="1">
+            <a:schemeClr val="accent1"/>
+          </a:fillRef>
+          <a:effectRef idx="0">
+            <a:schemeClr val="accent1"/>
+          </a:effectRef>
+          <a:fontRef idx="minor">
+            <a:schemeClr val="lt1"/>
+          </a:fontRef>
+        </p:style>
+        <p:txBody>
+          <a:bodyPr rtlCol="0" anchor="ctr"/>
+          <a:lstStyle/>
+          <a:p>
+            <a:pPr algn="ctr"/>
+            <a:r>
+              <a:rPr lang="de-CH" sz="1600" dirty="0">
+                <a:solidFill>
+                  <a:schemeClr val="tx1"/>
+                </a:solidFill>
+                <a:latin typeface="Avenir Next LT Pro" panose="020B0504020202020204" pitchFamily="34" charset="0"/>
+              </a:rPr>
+              <a:t>2</a:t>
+            </a:r>
+            <a:endParaRPr lang="en-GB" sz="1600" dirty="0">
+              <a:solidFill>
+                <a:schemeClr val="tx1"/>
+              </a:solidFill>
+              <a:latin typeface="Avenir Next LT Pro" panose="020B0504020202020204" pitchFamily="34" charset="0"/>
+            </a:endParaRPr>
+          </a:p>
+        </p:txBody>
+      </p:sp>
+      <p:sp>
+        <p:nvSpPr>
+          <p:cNvPr id="12" name="Rechteck 11">
+            <a:extLst>
+              <a:ext uri="{FF2B5EF4-FFF2-40B4-BE49-F238E27FC236}">
+                <a16:creationId xmlns:a16="http://schemas.microsoft.com/office/drawing/2014/main" id="{CEF2F6AE-E495-E51E-E663-D43D53BCFEDA}"/>
+              </a:ext>
+            </a:extLst>
+          </p:cNvPr>
+          <p:cNvSpPr/>
+          <p:nvPr/>
+        </p:nvSpPr>
+        <p:spPr>
+          <a:xfrm>
+            <a:off x="9637956" y="515501"/>
+            <a:ext cx="312983" cy="312982"/>
+          </a:xfrm>
+          <a:prstGeom prst="rect">
+            <a:avLst/>
+          </a:prstGeom>
+          <a:solidFill>
+            <a:schemeClr val="bg1"/>
+          </a:solidFill>
+          <a:ln>
+            <a:solidFill>
+              <a:schemeClr val="tx1"/>
+            </a:solidFill>
+          </a:ln>
+        </p:spPr>
+        <p:style>
+          <a:lnRef idx="2">
+            <a:schemeClr val="accent1">
+              <a:shade val="15000"/>
+            </a:schemeClr>
+          </a:lnRef>
+          <a:fillRef idx="1">
+            <a:schemeClr val="accent1"/>
+          </a:fillRef>
+          <a:effectRef idx="0">
+            <a:schemeClr val="accent1"/>
+          </a:effectRef>
+          <a:fontRef idx="minor">
+            <a:schemeClr val="lt1"/>
+          </a:fontRef>
+        </p:style>
+        <p:txBody>
+          <a:bodyPr rtlCol="0" anchor="ctr"/>
+          <a:lstStyle/>
+          <a:p>
+            <a:pPr algn="ctr"/>
+            <a:r>
+              <a:rPr lang="de-CH" sz="1600" dirty="0">
+                <a:solidFill>
+                  <a:schemeClr val="tx1"/>
+                </a:solidFill>
+                <a:latin typeface="Avenir Next LT Pro" panose="020B0504020202020204" pitchFamily="34" charset="0"/>
+              </a:rPr>
+              <a:t>4</a:t>
+            </a:r>
+            <a:endParaRPr lang="en-GB" sz="1600" dirty="0">
+              <a:solidFill>
+                <a:schemeClr val="tx1"/>
+              </a:solidFill>
+              <a:latin typeface="Avenir Next LT Pro" panose="020B0504020202020204" pitchFamily="34" charset="0"/>
+            </a:endParaRPr>
+          </a:p>
+        </p:txBody>
+      </p:sp>
+      <p:sp>
+        <p:nvSpPr>
+          <p:cNvPr id="21" name="Rechteck 20">
+            <a:extLst>
+              <a:ext uri="{FF2B5EF4-FFF2-40B4-BE49-F238E27FC236}">
+                <a16:creationId xmlns:a16="http://schemas.microsoft.com/office/drawing/2014/main" id="{9319E523-3B5B-A406-92DC-F0BF9A399239}"/>
+              </a:ext>
+            </a:extLst>
+          </p:cNvPr>
+          <p:cNvSpPr/>
+          <p:nvPr/>
+        </p:nvSpPr>
+        <p:spPr>
+          <a:xfrm>
+            <a:off x="9637955" y="3033708"/>
+            <a:ext cx="312983" cy="312982"/>
+          </a:xfrm>
+          <a:prstGeom prst="rect">
+            <a:avLst/>
+          </a:prstGeom>
+          <a:solidFill>
+            <a:schemeClr val="bg1"/>
+          </a:solidFill>
+          <a:ln>
+            <a:solidFill>
+              <a:schemeClr val="tx1"/>
+            </a:solidFill>
+          </a:ln>
+        </p:spPr>
+        <p:style>
+          <a:lnRef idx="2">
+            <a:schemeClr val="accent1">
+              <a:shade val="15000"/>
+            </a:schemeClr>
+          </a:lnRef>
+          <a:fillRef idx="1">
+            <a:schemeClr val="accent1"/>
+          </a:fillRef>
+          <a:effectRef idx="0">
+            <a:schemeClr val="accent1"/>
+          </a:effectRef>
+          <a:fontRef idx="minor">
+            <a:schemeClr val="lt1"/>
+          </a:fontRef>
+        </p:style>
+        <p:txBody>
+          <a:bodyPr rtlCol="0" anchor="ctr"/>
+          <a:lstStyle/>
+          <a:p>
+            <a:pPr algn="ctr"/>
+            <a:r>
+              <a:rPr lang="de-CH" sz="1600" dirty="0">
+                <a:solidFill>
+                  <a:schemeClr val="tx1"/>
+                </a:solidFill>
+                <a:latin typeface="Avenir Next LT Pro" panose="020B0504020202020204" pitchFamily="34" charset="0"/>
+              </a:rPr>
+              <a:t>8</a:t>
+            </a:r>
+            <a:endParaRPr lang="en-GB" sz="1600" dirty="0">
+              <a:solidFill>
+                <a:schemeClr val="tx1"/>
+              </a:solidFill>
+              <a:latin typeface="Avenir Next LT Pro" panose="020B0504020202020204" pitchFamily="34" charset="0"/>
+            </a:endParaRPr>
+          </a:p>
+        </p:txBody>
+      </p:sp>
+      <p:sp>
+        <p:nvSpPr>
+          <p:cNvPr id="22" name="Rechteck 21">
+            <a:extLst>
+              <a:ext uri="{FF2B5EF4-FFF2-40B4-BE49-F238E27FC236}">
+                <a16:creationId xmlns:a16="http://schemas.microsoft.com/office/drawing/2014/main" id="{F053CB93-4F70-56B1-4A13-CEC5944348A6}"/>
+              </a:ext>
+            </a:extLst>
+          </p:cNvPr>
+          <p:cNvSpPr/>
+          <p:nvPr/>
+        </p:nvSpPr>
+        <p:spPr>
+          <a:xfrm>
+            <a:off x="6571609" y="3033708"/>
+            <a:ext cx="312983" cy="312982"/>
+          </a:xfrm>
+          <a:prstGeom prst="rect">
+            <a:avLst/>
+          </a:prstGeom>
+          <a:solidFill>
+            <a:schemeClr val="bg1"/>
+          </a:solidFill>
+          <a:ln>
+            <a:solidFill>
+              <a:schemeClr val="tx1"/>
+            </a:solidFill>
+          </a:ln>
+        </p:spPr>
+        <p:style>
+          <a:lnRef idx="2">
+            <a:schemeClr val="accent1">
+              <a:shade val="15000"/>
+            </a:schemeClr>
+          </a:lnRef>
+          <a:fillRef idx="1">
+            <a:schemeClr val="accent1"/>
+          </a:fillRef>
+          <a:effectRef idx="0">
+            <a:schemeClr val="accent1"/>
+          </a:effectRef>
+          <a:fontRef idx="minor">
+            <a:schemeClr val="lt1"/>
+          </a:fontRef>
+        </p:style>
+        <p:txBody>
+          <a:bodyPr rtlCol="0" anchor="ctr"/>
+          <a:lstStyle/>
+          <a:p>
+            <a:pPr algn="ctr"/>
+            <a:r>
+              <a:rPr lang="de-CH" sz="1600" dirty="0">
+                <a:solidFill>
+                  <a:schemeClr val="tx1"/>
+                </a:solidFill>
+                <a:latin typeface="Avenir Next LT Pro" panose="020B0504020202020204" pitchFamily="34" charset="0"/>
+              </a:rPr>
+              <a:t>7</a:t>
+            </a:r>
+            <a:endParaRPr lang="en-GB" sz="1600" dirty="0">
+              <a:solidFill>
+                <a:schemeClr val="tx1"/>
+              </a:solidFill>
+              <a:latin typeface="Avenir Next LT Pro" panose="020B0504020202020204" pitchFamily="34" charset="0"/>
+            </a:endParaRPr>
+          </a:p>
+        </p:txBody>
+      </p:sp>
+      <p:sp>
+        <p:nvSpPr>
+          <p:cNvPr id="23" name="Rechteck 22">
+            <a:extLst>
+              <a:ext uri="{FF2B5EF4-FFF2-40B4-BE49-F238E27FC236}">
+                <a16:creationId xmlns:a16="http://schemas.microsoft.com/office/drawing/2014/main" id="{D631D18E-895D-3847-0531-4068323BF272}"/>
+              </a:ext>
+            </a:extLst>
+          </p:cNvPr>
+          <p:cNvSpPr/>
+          <p:nvPr/>
+        </p:nvSpPr>
+        <p:spPr>
+          <a:xfrm>
+            <a:off x="3416214" y="3035501"/>
+            <a:ext cx="312983" cy="312982"/>
+          </a:xfrm>
+          <a:prstGeom prst="rect">
+            <a:avLst/>
+          </a:prstGeom>
+          <a:solidFill>
+            <a:schemeClr val="bg1"/>
+          </a:solidFill>
+          <a:ln>
+            <a:solidFill>
+              <a:schemeClr val="tx1"/>
+            </a:solidFill>
+          </a:ln>
+        </p:spPr>
+        <p:style>
+          <a:lnRef idx="2">
+            <a:schemeClr val="accent1">
+              <a:shade val="15000"/>
+            </a:schemeClr>
+          </a:lnRef>
+          <a:fillRef idx="1">
+            <a:schemeClr val="accent1"/>
+          </a:fillRef>
+          <a:effectRef idx="0">
+            <a:schemeClr val="accent1"/>
+          </a:effectRef>
+          <a:fontRef idx="minor">
+            <a:schemeClr val="lt1"/>
+          </a:fontRef>
+        </p:style>
+        <p:txBody>
+          <a:bodyPr rtlCol="0" anchor="ctr"/>
+          <a:lstStyle/>
+          <a:p>
+            <a:pPr algn="ctr"/>
+            <a:r>
+              <a:rPr lang="de-CH" sz="1600" dirty="0">
+                <a:solidFill>
+                  <a:schemeClr val="tx1"/>
+                </a:solidFill>
+                <a:latin typeface="Avenir Next LT Pro" panose="020B0504020202020204" pitchFamily="34" charset="0"/>
+              </a:rPr>
+              <a:t>6</a:t>
+            </a:r>
+            <a:endParaRPr lang="en-GB" sz="1600" dirty="0">
+              <a:solidFill>
+                <a:schemeClr val="tx1"/>
+              </a:solidFill>
+              <a:latin typeface="Avenir Next LT Pro" panose="020B0504020202020204" pitchFamily="34" charset="0"/>
+            </a:endParaRPr>
+          </a:p>
+        </p:txBody>
+      </p:sp>
+      <p:sp>
+        <p:nvSpPr>
+          <p:cNvPr id="24" name="Rechteck 23">
+            <a:extLst>
+              <a:ext uri="{FF2B5EF4-FFF2-40B4-BE49-F238E27FC236}">
+                <a16:creationId xmlns:a16="http://schemas.microsoft.com/office/drawing/2014/main" id="{6D2A2AC4-BC98-A54A-1C4A-802F6C5B95C7}"/>
+              </a:ext>
+            </a:extLst>
+          </p:cNvPr>
+          <p:cNvSpPr/>
+          <p:nvPr/>
+        </p:nvSpPr>
+        <p:spPr>
+          <a:xfrm>
+            <a:off x="509362" y="3035501"/>
+            <a:ext cx="312983" cy="312982"/>
+          </a:xfrm>
+          <a:prstGeom prst="rect">
+            <a:avLst/>
+          </a:prstGeom>
+          <a:solidFill>
+            <a:schemeClr val="bg1"/>
+          </a:solidFill>
+          <a:ln>
+            <a:solidFill>
+              <a:schemeClr val="tx1"/>
+            </a:solidFill>
+          </a:ln>
+        </p:spPr>
+        <p:style>
+          <a:lnRef idx="2">
+            <a:schemeClr val="accent1">
+              <a:shade val="15000"/>
+            </a:schemeClr>
+          </a:lnRef>
+          <a:fillRef idx="1">
+            <a:schemeClr val="accent1"/>
+          </a:fillRef>
+          <a:effectRef idx="0">
+            <a:schemeClr val="accent1"/>
+          </a:effectRef>
+          <a:fontRef idx="minor">
+            <a:schemeClr val="lt1"/>
+          </a:fontRef>
+        </p:style>
+        <p:txBody>
+          <a:bodyPr rtlCol="0" anchor="ctr"/>
+          <a:lstStyle/>
+          <a:p>
+            <a:pPr algn="ctr"/>
+            <a:r>
+              <a:rPr lang="de-CH" sz="1600" dirty="0">
+                <a:solidFill>
+                  <a:schemeClr val="tx1"/>
+                </a:solidFill>
+                <a:latin typeface="Avenir Next LT Pro" panose="020B0504020202020204" pitchFamily="34" charset="0"/>
+              </a:rPr>
+              <a:t>5</a:t>
+            </a:r>
+            <a:endParaRPr lang="en-GB" sz="1600" dirty="0">
+              <a:solidFill>
+                <a:schemeClr val="tx1"/>
+              </a:solidFill>
+              <a:latin typeface="Avenir Next LT Pro" panose="020B0504020202020204" pitchFamily="34" charset="0"/>
+            </a:endParaRPr>
+          </a:p>
+        </p:txBody>
+      </p:sp>
+    </p:spTree>
+    <p:extLst>
+      <p:ext uri="{BB962C8B-B14F-4D97-AF65-F5344CB8AC3E}">
+        <p14:creationId xmlns:p14="http://schemas.microsoft.com/office/powerpoint/2010/main" val="2384681671"/>
+      </p:ext>
+    </p:extLst>
+  </p:cSld>
+  <p:clrMapOvr>
+    <a:masterClrMapping/>
+  </p:clrMapOvr>
+</p:sld>
+</file>
+
+<file path=ppt/slides/slide4.xml><?xml version="1.0" encoding="utf-8"?>
+<p:sld xmlns:a="http://schemas.openxmlformats.org/drawingml/2006/main" xmlns:r="http://schemas.openxmlformats.org/officeDocument/2006/relationships" xmlns:p="http://schemas.openxmlformats.org/presentationml/2006/main">
+  <p:cSld>
+    <p:spTree>
+      <p:nvGrpSpPr>
+        <p:cNvPr id="1" name=""/>
+        <p:cNvGrpSpPr/>
+        <p:nvPr/>
+      </p:nvGrpSpPr>
+      <p:grpSpPr>
+        <a:xfrm>
+          <a:off x="0" y="0"/>
+          <a:ext cx="0" cy="0"/>
+          <a:chOff x="0" y="0"/>
+          <a:chExt cx="0" cy="0"/>
+        </a:xfrm>
+      </p:grpSpPr>
+      <p:pic>
+        <p:nvPicPr>
+          <p:cNvPr id="5" name="Grafik 4" descr="Ein Bild, das Screenshot, Schwarz enthält.&#10;&#10;Automatisch generierte Beschreibung">
+            <a:extLst>
+              <a:ext uri="{FF2B5EF4-FFF2-40B4-BE49-F238E27FC236}">
+                <a16:creationId xmlns:a16="http://schemas.microsoft.com/office/drawing/2014/main" id="{2746BA39-636D-EF36-6540-9EDBD91FBCAA}"/>
+              </a:ext>
+            </a:extLst>
+          </p:cNvPr>
+          <p:cNvPicPr>
+            <a:picLocks noChangeAspect="1"/>
+          </p:cNvPicPr>
+          <p:nvPr/>
+        </p:nvPicPr>
+        <p:blipFill>
+          <a:blip r:embed="rId2">
+            <a:extLst>
+              <a:ext uri="{28A0092B-C50C-407E-A947-70E740481C1C}">
+                <a14:useLocalDpi xmlns:a14="http://schemas.microsoft.com/office/drawing/2010/main" val="0"/>
+              </a:ext>
+            </a:extLst>
+          </a:blip>
+          <a:stretch>
+            <a:fillRect/>
+          </a:stretch>
+        </p:blipFill>
+        <p:spPr>
+          <a:xfrm>
+            <a:off x="9111777" y="359618"/>
+            <a:ext cx="3024000" cy="2520000"/>
+          </a:xfrm>
+          <a:prstGeom prst="rect">
+            <a:avLst/>
+          </a:prstGeom>
+          <a:ln>
+            <a:noFill/>
+          </a:ln>
+        </p:spPr>
+      </p:pic>
+      <p:pic>
+        <p:nvPicPr>
+          <p:cNvPr id="3" name="Grafik 2" descr="Ein Bild, das Screenshot, Quadrat, Schwarz enthält.&#10;&#10;Automatisch generierte Beschreibung">
+            <a:extLst>
+              <a:ext uri="{FF2B5EF4-FFF2-40B4-BE49-F238E27FC236}">
+                <a16:creationId xmlns:a16="http://schemas.microsoft.com/office/drawing/2014/main" id="{E7576EAC-1FF5-20EB-45D1-CF717B0D00FB}"/>
+              </a:ext>
+            </a:extLst>
+          </p:cNvPr>
+          <p:cNvPicPr>
+            <a:picLocks noChangeAspect="1"/>
+          </p:cNvPicPr>
+          <p:nvPr/>
+        </p:nvPicPr>
+        <p:blipFill>
+          <a:blip r:embed="rId3">
+            <a:extLst>
+              <a:ext uri="{28A0092B-C50C-407E-A947-70E740481C1C}">
+                <a14:useLocalDpi xmlns:a14="http://schemas.microsoft.com/office/drawing/2010/main" val="0"/>
+              </a:ext>
+            </a:extLst>
+          </a:blip>
+          <a:stretch>
+            <a:fillRect/>
+          </a:stretch>
+        </p:blipFill>
+        <p:spPr>
+          <a:xfrm>
+            <a:off x="6074518" y="359618"/>
+            <a:ext cx="3024000" cy="2520000"/>
+          </a:xfrm>
+          <a:prstGeom prst="rect">
+            <a:avLst/>
+          </a:prstGeom>
+          <a:ln>
+            <a:noFill/>
+          </a:ln>
+        </p:spPr>
+      </p:pic>
+      <p:pic>
+        <p:nvPicPr>
+          <p:cNvPr id="15" name="Grafik 14" descr="Ein Bild, das Screenshot, Quadrat, Schwarz enthält.&#10;&#10;Automatisch generierte Beschreibung">
+            <a:extLst>
+              <a:ext uri="{FF2B5EF4-FFF2-40B4-BE49-F238E27FC236}">
+                <a16:creationId xmlns:a16="http://schemas.microsoft.com/office/drawing/2014/main" id="{656B443C-63E3-82AF-EC3D-F33978B5B61B}"/>
+              </a:ext>
+            </a:extLst>
+          </p:cNvPr>
+          <p:cNvPicPr>
+            <a:picLocks noChangeAspect="1"/>
+          </p:cNvPicPr>
+          <p:nvPr/>
+        </p:nvPicPr>
+        <p:blipFill>
+          <a:blip r:embed="rId4">
+            <a:extLst>
+              <a:ext uri="{28A0092B-C50C-407E-A947-70E740481C1C}">
+                <a14:useLocalDpi xmlns:a14="http://schemas.microsoft.com/office/drawing/2010/main" val="0"/>
+              </a:ext>
+            </a:extLst>
+          </a:blip>
+          <a:stretch>
+            <a:fillRect/>
+          </a:stretch>
+        </p:blipFill>
+        <p:spPr>
+          <a:xfrm>
+            <a:off x="0" y="359618"/>
+            <a:ext cx="3024000" cy="2520000"/>
+          </a:xfrm>
+          <a:prstGeom prst="rect">
+            <a:avLst/>
+          </a:prstGeom>
+          <a:ln>
+            <a:noFill/>
+          </a:ln>
+        </p:spPr>
+      </p:pic>
+      <p:pic>
+        <p:nvPicPr>
+          <p:cNvPr id="8" name="Grafik 7" descr="Ein Bild, das Screenshot, Schwarz enthält.&#10;&#10;Automatisch generierte Beschreibung">
+            <a:extLst>
+              <a:ext uri="{FF2B5EF4-FFF2-40B4-BE49-F238E27FC236}">
+                <a16:creationId xmlns:a16="http://schemas.microsoft.com/office/drawing/2014/main" id="{A724BF69-53A1-F91B-C31C-EFA44E2827D6}"/>
+              </a:ext>
+            </a:extLst>
+          </p:cNvPr>
+          <p:cNvPicPr>
+            <a:picLocks noChangeAspect="1"/>
+          </p:cNvPicPr>
+          <p:nvPr/>
+        </p:nvPicPr>
+        <p:blipFill>
+          <a:blip r:embed="rId5">
+            <a:extLst>
+              <a:ext uri="{28A0092B-C50C-407E-A947-70E740481C1C}">
+                <a14:useLocalDpi xmlns:a14="http://schemas.microsoft.com/office/drawing/2010/main" val="0"/>
+              </a:ext>
+            </a:extLst>
+          </a:blip>
+          <a:stretch>
+            <a:fillRect/>
+          </a:stretch>
+        </p:blipFill>
+        <p:spPr>
+          <a:xfrm>
+            <a:off x="3037259" y="359618"/>
+            <a:ext cx="3024000" cy="2520000"/>
+          </a:xfrm>
+          <a:prstGeom prst="rect">
+            <a:avLst/>
+          </a:prstGeom>
+          <a:ln>
+            <a:noFill/>
+          </a:ln>
+        </p:spPr>
+      </p:pic>
+      <p:sp>
+        <p:nvSpPr>
+          <p:cNvPr id="9" name="Rechteck 8">
+            <a:extLst>
+              <a:ext uri="{FF2B5EF4-FFF2-40B4-BE49-F238E27FC236}">
+                <a16:creationId xmlns:a16="http://schemas.microsoft.com/office/drawing/2014/main" id="{F485914B-5698-BD5F-EA59-305FEC89457D}"/>
+              </a:ext>
+            </a:extLst>
+          </p:cNvPr>
+          <p:cNvSpPr/>
+          <p:nvPr/>
+        </p:nvSpPr>
+        <p:spPr>
+          <a:xfrm>
+            <a:off x="509363" y="515501"/>
+            <a:ext cx="312983" cy="312982"/>
+          </a:xfrm>
+          <a:prstGeom prst="rect">
+            <a:avLst/>
+          </a:prstGeom>
+          <a:solidFill>
+            <a:schemeClr val="bg1"/>
+          </a:solidFill>
+          <a:ln>
+            <a:solidFill>
+              <a:schemeClr val="tx1"/>
+            </a:solidFill>
+          </a:ln>
+        </p:spPr>
+        <p:style>
+          <a:lnRef idx="2">
+            <a:schemeClr val="accent1">
+              <a:shade val="15000"/>
+            </a:schemeClr>
+          </a:lnRef>
+          <a:fillRef idx="1">
+            <a:schemeClr val="accent1"/>
+          </a:fillRef>
+          <a:effectRef idx="0">
+            <a:schemeClr val="accent1"/>
+          </a:effectRef>
+          <a:fontRef idx="minor">
+            <a:schemeClr val="lt1"/>
+          </a:fontRef>
+        </p:style>
+        <p:txBody>
+          <a:bodyPr rtlCol="0" anchor="ctr"/>
+          <a:lstStyle/>
+          <a:p>
+            <a:pPr algn="ctr"/>
+            <a:r>
+              <a:rPr lang="de-CH" sz="1600" dirty="0">
+                <a:solidFill>
+                  <a:schemeClr val="tx1"/>
+                </a:solidFill>
+                <a:latin typeface="Avenir Next LT Pro" panose="020B0504020202020204" pitchFamily="34" charset="0"/>
+              </a:rPr>
+              <a:t>1</a:t>
+            </a:r>
+            <a:endParaRPr lang="en-GB" sz="1600" dirty="0">
+              <a:solidFill>
+                <a:schemeClr val="tx1"/>
+              </a:solidFill>
+              <a:latin typeface="Avenir Next LT Pro" panose="020B0504020202020204" pitchFamily="34" charset="0"/>
+            </a:endParaRPr>
+          </a:p>
+        </p:txBody>
+      </p:sp>
+      <p:sp>
+        <p:nvSpPr>
+          <p:cNvPr id="10" name="Rechteck 9">
+            <a:extLst>
+              <a:ext uri="{FF2B5EF4-FFF2-40B4-BE49-F238E27FC236}">
+                <a16:creationId xmlns:a16="http://schemas.microsoft.com/office/drawing/2014/main" id="{4ECA4311-3EE3-6254-67DE-543532601292}"/>
+              </a:ext>
+            </a:extLst>
+          </p:cNvPr>
+          <p:cNvSpPr/>
+          <p:nvPr/>
+        </p:nvSpPr>
+        <p:spPr>
+          <a:xfrm>
+            <a:off x="6571610" y="515501"/>
+            <a:ext cx="312983" cy="312982"/>
+          </a:xfrm>
+          <a:prstGeom prst="rect">
+            <a:avLst/>
+          </a:prstGeom>
+          <a:solidFill>
+            <a:schemeClr val="bg1"/>
+          </a:solidFill>
+          <a:ln>
+            <a:solidFill>
+              <a:schemeClr val="tx1"/>
+            </a:solidFill>
+          </a:ln>
+        </p:spPr>
+        <p:style>
+          <a:lnRef idx="2">
+            <a:schemeClr val="accent1">
+              <a:shade val="15000"/>
+            </a:schemeClr>
+          </a:lnRef>
+          <a:fillRef idx="1">
+            <a:schemeClr val="accent1"/>
+          </a:fillRef>
+          <a:effectRef idx="0">
+            <a:schemeClr val="accent1"/>
+          </a:effectRef>
+          <a:fontRef idx="minor">
+            <a:schemeClr val="lt1"/>
+          </a:fontRef>
+        </p:style>
+        <p:txBody>
+          <a:bodyPr rtlCol="0" anchor="ctr"/>
+          <a:lstStyle/>
+          <a:p>
+            <a:pPr algn="ctr"/>
+            <a:r>
+              <a:rPr lang="de-CH" sz="1600" dirty="0">
+                <a:solidFill>
+                  <a:schemeClr val="tx1"/>
+                </a:solidFill>
+                <a:latin typeface="Avenir Next LT Pro" panose="020B0504020202020204" pitchFamily="34" charset="0"/>
+              </a:rPr>
+              <a:t>3</a:t>
+            </a:r>
+            <a:endParaRPr lang="en-GB" sz="1600" dirty="0">
+              <a:solidFill>
+                <a:schemeClr val="tx1"/>
+              </a:solidFill>
+              <a:latin typeface="Avenir Next LT Pro" panose="020B0504020202020204" pitchFamily="34" charset="0"/>
+            </a:endParaRPr>
+          </a:p>
+        </p:txBody>
+      </p:sp>
+      <p:sp>
+        <p:nvSpPr>
+          <p:cNvPr id="11" name="Rechteck 10">
+            <a:extLst>
+              <a:ext uri="{FF2B5EF4-FFF2-40B4-BE49-F238E27FC236}">
+                <a16:creationId xmlns:a16="http://schemas.microsoft.com/office/drawing/2014/main" id="{01E61AAA-605D-DF6E-14EE-BD290083D835}"/>
+              </a:ext>
+            </a:extLst>
+          </p:cNvPr>
+          <p:cNvSpPr/>
+          <p:nvPr/>
+        </p:nvSpPr>
+        <p:spPr>
+          <a:xfrm>
+            <a:off x="3416215" y="515501"/>
+            <a:ext cx="312983" cy="312982"/>
+          </a:xfrm>
+          <a:prstGeom prst="rect">
+            <a:avLst/>
+          </a:prstGeom>
+          <a:solidFill>
+            <a:schemeClr val="bg1"/>
+          </a:solidFill>
+          <a:ln>
+            <a:solidFill>
+              <a:schemeClr val="tx1"/>
+            </a:solidFill>
+          </a:ln>
+        </p:spPr>
+        <p:style>
+          <a:lnRef idx="2">
+            <a:schemeClr val="accent1">
+              <a:shade val="15000"/>
+            </a:schemeClr>
+          </a:lnRef>
+          <a:fillRef idx="1">
+            <a:schemeClr val="accent1"/>
+          </a:fillRef>
+          <a:effectRef idx="0">
+            <a:schemeClr val="accent1"/>
+          </a:effectRef>
+          <a:fontRef idx="minor">
+            <a:schemeClr val="lt1"/>
+          </a:fontRef>
+        </p:style>
+        <p:txBody>
+          <a:bodyPr rtlCol="0" anchor="ctr"/>
+          <a:lstStyle/>
+          <a:p>
+            <a:pPr algn="ctr"/>
+            <a:r>
+              <a:rPr lang="de-CH" sz="1600" dirty="0">
+                <a:solidFill>
+                  <a:schemeClr val="tx1"/>
+                </a:solidFill>
+                <a:latin typeface="Avenir Next LT Pro" panose="020B0504020202020204" pitchFamily="34" charset="0"/>
+              </a:rPr>
+              <a:t>2</a:t>
+            </a:r>
+            <a:endParaRPr lang="en-GB" sz="1600" dirty="0">
+              <a:solidFill>
+                <a:schemeClr val="tx1"/>
+              </a:solidFill>
+              <a:latin typeface="Avenir Next LT Pro" panose="020B0504020202020204" pitchFamily="34" charset="0"/>
+            </a:endParaRPr>
+          </a:p>
+        </p:txBody>
+      </p:sp>
+      <p:sp>
+        <p:nvSpPr>
+          <p:cNvPr id="12" name="Rechteck 11">
+            <a:extLst>
+              <a:ext uri="{FF2B5EF4-FFF2-40B4-BE49-F238E27FC236}">
+                <a16:creationId xmlns:a16="http://schemas.microsoft.com/office/drawing/2014/main" id="{CEF2F6AE-E495-E51E-E663-D43D53BCFEDA}"/>
+              </a:ext>
+            </a:extLst>
+          </p:cNvPr>
+          <p:cNvSpPr/>
+          <p:nvPr/>
+        </p:nvSpPr>
+        <p:spPr>
+          <a:xfrm>
+            <a:off x="9637956" y="515501"/>
+            <a:ext cx="312983" cy="312982"/>
+          </a:xfrm>
+          <a:prstGeom prst="rect">
+            <a:avLst/>
+          </a:prstGeom>
+          <a:solidFill>
+            <a:schemeClr val="bg1"/>
+          </a:solidFill>
+          <a:ln>
+            <a:solidFill>
+              <a:schemeClr val="tx1"/>
+            </a:solidFill>
+          </a:ln>
+        </p:spPr>
+        <p:style>
+          <a:lnRef idx="2">
+            <a:schemeClr val="accent1">
+              <a:shade val="15000"/>
+            </a:schemeClr>
+          </a:lnRef>
+          <a:fillRef idx="1">
+            <a:schemeClr val="accent1"/>
+          </a:fillRef>
+          <a:effectRef idx="0">
+            <a:schemeClr val="accent1"/>
+          </a:effectRef>
+          <a:fontRef idx="minor">
+            <a:schemeClr val="lt1"/>
+          </a:fontRef>
+        </p:style>
+        <p:txBody>
+          <a:bodyPr rtlCol="0" anchor="ctr"/>
+          <a:lstStyle/>
+          <a:p>
+            <a:pPr algn="ctr"/>
+            <a:r>
+              <a:rPr lang="de-CH" sz="1600" dirty="0">
+                <a:solidFill>
+                  <a:schemeClr val="tx1"/>
+                </a:solidFill>
+                <a:latin typeface="Avenir Next LT Pro" panose="020B0504020202020204" pitchFamily="34" charset="0"/>
+              </a:rPr>
+              <a:t>4</a:t>
+            </a:r>
+            <a:endParaRPr lang="en-GB" sz="1600" dirty="0">
+              <a:solidFill>
+                <a:schemeClr val="tx1"/>
+              </a:solidFill>
+              <a:latin typeface="Avenir Next LT Pro" panose="020B0504020202020204" pitchFamily="34" charset="0"/>
+            </a:endParaRPr>
+          </a:p>
+        </p:txBody>
+      </p:sp>
+    </p:spTree>
+    <p:extLst>
+      <p:ext uri="{BB962C8B-B14F-4D97-AF65-F5344CB8AC3E}">
+        <p14:creationId xmlns:p14="http://schemas.microsoft.com/office/powerpoint/2010/main" val="971970461"/>
       </p:ext>
     </p:extLst>
   </p:cSld>

--- a/Stat_Analysis/regr_plots/Plots.pptx
+++ b/Stat_Analysis/regr_plots/Plots.pptx
@@ -2,21 +2,24 @@
 <file path=ppt/presentation.xml><?xml version="1.0" encoding="utf-8"?>
 <p:presentation xmlns:a="http://schemas.openxmlformats.org/drawingml/2006/main" xmlns:r="http://schemas.openxmlformats.org/officeDocument/2006/relationships" xmlns:p="http://schemas.openxmlformats.org/presentationml/2006/main" saveSubsetFonts="1">
   <p:sldMasterIdLst>
-    <p:sldMasterId id="2147483648" r:id="rId1"/>
+    <p:sldMasterId id="2147483660" r:id="rId1"/>
   </p:sldMasterIdLst>
+  <p:notesMasterIdLst>
+    <p:notesMasterId r:id="rId6"/>
+  </p:notesMasterIdLst>
   <p:sldIdLst>
     <p:sldId id="256" r:id="rId2"/>
-    <p:sldId id="259" r:id="rId3"/>
-    <p:sldId id="260" r:id="rId4"/>
-    <p:sldId id="261" r:id="rId5"/>
+    <p:sldId id="262" r:id="rId3"/>
+    <p:sldId id="263" r:id="rId4"/>
+    <p:sldId id="264" r:id="rId5"/>
   </p:sldIdLst>
-  <p:sldSz cx="12192000" cy="6858000"/>
+  <p:sldSz cx="6858000" cy="12192000"/>
   <p:notesSz cx="6858000" cy="9144000"/>
   <p:defaultTextStyle>
     <a:defPPr>
       <a:defRPr lang="en-US"/>
     </a:defPPr>
-    <a:lvl1pPr marL="0" algn="l" defTabSz="914400" rtl="0" eaLnBrk="1" latinLnBrk="0" hangingPunct="1">
+    <a:lvl1pPr marL="0" algn="l" defTabSz="457200" rtl="0" eaLnBrk="1" latinLnBrk="0" hangingPunct="1">
       <a:defRPr sz="1800" kern="1200">
         <a:solidFill>
           <a:schemeClr val="tx1"/>
@@ -26,7 +29,7 @@
         <a:cs typeface="+mn-cs"/>
       </a:defRPr>
     </a:lvl1pPr>
-    <a:lvl2pPr marL="457200" algn="l" defTabSz="914400" rtl="0" eaLnBrk="1" latinLnBrk="0" hangingPunct="1">
+    <a:lvl2pPr marL="457200" algn="l" defTabSz="457200" rtl="0" eaLnBrk="1" latinLnBrk="0" hangingPunct="1">
       <a:defRPr sz="1800" kern="1200">
         <a:solidFill>
           <a:schemeClr val="tx1"/>
@@ -36,7 +39,7 @@
         <a:cs typeface="+mn-cs"/>
       </a:defRPr>
     </a:lvl2pPr>
-    <a:lvl3pPr marL="914400" algn="l" defTabSz="914400" rtl="0" eaLnBrk="1" latinLnBrk="0" hangingPunct="1">
+    <a:lvl3pPr marL="914400" algn="l" defTabSz="457200" rtl="0" eaLnBrk="1" latinLnBrk="0" hangingPunct="1">
       <a:defRPr sz="1800" kern="1200">
         <a:solidFill>
           <a:schemeClr val="tx1"/>
@@ -46,7 +49,7 @@
         <a:cs typeface="+mn-cs"/>
       </a:defRPr>
     </a:lvl3pPr>
-    <a:lvl4pPr marL="1371600" algn="l" defTabSz="914400" rtl="0" eaLnBrk="1" latinLnBrk="0" hangingPunct="1">
+    <a:lvl4pPr marL="1371600" algn="l" defTabSz="457200" rtl="0" eaLnBrk="1" latinLnBrk="0" hangingPunct="1">
       <a:defRPr sz="1800" kern="1200">
         <a:solidFill>
           <a:schemeClr val="tx1"/>
@@ -56,7 +59,7 @@
         <a:cs typeface="+mn-cs"/>
       </a:defRPr>
     </a:lvl4pPr>
-    <a:lvl5pPr marL="1828800" algn="l" defTabSz="914400" rtl="0" eaLnBrk="1" latinLnBrk="0" hangingPunct="1">
+    <a:lvl5pPr marL="1828800" algn="l" defTabSz="457200" rtl="0" eaLnBrk="1" latinLnBrk="0" hangingPunct="1">
       <a:defRPr sz="1800" kern="1200">
         <a:solidFill>
           <a:schemeClr val="tx1"/>
@@ -66,7 +69,7 @@
         <a:cs typeface="+mn-cs"/>
       </a:defRPr>
     </a:lvl5pPr>
-    <a:lvl6pPr marL="2286000" algn="l" defTabSz="914400" rtl="0" eaLnBrk="1" latinLnBrk="0" hangingPunct="1">
+    <a:lvl6pPr marL="2286000" algn="l" defTabSz="457200" rtl="0" eaLnBrk="1" latinLnBrk="0" hangingPunct="1">
       <a:defRPr sz="1800" kern="1200">
         <a:solidFill>
           <a:schemeClr val="tx1"/>
@@ -76,7 +79,7 @@
         <a:cs typeface="+mn-cs"/>
       </a:defRPr>
     </a:lvl6pPr>
-    <a:lvl7pPr marL="2743200" algn="l" defTabSz="914400" rtl="0" eaLnBrk="1" latinLnBrk="0" hangingPunct="1">
+    <a:lvl7pPr marL="2743200" algn="l" defTabSz="457200" rtl="0" eaLnBrk="1" latinLnBrk="0" hangingPunct="1">
       <a:defRPr sz="1800" kern="1200">
         <a:solidFill>
           <a:schemeClr val="tx1"/>
@@ -86,7 +89,7 @@
         <a:cs typeface="+mn-cs"/>
       </a:defRPr>
     </a:lvl7pPr>
-    <a:lvl8pPr marL="3200400" algn="l" defTabSz="914400" rtl="0" eaLnBrk="1" latinLnBrk="0" hangingPunct="1">
+    <a:lvl8pPr marL="3200400" algn="l" defTabSz="457200" rtl="0" eaLnBrk="1" latinLnBrk="0" hangingPunct="1">
       <a:defRPr sz="1800" kern="1200">
         <a:solidFill>
           <a:schemeClr val="tx1"/>
@@ -96,7 +99,7 @@
         <a:cs typeface="+mn-cs"/>
       </a:defRPr>
     </a:lvl8pPr>
-    <a:lvl9pPr marL="3657600" algn="l" defTabSz="914400" rtl="0" eaLnBrk="1" latinLnBrk="0" hangingPunct="1">
+    <a:lvl9pPr marL="3657600" algn="l" defTabSz="457200" rtl="0" eaLnBrk="1" latinLnBrk="0" hangingPunct="1">
       <a:defRPr sz="1800" kern="1200">
         <a:solidFill>
           <a:schemeClr val="tx1"/>
@@ -113,6 +116,620 @@
     </p:ext>
   </p:extLst>
 </p:presentation>
+</file>
+
+<file path=ppt/notesMasters/notesMaster1.xml><?xml version="1.0" encoding="utf-8"?>
+<p:notesMaster xmlns:a="http://schemas.openxmlformats.org/drawingml/2006/main" xmlns:r="http://schemas.openxmlformats.org/officeDocument/2006/relationships" xmlns:p="http://schemas.openxmlformats.org/presentationml/2006/main">
+  <p:cSld>
+    <p:bg>
+      <p:bgRef idx="1001">
+        <a:schemeClr val="bg1"/>
+      </p:bgRef>
+    </p:bg>
+    <p:spTree>
+      <p:nvGrpSpPr>
+        <p:cNvPr id="1" name=""/>
+        <p:cNvGrpSpPr/>
+        <p:nvPr/>
+      </p:nvGrpSpPr>
+      <p:grpSpPr>
+        <a:xfrm>
+          <a:off x="0" y="0"/>
+          <a:ext cx="0" cy="0"/>
+          <a:chOff x="0" y="0"/>
+          <a:chExt cx="0" cy="0"/>
+        </a:xfrm>
+      </p:grpSpPr>
+      <p:sp>
+        <p:nvSpPr>
+          <p:cNvPr id="2" name="Kopfzeilenplatzhalter 1"/>
+          <p:cNvSpPr>
+            <a:spLocks noGrp="1"/>
+          </p:cNvSpPr>
+          <p:nvPr>
+            <p:ph type="hdr" sz="quarter"/>
+          </p:nvPr>
+        </p:nvSpPr>
+        <p:spPr>
+          <a:xfrm>
+            <a:off x="0" y="0"/>
+            <a:ext cx="2971800" cy="458788"/>
+          </a:xfrm>
+          <a:prstGeom prst="rect">
+            <a:avLst/>
+          </a:prstGeom>
+        </p:spPr>
+        <p:txBody>
+          <a:bodyPr vert="horz" lIns="91440" tIns="45720" rIns="91440" bIns="45720" rtlCol="0"/>
+          <a:lstStyle>
+            <a:lvl1pPr algn="l">
+              <a:defRPr sz="1200"/>
+            </a:lvl1pPr>
+          </a:lstStyle>
+          <a:p>
+            <a:endParaRPr lang="en-GB"/>
+          </a:p>
+        </p:txBody>
+      </p:sp>
+      <p:sp>
+        <p:nvSpPr>
+          <p:cNvPr id="3" name="Datumsplatzhalter 2"/>
+          <p:cNvSpPr>
+            <a:spLocks noGrp="1"/>
+          </p:cNvSpPr>
+          <p:nvPr>
+            <p:ph type="dt" idx="1"/>
+          </p:nvPr>
+        </p:nvSpPr>
+        <p:spPr>
+          <a:xfrm>
+            <a:off x="3884613" y="0"/>
+            <a:ext cx="2971800" cy="458788"/>
+          </a:xfrm>
+          <a:prstGeom prst="rect">
+            <a:avLst/>
+          </a:prstGeom>
+        </p:spPr>
+        <p:txBody>
+          <a:bodyPr vert="horz" lIns="91440" tIns="45720" rIns="91440" bIns="45720" rtlCol="0"/>
+          <a:lstStyle>
+            <a:lvl1pPr algn="r">
+              <a:defRPr sz="1200"/>
+            </a:lvl1pPr>
+          </a:lstStyle>
+          <a:p>
+            <a:fld id="{E9F0EEAE-47CC-40B4-B895-3F239C789348}" type="datetimeFigureOut">
+              <a:rPr lang="en-GB" smtClean="0"/>
+              <a:t>23/11/2023</a:t>
+            </a:fld>
+            <a:endParaRPr lang="en-GB"/>
+          </a:p>
+        </p:txBody>
+      </p:sp>
+      <p:sp>
+        <p:nvSpPr>
+          <p:cNvPr id="4" name="Folienbildplatzhalter 3"/>
+          <p:cNvSpPr>
+            <a:spLocks noGrp="1" noRot="1" noChangeAspect="1"/>
+          </p:cNvSpPr>
+          <p:nvPr>
+            <p:ph type="sldImg" idx="2"/>
+          </p:nvPr>
+        </p:nvSpPr>
+        <p:spPr>
+          <a:xfrm>
+            <a:off x="2560638" y="1143000"/>
+            <a:ext cx="1736725" cy="3086100"/>
+          </a:xfrm>
+          <a:prstGeom prst="rect">
+            <a:avLst/>
+          </a:prstGeom>
+          <a:noFill/>
+          <a:ln w="12700">
+            <a:solidFill>
+              <a:prstClr val="black"/>
+            </a:solidFill>
+          </a:ln>
+        </p:spPr>
+        <p:txBody>
+          <a:bodyPr vert="horz" lIns="91440" tIns="45720" rIns="91440" bIns="45720" rtlCol="0" anchor="ctr"/>
+          <a:lstStyle/>
+          <a:p>
+            <a:endParaRPr lang="en-GB"/>
+          </a:p>
+        </p:txBody>
+      </p:sp>
+      <p:sp>
+        <p:nvSpPr>
+          <p:cNvPr id="5" name="Notizenplatzhalter 4"/>
+          <p:cNvSpPr>
+            <a:spLocks noGrp="1"/>
+          </p:cNvSpPr>
+          <p:nvPr>
+            <p:ph type="body" sz="quarter" idx="3"/>
+          </p:nvPr>
+        </p:nvSpPr>
+        <p:spPr>
+          <a:xfrm>
+            <a:off x="685800" y="4400550"/>
+            <a:ext cx="5486400" cy="3600450"/>
+          </a:xfrm>
+          <a:prstGeom prst="rect">
+            <a:avLst/>
+          </a:prstGeom>
+        </p:spPr>
+        <p:txBody>
+          <a:bodyPr vert="horz" lIns="91440" tIns="45720" rIns="91440" bIns="45720" rtlCol="0"/>
+          <a:lstStyle/>
+          <a:p>
+            <a:pPr lvl="0"/>
+            <a:r>
+              <a:rPr lang="de-DE"/>
+              <a:t>Mastertextformat bearbeiten</a:t>
+            </a:r>
+          </a:p>
+          <a:p>
+            <a:pPr lvl="1"/>
+            <a:r>
+              <a:rPr lang="de-DE"/>
+              <a:t>Zweite Ebene</a:t>
+            </a:r>
+          </a:p>
+          <a:p>
+            <a:pPr lvl="2"/>
+            <a:r>
+              <a:rPr lang="de-DE"/>
+              <a:t>Dritte Ebene</a:t>
+            </a:r>
+          </a:p>
+          <a:p>
+            <a:pPr lvl="3"/>
+            <a:r>
+              <a:rPr lang="de-DE"/>
+              <a:t>Vierte Ebene</a:t>
+            </a:r>
+          </a:p>
+          <a:p>
+            <a:pPr lvl="4"/>
+            <a:r>
+              <a:rPr lang="de-DE"/>
+              <a:t>Fünfte Ebene</a:t>
+            </a:r>
+            <a:endParaRPr lang="en-GB"/>
+          </a:p>
+        </p:txBody>
+      </p:sp>
+      <p:sp>
+        <p:nvSpPr>
+          <p:cNvPr id="6" name="Fußzeilenplatzhalter 5"/>
+          <p:cNvSpPr>
+            <a:spLocks noGrp="1"/>
+          </p:cNvSpPr>
+          <p:nvPr>
+            <p:ph type="ftr" sz="quarter" idx="4"/>
+          </p:nvPr>
+        </p:nvSpPr>
+        <p:spPr>
+          <a:xfrm>
+            <a:off x="0" y="8685213"/>
+            <a:ext cx="2971800" cy="458787"/>
+          </a:xfrm>
+          <a:prstGeom prst="rect">
+            <a:avLst/>
+          </a:prstGeom>
+        </p:spPr>
+        <p:txBody>
+          <a:bodyPr vert="horz" lIns="91440" tIns="45720" rIns="91440" bIns="45720" rtlCol="0" anchor="b"/>
+          <a:lstStyle>
+            <a:lvl1pPr algn="l">
+              <a:defRPr sz="1200"/>
+            </a:lvl1pPr>
+          </a:lstStyle>
+          <a:p>
+            <a:endParaRPr lang="en-GB"/>
+          </a:p>
+        </p:txBody>
+      </p:sp>
+      <p:sp>
+        <p:nvSpPr>
+          <p:cNvPr id="7" name="Foliennummernplatzhalter 6"/>
+          <p:cNvSpPr>
+            <a:spLocks noGrp="1"/>
+          </p:cNvSpPr>
+          <p:nvPr>
+            <p:ph type="sldNum" sz="quarter" idx="5"/>
+          </p:nvPr>
+        </p:nvSpPr>
+        <p:spPr>
+          <a:xfrm>
+            <a:off x="3884613" y="8685213"/>
+            <a:ext cx="2971800" cy="458787"/>
+          </a:xfrm>
+          <a:prstGeom prst="rect">
+            <a:avLst/>
+          </a:prstGeom>
+        </p:spPr>
+        <p:txBody>
+          <a:bodyPr vert="horz" lIns="91440" tIns="45720" rIns="91440" bIns="45720" rtlCol="0" anchor="b"/>
+          <a:lstStyle>
+            <a:lvl1pPr algn="r">
+              <a:defRPr sz="1200"/>
+            </a:lvl1pPr>
+          </a:lstStyle>
+          <a:p>
+            <a:fld id="{140B6185-32E5-4DAC-9200-5D498AE88BFC}" type="slidenum">
+              <a:rPr lang="en-GB" smtClean="0"/>
+              <a:t>‹Nr.›</a:t>
+            </a:fld>
+            <a:endParaRPr lang="en-GB"/>
+          </a:p>
+        </p:txBody>
+      </p:sp>
+    </p:spTree>
+    <p:extLst>
+      <p:ext uri="{BB962C8B-B14F-4D97-AF65-F5344CB8AC3E}">
+        <p14:creationId xmlns:p14="http://schemas.microsoft.com/office/powerpoint/2010/main" val="3986754460"/>
+      </p:ext>
+    </p:extLst>
+  </p:cSld>
+  <p:clrMap bg1="lt1" tx1="dk1" bg2="lt2" tx2="dk2" accent1="accent1" accent2="accent2" accent3="accent3" accent4="accent4" accent5="accent5" accent6="accent6" hlink="hlink" folHlink="folHlink"/>
+  <p:notesStyle>
+    <a:lvl1pPr marL="0" algn="l" defTabSz="914400" rtl="0" eaLnBrk="1" latinLnBrk="0" hangingPunct="1">
+      <a:defRPr sz="1200" kern="1200">
+        <a:solidFill>
+          <a:schemeClr val="tx1"/>
+        </a:solidFill>
+        <a:latin typeface="+mn-lt"/>
+        <a:ea typeface="+mn-ea"/>
+        <a:cs typeface="+mn-cs"/>
+      </a:defRPr>
+    </a:lvl1pPr>
+    <a:lvl2pPr marL="457200" algn="l" defTabSz="914400" rtl="0" eaLnBrk="1" latinLnBrk="0" hangingPunct="1">
+      <a:defRPr sz="1200" kern="1200">
+        <a:solidFill>
+          <a:schemeClr val="tx1"/>
+        </a:solidFill>
+        <a:latin typeface="+mn-lt"/>
+        <a:ea typeface="+mn-ea"/>
+        <a:cs typeface="+mn-cs"/>
+      </a:defRPr>
+    </a:lvl2pPr>
+    <a:lvl3pPr marL="914400" algn="l" defTabSz="914400" rtl="0" eaLnBrk="1" latinLnBrk="0" hangingPunct="1">
+      <a:defRPr sz="1200" kern="1200">
+        <a:solidFill>
+          <a:schemeClr val="tx1"/>
+        </a:solidFill>
+        <a:latin typeface="+mn-lt"/>
+        <a:ea typeface="+mn-ea"/>
+        <a:cs typeface="+mn-cs"/>
+      </a:defRPr>
+    </a:lvl3pPr>
+    <a:lvl4pPr marL="1371600" algn="l" defTabSz="914400" rtl="0" eaLnBrk="1" latinLnBrk="0" hangingPunct="1">
+      <a:defRPr sz="1200" kern="1200">
+        <a:solidFill>
+          <a:schemeClr val="tx1"/>
+        </a:solidFill>
+        <a:latin typeface="+mn-lt"/>
+        <a:ea typeface="+mn-ea"/>
+        <a:cs typeface="+mn-cs"/>
+      </a:defRPr>
+    </a:lvl4pPr>
+    <a:lvl5pPr marL="1828800" algn="l" defTabSz="914400" rtl="0" eaLnBrk="1" latinLnBrk="0" hangingPunct="1">
+      <a:defRPr sz="1200" kern="1200">
+        <a:solidFill>
+          <a:schemeClr val="tx1"/>
+        </a:solidFill>
+        <a:latin typeface="+mn-lt"/>
+        <a:ea typeface="+mn-ea"/>
+        <a:cs typeface="+mn-cs"/>
+      </a:defRPr>
+    </a:lvl5pPr>
+    <a:lvl6pPr marL="2286000" algn="l" defTabSz="914400" rtl="0" eaLnBrk="1" latinLnBrk="0" hangingPunct="1">
+      <a:defRPr sz="1200" kern="1200">
+        <a:solidFill>
+          <a:schemeClr val="tx1"/>
+        </a:solidFill>
+        <a:latin typeface="+mn-lt"/>
+        <a:ea typeface="+mn-ea"/>
+        <a:cs typeface="+mn-cs"/>
+      </a:defRPr>
+    </a:lvl6pPr>
+    <a:lvl7pPr marL="2743200" algn="l" defTabSz="914400" rtl="0" eaLnBrk="1" latinLnBrk="0" hangingPunct="1">
+      <a:defRPr sz="1200" kern="1200">
+        <a:solidFill>
+          <a:schemeClr val="tx1"/>
+        </a:solidFill>
+        <a:latin typeface="+mn-lt"/>
+        <a:ea typeface="+mn-ea"/>
+        <a:cs typeface="+mn-cs"/>
+      </a:defRPr>
+    </a:lvl7pPr>
+    <a:lvl8pPr marL="3200400" algn="l" defTabSz="914400" rtl="0" eaLnBrk="1" latinLnBrk="0" hangingPunct="1">
+      <a:defRPr sz="1200" kern="1200">
+        <a:solidFill>
+          <a:schemeClr val="tx1"/>
+        </a:solidFill>
+        <a:latin typeface="+mn-lt"/>
+        <a:ea typeface="+mn-ea"/>
+        <a:cs typeface="+mn-cs"/>
+      </a:defRPr>
+    </a:lvl8pPr>
+    <a:lvl9pPr marL="3657600" algn="l" defTabSz="914400" rtl="0" eaLnBrk="1" latinLnBrk="0" hangingPunct="1">
+      <a:defRPr sz="1200" kern="1200">
+        <a:solidFill>
+          <a:schemeClr val="tx1"/>
+        </a:solidFill>
+        <a:latin typeface="+mn-lt"/>
+        <a:ea typeface="+mn-ea"/>
+        <a:cs typeface="+mn-cs"/>
+      </a:defRPr>
+    </a:lvl9pPr>
+  </p:notesStyle>
+</p:notesMaster>
+</file>
+
+<file path=ppt/notesSlides/notesSlide1.xml><?xml version="1.0" encoding="utf-8"?>
+<p:notes xmlns:a="http://schemas.openxmlformats.org/drawingml/2006/main" xmlns:r="http://schemas.openxmlformats.org/officeDocument/2006/relationships" xmlns:p="http://schemas.openxmlformats.org/presentationml/2006/main">
+  <p:cSld>
+    <p:spTree>
+      <p:nvGrpSpPr>
+        <p:cNvPr id="1" name=""/>
+        <p:cNvGrpSpPr/>
+        <p:nvPr/>
+      </p:nvGrpSpPr>
+      <p:grpSpPr>
+        <a:xfrm>
+          <a:off x="0" y="0"/>
+          <a:ext cx="0" cy="0"/>
+          <a:chOff x="0" y="0"/>
+          <a:chExt cx="0" cy="0"/>
+        </a:xfrm>
+      </p:grpSpPr>
+      <p:sp>
+        <p:nvSpPr>
+          <p:cNvPr id="2" name="Folienbildplatzhalter 1"/>
+          <p:cNvSpPr>
+            <a:spLocks noGrp="1" noRot="1" noChangeAspect="1"/>
+          </p:cNvSpPr>
+          <p:nvPr>
+            <p:ph type="sldImg"/>
+          </p:nvPr>
+        </p:nvSpPr>
+        <p:spPr/>
+      </p:sp>
+      <p:sp>
+        <p:nvSpPr>
+          <p:cNvPr id="3" name="Notizenplatzhalter 2"/>
+          <p:cNvSpPr>
+            <a:spLocks noGrp="1"/>
+          </p:cNvSpPr>
+          <p:nvPr>
+            <p:ph type="body" idx="1"/>
+          </p:nvPr>
+        </p:nvSpPr>
+        <p:spPr/>
+        <p:txBody>
+          <a:bodyPr/>
+          <a:lstStyle/>
+          <a:p>
+            <a:r>
+              <a:rPr lang="de-CH" dirty="0"/>
+              <a:t>BRT</a:t>
+            </a:r>
+            <a:endParaRPr lang="en-GB" dirty="0"/>
+          </a:p>
+        </p:txBody>
+      </p:sp>
+      <p:sp>
+        <p:nvSpPr>
+          <p:cNvPr id="4" name="Foliennummernplatzhalter 3"/>
+          <p:cNvSpPr>
+            <a:spLocks noGrp="1"/>
+          </p:cNvSpPr>
+          <p:nvPr>
+            <p:ph type="sldNum" sz="quarter" idx="5"/>
+          </p:nvPr>
+        </p:nvSpPr>
+        <p:spPr/>
+        <p:txBody>
+          <a:bodyPr/>
+          <a:lstStyle/>
+          <a:p>
+            <a:fld id="{140B6185-32E5-4DAC-9200-5D498AE88BFC}" type="slidenum">
+              <a:rPr lang="en-GB" smtClean="0"/>
+              <a:t>2</a:t>
+            </a:fld>
+            <a:endParaRPr lang="en-GB"/>
+          </a:p>
+        </p:txBody>
+      </p:sp>
+    </p:spTree>
+    <p:extLst>
+      <p:ext uri="{BB962C8B-B14F-4D97-AF65-F5344CB8AC3E}">
+        <p14:creationId xmlns:p14="http://schemas.microsoft.com/office/powerpoint/2010/main" val="1182032235"/>
+      </p:ext>
+    </p:extLst>
+  </p:cSld>
+  <p:clrMapOvr>
+    <a:masterClrMapping/>
+  </p:clrMapOvr>
+</p:notes>
+</file>
+
+<file path=ppt/notesSlides/notesSlide2.xml><?xml version="1.0" encoding="utf-8"?>
+<p:notes xmlns:a="http://schemas.openxmlformats.org/drawingml/2006/main" xmlns:r="http://schemas.openxmlformats.org/officeDocument/2006/relationships" xmlns:p="http://schemas.openxmlformats.org/presentationml/2006/main">
+  <p:cSld>
+    <p:spTree>
+      <p:nvGrpSpPr>
+        <p:cNvPr id="1" name=""/>
+        <p:cNvGrpSpPr/>
+        <p:nvPr/>
+      </p:nvGrpSpPr>
+      <p:grpSpPr>
+        <a:xfrm>
+          <a:off x="0" y="0"/>
+          <a:ext cx="0" cy="0"/>
+          <a:chOff x="0" y="0"/>
+          <a:chExt cx="0" cy="0"/>
+        </a:xfrm>
+      </p:grpSpPr>
+      <p:sp>
+        <p:nvSpPr>
+          <p:cNvPr id="2" name="Folienbildplatzhalter 1"/>
+          <p:cNvSpPr>
+            <a:spLocks noGrp="1" noRot="1" noChangeAspect="1"/>
+          </p:cNvSpPr>
+          <p:nvPr>
+            <p:ph type="sldImg"/>
+          </p:nvPr>
+        </p:nvSpPr>
+        <p:spPr/>
+      </p:sp>
+      <p:sp>
+        <p:nvSpPr>
+          <p:cNvPr id="3" name="Notizenplatzhalter 2"/>
+          <p:cNvSpPr>
+            <a:spLocks noGrp="1"/>
+          </p:cNvSpPr>
+          <p:nvPr>
+            <p:ph type="body" idx="1"/>
+          </p:nvPr>
+        </p:nvSpPr>
+        <p:spPr/>
+        <p:txBody>
+          <a:bodyPr/>
+          <a:lstStyle/>
+          <a:p>
+            <a:r>
+              <a:rPr lang="de-CH" dirty="0"/>
+              <a:t>RF</a:t>
+            </a:r>
+            <a:endParaRPr lang="en-GB" dirty="0"/>
+          </a:p>
+        </p:txBody>
+      </p:sp>
+      <p:sp>
+        <p:nvSpPr>
+          <p:cNvPr id="4" name="Foliennummernplatzhalter 3"/>
+          <p:cNvSpPr>
+            <a:spLocks noGrp="1"/>
+          </p:cNvSpPr>
+          <p:nvPr>
+            <p:ph type="sldNum" sz="quarter" idx="5"/>
+          </p:nvPr>
+        </p:nvSpPr>
+        <p:spPr/>
+        <p:txBody>
+          <a:bodyPr/>
+          <a:lstStyle/>
+          <a:p>
+            <a:fld id="{140B6185-32E5-4DAC-9200-5D498AE88BFC}" type="slidenum">
+              <a:rPr lang="en-GB" smtClean="0"/>
+              <a:t>3</a:t>
+            </a:fld>
+            <a:endParaRPr lang="en-GB"/>
+          </a:p>
+        </p:txBody>
+      </p:sp>
+    </p:spTree>
+    <p:extLst>
+      <p:ext uri="{BB962C8B-B14F-4D97-AF65-F5344CB8AC3E}">
+        <p14:creationId xmlns:p14="http://schemas.microsoft.com/office/powerpoint/2010/main" val="3290128696"/>
+      </p:ext>
+    </p:extLst>
+  </p:cSld>
+  <p:clrMapOvr>
+    <a:masterClrMapping/>
+  </p:clrMapOvr>
+</p:notes>
+</file>
+
+<file path=ppt/notesSlides/notesSlide3.xml><?xml version="1.0" encoding="utf-8"?>
+<p:notes xmlns:a="http://schemas.openxmlformats.org/drawingml/2006/main" xmlns:r="http://schemas.openxmlformats.org/officeDocument/2006/relationships" xmlns:p="http://schemas.openxmlformats.org/presentationml/2006/main">
+  <p:cSld>
+    <p:spTree>
+      <p:nvGrpSpPr>
+        <p:cNvPr id="1" name=""/>
+        <p:cNvGrpSpPr/>
+        <p:nvPr/>
+      </p:nvGrpSpPr>
+      <p:grpSpPr>
+        <a:xfrm>
+          <a:off x="0" y="0"/>
+          <a:ext cx="0" cy="0"/>
+          <a:chOff x="0" y="0"/>
+          <a:chExt cx="0" cy="0"/>
+        </a:xfrm>
+      </p:grpSpPr>
+      <p:sp>
+        <p:nvSpPr>
+          <p:cNvPr id="2" name="Folienbildplatzhalter 1"/>
+          <p:cNvSpPr>
+            <a:spLocks noGrp="1" noRot="1" noChangeAspect="1"/>
+          </p:cNvSpPr>
+          <p:nvPr>
+            <p:ph type="sldImg"/>
+          </p:nvPr>
+        </p:nvSpPr>
+        <p:spPr/>
+      </p:sp>
+      <p:sp>
+        <p:nvSpPr>
+          <p:cNvPr id="3" name="Notizenplatzhalter 2"/>
+          <p:cNvSpPr>
+            <a:spLocks noGrp="1"/>
+          </p:cNvSpPr>
+          <p:nvPr>
+            <p:ph type="body" idx="1"/>
+          </p:nvPr>
+        </p:nvSpPr>
+        <p:spPr/>
+        <p:txBody>
+          <a:bodyPr/>
+          <a:lstStyle/>
+          <a:p>
+            <a:r>
+              <a:rPr lang="de-CH" dirty="0"/>
+              <a:t>RF</a:t>
+            </a:r>
+            <a:endParaRPr lang="en-GB" dirty="0"/>
+          </a:p>
+        </p:txBody>
+      </p:sp>
+      <p:sp>
+        <p:nvSpPr>
+          <p:cNvPr id="4" name="Foliennummernplatzhalter 3"/>
+          <p:cNvSpPr>
+            <a:spLocks noGrp="1"/>
+          </p:cNvSpPr>
+          <p:nvPr>
+            <p:ph type="sldNum" sz="quarter" idx="5"/>
+          </p:nvPr>
+        </p:nvSpPr>
+        <p:spPr/>
+        <p:txBody>
+          <a:bodyPr/>
+          <a:lstStyle/>
+          <a:p>
+            <a:fld id="{140B6185-32E5-4DAC-9200-5D498AE88BFC}" type="slidenum">
+              <a:rPr lang="en-GB" smtClean="0"/>
+              <a:t>4</a:t>
+            </a:fld>
+            <a:endParaRPr lang="en-GB"/>
+          </a:p>
+        </p:txBody>
+      </p:sp>
+    </p:spTree>
+    <p:extLst>
+      <p:ext uri="{BB962C8B-B14F-4D97-AF65-F5344CB8AC3E}">
+        <p14:creationId xmlns:p14="http://schemas.microsoft.com/office/powerpoint/2010/main" val="1640246631"/>
+      </p:ext>
+    </p:extLst>
+  </p:cSld>
+  <p:clrMapOvr>
+    <a:masterClrMapping/>
+  </p:clrMapOvr>
+</p:notes>
 </file>
 
 <file path=ppt/slideLayouts/slideLayout1.xml><?xml version="1.0" encoding="utf-8"?>
@@ -134,13 +751,7 @@
       </p:grpSpPr>
       <p:sp>
         <p:nvSpPr>
-          <p:cNvPr id="2" name="Titel 1">
-            <a:extLst>
-              <a:ext uri="{FF2B5EF4-FFF2-40B4-BE49-F238E27FC236}">
-                <a16:creationId xmlns:a16="http://schemas.microsoft.com/office/drawing/2014/main" id="{376635B5-3542-18E9-FED7-96C490137958}"/>
-              </a:ext>
-            </a:extLst>
-          </p:cNvPr>
+          <p:cNvPr id="2" name="Title 1"/>
           <p:cNvSpPr>
             <a:spLocks noGrp="1"/>
           </p:cNvSpPr>
@@ -150,15 +761,15 @@
         </p:nvSpPr>
         <p:spPr>
           <a:xfrm>
-            <a:off x="1524000" y="1122363"/>
-            <a:ext cx="9144000" cy="2387600"/>
+            <a:off x="514350" y="1995312"/>
+            <a:ext cx="5829300" cy="4244622"/>
           </a:xfrm>
         </p:spPr>
         <p:txBody>
           <a:bodyPr anchor="b"/>
           <a:lstStyle>
             <a:lvl1pPr algn="ctr">
-              <a:defRPr sz="6000"/>
+              <a:defRPr sz="4500"/>
             </a:lvl1pPr>
           </a:lstStyle>
           <a:p>
@@ -166,19 +777,13 @@
               <a:rPr lang="de-DE"/>
               <a:t>Mastertitelformat bearbeiten</a:t>
             </a:r>
-            <a:endParaRPr lang="en-GB"/>
-          </a:p>
-        </p:txBody>
-      </p:sp>
-      <p:sp>
-        <p:nvSpPr>
-          <p:cNvPr id="3" name="Untertitel 2">
-            <a:extLst>
-              <a:ext uri="{FF2B5EF4-FFF2-40B4-BE49-F238E27FC236}">
-                <a16:creationId xmlns:a16="http://schemas.microsoft.com/office/drawing/2014/main" id="{36B8D2DF-A98E-947B-E7A0-EF0D9D7AFE14}"/>
-              </a:ext>
-            </a:extLst>
-          </p:cNvPr>
+            <a:endParaRPr lang="en-US" dirty="0"/>
+          </a:p>
+        </p:txBody>
+      </p:sp>
+      <p:sp>
+        <p:nvSpPr>
+          <p:cNvPr id="3" name="Subtitle 2"/>
           <p:cNvSpPr>
             <a:spLocks noGrp="1"/>
           </p:cNvSpPr>
@@ -188,8 +793,8 @@
         </p:nvSpPr>
         <p:spPr>
           <a:xfrm>
-            <a:off x="1524000" y="3602038"/>
-            <a:ext cx="9144000" cy="1655762"/>
+            <a:off x="857250" y="6403623"/>
+            <a:ext cx="5143500" cy="2943577"/>
           </a:xfrm>
         </p:spPr>
         <p:txBody>
@@ -197,39 +802,39 @@
           <a:lstStyle>
             <a:lvl1pPr marL="0" indent="0" algn="ctr">
               <a:buNone/>
-              <a:defRPr sz="2400"/>
+              <a:defRPr sz="1800"/>
             </a:lvl1pPr>
-            <a:lvl2pPr marL="457200" indent="0" algn="ctr">
+            <a:lvl2pPr marL="342900" indent="0" algn="ctr">
               <a:buNone/>
-              <a:defRPr sz="2000"/>
+              <a:defRPr sz="1500"/>
             </a:lvl2pPr>
-            <a:lvl3pPr marL="914400" indent="0" algn="ctr">
+            <a:lvl3pPr marL="685800" indent="0" algn="ctr">
               <a:buNone/>
-              <a:defRPr sz="1800"/>
+              <a:defRPr sz="1350"/>
             </a:lvl3pPr>
-            <a:lvl4pPr marL="1371600" indent="0" algn="ctr">
+            <a:lvl4pPr marL="1028700" indent="0" algn="ctr">
               <a:buNone/>
-              <a:defRPr sz="1600"/>
+              <a:defRPr sz="1200"/>
             </a:lvl4pPr>
-            <a:lvl5pPr marL="1828800" indent="0" algn="ctr">
+            <a:lvl5pPr marL="1371600" indent="0" algn="ctr">
               <a:buNone/>
-              <a:defRPr sz="1600"/>
+              <a:defRPr sz="1200"/>
             </a:lvl5pPr>
-            <a:lvl6pPr marL="2286000" indent="0" algn="ctr">
+            <a:lvl6pPr marL="1714500" indent="0" algn="ctr">
               <a:buNone/>
-              <a:defRPr sz="1600"/>
+              <a:defRPr sz="1200"/>
             </a:lvl6pPr>
-            <a:lvl7pPr marL="2743200" indent="0" algn="ctr">
+            <a:lvl7pPr marL="2057400" indent="0" algn="ctr">
               <a:buNone/>
-              <a:defRPr sz="1600"/>
+              <a:defRPr sz="1200"/>
             </a:lvl7pPr>
-            <a:lvl8pPr marL="3200400" indent="0" algn="ctr">
+            <a:lvl8pPr marL="2400300" indent="0" algn="ctr">
               <a:buNone/>
-              <a:defRPr sz="1600"/>
+              <a:defRPr sz="1200"/>
             </a:lvl8pPr>
-            <a:lvl9pPr marL="3657600" indent="0" algn="ctr">
+            <a:lvl9pPr marL="2743200" indent="0" algn="ctr">
               <a:buNone/>
-              <a:defRPr sz="1600"/>
+              <a:defRPr sz="1200"/>
             </a:lvl9pPr>
           </a:lstStyle>
           <a:p>
@@ -237,19 +842,13 @@
               <a:rPr lang="de-DE"/>
               <a:t>Master-Untertitelformat bearbeiten</a:t>
             </a:r>
-            <a:endParaRPr lang="en-GB"/>
-          </a:p>
-        </p:txBody>
-      </p:sp>
-      <p:sp>
-        <p:nvSpPr>
-          <p:cNvPr id="4" name="Datumsplatzhalter 3">
-            <a:extLst>
-              <a:ext uri="{FF2B5EF4-FFF2-40B4-BE49-F238E27FC236}">
-                <a16:creationId xmlns:a16="http://schemas.microsoft.com/office/drawing/2014/main" id="{C5816CFB-1D08-0913-DD5A-01DFCFDD756D}"/>
-              </a:ext>
-            </a:extLst>
-          </p:cNvPr>
+            <a:endParaRPr lang="en-US" dirty="0"/>
+          </a:p>
+        </p:txBody>
+      </p:sp>
+      <p:sp>
+        <p:nvSpPr>
+          <p:cNvPr id="4" name="Date Placeholder 3"/>
           <p:cNvSpPr>
             <a:spLocks noGrp="1"/>
           </p:cNvSpPr>
@@ -264,7 +863,7 @@
           <a:p>
             <a:fld id="{789703A8-2D30-4E29-8AE8-FC3173B2BC9B}" type="datetimeFigureOut">
               <a:rPr lang="en-GB" smtClean="0"/>
-              <a:t>16/11/2023</a:t>
+              <a:t>23/11/2023</a:t>
             </a:fld>
             <a:endParaRPr lang="en-GB"/>
           </a:p>
@@ -272,13 +871,7 @@
       </p:sp>
       <p:sp>
         <p:nvSpPr>
-          <p:cNvPr id="5" name="Fußzeilenplatzhalter 4">
-            <a:extLst>
-              <a:ext uri="{FF2B5EF4-FFF2-40B4-BE49-F238E27FC236}">
-                <a16:creationId xmlns:a16="http://schemas.microsoft.com/office/drawing/2014/main" id="{4D3DE55A-DAB6-91F8-75CD-B1270EDA0CCC}"/>
-              </a:ext>
-            </a:extLst>
-          </p:cNvPr>
+          <p:cNvPr id="5" name="Footer Placeholder 4"/>
           <p:cNvSpPr>
             <a:spLocks noGrp="1"/>
           </p:cNvSpPr>
@@ -297,13 +890,7 @@
       </p:sp>
       <p:sp>
         <p:nvSpPr>
-          <p:cNvPr id="6" name="Foliennummernplatzhalter 5">
-            <a:extLst>
-              <a:ext uri="{FF2B5EF4-FFF2-40B4-BE49-F238E27FC236}">
-                <a16:creationId xmlns:a16="http://schemas.microsoft.com/office/drawing/2014/main" id="{B8EDB6BB-844E-B625-99A1-7C86AC874EB8}"/>
-              </a:ext>
-            </a:extLst>
-          </p:cNvPr>
+          <p:cNvPr id="6" name="Slide Number Placeholder 5"/>
           <p:cNvSpPr>
             <a:spLocks noGrp="1"/>
           </p:cNvSpPr>
@@ -327,7 +914,7 @@
     </p:spTree>
     <p:extLst>
       <p:ext uri="{BB962C8B-B14F-4D97-AF65-F5344CB8AC3E}">
-        <p14:creationId xmlns:p14="http://schemas.microsoft.com/office/powerpoint/2010/main" val="3052616033"/>
+        <p14:creationId xmlns:p14="http://schemas.microsoft.com/office/powerpoint/2010/main" val="1935344714"/>
       </p:ext>
     </p:extLst>
   </p:cSld>
@@ -356,13 +943,7 @@
       </p:grpSpPr>
       <p:sp>
         <p:nvSpPr>
-          <p:cNvPr id="2" name="Titel 1">
-            <a:extLst>
-              <a:ext uri="{FF2B5EF4-FFF2-40B4-BE49-F238E27FC236}">
-                <a16:creationId xmlns:a16="http://schemas.microsoft.com/office/drawing/2014/main" id="{9D5C3A5F-B0A1-3E90-4225-E277587CB584}"/>
-              </a:ext>
-            </a:extLst>
-          </p:cNvPr>
+          <p:cNvPr id="2" name="Title 1"/>
           <p:cNvSpPr>
             <a:spLocks noGrp="1"/>
           </p:cNvSpPr>
@@ -379,19 +960,13 @@
               <a:rPr lang="de-DE"/>
               <a:t>Mastertitelformat bearbeiten</a:t>
             </a:r>
-            <a:endParaRPr lang="en-GB"/>
-          </a:p>
-        </p:txBody>
-      </p:sp>
-      <p:sp>
-        <p:nvSpPr>
-          <p:cNvPr id="3" name="Vertikaler Textplatzhalter 2">
-            <a:extLst>
-              <a:ext uri="{FF2B5EF4-FFF2-40B4-BE49-F238E27FC236}">
-                <a16:creationId xmlns:a16="http://schemas.microsoft.com/office/drawing/2014/main" id="{3AB39649-CB7C-87AB-0A9B-4B516537C073}"/>
-              </a:ext>
-            </a:extLst>
-          </p:cNvPr>
+            <a:endParaRPr lang="en-US" dirty="0"/>
+          </a:p>
+        </p:txBody>
+      </p:sp>
+      <p:sp>
+        <p:nvSpPr>
+          <p:cNvPr id="3" name="Vertical Text Placeholder 2"/>
           <p:cNvSpPr>
             <a:spLocks noGrp="1"/>
           </p:cNvSpPr>
@@ -437,19 +1012,13 @@
               <a:rPr lang="de-DE"/>
               <a:t>Fünfte Ebene</a:t>
             </a:r>
-            <a:endParaRPr lang="en-GB"/>
-          </a:p>
-        </p:txBody>
-      </p:sp>
-      <p:sp>
-        <p:nvSpPr>
-          <p:cNvPr id="4" name="Datumsplatzhalter 3">
-            <a:extLst>
-              <a:ext uri="{FF2B5EF4-FFF2-40B4-BE49-F238E27FC236}">
-                <a16:creationId xmlns:a16="http://schemas.microsoft.com/office/drawing/2014/main" id="{58367F46-154E-648B-5C7D-DBB44064ABD9}"/>
-              </a:ext>
-            </a:extLst>
-          </p:cNvPr>
+            <a:endParaRPr lang="en-US" dirty="0"/>
+          </a:p>
+        </p:txBody>
+      </p:sp>
+      <p:sp>
+        <p:nvSpPr>
+          <p:cNvPr id="4" name="Date Placeholder 3"/>
           <p:cNvSpPr>
             <a:spLocks noGrp="1"/>
           </p:cNvSpPr>
@@ -464,7 +1033,7 @@
           <a:p>
             <a:fld id="{789703A8-2D30-4E29-8AE8-FC3173B2BC9B}" type="datetimeFigureOut">
               <a:rPr lang="en-GB" smtClean="0"/>
-              <a:t>16/11/2023</a:t>
+              <a:t>23/11/2023</a:t>
             </a:fld>
             <a:endParaRPr lang="en-GB"/>
           </a:p>
@@ -472,13 +1041,7 @@
       </p:sp>
       <p:sp>
         <p:nvSpPr>
-          <p:cNvPr id="5" name="Fußzeilenplatzhalter 4">
-            <a:extLst>
-              <a:ext uri="{FF2B5EF4-FFF2-40B4-BE49-F238E27FC236}">
-                <a16:creationId xmlns:a16="http://schemas.microsoft.com/office/drawing/2014/main" id="{FFB2FE4D-B303-1470-5EFC-F5919CAA205C}"/>
-              </a:ext>
-            </a:extLst>
-          </p:cNvPr>
+          <p:cNvPr id="5" name="Footer Placeholder 4"/>
           <p:cNvSpPr>
             <a:spLocks noGrp="1"/>
           </p:cNvSpPr>
@@ -497,13 +1060,7 @@
       </p:sp>
       <p:sp>
         <p:nvSpPr>
-          <p:cNvPr id="6" name="Foliennummernplatzhalter 5">
-            <a:extLst>
-              <a:ext uri="{FF2B5EF4-FFF2-40B4-BE49-F238E27FC236}">
-                <a16:creationId xmlns:a16="http://schemas.microsoft.com/office/drawing/2014/main" id="{F7D3F31E-0A82-FA53-6D7B-5CFAE78A92FB}"/>
-              </a:ext>
-            </a:extLst>
-          </p:cNvPr>
+          <p:cNvPr id="6" name="Slide Number Placeholder 5"/>
           <p:cNvSpPr>
             <a:spLocks noGrp="1"/>
           </p:cNvSpPr>
@@ -527,7 +1084,7 @@
     </p:spTree>
     <p:extLst>
       <p:ext uri="{BB962C8B-B14F-4D97-AF65-F5344CB8AC3E}">
-        <p14:creationId xmlns:p14="http://schemas.microsoft.com/office/powerpoint/2010/main" val="2702261612"/>
+        <p14:creationId xmlns:p14="http://schemas.microsoft.com/office/powerpoint/2010/main" val="230914937"/>
       </p:ext>
     </p:extLst>
   </p:cSld>
@@ -556,13 +1113,7 @@
       </p:grpSpPr>
       <p:sp>
         <p:nvSpPr>
-          <p:cNvPr id="2" name="Vertikaler Titel 1">
-            <a:extLst>
-              <a:ext uri="{FF2B5EF4-FFF2-40B4-BE49-F238E27FC236}">
-                <a16:creationId xmlns:a16="http://schemas.microsoft.com/office/drawing/2014/main" id="{7D74A9A6-4FCF-A29D-3335-EB3184E6DED9}"/>
-              </a:ext>
-            </a:extLst>
-          </p:cNvPr>
+          <p:cNvPr id="2" name="Vertical Title 1"/>
           <p:cNvSpPr>
             <a:spLocks noGrp="1"/>
           </p:cNvSpPr>
@@ -572,8 +1123,8 @@
         </p:nvSpPr>
         <p:spPr>
           <a:xfrm>
-            <a:off x="8724900" y="365125"/>
-            <a:ext cx="2628900" cy="5811838"/>
+            <a:off x="4907757" y="649111"/>
+            <a:ext cx="1478756" cy="10332156"/>
           </a:xfrm>
         </p:spPr>
         <p:txBody>
@@ -584,19 +1135,13 @@
               <a:rPr lang="de-DE"/>
               <a:t>Mastertitelformat bearbeiten</a:t>
             </a:r>
-            <a:endParaRPr lang="en-GB"/>
-          </a:p>
-        </p:txBody>
-      </p:sp>
-      <p:sp>
-        <p:nvSpPr>
-          <p:cNvPr id="3" name="Vertikaler Textplatzhalter 2">
-            <a:extLst>
-              <a:ext uri="{FF2B5EF4-FFF2-40B4-BE49-F238E27FC236}">
-                <a16:creationId xmlns:a16="http://schemas.microsoft.com/office/drawing/2014/main" id="{539E43D2-1EBE-5C40-322B-6D2184F4296B}"/>
-              </a:ext>
-            </a:extLst>
-          </p:cNvPr>
+            <a:endParaRPr lang="en-US" dirty="0"/>
+          </a:p>
+        </p:txBody>
+      </p:sp>
+      <p:sp>
+        <p:nvSpPr>
+          <p:cNvPr id="3" name="Vertical Text Placeholder 2"/>
           <p:cNvSpPr>
             <a:spLocks noGrp="1"/>
           </p:cNvSpPr>
@@ -606,8 +1151,8 @@
         </p:nvSpPr>
         <p:spPr>
           <a:xfrm>
-            <a:off x="838200" y="365125"/>
-            <a:ext cx="7734300" cy="5811838"/>
+            <a:off x="471488" y="649111"/>
+            <a:ext cx="4350544" cy="10332156"/>
           </a:xfrm>
         </p:spPr>
         <p:txBody>
@@ -647,19 +1192,13 @@
               <a:rPr lang="de-DE"/>
               <a:t>Fünfte Ebene</a:t>
             </a:r>
-            <a:endParaRPr lang="en-GB"/>
-          </a:p>
-        </p:txBody>
-      </p:sp>
-      <p:sp>
-        <p:nvSpPr>
-          <p:cNvPr id="4" name="Datumsplatzhalter 3">
-            <a:extLst>
-              <a:ext uri="{FF2B5EF4-FFF2-40B4-BE49-F238E27FC236}">
-                <a16:creationId xmlns:a16="http://schemas.microsoft.com/office/drawing/2014/main" id="{A275C71D-56A6-0F6E-3475-8E3F72D7415B}"/>
-              </a:ext>
-            </a:extLst>
-          </p:cNvPr>
+            <a:endParaRPr lang="en-US" dirty="0"/>
+          </a:p>
+        </p:txBody>
+      </p:sp>
+      <p:sp>
+        <p:nvSpPr>
+          <p:cNvPr id="4" name="Date Placeholder 3"/>
           <p:cNvSpPr>
             <a:spLocks noGrp="1"/>
           </p:cNvSpPr>
@@ -674,7 +1213,7 @@
           <a:p>
             <a:fld id="{789703A8-2D30-4E29-8AE8-FC3173B2BC9B}" type="datetimeFigureOut">
               <a:rPr lang="en-GB" smtClean="0"/>
-              <a:t>16/11/2023</a:t>
+              <a:t>23/11/2023</a:t>
             </a:fld>
             <a:endParaRPr lang="en-GB"/>
           </a:p>
@@ -682,13 +1221,7 @@
       </p:sp>
       <p:sp>
         <p:nvSpPr>
-          <p:cNvPr id="5" name="Fußzeilenplatzhalter 4">
-            <a:extLst>
-              <a:ext uri="{FF2B5EF4-FFF2-40B4-BE49-F238E27FC236}">
-                <a16:creationId xmlns:a16="http://schemas.microsoft.com/office/drawing/2014/main" id="{254D5637-BBE9-1D9C-22DF-53E59F9F324A}"/>
-              </a:ext>
-            </a:extLst>
-          </p:cNvPr>
+          <p:cNvPr id="5" name="Footer Placeholder 4"/>
           <p:cNvSpPr>
             <a:spLocks noGrp="1"/>
           </p:cNvSpPr>
@@ -707,13 +1240,7 @@
       </p:sp>
       <p:sp>
         <p:nvSpPr>
-          <p:cNvPr id="6" name="Foliennummernplatzhalter 5">
-            <a:extLst>
-              <a:ext uri="{FF2B5EF4-FFF2-40B4-BE49-F238E27FC236}">
-                <a16:creationId xmlns:a16="http://schemas.microsoft.com/office/drawing/2014/main" id="{FCCB5F57-2EE9-ED9D-0F8F-958CE5286C26}"/>
-              </a:ext>
-            </a:extLst>
-          </p:cNvPr>
+          <p:cNvPr id="6" name="Slide Number Placeholder 5"/>
           <p:cNvSpPr>
             <a:spLocks noGrp="1"/>
           </p:cNvSpPr>
@@ -737,7 +1264,7 @@
     </p:spTree>
     <p:extLst>
       <p:ext uri="{BB962C8B-B14F-4D97-AF65-F5344CB8AC3E}">
-        <p14:creationId xmlns:p14="http://schemas.microsoft.com/office/powerpoint/2010/main" val="405156965"/>
+        <p14:creationId xmlns:p14="http://schemas.microsoft.com/office/powerpoint/2010/main" val="3401352027"/>
       </p:ext>
     </p:extLst>
   </p:cSld>
@@ -766,13 +1293,7 @@
       </p:grpSpPr>
       <p:sp>
         <p:nvSpPr>
-          <p:cNvPr id="2" name="Titel 1">
-            <a:extLst>
-              <a:ext uri="{FF2B5EF4-FFF2-40B4-BE49-F238E27FC236}">
-                <a16:creationId xmlns:a16="http://schemas.microsoft.com/office/drawing/2014/main" id="{B5685546-79F5-94E1-726E-B729B84639F6}"/>
-              </a:ext>
-            </a:extLst>
-          </p:cNvPr>
+          <p:cNvPr id="2" name="Title 1"/>
           <p:cNvSpPr>
             <a:spLocks noGrp="1"/>
           </p:cNvSpPr>
@@ -789,19 +1310,13 @@
               <a:rPr lang="de-DE"/>
               <a:t>Mastertitelformat bearbeiten</a:t>
             </a:r>
-            <a:endParaRPr lang="en-GB"/>
-          </a:p>
-        </p:txBody>
-      </p:sp>
-      <p:sp>
-        <p:nvSpPr>
-          <p:cNvPr id="3" name="Inhaltsplatzhalter 2">
-            <a:extLst>
-              <a:ext uri="{FF2B5EF4-FFF2-40B4-BE49-F238E27FC236}">
-                <a16:creationId xmlns:a16="http://schemas.microsoft.com/office/drawing/2014/main" id="{0678C1A2-2C46-2857-317A-D5EA756BC36E}"/>
-              </a:ext>
-            </a:extLst>
-          </p:cNvPr>
+            <a:endParaRPr lang="en-US" dirty="0"/>
+          </a:p>
+        </p:txBody>
+      </p:sp>
+      <p:sp>
+        <p:nvSpPr>
+          <p:cNvPr id="3" name="Content Placeholder 2"/>
           <p:cNvSpPr>
             <a:spLocks noGrp="1"/>
           </p:cNvSpPr>
@@ -847,19 +1362,13 @@
               <a:rPr lang="de-DE"/>
               <a:t>Fünfte Ebene</a:t>
             </a:r>
-            <a:endParaRPr lang="en-GB"/>
-          </a:p>
-        </p:txBody>
-      </p:sp>
-      <p:sp>
-        <p:nvSpPr>
-          <p:cNvPr id="4" name="Datumsplatzhalter 3">
-            <a:extLst>
-              <a:ext uri="{FF2B5EF4-FFF2-40B4-BE49-F238E27FC236}">
-                <a16:creationId xmlns:a16="http://schemas.microsoft.com/office/drawing/2014/main" id="{DF37C0AA-C8C6-153F-3E09-D4ED748DBB69}"/>
-              </a:ext>
-            </a:extLst>
-          </p:cNvPr>
+            <a:endParaRPr lang="en-US" dirty="0"/>
+          </a:p>
+        </p:txBody>
+      </p:sp>
+      <p:sp>
+        <p:nvSpPr>
+          <p:cNvPr id="4" name="Date Placeholder 3"/>
           <p:cNvSpPr>
             <a:spLocks noGrp="1"/>
           </p:cNvSpPr>
@@ -874,7 +1383,7 @@
           <a:p>
             <a:fld id="{789703A8-2D30-4E29-8AE8-FC3173B2BC9B}" type="datetimeFigureOut">
               <a:rPr lang="en-GB" smtClean="0"/>
-              <a:t>16/11/2023</a:t>
+              <a:t>23/11/2023</a:t>
             </a:fld>
             <a:endParaRPr lang="en-GB"/>
           </a:p>
@@ -882,13 +1391,7 @@
       </p:sp>
       <p:sp>
         <p:nvSpPr>
-          <p:cNvPr id="5" name="Fußzeilenplatzhalter 4">
-            <a:extLst>
-              <a:ext uri="{FF2B5EF4-FFF2-40B4-BE49-F238E27FC236}">
-                <a16:creationId xmlns:a16="http://schemas.microsoft.com/office/drawing/2014/main" id="{D3C14D81-1E63-F5F0-B68C-5355FE10D19D}"/>
-              </a:ext>
-            </a:extLst>
-          </p:cNvPr>
+          <p:cNvPr id="5" name="Footer Placeholder 4"/>
           <p:cNvSpPr>
             <a:spLocks noGrp="1"/>
           </p:cNvSpPr>
@@ -907,13 +1410,7 @@
       </p:sp>
       <p:sp>
         <p:nvSpPr>
-          <p:cNvPr id="6" name="Foliennummernplatzhalter 5">
-            <a:extLst>
-              <a:ext uri="{FF2B5EF4-FFF2-40B4-BE49-F238E27FC236}">
-                <a16:creationId xmlns:a16="http://schemas.microsoft.com/office/drawing/2014/main" id="{E4C9DA83-2C5A-6DFB-274E-4B4B389F48F3}"/>
-              </a:ext>
-            </a:extLst>
-          </p:cNvPr>
+          <p:cNvPr id="6" name="Slide Number Placeholder 5"/>
           <p:cNvSpPr>
             <a:spLocks noGrp="1"/>
           </p:cNvSpPr>
@@ -937,7 +1434,7 @@
     </p:spTree>
     <p:extLst>
       <p:ext uri="{BB962C8B-B14F-4D97-AF65-F5344CB8AC3E}">
-        <p14:creationId xmlns:p14="http://schemas.microsoft.com/office/powerpoint/2010/main" val="2002246773"/>
+        <p14:creationId xmlns:p14="http://schemas.microsoft.com/office/powerpoint/2010/main" val="3746203356"/>
       </p:ext>
     </p:extLst>
   </p:cSld>
@@ -966,13 +1463,7 @@
       </p:grpSpPr>
       <p:sp>
         <p:nvSpPr>
-          <p:cNvPr id="2" name="Titel 1">
-            <a:extLst>
-              <a:ext uri="{FF2B5EF4-FFF2-40B4-BE49-F238E27FC236}">
-                <a16:creationId xmlns:a16="http://schemas.microsoft.com/office/drawing/2014/main" id="{9E902694-F815-D64D-5459-4AFB0098C7A6}"/>
-              </a:ext>
-            </a:extLst>
-          </p:cNvPr>
+          <p:cNvPr id="2" name="Title 1"/>
           <p:cNvSpPr>
             <a:spLocks noGrp="1"/>
           </p:cNvSpPr>
@@ -982,15 +1473,15 @@
         </p:nvSpPr>
         <p:spPr>
           <a:xfrm>
-            <a:off x="831850" y="1709738"/>
-            <a:ext cx="10515600" cy="2852737"/>
+            <a:off x="467916" y="3039537"/>
+            <a:ext cx="5915025" cy="5071532"/>
           </a:xfrm>
         </p:spPr>
         <p:txBody>
           <a:bodyPr anchor="b"/>
           <a:lstStyle>
             <a:lvl1pPr>
-              <a:defRPr sz="6000"/>
+              <a:defRPr sz="4500"/>
             </a:lvl1pPr>
           </a:lstStyle>
           <a:p>
@@ -998,19 +1489,13 @@
               <a:rPr lang="de-DE"/>
               <a:t>Mastertitelformat bearbeiten</a:t>
             </a:r>
-            <a:endParaRPr lang="en-GB"/>
-          </a:p>
-        </p:txBody>
-      </p:sp>
-      <p:sp>
-        <p:nvSpPr>
-          <p:cNvPr id="3" name="Textplatzhalter 2">
-            <a:extLst>
-              <a:ext uri="{FF2B5EF4-FFF2-40B4-BE49-F238E27FC236}">
-                <a16:creationId xmlns:a16="http://schemas.microsoft.com/office/drawing/2014/main" id="{28D3B01A-00EE-4E65-E26F-2E15818F1D46}"/>
-              </a:ext>
-            </a:extLst>
-          </p:cNvPr>
+            <a:endParaRPr lang="en-US" dirty="0"/>
+          </a:p>
+        </p:txBody>
+      </p:sp>
+      <p:sp>
+        <p:nvSpPr>
+          <p:cNvPr id="3" name="Text Placeholder 2"/>
           <p:cNvSpPr>
             <a:spLocks noGrp="1"/>
           </p:cNvSpPr>
@@ -1020,8 +1505,8 @@
         </p:nvSpPr>
         <p:spPr>
           <a:xfrm>
-            <a:off x="831850" y="4589463"/>
-            <a:ext cx="10515600" cy="1500187"/>
+            <a:off x="467916" y="8159048"/>
+            <a:ext cx="5915025" cy="2666999"/>
           </a:xfrm>
         </p:spPr>
         <p:txBody>
@@ -1029,17 +1514,15 @@
           <a:lstStyle>
             <a:lvl1pPr marL="0" indent="0">
               <a:buNone/>
-              <a:defRPr sz="2400">
+              <a:defRPr sz="1800">
                 <a:solidFill>
-                  <a:schemeClr val="tx1">
-                    <a:tint val="75000"/>
-                  </a:schemeClr>
+                  <a:schemeClr val="tx1"/>
                 </a:solidFill>
               </a:defRPr>
             </a:lvl1pPr>
-            <a:lvl2pPr marL="457200" indent="0">
+            <a:lvl2pPr marL="342900" indent="0">
               <a:buNone/>
-              <a:defRPr sz="2000">
+              <a:defRPr sz="1500">
                 <a:solidFill>
                   <a:schemeClr val="tx1">
                     <a:tint val="75000"/>
@@ -1047,9 +1530,9 @@
                 </a:solidFill>
               </a:defRPr>
             </a:lvl2pPr>
-            <a:lvl3pPr marL="914400" indent="0">
+            <a:lvl3pPr marL="685800" indent="0">
               <a:buNone/>
-              <a:defRPr sz="1800">
+              <a:defRPr sz="1350">
                 <a:solidFill>
                   <a:schemeClr val="tx1">
                     <a:tint val="75000"/>
@@ -1057,9 +1540,9 @@
                 </a:solidFill>
               </a:defRPr>
             </a:lvl3pPr>
-            <a:lvl4pPr marL="1371600" indent="0">
+            <a:lvl4pPr marL="1028700" indent="0">
               <a:buNone/>
-              <a:defRPr sz="1600">
+              <a:defRPr sz="1200">
                 <a:solidFill>
                   <a:schemeClr val="tx1">
                     <a:tint val="75000"/>
@@ -1067,9 +1550,9 @@
                 </a:solidFill>
               </a:defRPr>
             </a:lvl4pPr>
-            <a:lvl5pPr marL="1828800" indent="0">
+            <a:lvl5pPr marL="1371600" indent="0">
               <a:buNone/>
-              <a:defRPr sz="1600">
+              <a:defRPr sz="1200">
                 <a:solidFill>
                   <a:schemeClr val="tx1">
                     <a:tint val="75000"/>
@@ -1077,9 +1560,9 @@
                 </a:solidFill>
               </a:defRPr>
             </a:lvl5pPr>
-            <a:lvl6pPr marL="2286000" indent="0">
+            <a:lvl6pPr marL="1714500" indent="0">
               <a:buNone/>
-              <a:defRPr sz="1600">
+              <a:defRPr sz="1200">
                 <a:solidFill>
                   <a:schemeClr val="tx1">
                     <a:tint val="75000"/>
@@ -1087,9 +1570,9 @@
                 </a:solidFill>
               </a:defRPr>
             </a:lvl6pPr>
-            <a:lvl7pPr marL="2743200" indent="0">
+            <a:lvl7pPr marL="2057400" indent="0">
               <a:buNone/>
-              <a:defRPr sz="1600">
+              <a:defRPr sz="1200">
                 <a:solidFill>
                   <a:schemeClr val="tx1">
                     <a:tint val="75000"/>
@@ -1097,9 +1580,9 @@
                 </a:solidFill>
               </a:defRPr>
             </a:lvl7pPr>
-            <a:lvl8pPr marL="3200400" indent="0">
+            <a:lvl8pPr marL="2400300" indent="0">
               <a:buNone/>
-              <a:defRPr sz="1600">
+              <a:defRPr sz="1200">
                 <a:solidFill>
                   <a:schemeClr val="tx1">
                     <a:tint val="75000"/>
@@ -1107,9 +1590,9 @@
                 </a:solidFill>
               </a:defRPr>
             </a:lvl8pPr>
-            <a:lvl9pPr marL="3657600" indent="0">
+            <a:lvl9pPr marL="2743200" indent="0">
               <a:buNone/>
-              <a:defRPr sz="1600">
+              <a:defRPr sz="1200">
                 <a:solidFill>
                   <a:schemeClr val="tx1">
                     <a:tint val="75000"/>
@@ -1129,13 +1612,7 @@
       </p:sp>
       <p:sp>
         <p:nvSpPr>
-          <p:cNvPr id="4" name="Datumsplatzhalter 3">
-            <a:extLst>
-              <a:ext uri="{FF2B5EF4-FFF2-40B4-BE49-F238E27FC236}">
-                <a16:creationId xmlns:a16="http://schemas.microsoft.com/office/drawing/2014/main" id="{DD1C96C9-0EBB-89CF-5C62-A0BC0239D8CB}"/>
-              </a:ext>
-            </a:extLst>
-          </p:cNvPr>
+          <p:cNvPr id="4" name="Date Placeholder 3"/>
           <p:cNvSpPr>
             <a:spLocks noGrp="1"/>
           </p:cNvSpPr>
@@ -1150,7 +1627,7 @@
           <a:p>
             <a:fld id="{789703A8-2D30-4E29-8AE8-FC3173B2BC9B}" type="datetimeFigureOut">
               <a:rPr lang="en-GB" smtClean="0"/>
-              <a:t>16/11/2023</a:t>
+              <a:t>23/11/2023</a:t>
             </a:fld>
             <a:endParaRPr lang="en-GB"/>
           </a:p>
@@ -1158,13 +1635,7 @@
       </p:sp>
       <p:sp>
         <p:nvSpPr>
-          <p:cNvPr id="5" name="Fußzeilenplatzhalter 4">
-            <a:extLst>
-              <a:ext uri="{FF2B5EF4-FFF2-40B4-BE49-F238E27FC236}">
-                <a16:creationId xmlns:a16="http://schemas.microsoft.com/office/drawing/2014/main" id="{84D9EBEB-FD86-312D-A1C2-3C7D04007AA2}"/>
-              </a:ext>
-            </a:extLst>
-          </p:cNvPr>
+          <p:cNvPr id="5" name="Footer Placeholder 4"/>
           <p:cNvSpPr>
             <a:spLocks noGrp="1"/>
           </p:cNvSpPr>
@@ -1183,13 +1654,7 @@
       </p:sp>
       <p:sp>
         <p:nvSpPr>
-          <p:cNvPr id="6" name="Foliennummernplatzhalter 5">
-            <a:extLst>
-              <a:ext uri="{FF2B5EF4-FFF2-40B4-BE49-F238E27FC236}">
-                <a16:creationId xmlns:a16="http://schemas.microsoft.com/office/drawing/2014/main" id="{BD2FDD0B-3344-4FD2-3470-EB16394A8586}"/>
-              </a:ext>
-            </a:extLst>
-          </p:cNvPr>
+          <p:cNvPr id="6" name="Slide Number Placeholder 5"/>
           <p:cNvSpPr>
             <a:spLocks noGrp="1"/>
           </p:cNvSpPr>
@@ -1213,7 +1678,7 @@
     </p:spTree>
     <p:extLst>
       <p:ext uri="{BB962C8B-B14F-4D97-AF65-F5344CB8AC3E}">
-        <p14:creationId xmlns:p14="http://schemas.microsoft.com/office/powerpoint/2010/main" val="1994648581"/>
+        <p14:creationId xmlns:p14="http://schemas.microsoft.com/office/powerpoint/2010/main" val="803227718"/>
       </p:ext>
     </p:extLst>
   </p:cSld>
@@ -1242,13 +1707,7 @@
       </p:grpSpPr>
       <p:sp>
         <p:nvSpPr>
-          <p:cNvPr id="2" name="Titel 1">
-            <a:extLst>
-              <a:ext uri="{FF2B5EF4-FFF2-40B4-BE49-F238E27FC236}">
-                <a16:creationId xmlns:a16="http://schemas.microsoft.com/office/drawing/2014/main" id="{EF10AFFF-B74B-898D-5368-AE1494EEA5D7}"/>
-              </a:ext>
-            </a:extLst>
-          </p:cNvPr>
+          <p:cNvPr id="2" name="Title 1"/>
           <p:cNvSpPr>
             <a:spLocks noGrp="1"/>
           </p:cNvSpPr>
@@ -1265,19 +1724,13 @@
               <a:rPr lang="de-DE"/>
               <a:t>Mastertitelformat bearbeiten</a:t>
             </a:r>
-            <a:endParaRPr lang="en-GB"/>
-          </a:p>
-        </p:txBody>
-      </p:sp>
-      <p:sp>
-        <p:nvSpPr>
-          <p:cNvPr id="3" name="Inhaltsplatzhalter 2">
-            <a:extLst>
-              <a:ext uri="{FF2B5EF4-FFF2-40B4-BE49-F238E27FC236}">
-                <a16:creationId xmlns:a16="http://schemas.microsoft.com/office/drawing/2014/main" id="{FA1D7BB1-0E81-083A-96C3-06105314D381}"/>
-              </a:ext>
-            </a:extLst>
-          </p:cNvPr>
+            <a:endParaRPr lang="en-US" dirty="0"/>
+          </a:p>
+        </p:txBody>
+      </p:sp>
+      <p:sp>
+        <p:nvSpPr>
+          <p:cNvPr id="3" name="Content Placeholder 2"/>
           <p:cNvSpPr>
             <a:spLocks noGrp="1"/>
           </p:cNvSpPr>
@@ -1287,8 +1740,8 @@
         </p:nvSpPr>
         <p:spPr>
           <a:xfrm>
-            <a:off x="838200" y="1825625"/>
-            <a:ext cx="5181600" cy="4351338"/>
+            <a:off x="471488" y="3245556"/>
+            <a:ext cx="2914650" cy="7735712"/>
           </a:xfrm>
         </p:spPr>
         <p:txBody>
@@ -1328,19 +1781,13 @@
               <a:rPr lang="de-DE"/>
               <a:t>Fünfte Ebene</a:t>
             </a:r>
-            <a:endParaRPr lang="en-GB"/>
-          </a:p>
-        </p:txBody>
-      </p:sp>
-      <p:sp>
-        <p:nvSpPr>
-          <p:cNvPr id="4" name="Inhaltsplatzhalter 3">
-            <a:extLst>
-              <a:ext uri="{FF2B5EF4-FFF2-40B4-BE49-F238E27FC236}">
-                <a16:creationId xmlns:a16="http://schemas.microsoft.com/office/drawing/2014/main" id="{4F83C718-1258-9CBE-0E61-AEBF97D3AA0D}"/>
-              </a:ext>
-            </a:extLst>
-          </p:cNvPr>
+            <a:endParaRPr lang="en-US" dirty="0"/>
+          </a:p>
+        </p:txBody>
+      </p:sp>
+      <p:sp>
+        <p:nvSpPr>
+          <p:cNvPr id="4" name="Content Placeholder 3"/>
           <p:cNvSpPr>
             <a:spLocks noGrp="1"/>
           </p:cNvSpPr>
@@ -1350,8 +1797,8 @@
         </p:nvSpPr>
         <p:spPr>
           <a:xfrm>
-            <a:off x="6172200" y="1825625"/>
-            <a:ext cx="5181600" cy="4351338"/>
+            <a:off x="3471863" y="3245556"/>
+            <a:ext cx="2914650" cy="7735712"/>
           </a:xfrm>
         </p:spPr>
         <p:txBody>
@@ -1391,19 +1838,13 @@
               <a:rPr lang="de-DE"/>
               <a:t>Fünfte Ebene</a:t>
             </a:r>
-            <a:endParaRPr lang="en-GB"/>
-          </a:p>
-        </p:txBody>
-      </p:sp>
-      <p:sp>
-        <p:nvSpPr>
-          <p:cNvPr id="5" name="Datumsplatzhalter 4">
-            <a:extLst>
-              <a:ext uri="{FF2B5EF4-FFF2-40B4-BE49-F238E27FC236}">
-                <a16:creationId xmlns:a16="http://schemas.microsoft.com/office/drawing/2014/main" id="{CE7A6EB1-4872-8445-EF6B-03034916C3FD}"/>
-              </a:ext>
-            </a:extLst>
-          </p:cNvPr>
+            <a:endParaRPr lang="en-US" dirty="0"/>
+          </a:p>
+        </p:txBody>
+      </p:sp>
+      <p:sp>
+        <p:nvSpPr>
+          <p:cNvPr id="5" name="Date Placeholder 4"/>
           <p:cNvSpPr>
             <a:spLocks noGrp="1"/>
           </p:cNvSpPr>
@@ -1418,7 +1859,7 @@
           <a:p>
             <a:fld id="{789703A8-2D30-4E29-8AE8-FC3173B2BC9B}" type="datetimeFigureOut">
               <a:rPr lang="en-GB" smtClean="0"/>
-              <a:t>16/11/2023</a:t>
+              <a:t>23/11/2023</a:t>
             </a:fld>
             <a:endParaRPr lang="en-GB"/>
           </a:p>
@@ -1426,13 +1867,7 @@
       </p:sp>
       <p:sp>
         <p:nvSpPr>
-          <p:cNvPr id="6" name="Fußzeilenplatzhalter 5">
-            <a:extLst>
-              <a:ext uri="{FF2B5EF4-FFF2-40B4-BE49-F238E27FC236}">
-                <a16:creationId xmlns:a16="http://schemas.microsoft.com/office/drawing/2014/main" id="{3B9BE1C8-79CA-D2E9-6FF9-BD56C56B2707}"/>
-              </a:ext>
-            </a:extLst>
-          </p:cNvPr>
+          <p:cNvPr id="6" name="Footer Placeholder 5"/>
           <p:cNvSpPr>
             <a:spLocks noGrp="1"/>
           </p:cNvSpPr>
@@ -1451,13 +1886,7 @@
       </p:sp>
       <p:sp>
         <p:nvSpPr>
-          <p:cNvPr id="7" name="Foliennummernplatzhalter 6">
-            <a:extLst>
-              <a:ext uri="{FF2B5EF4-FFF2-40B4-BE49-F238E27FC236}">
-                <a16:creationId xmlns:a16="http://schemas.microsoft.com/office/drawing/2014/main" id="{4CA4802E-DF0A-D7DA-24B7-1D05B5C11F22}"/>
-              </a:ext>
-            </a:extLst>
-          </p:cNvPr>
+          <p:cNvPr id="7" name="Slide Number Placeholder 6"/>
           <p:cNvSpPr>
             <a:spLocks noGrp="1"/>
           </p:cNvSpPr>
@@ -1481,7 +1910,7 @@
     </p:spTree>
     <p:extLst>
       <p:ext uri="{BB962C8B-B14F-4D97-AF65-F5344CB8AC3E}">
-        <p14:creationId xmlns:p14="http://schemas.microsoft.com/office/powerpoint/2010/main" val="3493077568"/>
+        <p14:creationId xmlns:p14="http://schemas.microsoft.com/office/powerpoint/2010/main" val="2265111445"/>
       </p:ext>
     </p:extLst>
   </p:cSld>
@@ -1510,13 +1939,7 @@
       </p:grpSpPr>
       <p:sp>
         <p:nvSpPr>
-          <p:cNvPr id="2" name="Titel 1">
-            <a:extLst>
-              <a:ext uri="{FF2B5EF4-FFF2-40B4-BE49-F238E27FC236}">
-                <a16:creationId xmlns:a16="http://schemas.microsoft.com/office/drawing/2014/main" id="{5D5EB709-B145-6400-97C5-C5ECAB182E0C}"/>
-              </a:ext>
-            </a:extLst>
-          </p:cNvPr>
+          <p:cNvPr id="2" name="Title 1"/>
           <p:cNvSpPr>
             <a:spLocks noGrp="1"/>
           </p:cNvSpPr>
@@ -1526,8 +1949,8 @@
         </p:nvSpPr>
         <p:spPr>
           <a:xfrm>
-            <a:off x="839788" y="365125"/>
-            <a:ext cx="10515600" cy="1325563"/>
+            <a:off x="472381" y="649114"/>
+            <a:ext cx="5915025" cy="2356556"/>
           </a:xfrm>
         </p:spPr>
         <p:txBody>
@@ -1538,19 +1961,13 @@
               <a:rPr lang="de-DE"/>
               <a:t>Mastertitelformat bearbeiten</a:t>
             </a:r>
-            <a:endParaRPr lang="en-GB"/>
-          </a:p>
-        </p:txBody>
-      </p:sp>
-      <p:sp>
-        <p:nvSpPr>
-          <p:cNvPr id="3" name="Textplatzhalter 2">
-            <a:extLst>
-              <a:ext uri="{FF2B5EF4-FFF2-40B4-BE49-F238E27FC236}">
-                <a16:creationId xmlns:a16="http://schemas.microsoft.com/office/drawing/2014/main" id="{40E2E638-57B1-39AA-B617-F35EA902501F}"/>
-              </a:ext>
-            </a:extLst>
-          </p:cNvPr>
+            <a:endParaRPr lang="en-US" dirty="0"/>
+          </a:p>
+        </p:txBody>
+      </p:sp>
+      <p:sp>
+        <p:nvSpPr>
+          <p:cNvPr id="3" name="Text Placeholder 2"/>
           <p:cNvSpPr>
             <a:spLocks noGrp="1"/>
           </p:cNvSpPr>
@@ -1560,8 +1977,8 @@
         </p:nvSpPr>
         <p:spPr>
           <a:xfrm>
-            <a:off x="839788" y="1681163"/>
-            <a:ext cx="5157787" cy="823912"/>
+            <a:off x="472381" y="2988734"/>
+            <a:ext cx="2901255" cy="1464732"/>
           </a:xfrm>
         </p:spPr>
         <p:txBody>
@@ -1569,39 +1986,39 @@
           <a:lstStyle>
             <a:lvl1pPr marL="0" indent="0">
               <a:buNone/>
-              <a:defRPr sz="2400" b="1"/>
+              <a:defRPr sz="1800" b="1"/>
             </a:lvl1pPr>
-            <a:lvl2pPr marL="457200" indent="0">
+            <a:lvl2pPr marL="342900" indent="0">
               <a:buNone/>
-              <a:defRPr sz="2000" b="1"/>
+              <a:defRPr sz="1500" b="1"/>
             </a:lvl2pPr>
-            <a:lvl3pPr marL="914400" indent="0">
+            <a:lvl3pPr marL="685800" indent="0">
               <a:buNone/>
-              <a:defRPr sz="1800" b="1"/>
+              <a:defRPr sz="1350" b="1"/>
             </a:lvl3pPr>
-            <a:lvl4pPr marL="1371600" indent="0">
+            <a:lvl4pPr marL="1028700" indent="0">
               <a:buNone/>
-              <a:defRPr sz="1600" b="1"/>
+              <a:defRPr sz="1200" b="1"/>
             </a:lvl4pPr>
-            <a:lvl5pPr marL="1828800" indent="0">
+            <a:lvl5pPr marL="1371600" indent="0">
               <a:buNone/>
-              <a:defRPr sz="1600" b="1"/>
+              <a:defRPr sz="1200" b="1"/>
             </a:lvl5pPr>
-            <a:lvl6pPr marL="2286000" indent="0">
+            <a:lvl6pPr marL="1714500" indent="0">
               <a:buNone/>
-              <a:defRPr sz="1600" b="1"/>
+              <a:defRPr sz="1200" b="1"/>
             </a:lvl6pPr>
-            <a:lvl7pPr marL="2743200" indent="0">
+            <a:lvl7pPr marL="2057400" indent="0">
               <a:buNone/>
-              <a:defRPr sz="1600" b="1"/>
+              <a:defRPr sz="1200" b="1"/>
             </a:lvl7pPr>
-            <a:lvl8pPr marL="3200400" indent="0">
+            <a:lvl8pPr marL="2400300" indent="0">
               <a:buNone/>
-              <a:defRPr sz="1600" b="1"/>
+              <a:defRPr sz="1200" b="1"/>
             </a:lvl8pPr>
-            <a:lvl9pPr marL="3657600" indent="0">
+            <a:lvl9pPr marL="2743200" indent="0">
               <a:buNone/>
-              <a:defRPr sz="1600" b="1"/>
+              <a:defRPr sz="1200" b="1"/>
             </a:lvl9pPr>
           </a:lstStyle>
           <a:p>
@@ -1615,13 +2032,7 @@
       </p:sp>
       <p:sp>
         <p:nvSpPr>
-          <p:cNvPr id="4" name="Inhaltsplatzhalter 3">
-            <a:extLst>
-              <a:ext uri="{FF2B5EF4-FFF2-40B4-BE49-F238E27FC236}">
-                <a16:creationId xmlns:a16="http://schemas.microsoft.com/office/drawing/2014/main" id="{BCDFD6DA-9C64-2415-D1DA-03B232938A16}"/>
-              </a:ext>
-            </a:extLst>
-          </p:cNvPr>
+          <p:cNvPr id="4" name="Content Placeholder 3"/>
           <p:cNvSpPr>
             <a:spLocks noGrp="1"/>
           </p:cNvSpPr>
@@ -1631,8 +2042,8 @@
         </p:nvSpPr>
         <p:spPr>
           <a:xfrm>
-            <a:off x="839788" y="2505075"/>
-            <a:ext cx="5157787" cy="3684588"/>
+            <a:off x="472381" y="4453467"/>
+            <a:ext cx="2901255" cy="6550379"/>
           </a:xfrm>
         </p:spPr>
         <p:txBody>
@@ -1672,19 +2083,13 @@
               <a:rPr lang="de-DE"/>
               <a:t>Fünfte Ebene</a:t>
             </a:r>
-            <a:endParaRPr lang="en-GB"/>
-          </a:p>
-        </p:txBody>
-      </p:sp>
-      <p:sp>
-        <p:nvSpPr>
-          <p:cNvPr id="5" name="Textplatzhalter 4">
-            <a:extLst>
-              <a:ext uri="{FF2B5EF4-FFF2-40B4-BE49-F238E27FC236}">
-                <a16:creationId xmlns:a16="http://schemas.microsoft.com/office/drawing/2014/main" id="{AC11681A-276E-FA4B-AA28-DB1068DB4CB7}"/>
-              </a:ext>
-            </a:extLst>
-          </p:cNvPr>
+            <a:endParaRPr lang="en-US" dirty="0"/>
+          </a:p>
+        </p:txBody>
+      </p:sp>
+      <p:sp>
+        <p:nvSpPr>
+          <p:cNvPr id="5" name="Text Placeholder 4"/>
           <p:cNvSpPr>
             <a:spLocks noGrp="1"/>
           </p:cNvSpPr>
@@ -1694,8 +2099,8 @@
         </p:nvSpPr>
         <p:spPr>
           <a:xfrm>
-            <a:off x="6172200" y="1681163"/>
-            <a:ext cx="5183188" cy="823912"/>
+            <a:off x="3471863" y="2988734"/>
+            <a:ext cx="2915543" cy="1464732"/>
           </a:xfrm>
         </p:spPr>
         <p:txBody>
@@ -1703,39 +2108,39 @@
           <a:lstStyle>
             <a:lvl1pPr marL="0" indent="0">
               <a:buNone/>
-              <a:defRPr sz="2400" b="1"/>
+              <a:defRPr sz="1800" b="1"/>
             </a:lvl1pPr>
-            <a:lvl2pPr marL="457200" indent="0">
+            <a:lvl2pPr marL="342900" indent="0">
               <a:buNone/>
-              <a:defRPr sz="2000" b="1"/>
+              <a:defRPr sz="1500" b="1"/>
             </a:lvl2pPr>
-            <a:lvl3pPr marL="914400" indent="0">
+            <a:lvl3pPr marL="685800" indent="0">
               <a:buNone/>
-              <a:defRPr sz="1800" b="1"/>
+              <a:defRPr sz="1350" b="1"/>
             </a:lvl3pPr>
-            <a:lvl4pPr marL="1371600" indent="0">
+            <a:lvl4pPr marL="1028700" indent="0">
               <a:buNone/>
-              <a:defRPr sz="1600" b="1"/>
+              <a:defRPr sz="1200" b="1"/>
             </a:lvl4pPr>
-            <a:lvl5pPr marL="1828800" indent="0">
+            <a:lvl5pPr marL="1371600" indent="0">
               <a:buNone/>
-              <a:defRPr sz="1600" b="1"/>
+              <a:defRPr sz="1200" b="1"/>
             </a:lvl5pPr>
-            <a:lvl6pPr marL="2286000" indent="0">
+            <a:lvl6pPr marL="1714500" indent="0">
               <a:buNone/>
-              <a:defRPr sz="1600" b="1"/>
+              <a:defRPr sz="1200" b="1"/>
             </a:lvl6pPr>
-            <a:lvl7pPr marL="2743200" indent="0">
+            <a:lvl7pPr marL="2057400" indent="0">
               <a:buNone/>
-              <a:defRPr sz="1600" b="1"/>
+              <a:defRPr sz="1200" b="1"/>
             </a:lvl7pPr>
-            <a:lvl8pPr marL="3200400" indent="0">
+            <a:lvl8pPr marL="2400300" indent="0">
               <a:buNone/>
-              <a:defRPr sz="1600" b="1"/>
+              <a:defRPr sz="1200" b="1"/>
             </a:lvl8pPr>
-            <a:lvl9pPr marL="3657600" indent="0">
+            <a:lvl9pPr marL="2743200" indent="0">
               <a:buNone/>
-              <a:defRPr sz="1600" b="1"/>
+              <a:defRPr sz="1200" b="1"/>
             </a:lvl9pPr>
           </a:lstStyle>
           <a:p>
@@ -1749,13 +2154,7 @@
       </p:sp>
       <p:sp>
         <p:nvSpPr>
-          <p:cNvPr id="6" name="Inhaltsplatzhalter 5">
-            <a:extLst>
-              <a:ext uri="{FF2B5EF4-FFF2-40B4-BE49-F238E27FC236}">
-                <a16:creationId xmlns:a16="http://schemas.microsoft.com/office/drawing/2014/main" id="{2942CF2E-4B79-A1AC-D527-4BD41F5552D9}"/>
-              </a:ext>
-            </a:extLst>
-          </p:cNvPr>
+          <p:cNvPr id="6" name="Content Placeholder 5"/>
           <p:cNvSpPr>
             <a:spLocks noGrp="1"/>
           </p:cNvSpPr>
@@ -1765,8 +2164,8 @@
         </p:nvSpPr>
         <p:spPr>
           <a:xfrm>
-            <a:off x="6172200" y="2505075"/>
-            <a:ext cx="5183188" cy="3684588"/>
+            <a:off x="3471863" y="4453467"/>
+            <a:ext cx="2915543" cy="6550379"/>
           </a:xfrm>
         </p:spPr>
         <p:txBody>
@@ -1806,19 +2205,13 @@
               <a:rPr lang="de-DE"/>
               <a:t>Fünfte Ebene</a:t>
             </a:r>
-            <a:endParaRPr lang="en-GB"/>
-          </a:p>
-        </p:txBody>
-      </p:sp>
-      <p:sp>
-        <p:nvSpPr>
-          <p:cNvPr id="7" name="Datumsplatzhalter 6">
-            <a:extLst>
-              <a:ext uri="{FF2B5EF4-FFF2-40B4-BE49-F238E27FC236}">
-                <a16:creationId xmlns:a16="http://schemas.microsoft.com/office/drawing/2014/main" id="{77F30522-D421-6FC4-7675-2AAFE98AE105}"/>
-              </a:ext>
-            </a:extLst>
-          </p:cNvPr>
+            <a:endParaRPr lang="en-US" dirty="0"/>
+          </a:p>
+        </p:txBody>
+      </p:sp>
+      <p:sp>
+        <p:nvSpPr>
+          <p:cNvPr id="7" name="Date Placeholder 6"/>
           <p:cNvSpPr>
             <a:spLocks noGrp="1"/>
           </p:cNvSpPr>
@@ -1833,7 +2226,7 @@
           <a:p>
             <a:fld id="{789703A8-2D30-4E29-8AE8-FC3173B2BC9B}" type="datetimeFigureOut">
               <a:rPr lang="en-GB" smtClean="0"/>
-              <a:t>16/11/2023</a:t>
+              <a:t>23/11/2023</a:t>
             </a:fld>
             <a:endParaRPr lang="en-GB"/>
           </a:p>
@@ -1841,13 +2234,7 @@
       </p:sp>
       <p:sp>
         <p:nvSpPr>
-          <p:cNvPr id="8" name="Fußzeilenplatzhalter 7">
-            <a:extLst>
-              <a:ext uri="{FF2B5EF4-FFF2-40B4-BE49-F238E27FC236}">
-                <a16:creationId xmlns:a16="http://schemas.microsoft.com/office/drawing/2014/main" id="{3B0E33AA-01A0-8B48-9992-F576E21A8160}"/>
-              </a:ext>
-            </a:extLst>
-          </p:cNvPr>
+          <p:cNvPr id="8" name="Footer Placeholder 7"/>
           <p:cNvSpPr>
             <a:spLocks noGrp="1"/>
           </p:cNvSpPr>
@@ -1866,13 +2253,7 @@
       </p:sp>
       <p:sp>
         <p:nvSpPr>
-          <p:cNvPr id="9" name="Foliennummernplatzhalter 8">
-            <a:extLst>
-              <a:ext uri="{FF2B5EF4-FFF2-40B4-BE49-F238E27FC236}">
-                <a16:creationId xmlns:a16="http://schemas.microsoft.com/office/drawing/2014/main" id="{59095E26-3008-AA50-FD39-EF317947B3BB}"/>
-              </a:ext>
-            </a:extLst>
-          </p:cNvPr>
+          <p:cNvPr id="9" name="Slide Number Placeholder 8"/>
           <p:cNvSpPr>
             <a:spLocks noGrp="1"/>
           </p:cNvSpPr>
@@ -1896,7 +2277,7 @@
     </p:spTree>
     <p:extLst>
       <p:ext uri="{BB962C8B-B14F-4D97-AF65-F5344CB8AC3E}">
-        <p14:creationId xmlns:p14="http://schemas.microsoft.com/office/powerpoint/2010/main" val="951811339"/>
+        <p14:creationId xmlns:p14="http://schemas.microsoft.com/office/powerpoint/2010/main" val="3268500297"/>
       </p:ext>
     </p:extLst>
   </p:cSld>
@@ -1925,13 +2306,7 @@
       </p:grpSpPr>
       <p:sp>
         <p:nvSpPr>
-          <p:cNvPr id="2" name="Titel 1">
-            <a:extLst>
-              <a:ext uri="{FF2B5EF4-FFF2-40B4-BE49-F238E27FC236}">
-                <a16:creationId xmlns:a16="http://schemas.microsoft.com/office/drawing/2014/main" id="{D341D20C-C538-E6C9-C813-943EF26FE654}"/>
-              </a:ext>
-            </a:extLst>
-          </p:cNvPr>
+          <p:cNvPr id="2" name="Title 1"/>
           <p:cNvSpPr>
             <a:spLocks noGrp="1"/>
           </p:cNvSpPr>
@@ -1948,19 +2323,13 @@
               <a:rPr lang="de-DE"/>
               <a:t>Mastertitelformat bearbeiten</a:t>
             </a:r>
-            <a:endParaRPr lang="en-GB"/>
-          </a:p>
-        </p:txBody>
-      </p:sp>
-      <p:sp>
-        <p:nvSpPr>
-          <p:cNvPr id="3" name="Datumsplatzhalter 2">
-            <a:extLst>
-              <a:ext uri="{FF2B5EF4-FFF2-40B4-BE49-F238E27FC236}">
-                <a16:creationId xmlns:a16="http://schemas.microsoft.com/office/drawing/2014/main" id="{4FFC0418-4988-756F-43E4-416EC0B1154B}"/>
-              </a:ext>
-            </a:extLst>
-          </p:cNvPr>
+            <a:endParaRPr lang="en-US" dirty="0"/>
+          </a:p>
+        </p:txBody>
+      </p:sp>
+      <p:sp>
+        <p:nvSpPr>
+          <p:cNvPr id="3" name="Date Placeholder 2"/>
           <p:cNvSpPr>
             <a:spLocks noGrp="1"/>
           </p:cNvSpPr>
@@ -1975,7 +2344,7 @@
           <a:p>
             <a:fld id="{789703A8-2D30-4E29-8AE8-FC3173B2BC9B}" type="datetimeFigureOut">
               <a:rPr lang="en-GB" smtClean="0"/>
-              <a:t>16/11/2023</a:t>
+              <a:t>23/11/2023</a:t>
             </a:fld>
             <a:endParaRPr lang="en-GB"/>
           </a:p>
@@ -1983,13 +2352,7 @@
       </p:sp>
       <p:sp>
         <p:nvSpPr>
-          <p:cNvPr id="4" name="Fußzeilenplatzhalter 3">
-            <a:extLst>
-              <a:ext uri="{FF2B5EF4-FFF2-40B4-BE49-F238E27FC236}">
-                <a16:creationId xmlns:a16="http://schemas.microsoft.com/office/drawing/2014/main" id="{5834E9C4-2939-CC86-93DA-76B0073CB17B}"/>
-              </a:ext>
-            </a:extLst>
-          </p:cNvPr>
+          <p:cNvPr id="4" name="Footer Placeholder 3"/>
           <p:cNvSpPr>
             <a:spLocks noGrp="1"/>
           </p:cNvSpPr>
@@ -2008,13 +2371,7 @@
       </p:sp>
       <p:sp>
         <p:nvSpPr>
-          <p:cNvPr id="5" name="Foliennummernplatzhalter 4">
-            <a:extLst>
-              <a:ext uri="{FF2B5EF4-FFF2-40B4-BE49-F238E27FC236}">
-                <a16:creationId xmlns:a16="http://schemas.microsoft.com/office/drawing/2014/main" id="{2F3D107C-1DE5-475E-0DB1-23F9A902DBD3}"/>
-              </a:ext>
-            </a:extLst>
-          </p:cNvPr>
+          <p:cNvPr id="5" name="Slide Number Placeholder 4"/>
           <p:cNvSpPr>
             <a:spLocks noGrp="1"/>
           </p:cNvSpPr>
@@ -2038,7 +2395,7 @@
     </p:spTree>
     <p:extLst>
       <p:ext uri="{BB962C8B-B14F-4D97-AF65-F5344CB8AC3E}">
-        <p14:creationId xmlns:p14="http://schemas.microsoft.com/office/powerpoint/2010/main" val="2517207933"/>
+        <p14:creationId xmlns:p14="http://schemas.microsoft.com/office/powerpoint/2010/main" val="780767288"/>
       </p:ext>
     </p:extLst>
   </p:cSld>
@@ -2067,13 +2424,7 @@
       </p:grpSpPr>
       <p:sp>
         <p:nvSpPr>
-          <p:cNvPr id="2" name="Datumsplatzhalter 1">
-            <a:extLst>
-              <a:ext uri="{FF2B5EF4-FFF2-40B4-BE49-F238E27FC236}">
-                <a16:creationId xmlns:a16="http://schemas.microsoft.com/office/drawing/2014/main" id="{8273A691-7060-6466-5CCE-10B3C3675370}"/>
-              </a:ext>
-            </a:extLst>
-          </p:cNvPr>
+          <p:cNvPr id="2" name="Date Placeholder 1"/>
           <p:cNvSpPr>
             <a:spLocks noGrp="1"/>
           </p:cNvSpPr>
@@ -2088,7 +2439,7 @@
           <a:p>
             <a:fld id="{789703A8-2D30-4E29-8AE8-FC3173B2BC9B}" type="datetimeFigureOut">
               <a:rPr lang="en-GB" smtClean="0"/>
-              <a:t>16/11/2023</a:t>
+              <a:t>23/11/2023</a:t>
             </a:fld>
             <a:endParaRPr lang="en-GB"/>
           </a:p>
@@ -2096,13 +2447,7 @@
       </p:sp>
       <p:sp>
         <p:nvSpPr>
-          <p:cNvPr id="3" name="Fußzeilenplatzhalter 2">
-            <a:extLst>
-              <a:ext uri="{FF2B5EF4-FFF2-40B4-BE49-F238E27FC236}">
-                <a16:creationId xmlns:a16="http://schemas.microsoft.com/office/drawing/2014/main" id="{6DC3C77E-B0C6-6638-2586-ECCBF91D93A1}"/>
-              </a:ext>
-            </a:extLst>
-          </p:cNvPr>
+          <p:cNvPr id="3" name="Footer Placeholder 2"/>
           <p:cNvSpPr>
             <a:spLocks noGrp="1"/>
           </p:cNvSpPr>
@@ -2121,13 +2466,7 @@
       </p:sp>
       <p:sp>
         <p:nvSpPr>
-          <p:cNvPr id="4" name="Foliennummernplatzhalter 3">
-            <a:extLst>
-              <a:ext uri="{FF2B5EF4-FFF2-40B4-BE49-F238E27FC236}">
-                <a16:creationId xmlns:a16="http://schemas.microsoft.com/office/drawing/2014/main" id="{8707031A-8127-A186-716E-EACA141EBFF5}"/>
-              </a:ext>
-            </a:extLst>
-          </p:cNvPr>
+          <p:cNvPr id="4" name="Slide Number Placeholder 3"/>
           <p:cNvSpPr>
             <a:spLocks noGrp="1"/>
           </p:cNvSpPr>
@@ -2151,7 +2490,7 @@
     </p:spTree>
     <p:extLst>
       <p:ext uri="{BB962C8B-B14F-4D97-AF65-F5344CB8AC3E}">
-        <p14:creationId xmlns:p14="http://schemas.microsoft.com/office/powerpoint/2010/main" val="2860079946"/>
+        <p14:creationId xmlns:p14="http://schemas.microsoft.com/office/powerpoint/2010/main" val="818655178"/>
       </p:ext>
     </p:extLst>
   </p:cSld>
@@ -2180,13 +2519,7 @@
       </p:grpSpPr>
       <p:sp>
         <p:nvSpPr>
-          <p:cNvPr id="2" name="Titel 1">
-            <a:extLst>
-              <a:ext uri="{FF2B5EF4-FFF2-40B4-BE49-F238E27FC236}">
-                <a16:creationId xmlns:a16="http://schemas.microsoft.com/office/drawing/2014/main" id="{A7FFDB21-5969-7C7F-5BC0-A96ADC78FF1D}"/>
-              </a:ext>
-            </a:extLst>
-          </p:cNvPr>
+          <p:cNvPr id="2" name="Title 1"/>
           <p:cNvSpPr>
             <a:spLocks noGrp="1"/>
           </p:cNvSpPr>
@@ -2196,15 +2529,15 @@
         </p:nvSpPr>
         <p:spPr>
           <a:xfrm>
-            <a:off x="839788" y="457200"/>
-            <a:ext cx="3932237" cy="1600200"/>
+            <a:off x="472381" y="812800"/>
+            <a:ext cx="2211884" cy="2844800"/>
           </a:xfrm>
         </p:spPr>
         <p:txBody>
           <a:bodyPr anchor="b"/>
           <a:lstStyle>
             <a:lvl1pPr>
-              <a:defRPr sz="3200"/>
+              <a:defRPr sz="2400"/>
             </a:lvl1pPr>
           </a:lstStyle>
           <a:p>
@@ -2212,19 +2545,13 @@
               <a:rPr lang="de-DE"/>
               <a:t>Mastertitelformat bearbeiten</a:t>
             </a:r>
-            <a:endParaRPr lang="en-GB"/>
-          </a:p>
-        </p:txBody>
-      </p:sp>
-      <p:sp>
-        <p:nvSpPr>
-          <p:cNvPr id="3" name="Inhaltsplatzhalter 2">
-            <a:extLst>
-              <a:ext uri="{FF2B5EF4-FFF2-40B4-BE49-F238E27FC236}">
-                <a16:creationId xmlns:a16="http://schemas.microsoft.com/office/drawing/2014/main" id="{42E012AC-97CA-0BDD-A74A-1C89FEE32BFC}"/>
-              </a:ext>
-            </a:extLst>
-          </p:cNvPr>
+            <a:endParaRPr lang="en-US" dirty="0"/>
+          </a:p>
+        </p:txBody>
+      </p:sp>
+      <p:sp>
+        <p:nvSpPr>
+          <p:cNvPr id="3" name="Content Placeholder 2"/>
           <p:cNvSpPr>
             <a:spLocks noGrp="1"/>
           </p:cNvSpPr>
@@ -2234,39 +2561,39 @@
         </p:nvSpPr>
         <p:spPr>
           <a:xfrm>
-            <a:off x="5183188" y="987425"/>
-            <a:ext cx="6172200" cy="4873625"/>
+            <a:off x="2915543" y="1755425"/>
+            <a:ext cx="3471863" cy="8664222"/>
           </a:xfrm>
         </p:spPr>
         <p:txBody>
           <a:bodyPr/>
           <a:lstStyle>
             <a:lvl1pPr>
-              <a:defRPr sz="3200"/>
+              <a:defRPr sz="2400"/>
             </a:lvl1pPr>
             <a:lvl2pPr>
-              <a:defRPr sz="2800"/>
+              <a:defRPr sz="2100"/>
             </a:lvl2pPr>
             <a:lvl3pPr>
-              <a:defRPr sz="2400"/>
+              <a:defRPr sz="1800"/>
             </a:lvl3pPr>
             <a:lvl4pPr>
-              <a:defRPr sz="2000"/>
+              <a:defRPr sz="1500"/>
             </a:lvl4pPr>
             <a:lvl5pPr>
-              <a:defRPr sz="2000"/>
+              <a:defRPr sz="1500"/>
             </a:lvl5pPr>
             <a:lvl6pPr>
-              <a:defRPr sz="2000"/>
+              <a:defRPr sz="1500"/>
             </a:lvl6pPr>
             <a:lvl7pPr>
-              <a:defRPr sz="2000"/>
+              <a:defRPr sz="1500"/>
             </a:lvl7pPr>
             <a:lvl8pPr>
-              <a:defRPr sz="2000"/>
+              <a:defRPr sz="1500"/>
             </a:lvl8pPr>
             <a:lvl9pPr>
-              <a:defRPr sz="2000"/>
+              <a:defRPr sz="1500"/>
             </a:lvl9pPr>
           </a:lstStyle>
           <a:p>
@@ -2303,19 +2630,13 @@
               <a:rPr lang="de-DE"/>
               <a:t>Fünfte Ebene</a:t>
             </a:r>
-            <a:endParaRPr lang="en-GB"/>
-          </a:p>
-        </p:txBody>
-      </p:sp>
-      <p:sp>
-        <p:nvSpPr>
-          <p:cNvPr id="4" name="Textplatzhalter 3">
-            <a:extLst>
-              <a:ext uri="{FF2B5EF4-FFF2-40B4-BE49-F238E27FC236}">
-                <a16:creationId xmlns:a16="http://schemas.microsoft.com/office/drawing/2014/main" id="{3CE22C7E-BA01-49F1-82F5-E354FB6E52A9}"/>
-              </a:ext>
-            </a:extLst>
-          </p:cNvPr>
+            <a:endParaRPr lang="en-US" dirty="0"/>
+          </a:p>
+        </p:txBody>
+      </p:sp>
+      <p:sp>
+        <p:nvSpPr>
+          <p:cNvPr id="4" name="Text Placeholder 3"/>
           <p:cNvSpPr>
             <a:spLocks noGrp="1"/>
           </p:cNvSpPr>
@@ -2325,8 +2646,8 @@
         </p:nvSpPr>
         <p:spPr>
           <a:xfrm>
-            <a:off x="839788" y="2057400"/>
-            <a:ext cx="3932237" cy="3811588"/>
+            <a:off x="472381" y="3657600"/>
+            <a:ext cx="2211884" cy="6776156"/>
           </a:xfrm>
         </p:spPr>
         <p:txBody>
@@ -2334,39 +2655,39 @@
           <a:lstStyle>
             <a:lvl1pPr marL="0" indent="0">
               <a:buNone/>
-              <a:defRPr sz="1600"/>
+              <a:defRPr sz="1200"/>
             </a:lvl1pPr>
-            <a:lvl2pPr marL="457200" indent="0">
+            <a:lvl2pPr marL="342900" indent="0">
               <a:buNone/>
-              <a:defRPr sz="1400"/>
+              <a:defRPr sz="1050"/>
             </a:lvl2pPr>
-            <a:lvl3pPr marL="914400" indent="0">
+            <a:lvl3pPr marL="685800" indent="0">
               <a:buNone/>
-              <a:defRPr sz="1200"/>
+              <a:defRPr sz="900"/>
             </a:lvl3pPr>
-            <a:lvl4pPr marL="1371600" indent="0">
+            <a:lvl4pPr marL="1028700" indent="0">
               <a:buNone/>
-              <a:defRPr sz="1000"/>
+              <a:defRPr sz="750"/>
             </a:lvl4pPr>
-            <a:lvl5pPr marL="1828800" indent="0">
+            <a:lvl5pPr marL="1371600" indent="0">
               <a:buNone/>
-              <a:defRPr sz="1000"/>
+              <a:defRPr sz="750"/>
             </a:lvl5pPr>
-            <a:lvl6pPr marL="2286000" indent="0">
+            <a:lvl6pPr marL="1714500" indent="0">
               <a:buNone/>
-              <a:defRPr sz="1000"/>
+              <a:defRPr sz="750"/>
             </a:lvl6pPr>
-            <a:lvl7pPr marL="2743200" indent="0">
+            <a:lvl7pPr marL="2057400" indent="0">
               <a:buNone/>
-              <a:defRPr sz="1000"/>
+              <a:defRPr sz="750"/>
             </a:lvl7pPr>
-            <a:lvl8pPr marL="3200400" indent="0">
+            <a:lvl8pPr marL="2400300" indent="0">
               <a:buNone/>
-              <a:defRPr sz="1000"/>
+              <a:defRPr sz="750"/>
             </a:lvl8pPr>
-            <a:lvl9pPr marL="3657600" indent="0">
+            <a:lvl9pPr marL="2743200" indent="0">
               <a:buNone/>
-              <a:defRPr sz="1000"/>
+              <a:defRPr sz="750"/>
             </a:lvl9pPr>
           </a:lstStyle>
           <a:p>
@@ -2380,13 +2701,7 @@
       </p:sp>
       <p:sp>
         <p:nvSpPr>
-          <p:cNvPr id="5" name="Datumsplatzhalter 4">
-            <a:extLst>
-              <a:ext uri="{FF2B5EF4-FFF2-40B4-BE49-F238E27FC236}">
-                <a16:creationId xmlns:a16="http://schemas.microsoft.com/office/drawing/2014/main" id="{FF6C6613-3DB7-4A14-5BA4-B52772D93680}"/>
-              </a:ext>
-            </a:extLst>
-          </p:cNvPr>
+          <p:cNvPr id="5" name="Date Placeholder 4"/>
           <p:cNvSpPr>
             <a:spLocks noGrp="1"/>
           </p:cNvSpPr>
@@ -2401,7 +2716,7 @@
           <a:p>
             <a:fld id="{789703A8-2D30-4E29-8AE8-FC3173B2BC9B}" type="datetimeFigureOut">
               <a:rPr lang="en-GB" smtClean="0"/>
-              <a:t>16/11/2023</a:t>
+              <a:t>23/11/2023</a:t>
             </a:fld>
             <a:endParaRPr lang="en-GB"/>
           </a:p>
@@ -2409,13 +2724,7 @@
       </p:sp>
       <p:sp>
         <p:nvSpPr>
-          <p:cNvPr id="6" name="Fußzeilenplatzhalter 5">
-            <a:extLst>
-              <a:ext uri="{FF2B5EF4-FFF2-40B4-BE49-F238E27FC236}">
-                <a16:creationId xmlns:a16="http://schemas.microsoft.com/office/drawing/2014/main" id="{F9759AC4-4762-EC1A-037E-8C787FB2E727}"/>
-              </a:ext>
-            </a:extLst>
-          </p:cNvPr>
+          <p:cNvPr id="6" name="Footer Placeholder 5"/>
           <p:cNvSpPr>
             <a:spLocks noGrp="1"/>
           </p:cNvSpPr>
@@ -2434,13 +2743,7 @@
       </p:sp>
       <p:sp>
         <p:nvSpPr>
-          <p:cNvPr id="7" name="Foliennummernplatzhalter 6">
-            <a:extLst>
-              <a:ext uri="{FF2B5EF4-FFF2-40B4-BE49-F238E27FC236}">
-                <a16:creationId xmlns:a16="http://schemas.microsoft.com/office/drawing/2014/main" id="{24EB9C69-F52A-C4CA-AD82-300C40D8409E}"/>
-              </a:ext>
-            </a:extLst>
-          </p:cNvPr>
+          <p:cNvPr id="7" name="Slide Number Placeholder 6"/>
           <p:cNvSpPr>
             <a:spLocks noGrp="1"/>
           </p:cNvSpPr>
@@ -2464,7 +2767,7 @@
     </p:spTree>
     <p:extLst>
       <p:ext uri="{BB962C8B-B14F-4D97-AF65-F5344CB8AC3E}">
-        <p14:creationId xmlns:p14="http://schemas.microsoft.com/office/powerpoint/2010/main" val="150958064"/>
+        <p14:creationId xmlns:p14="http://schemas.microsoft.com/office/powerpoint/2010/main" val="12873684"/>
       </p:ext>
     </p:extLst>
   </p:cSld>
@@ -2493,13 +2796,7 @@
       </p:grpSpPr>
       <p:sp>
         <p:nvSpPr>
-          <p:cNvPr id="2" name="Titel 1">
-            <a:extLst>
-              <a:ext uri="{FF2B5EF4-FFF2-40B4-BE49-F238E27FC236}">
-                <a16:creationId xmlns:a16="http://schemas.microsoft.com/office/drawing/2014/main" id="{6EC92284-980A-7CC3-1286-12731020EA2B}"/>
-              </a:ext>
-            </a:extLst>
-          </p:cNvPr>
+          <p:cNvPr id="2" name="Title 1"/>
           <p:cNvSpPr>
             <a:spLocks noGrp="1"/>
           </p:cNvSpPr>
@@ -2509,15 +2806,15 @@
         </p:nvSpPr>
         <p:spPr>
           <a:xfrm>
-            <a:off x="839788" y="457200"/>
-            <a:ext cx="3932237" cy="1600200"/>
+            <a:off x="472381" y="812800"/>
+            <a:ext cx="2211884" cy="2844800"/>
           </a:xfrm>
         </p:spPr>
         <p:txBody>
           <a:bodyPr anchor="b"/>
           <a:lstStyle>
             <a:lvl1pPr>
-              <a:defRPr sz="3200"/>
+              <a:defRPr sz="2400"/>
             </a:lvl1pPr>
           </a:lstStyle>
           <a:p>
@@ -2525,21 +2822,15 @@
               <a:rPr lang="de-DE"/>
               <a:t>Mastertitelformat bearbeiten</a:t>
             </a:r>
-            <a:endParaRPr lang="en-GB"/>
-          </a:p>
-        </p:txBody>
-      </p:sp>
-      <p:sp>
-        <p:nvSpPr>
-          <p:cNvPr id="3" name="Bildplatzhalter 2">
-            <a:extLst>
-              <a:ext uri="{FF2B5EF4-FFF2-40B4-BE49-F238E27FC236}">
-                <a16:creationId xmlns:a16="http://schemas.microsoft.com/office/drawing/2014/main" id="{CD060349-2911-8375-1D2A-6F6F0D48CBAD}"/>
-              </a:ext>
-            </a:extLst>
-          </p:cNvPr>
-          <p:cNvSpPr>
-            <a:spLocks noGrp="1"/>
+            <a:endParaRPr lang="en-US" dirty="0"/>
+          </a:p>
+        </p:txBody>
+      </p:sp>
+      <p:sp>
+        <p:nvSpPr>
+          <p:cNvPr id="3" name="Picture Placeholder 2"/>
+          <p:cNvSpPr>
+            <a:spLocks noGrp="1" noChangeAspect="1"/>
           </p:cNvSpPr>
           <p:nvPr>
             <p:ph type="pic" idx="1"/>
@@ -2547,8 +2838,73 @@
         </p:nvSpPr>
         <p:spPr>
           <a:xfrm>
-            <a:off x="5183188" y="987425"/>
-            <a:ext cx="6172200" cy="4873625"/>
+            <a:off x="2915543" y="1755425"/>
+            <a:ext cx="3471863" cy="8664222"/>
+          </a:xfrm>
+        </p:spPr>
+        <p:txBody>
+          <a:bodyPr anchor="t"/>
+          <a:lstStyle>
+            <a:lvl1pPr marL="0" indent="0">
+              <a:buNone/>
+              <a:defRPr sz="2400"/>
+            </a:lvl1pPr>
+            <a:lvl2pPr marL="342900" indent="0">
+              <a:buNone/>
+              <a:defRPr sz="2100"/>
+            </a:lvl2pPr>
+            <a:lvl3pPr marL="685800" indent="0">
+              <a:buNone/>
+              <a:defRPr sz="1800"/>
+            </a:lvl3pPr>
+            <a:lvl4pPr marL="1028700" indent="0">
+              <a:buNone/>
+              <a:defRPr sz="1500"/>
+            </a:lvl4pPr>
+            <a:lvl5pPr marL="1371600" indent="0">
+              <a:buNone/>
+              <a:defRPr sz="1500"/>
+            </a:lvl5pPr>
+            <a:lvl6pPr marL="1714500" indent="0">
+              <a:buNone/>
+              <a:defRPr sz="1500"/>
+            </a:lvl6pPr>
+            <a:lvl7pPr marL="2057400" indent="0">
+              <a:buNone/>
+              <a:defRPr sz="1500"/>
+            </a:lvl7pPr>
+            <a:lvl8pPr marL="2400300" indent="0">
+              <a:buNone/>
+              <a:defRPr sz="1500"/>
+            </a:lvl8pPr>
+            <a:lvl9pPr marL="2743200" indent="0">
+              <a:buNone/>
+              <a:defRPr sz="1500"/>
+            </a:lvl9pPr>
+          </a:lstStyle>
+          <a:p>
+            <a:r>
+              <a:rPr lang="de-DE"/>
+              <a:t>Bild durch Klicken auf Symbol hinzufügen</a:t>
+            </a:r>
+            <a:endParaRPr lang="en-US" dirty="0"/>
+          </a:p>
+        </p:txBody>
+      </p:sp>
+      <p:sp>
+        <p:nvSpPr>
+          <p:cNvPr id="4" name="Text Placeholder 3"/>
+          <p:cNvSpPr>
+            <a:spLocks noGrp="1"/>
+          </p:cNvSpPr>
+          <p:nvPr>
+            <p:ph type="body" sz="half" idx="2"/>
+          </p:nvPr>
+        </p:nvSpPr>
+        <p:spPr>
+          <a:xfrm>
+            <a:off x="472381" y="3657600"/>
+            <a:ext cx="2211884" cy="6776156"/>
           </a:xfrm>
         </p:spPr>
         <p:txBody>
@@ -2556,109 +2912,42 @@
           <a:lstStyle>
             <a:lvl1pPr marL="0" indent="0">
               <a:buNone/>
-              <a:defRPr sz="3200"/>
+              <a:defRPr sz="1200"/>
             </a:lvl1pPr>
-            <a:lvl2pPr marL="457200" indent="0">
+            <a:lvl2pPr marL="342900" indent="0">
               <a:buNone/>
-              <a:defRPr sz="2800"/>
+              <a:defRPr sz="1050"/>
             </a:lvl2pPr>
-            <a:lvl3pPr marL="914400" indent="0">
+            <a:lvl3pPr marL="685800" indent="0">
               <a:buNone/>
-              <a:defRPr sz="2400"/>
+              <a:defRPr sz="900"/>
             </a:lvl3pPr>
-            <a:lvl4pPr marL="1371600" indent="0">
+            <a:lvl4pPr marL="1028700" indent="0">
               <a:buNone/>
-              <a:defRPr sz="2000"/>
+              <a:defRPr sz="750"/>
             </a:lvl4pPr>
-            <a:lvl5pPr marL="1828800" indent="0">
+            <a:lvl5pPr marL="1371600" indent="0">
               <a:buNone/>
-              <a:defRPr sz="2000"/>
+              <a:defRPr sz="750"/>
             </a:lvl5pPr>
-            <a:lvl6pPr marL="2286000" indent="0">
+            <a:lvl6pPr marL="1714500" indent="0">
               <a:buNone/>
-              <a:defRPr sz="2000"/>
+              <a:defRPr sz="750"/>
             </a:lvl6pPr>
-            <a:lvl7pPr marL="2743200" indent="0">
+            <a:lvl7pPr marL="2057400" indent="0">
               <a:buNone/>
-              <a:defRPr sz="2000"/>
+              <a:defRPr sz="750"/>
             </a:lvl7pPr>
-            <a:lvl8pPr marL="3200400" indent="0">
+            <a:lvl8pPr marL="2400300" indent="0">
               <a:buNone/>
-              <a:defRPr sz="2000"/>
+              <a:defRPr sz="750"/>
             </a:lvl8pPr>
-            <a:lvl9pPr marL="3657600" indent="0">
+            <a:lvl9pPr marL="2743200" indent="0">
               <a:buNone/>
-              <a:defRPr sz="2000"/>
+              <a:defRPr sz="750"/>
             </a:lvl9pPr>
           </a:lstStyle>
           <a:p>
-            <a:endParaRPr lang="en-GB"/>
-          </a:p>
-        </p:txBody>
-      </p:sp>
-      <p:sp>
-        <p:nvSpPr>
-          <p:cNvPr id="4" name="Textplatzhalter 3">
-            <a:extLst>
-              <a:ext uri="{FF2B5EF4-FFF2-40B4-BE49-F238E27FC236}">
-                <a16:creationId xmlns:a16="http://schemas.microsoft.com/office/drawing/2014/main" id="{9E617CDA-DCA5-1AF7-75C8-86654DB3CE85}"/>
-              </a:ext>
-            </a:extLst>
-          </p:cNvPr>
-          <p:cNvSpPr>
-            <a:spLocks noGrp="1"/>
-          </p:cNvSpPr>
-          <p:nvPr>
-            <p:ph type="body" sz="half" idx="2"/>
-          </p:nvPr>
-        </p:nvSpPr>
-        <p:spPr>
-          <a:xfrm>
-            <a:off x="839788" y="2057400"/>
-            <a:ext cx="3932237" cy="3811588"/>
-          </a:xfrm>
-        </p:spPr>
-        <p:txBody>
-          <a:bodyPr/>
-          <a:lstStyle>
-            <a:lvl1pPr marL="0" indent="0">
-              <a:buNone/>
-              <a:defRPr sz="1600"/>
-            </a:lvl1pPr>
-            <a:lvl2pPr marL="457200" indent="0">
-              <a:buNone/>
-              <a:defRPr sz="1400"/>
-            </a:lvl2pPr>
-            <a:lvl3pPr marL="914400" indent="0">
-              <a:buNone/>
-              <a:defRPr sz="1200"/>
-            </a:lvl3pPr>
-            <a:lvl4pPr marL="1371600" indent="0">
-              <a:buNone/>
-              <a:defRPr sz="1000"/>
-            </a:lvl4pPr>
-            <a:lvl5pPr marL="1828800" indent="0">
-              <a:buNone/>
-              <a:defRPr sz="1000"/>
-            </a:lvl5pPr>
-            <a:lvl6pPr marL="2286000" indent="0">
-              <a:buNone/>
-              <a:defRPr sz="1000"/>
-            </a:lvl6pPr>
-            <a:lvl7pPr marL="2743200" indent="0">
-              <a:buNone/>
-              <a:defRPr sz="1000"/>
-            </a:lvl7pPr>
-            <a:lvl8pPr marL="3200400" indent="0">
-              <a:buNone/>
-              <a:defRPr sz="1000"/>
-            </a:lvl8pPr>
-            <a:lvl9pPr marL="3657600" indent="0">
-              <a:buNone/>
-              <a:defRPr sz="1000"/>
-            </a:lvl9pPr>
-          </a:lstStyle>
-          <a:p>
             <a:pPr lvl="0"/>
             <a:r>
               <a:rPr lang="de-DE"/>
@@ -2669,13 +2958,7 @@
       </p:sp>
       <p:sp>
         <p:nvSpPr>
-          <p:cNvPr id="5" name="Datumsplatzhalter 4">
-            <a:extLst>
-              <a:ext uri="{FF2B5EF4-FFF2-40B4-BE49-F238E27FC236}">
-                <a16:creationId xmlns:a16="http://schemas.microsoft.com/office/drawing/2014/main" id="{826966B0-09BF-DF80-6EBB-AD1E3DCF9B64}"/>
-              </a:ext>
-            </a:extLst>
-          </p:cNvPr>
+          <p:cNvPr id="5" name="Date Placeholder 4"/>
           <p:cNvSpPr>
             <a:spLocks noGrp="1"/>
           </p:cNvSpPr>
@@ -2690,7 +2973,7 @@
           <a:p>
             <a:fld id="{789703A8-2D30-4E29-8AE8-FC3173B2BC9B}" type="datetimeFigureOut">
               <a:rPr lang="en-GB" smtClean="0"/>
-              <a:t>16/11/2023</a:t>
+              <a:t>23/11/2023</a:t>
             </a:fld>
             <a:endParaRPr lang="en-GB"/>
           </a:p>
@@ -2698,13 +2981,7 @@
       </p:sp>
       <p:sp>
         <p:nvSpPr>
-          <p:cNvPr id="6" name="Fußzeilenplatzhalter 5">
-            <a:extLst>
-              <a:ext uri="{FF2B5EF4-FFF2-40B4-BE49-F238E27FC236}">
-                <a16:creationId xmlns:a16="http://schemas.microsoft.com/office/drawing/2014/main" id="{F4F59F8D-4262-E42C-49CC-E1315869E61A}"/>
-              </a:ext>
-            </a:extLst>
-          </p:cNvPr>
+          <p:cNvPr id="6" name="Footer Placeholder 5"/>
           <p:cNvSpPr>
             <a:spLocks noGrp="1"/>
           </p:cNvSpPr>
@@ -2723,13 +3000,7 @@
       </p:sp>
       <p:sp>
         <p:nvSpPr>
-          <p:cNvPr id="7" name="Foliennummernplatzhalter 6">
-            <a:extLst>
-              <a:ext uri="{FF2B5EF4-FFF2-40B4-BE49-F238E27FC236}">
-                <a16:creationId xmlns:a16="http://schemas.microsoft.com/office/drawing/2014/main" id="{7EF724EC-9619-4910-B9A0-3337F12AF066}"/>
-              </a:ext>
-            </a:extLst>
-          </p:cNvPr>
+          <p:cNvPr id="7" name="Slide Number Placeholder 6"/>
           <p:cNvSpPr>
             <a:spLocks noGrp="1"/>
           </p:cNvSpPr>
@@ -2753,7 +3024,7 @@
     </p:spTree>
     <p:extLst>
       <p:ext uri="{BB962C8B-B14F-4D97-AF65-F5344CB8AC3E}">
-        <p14:creationId xmlns:p14="http://schemas.microsoft.com/office/powerpoint/2010/main" val="134272205"/>
+        <p14:creationId xmlns:p14="http://schemas.microsoft.com/office/powerpoint/2010/main" val="60729040"/>
       </p:ext>
     </p:extLst>
   </p:cSld>
@@ -2787,13 +3058,7 @@
       </p:grpSpPr>
       <p:sp>
         <p:nvSpPr>
-          <p:cNvPr id="2" name="Titelplatzhalter 1">
-            <a:extLst>
-              <a:ext uri="{FF2B5EF4-FFF2-40B4-BE49-F238E27FC236}">
-                <a16:creationId xmlns:a16="http://schemas.microsoft.com/office/drawing/2014/main" id="{5F802D54-4BAF-E162-975F-A6CC5BFAF3A4}"/>
-              </a:ext>
-            </a:extLst>
-          </p:cNvPr>
+          <p:cNvPr id="2" name="Title Placeholder 1"/>
           <p:cNvSpPr>
             <a:spLocks noGrp="1"/>
           </p:cNvSpPr>
@@ -2803,8 +3068,8 @@
         </p:nvSpPr>
         <p:spPr>
           <a:xfrm>
-            <a:off x="838200" y="365125"/>
-            <a:ext cx="10515600" cy="1325563"/>
+            <a:off x="471488" y="649114"/>
+            <a:ext cx="5915025" cy="2356556"/>
           </a:xfrm>
           <a:prstGeom prst="rect">
             <a:avLst/>
@@ -2820,19 +3085,13 @@
               <a:rPr lang="de-DE"/>
               <a:t>Mastertitelformat bearbeiten</a:t>
             </a:r>
-            <a:endParaRPr lang="en-GB"/>
-          </a:p>
-        </p:txBody>
-      </p:sp>
-      <p:sp>
-        <p:nvSpPr>
-          <p:cNvPr id="3" name="Textplatzhalter 2">
-            <a:extLst>
-              <a:ext uri="{FF2B5EF4-FFF2-40B4-BE49-F238E27FC236}">
-                <a16:creationId xmlns:a16="http://schemas.microsoft.com/office/drawing/2014/main" id="{61E28592-C07F-56E6-B222-40C0AEDFC085}"/>
-              </a:ext>
-            </a:extLst>
-          </p:cNvPr>
+            <a:endParaRPr lang="en-US" dirty="0"/>
+          </a:p>
+        </p:txBody>
+      </p:sp>
+      <p:sp>
+        <p:nvSpPr>
+          <p:cNvPr id="3" name="Text Placeholder 2"/>
           <p:cNvSpPr>
             <a:spLocks noGrp="1"/>
           </p:cNvSpPr>
@@ -2842,8 +3101,8 @@
         </p:nvSpPr>
         <p:spPr>
           <a:xfrm>
-            <a:off x="838200" y="1825625"/>
-            <a:ext cx="10515600" cy="4351338"/>
+            <a:off x="471488" y="3245556"/>
+            <a:ext cx="5915025" cy="7735712"/>
           </a:xfrm>
           <a:prstGeom prst="rect">
             <a:avLst/>
@@ -2888,19 +3147,13 @@
               <a:rPr lang="de-DE"/>
               <a:t>Fünfte Ebene</a:t>
             </a:r>
-            <a:endParaRPr lang="en-GB"/>
-          </a:p>
-        </p:txBody>
-      </p:sp>
-      <p:sp>
-        <p:nvSpPr>
-          <p:cNvPr id="4" name="Datumsplatzhalter 3">
-            <a:extLst>
-              <a:ext uri="{FF2B5EF4-FFF2-40B4-BE49-F238E27FC236}">
-                <a16:creationId xmlns:a16="http://schemas.microsoft.com/office/drawing/2014/main" id="{752CD0C9-1C62-BC70-D427-51BC93D6FF74}"/>
-              </a:ext>
-            </a:extLst>
-          </p:cNvPr>
+            <a:endParaRPr lang="en-US" dirty="0"/>
+          </a:p>
+        </p:txBody>
+      </p:sp>
+      <p:sp>
+        <p:nvSpPr>
+          <p:cNvPr id="4" name="Date Placeholder 3"/>
           <p:cNvSpPr>
             <a:spLocks noGrp="1"/>
           </p:cNvSpPr>
@@ -2910,8 +3163,8 @@
         </p:nvSpPr>
         <p:spPr>
           <a:xfrm>
-            <a:off x="838200" y="6356350"/>
-            <a:ext cx="2743200" cy="365125"/>
+            <a:off x="471488" y="11300181"/>
+            <a:ext cx="1543050" cy="649111"/>
           </a:xfrm>
           <a:prstGeom prst="rect">
             <a:avLst/>
@@ -2921,7 +3174,7 @@
           <a:bodyPr vert="horz" lIns="91440" tIns="45720" rIns="91440" bIns="45720" rtlCol="0" anchor="ctr"/>
           <a:lstStyle>
             <a:lvl1pPr algn="l">
-              <a:defRPr sz="1200">
+              <a:defRPr sz="900">
                 <a:solidFill>
                   <a:schemeClr val="tx1">
                     <a:tint val="75000"/>
@@ -2933,7 +3186,7 @@
           <a:p>
             <a:fld id="{789703A8-2D30-4E29-8AE8-FC3173B2BC9B}" type="datetimeFigureOut">
               <a:rPr lang="en-GB" smtClean="0"/>
-              <a:t>16/11/2023</a:t>
+              <a:t>23/11/2023</a:t>
             </a:fld>
             <a:endParaRPr lang="en-GB"/>
           </a:p>
@@ -2941,13 +3194,7 @@
       </p:sp>
       <p:sp>
         <p:nvSpPr>
-          <p:cNvPr id="5" name="Fußzeilenplatzhalter 4">
-            <a:extLst>
-              <a:ext uri="{FF2B5EF4-FFF2-40B4-BE49-F238E27FC236}">
-                <a16:creationId xmlns:a16="http://schemas.microsoft.com/office/drawing/2014/main" id="{49AD9139-6527-8ABD-BCB0-D20695B851FB}"/>
-              </a:ext>
-            </a:extLst>
-          </p:cNvPr>
+          <p:cNvPr id="5" name="Footer Placeholder 4"/>
           <p:cNvSpPr>
             <a:spLocks noGrp="1"/>
           </p:cNvSpPr>
@@ -2957,8 +3204,8 @@
         </p:nvSpPr>
         <p:spPr>
           <a:xfrm>
-            <a:off x="4038600" y="6356350"/>
-            <a:ext cx="4114800" cy="365125"/>
+            <a:off x="2271713" y="11300181"/>
+            <a:ext cx="2314575" cy="649111"/>
           </a:xfrm>
           <a:prstGeom prst="rect">
             <a:avLst/>
@@ -2968,7 +3215,7 @@
           <a:bodyPr vert="horz" lIns="91440" tIns="45720" rIns="91440" bIns="45720" rtlCol="0" anchor="ctr"/>
           <a:lstStyle>
             <a:lvl1pPr algn="ctr">
-              <a:defRPr sz="1200">
+              <a:defRPr sz="900">
                 <a:solidFill>
                   <a:schemeClr val="tx1">
                     <a:tint val="75000"/>
@@ -2984,13 +3231,7 @@
       </p:sp>
       <p:sp>
         <p:nvSpPr>
-          <p:cNvPr id="6" name="Foliennummernplatzhalter 5">
-            <a:extLst>
-              <a:ext uri="{FF2B5EF4-FFF2-40B4-BE49-F238E27FC236}">
-                <a16:creationId xmlns:a16="http://schemas.microsoft.com/office/drawing/2014/main" id="{C5AE73A5-F3D8-E5EE-B32F-350F9988CF49}"/>
-              </a:ext>
-            </a:extLst>
-          </p:cNvPr>
+          <p:cNvPr id="6" name="Slide Number Placeholder 5"/>
           <p:cNvSpPr>
             <a:spLocks noGrp="1"/>
           </p:cNvSpPr>
@@ -3000,8 +3241,8 @@
         </p:nvSpPr>
         <p:spPr>
           <a:xfrm>
-            <a:off x="8610600" y="6356350"/>
-            <a:ext cx="2743200" cy="365125"/>
+            <a:off x="4843463" y="11300181"/>
+            <a:ext cx="1543050" cy="649111"/>
           </a:xfrm>
           <a:prstGeom prst="rect">
             <a:avLst/>
@@ -3011,7 +3252,7 @@
           <a:bodyPr vert="horz" lIns="91440" tIns="45720" rIns="91440" bIns="45720" rtlCol="0" anchor="ctr"/>
           <a:lstStyle>
             <a:lvl1pPr algn="r">
-              <a:defRPr sz="1200">
+              <a:defRPr sz="900">
                 <a:solidFill>
                   <a:schemeClr val="tx1">
                     <a:tint val="75000"/>
@@ -3032,27 +3273,27 @@
     </p:spTree>
     <p:extLst>
       <p:ext uri="{BB962C8B-B14F-4D97-AF65-F5344CB8AC3E}">
-        <p14:creationId xmlns:p14="http://schemas.microsoft.com/office/powerpoint/2010/main" val="2813655454"/>
+        <p14:creationId xmlns:p14="http://schemas.microsoft.com/office/powerpoint/2010/main" val="1862370038"/>
       </p:ext>
     </p:extLst>
   </p:cSld>
   <p:clrMap bg1="lt1" tx1="dk1" bg2="lt2" tx2="dk2" accent1="accent1" accent2="accent2" accent3="accent3" accent4="accent4" accent5="accent5" accent6="accent6" hlink="hlink" folHlink="folHlink"/>
   <p:sldLayoutIdLst>
-    <p:sldLayoutId id="2147483649" r:id="rId1"/>
-    <p:sldLayoutId id="2147483650" r:id="rId2"/>
-    <p:sldLayoutId id="2147483651" r:id="rId3"/>
-    <p:sldLayoutId id="2147483652" r:id="rId4"/>
-    <p:sldLayoutId id="2147483653" r:id="rId5"/>
-    <p:sldLayoutId id="2147483654" r:id="rId6"/>
-    <p:sldLayoutId id="2147483655" r:id="rId7"/>
-    <p:sldLayoutId id="2147483656" r:id="rId8"/>
-    <p:sldLayoutId id="2147483657" r:id="rId9"/>
-    <p:sldLayoutId id="2147483658" r:id="rId10"/>
-    <p:sldLayoutId id="2147483659" r:id="rId11"/>
+    <p:sldLayoutId id="2147483661" r:id="rId1"/>
+    <p:sldLayoutId id="2147483662" r:id="rId2"/>
+    <p:sldLayoutId id="2147483663" r:id="rId3"/>
+    <p:sldLayoutId id="2147483664" r:id="rId4"/>
+    <p:sldLayoutId id="2147483665" r:id="rId5"/>
+    <p:sldLayoutId id="2147483666" r:id="rId6"/>
+    <p:sldLayoutId id="2147483667" r:id="rId7"/>
+    <p:sldLayoutId id="2147483668" r:id="rId8"/>
+    <p:sldLayoutId id="2147483669" r:id="rId9"/>
+    <p:sldLayoutId id="2147483670" r:id="rId10"/>
+    <p:sldLayoutId id="2147483671" r:id="rId11"/>
   </p:sldLayoutIdLst>
   <p:txStyles>
     <p:titleStyle>
-      <a:lvl1pPr algn="l" defTabSz="914400" rtl="0" eaLnBrk="1" latinLnBrk="0" hangingPunct="1">
+      <a:lvl1pPr algn="l" defTabSz="685800" rtl="0" eaLnBrk="1" latinLnBrk="0" hangingPunct="1">
         <a:lnSpc>
           <a:spcPct val="90000"/>
         </a:lnSpc>
@@ -3060,7 +3301,7 @@
           <a:spcPct val="0"/>
         </a:spcBef>
         <a:buNone/>
-        <a:defRPr sz="4400" kern="1200">
+        <a:defRPr sz="3300" kern="1200">
           <a:solidFill>
             <a:schemeClr val="tx1"/>
           </a:solidFill>
@@ -3071,16 +3312,16 @@
       </a:lvl1pPr>
     </p:titleStyle>
     <p:bodyStyle>
-      <a:lvl1pPr marL="228600" indent="-228600" algn="l" defTabSz="914400" rtl="0" eaLnBrk="1" latinLnBrk="0" hangingPunct="1">
+      <a:lvl1pPr marL="171450" indent="-171450" algn="l" defTabSz="685800" rtl="0" eaLnBrk="1" latinLnBrk="0" hangingPunct="1">
         <a:lnSpc>
           <a:spcPct val="90000"/>
         </a:lnSpc>
         <a:spcBef>
-          <a:spcPts val="1000"/>
+          <a:spcPts val="750"/>
         </a:spcBef>
         <a:buFont typeface="Arial" panose="020B0604020202020204" pitchFamily="34" charset="0"/>
         <a:buChar char="•"/>
-        <a:defRPr sz="2800" kern="1200">
+        <a:defRPr sz="2100" kern="1200">
           <a:solidFill>
             <a:schemeClr val="tx1"/>
           </a:solidFill>
@@ -3089,48 +3330,12 @@
           <a:cs typeface="+mn-cs"/>
         </a:defRPr>
       </a:lvl1pPr>
-      <a:lvl2pPr marL="685800" indent="-228600" algn="l" defTabSz="914400" rtl="0" eaLnBrk="1" latinLnBrk="0" hangingPunct="1">
+      <a:lvl2pPr marL="514350" indent="-171450" algn="l" defTabSz="685800" rtl="0" eaLnBrk="1" latinLnBrk="0" hangingPunct="1">
         <a:lnSpc>
           <a:spcPct val="90000"/>
         </a:lnSpc>
         <a:spcBef>
-          <a:spcPts val="500"/>
-        </a:spcBef>
-        <a:buFont typeface="Arial" panose="020B0604020202020204" pitchFamily="34" charset="0"/>
-        <a:buChar char="•"/>
-        <a:defRPr sz="2400" kern="1200">
-          <a:solidFill>
-            <a:schemeClr val="tx1"/>
-          </a:solidFill>
-          <a:latin typeface="+mn-lt"/>
-          <a:ea typeface="+mn-ea"/>
-          <a:cs typeface="+mn-cs"/>
-        </a:defRPr>
-      </a:lvl2pPr>
-      <a:lvl3pPr marL="1143000" indent="-228600" algn="l" defTabSz="914400" rtl="0" eaLnBrk="1" latinLnBrk="0" hangingPunct="1">
-        <a:lnSpc>
-          <a:spcPct val="90000"/>
-        </a:lnSpc>
-        <a:spcBef>
-          <a:spcPts val="500"/>
-        </a:spcBef>
-        <a:buFont typeface="Arial" panose="020B0604020202020204" pitchFamily="34" charset="0"/>
-        <a:buChar char="•"/>
-        <a:defRPr sz="2000" kern="1200">
-          <a:solidFill>
-            <a:schemeClr val="tx1"/>
-          </a:solidFill>
-          <a:latin typeface="+mn-lt"/>
-          <a:ea typeface="+mn-ea"/>
-          <a:cs typeface="+mn-cs"/>
-        </a:defRPr>
-      </a:lvl3pPr>
-      <a:lvl4pPr marL="1600200" indent="-228600" algn="l" defTabSz="914400" rtl="0" eaLnBrk="1" latinLnBrk="0" hangingPunct="1">
-        <a:lnSpc>
-          <a:spcPct val="90000"/>
-        </a:lnSpc>
-        <a:spcBef>
-          <a:spcPts val="500"/>
+          <a:spcPts val="375"/>
         </a:spcBef>
         <a:buFont typeface="Arial" panose="020B0604020202020204" pitchFamily="34" charset="0"/>
         <a:buChar char="•"/>
@@ -3142,17 +3347,53 @@
           <a:ea typeface="+mn-ea"/>
           <a:cs typeface="+mn-cs"/>
         </a:defRPr>
-      </a:lvl4pPr>
-      <a:lvl5pPr marL="2057400" indent="-228600" algn="l" defTabSz="914400" rtl="0" eaLnBrk="1" latinLnBrk="0" hangingPunct="1">
+      </a:lvl2pPr>
+      <a:lvl3pPr marL="857250" indent="-171450" algn="l" defTabSz="685800" rtl="0" eaLnBrk="1" latinLnBrk="0" hangingPunct="1">
         <a:lnSpc>
           <a:spcPct val="90000"/>
         </a:lnSpc>
         <a:spcBef>
-          <a:spcPts val="500"/>
+          <a:spcPts val="375"/>
         </a:spcBef>
         <a:buFont typeface="Arial" panose="020B0604020202020204" pitchFamily="34" charset="0"/>
         <a:buChar char="•"/>
-        <a:defRPr sz="1800" kern="1200">
+        <a:defRPr sz="1500" kern="1200">
+          <a:solidFill>
+            <a:schemeClr val="tx1"/>
+          </a:solidFill>
+          <a:latin typeface="+mn-lt"/>
+          <a:ea typeface="+mn-ea"/>
+          <a:cs typeface="+mn-cs"/>
+        </a:defRPr>
+      </a:lvl3pPr>
+      <a:lvl4pPr marL="1200150" indent="-171450" algn="l" defTabSz="685800" rtl="0" eaLnBrk="1" latinLnBrk="0" hangingPunct="1">
+        <a:lnSpc>
+          <a:spcPct val="90000"/>
+        </a:lnSpc>
+        <a:spcBef>
+          <a:spcPts val="375"/>
+        </a:spcBef>
+        <a:buFont typeface="Arial" panose="020B0604020202020204" pitchFamily="34" charset="0"/>
+        <a:buChar char="•"/>
+        <a:defRPr sz="1350" kern="1200">
+          <a:solidFill>
+            <a:schemeClr val="tx1"/>
+          </a:solidFill>
+          <a:latin typeface="+mn-lt"/>
+          <a:ea typeface="+mn-ea"/>
+          <a:cs typeface="+mn-cs"/>
+        </a:defRPr>
+      </a:lvl4pPr>
+      <a:lvl5pPr marL="1543050" indent="-171450" algn="l" defTabSz="685800" rtl="0" eaLnBrk="1" latinLnBrk="0" hangingPunct="1">
+        <a:lnSpc>
+          <a:spcPct val="90000"/>
+        </a:lnSpc>
+        <a:spcBef>
+          <a:spcPts val="375"/>
+        </a:spcBef>
+        <a:buFont typeface="Arial" panose="020B0604020202020204" pitchFamily="34" charset="0"/>
+        <a:buChar char="•"/>
+        <a:defRPr sz="1350" kern="1200">
           <a:solidFill>
             <a:schemeClr val="tx1"/>
           </a:solidFill>
@@ -3161,16 +3402,16 @@
           <a:cs typeface="+mn-cs"/>
         </a:defRPr>
       </a:lvl5pPr>
-      <a:lvl6pPr marL="2514600" indent="-228600" algn="l" defTabSz="914400" rtl="0" eaLnBrk="1" latinLnBrk="0" hangingPunct="1">
+      <a:lvl6pPr marL="1885950" indent="-171450" algn="l" defTabSz="685800" rtl="0" eaLnBrk="1" latinLnBrk="0" hangingPunct="1">
         <a:lnSpc>
           <a:spcPct val="90000"/>
         </a:lnSpc>
         <a:spcBef>
-          <a:spcPts val="500"/>
+          <a:spcPts val="375"/>
         </a:spcBef>
         <a:buFont typeface="Arial" panose="020B0604020202020204" pitchFamily="34" charset="0"/>
         <a:buChar char="•"/>
-        <a:defRPr sz="1800" kern="1200">
+        <a:defRPr sz="1350" kern="1200">
           <a:solidFill>
             <a:schemeClr val="tx1"/>
           </a:solidFill>
@@ -3179,16 +3420,16 @@
           <a:cs typeface="+mn-cs"/>
         </a:defRPr>
       </a:lvl6pPr>
-      <a:lvl7pPr marL="2971800" indent="-228600" algn="l" defTabSz="914400" rtl="0" eaLnBrk="1" latinLnBrk="0" hangingPunct="1">
+      <a:lvl7pPr marL="2228850" indent="-171450" algn="l" defTabSz="685800" rtl="0" eaLnBrk="1" latinLnBrk="0" hangingPunct="1">
         <a:lnSpc>
           <a:spcPct val="90000"/>
         </a:lnSpc>
         <a:spcBef>
-          <a:spcPts val="500"/>
+          <a:spcPts val="375"/>
         </a:spcBef>
         <a:buFont typeface="Arial" panose="020B0604020202020204" pitchFamily="34" charset="0"/>
         <a:buChar char="•"/>
-        <a:defRPr sz="1800" kern="1200">
+        <a:defRPr sz="1350" kern="1200">
           <a:solidFill>
             <a:schemeClr val="tx1"/>
           </a:solidFill>
@@ -3197,16 +3438,16 @@
           <a:cs typeface="+mn-cs"/>
         </a:defRPr>
       </a:lvl7pPr>
-      <a:lvl8pPr marL="3429000" indent="-228600" algn="l" defTabSz="914400" rtl="0" eaLnBrk="1" latinLnBrk="0" hangingPunct="1">
+      <a:lvl8pPr marL="2571750" indent="-171450" algn="l" defTabSz="685800" rtl="0" eaLnBrk="1" latinLnBrk="0" hangingPunct="1">
         <a:lnSpc>
           <a:spcPct val="90000"/>
         </a:lnSpc>
         <a:spcBef>
-          <a:spcPts val="500"/>
+          <a:spcPts val="375"/>
         </a:spcBef>
         <a:buFont typeface="Arial" panose="020B0604020202020204" pitchFamily="34" charset="0"/>
         <a:buChar char="•"/>
-        <a:defRPr sz="1800" kern="1200">
+        <a:defRPr sz="1350" kern="1200">
           <a:solidFill>
             <a:schemeClr val="tx1"/>
           </a:solidFill>
@@ -3215,16 +3456,16 @@
           <a:cs typeface="+mn-cs"/>
         </a:defRPr>
       </a:lvl8pPr>
-      <a:lvl9pPr marL="3886200" indent="-228600" algn="l" defTabSz="914400" rtl="0" eaLnBrk="1" latinLnBrk="0" hangingPunct="1">
+      <a:lvl9pPr marL="2914650" indent="-171450" algn="l" defTabSz="685800" rtl="0" eaLnBrk="1" latinLnBrk="0" hangingPunct="1">
         <a:lnSpc>
           <a:spcPct val="90000"/>
         </a:lnSpc>
         <a:spcBef>
-          <a:spcPts val="500"/>
+          <a:spcPts val="375"/>
         </a:spcBef>
         <a:buFont typeface="Arial" panose="020B0604020202020204" pitchFamily="34" charset="0"/>
         <a:buChar char="•"/>
-        <a:defRPr sz="1800" kern="1200">
+        <a:defRPr sz="1350" kern="1200">
           <a:solidFill>
             <a:schemeClr val="tx1"/>
           </a:solidFill>
@@ -3238,8 +3479,8 @@
       <a:defPPr>
         <a:defRPr lang="en-US"/>
       </a:defPPr>
-      <a:lvl1pPr marL="0" algn="l" defTabSz="914400" rtl="0" eaLnBrk="1" latinLnBrk="0" hangingPunct="1">
-        <a:defRPr sz="1800" kern="1200">
+      <a:lvl1pPr marL="0" algn="l" defTabSz="685800" rtl="0" eaLnBrk="1" latinLnBrk="0" hangingPunct="1">
+        <a:defRPr sz="1350" kern="1200">
           <a:solidFill>
             <a:schemeClr val="tx1"/>
           </a:solidFill>
@@ -3248,8 +3489,8 @@
           <a:cs typeface="+mn-cs"/>
         </a:defRPr>
       </a:lvl1pPr>
-      <a:lvl2pPr marL="457200" algn="l" defTabSz="914400" rtl="0" eaLnBrk="1" latinLnBrk="0" hangingPunct="1">
-        <a:defRPr sz="1800" kern="1200">
+      <a:lvl2pPr marL="342900" algn="l" defTabSz="685800" rtl="0" eaLnBrk="1" latinLnBrk="0" hangingPunct="1">
+        <a:defRPr sz="1350" kern="1200">
           <a:solidFill>
             <a:schemeClr val="tx1"/>
           </a:solidFill>
@@ -3258,8 +3499,8 @@
           <a:cs typeface="+mn-cs"/>
         </a:defRPr>
       </a:lvl2pPr>
-      <a:lvl3pPr marL="914400" algn="l" defTabSz="914400" rtl="0" eaLnBrk="1" latinLnBrk="0" hangingPunct="1">
-        <a:defRPr sz="1800" kern="1200">
+      <a:lvl3pPr marL="685800" algn="l" defTabSz="685800" rtl="0" eaLnBrk="1" latinLnBrk="0" hangingPunct="1">
+        <a:defRPr sz="1350" kern="1200">
           <a:solidFill>
             <a:schemeClr val="tx1"/>
           </a:solidFill>
@@ -3268,8 +3509,8 @@
           <a:cs typeface="+mn-cs"/>
         </a:defRPr>
       </a:lvl3pPr>
-      <a:lvl4pPr marL="1371600" algn="l" defTabSz="914400" rtl="0" eaLnBrk="1" latinLnBrk="0" hangingPunct="1">
-        <a:defRPr sz="1800" kern="1200">
+      <a:lvl4pPr marL="1028700" algn="l" defTabSz="685800" rtl="0" eaLnBrk="1" latinLnBrk="0" hangingPunct="1">
+        <a:defRPr sz="1350" kern="1200">
           <a:solidFill>
             <a:schemeClr val="tx1"/>
           </a:solidFill>
@@ -3278,8 +3519,8 @@
           <a:cs typeface="+mn-cs"/>
         </a:defRPr>
       </a:lvl4pPr>
-      <a:lvl5pPr marL="1828800" algn="l" defTabSz="914400" rtl="0" eaLnBrk="1" latinLnBrk="0" hangingPunct="1">
-        <a:defRPr sz="1800" kern="1200">
+      <a:lvl5pPr marL="1371600" algn="l" defTabSz="685800" rtl="0" eaLnBrk="1" latinLnBrk="0" hangingPunct="1">
+        <a:defRPr sz="1350" kern="1200">
           <a:solidFill>
             <a:schemeClr val="tx1"/>
           </a:solidFill>
@@ -3288,8 +3529,8 @@
           <a:cs typeface="+mn-cs"/>
         </a:defRPr>
       </a:lvl5pPr>
-      <a:lvl6pPr marL="2286000" algn="l" defTabSz="914400" rtl="0" eaLnBrk="1" latinLnBrk="0" hangingPunct="1">
-        <a:defRPr sz="1800" kern="1200">
+      <a:lvl6pPr marL="1714500" algn="l" defTabSz="685800" rtl="0" eaLnBrk="1" latinLnBrk="0" hangingPunct="1">
+        <a:defRPr sz="1350" kern="1200">
           <a:solidFill>
             <a:schemeClr val="tx1"/>
           </a:solidFill>
@@ -3298,8 +3539,8 @@
           <a:cs typeface="+mn-cs"/>
         </a:defRPr>
       </a:lvl6pPr>
-      <a:lvl7pPr marL="2743200" algn="l" defTabSz="914400" rtl="0" eaLnBrk="1" latinLnBrk="0" hangingPunct="1">
-        <a:defRPr sz="1800" kern="1200">
+      <a:lvl7pPr marL="2057400" algn="l" defTabSz="685800" rtl="0" eaLnBrk="1" latinLnBrk="0" hangingPunct="1">
+        <a:defRPr sz="1350" kern="1200">
           <a:solidFill>
             <a:schemeClr val="tx1"/>
           </a:solidFill>
@@ -3308,8 +3549,8 @@
           <a:cs typeface="+mn-cs"/>
         </a:defRPr>
       </a:lvl7pPr>
-      <a:lvl8pPr marL="3200400" algn="l" defTabSz="914400" rtl="0" eaLnBrk="1" latinLnBrk="0" hangingPunct="1">
-        <a:defRPr sz="1800" kern="1200">
+      <a:lvl8pPr marL="2400300" algn="l" defTabSz="685800" rtl="0" eaLnBrk="1" latinLnBrk="0" hangingPunct="1">
+        <a:defRPr sz="1350" kern="1200">
           <a:solidFill>
             <a:schemeClr val="tx1"/>
           </a:solidFill>
@@ -3318,8 +3559,8 @@
           <a:cs typeface="+mn-cs"/>
         </a:defRPr>
       </a:lvl8pPr>
-      <a:lvl9pPr marL="3657600" algn="l" defTabSz="914400" rtl="0" eaLnBrk="1" latinLnBrk="0" hangingPunct="1">
-        <a:defRPr sz="1800" kern="1200">
+      <a:lvl9pPr marL="2743200" algn="l" defTabSz="685800" rtl="0" eaLnBrk="1" latinLnBrk="0" hangingPunct="1">
+        <a:defRPr sz="1350" kern="1200">
           <a:solidFill>
             <a:schemeClr val="tx1"/>
           </a:solidFill>
@@ -3364,8 +3605,8 @@
         </p:nvGrpSpPr>
         <p:grpSpPr>
           <a:xfrm>
-            <a:off x="609589" y="872831"/>
-            <a:ext cx="10972822" cy="4572009"/>
+            <a:off x="342894" y="4658155"/>
+            <a:ext cx="6172212" cy="2571755"/>
             <a:chOff x="609589" y="872831"/>
             <a:chExt cx="10972822" cy="4572009"/>
           </a:xfrm>
@@ -3473,866 +3714,988 @@
           <a:chExt cx="0" cy="0"/>
         </a:xfrm>
       </p:grpSpPr>
-      <p:pic>
-        <p:nvPicPr>
-          <p:cNvPr id="2" name="Inhaltsplatzhalter 13" descr="Ein Bild, das Screenshot, Quadrat, Schwarz enthält.&#10;&#10;Automatisch generierte Beschreibung">
+      <p:grpSp>
+        <p:nvGrpSpPr>
+          <p:cNvPr id="43" name="Gruppieren 42">
             <a:extLst>
               <a:ext uri="{FF2B5EF4-FFF2-40B4-BE49-F238E27FC236}">
-                <a16:creationId xmlns:a16="http://schemas.microsoft.com/office/drawing/2014/main" id="{E784BBF0-D945-CE57-8D1F-E4DAB948F494}"/>
+                <a16:creationId xmlns:a16="http://schemas.microsoft.com/office/drawing/2014/main" id="{5133A26D-3E55-31E9-43F9-6F81302A0778}"/>
               </a:ext>
             </a:extLst>
           </p:cNvPr>
-          <p:cNvPicPr>
-            <a:picLocks noChangeAspect="1"/>
-          </p:cNvPicPr>
+          <p:cNvGrpSpPr/>
           <p:nvPr/>
-        </p:nvPicPr>
-        <p:blipFill>
-          <a:blip r:embed="rId2">
-            <a:extLst>
-              <a:ext uri="{28A0092B-C50C-407E-A947-70E740481C1C}">
-                <a14:useLocalDpi xmlns:a14="http://schemas.microsoft.com/office/drawing/2010/main" val="0"/>
-              </a:ext>
-            </a:extLst>
-          </a:blip>
-          <a:stretch>
-            <a:fillRect/>
-          </a:stretch>
-        </p:blipFill>
-        <p:spPr>
+        </p:nvGrpSpPr>
+        <p:grpSpPr>
           <a:xfrm>
-            <a:off x="6068396" y="380488"/>
-            <a:ext cx="3024000" cy="2520000"/>
+            <a:off x="-325029" y="0"/>
+            <a:ext cx="9397029" cy="10405023"/>
+            <a:chOff x="-325029" y="0"/>
+            <a:chExt cx="9397029" cy="10405023"/>
           </a:xfrm>
-          <a:prstGeom prst="rect">
-            <a:avLst/>
-          </a:prstGeom>
-          <a:ln>
+        </p:grpSpPr>
+        <p:pic>
+          <p:nvPicPr>
+            <p:cNvPr id="4" name="Grafik 3" descr="Ein Bild, das Screenshot, Schwarz enthält.&#10;&#10;Automatisch generierte Beschreibung">
+              <a:extLst>
+                <a:ext uri="{FF2B5EF4-FFF2-40B4-BE49-F238E27FC236}">
+                  <a16:creationId xmlns:a16="http://schemas.microsoft.com/office/drawing/2014/main" id="{73498EFD-9EBE-D282-FFA1-1E361DF3D430}"/>
+                </a:ext>
+              </a:extLst>
+            </p:cNvPr>
+            <p:cNvPicPr>
+              <a:picLocks noChangeAspect="1"/>
+            </p:cNvPicPr>
+            <p:nvPr/>
+          </p:nvPicPr>
+          <p:blipFill>
+            <a:blip r:embed="rId3">
+              <a:extLst>
+                <a:ext uri="{28A0092B-C50C-407E-A947-70E740481C1C}">
+                  <a14:useLocalDpi xmlns:a14="http://schemas.microsoft.com/office/drawing/2010/main" val="0"/>
+                </a:ext>
+              </a:extLst>
+            </a:blip>
+            <a:stretch>
+              <a:fillRect/>
+            </a:stretch>
+          </p:blipFill>
+          <p:spPr>
+            <a:xfrm>
+              <a:off x="0" y="325023"/>
+              <a:ext cx="3024000" cy="2520000"/>
+            </a:xfrm>
+            <a:prstGeom prst="rect">
+              <a:avLst/>
+            </a:prstGeom>
+            <a:ln>
+              <a:noFill/>
+            </a:ln>
+          </p:spPr>
+        </p:pic>
+        <p:pic>
+          <p:nvPicPr>
+            <p:cNvPr id="7" name="Grafik 6" descr="Ein Bild, das Screenshot, Schwarz enthält.&#10;&#10;Automatisch generierte Beschreibung">
+              <a:extLst>
+                <a:ext uri="{FF2B5EF4-FFF2-40B4-BE49-F238E27FC236}">
+                  <a16:creationId xmlns:a16="http://schemas.microsoft.com/office/drawing/2014/main" id="{971D2742-FC85-7D7D-3F93-22A42763D484}"/>
+                </a:ext>
+              </a:extLst>
+            </p:cNvPr>
+            <p:cNvPicPr>
+              <a:picLocks noChangeAspect="1"/>
+            </p:cNvPicPr>
+            <p:nvPr/>
+          </p:nvPicPr>
+          <p:blipFill>
+            <a:blip r:embed="rId4">
+              <a:extLst>
+                <a:ext uri="{28A0092B-C50C-407E-A947-70E740481C1C}">
+                  <a14:useLocalDpi xmlns:a14="http://schemas.microsoft.com/office/drawing/2010/main" val="0"/>
+                </a:ext>
+              </a:extLst>
+            </a:blip>
+            <a:stretch>
+              <a:fillRect/>
+            </a:stretch>
+          </p:blipFill>
+          <p:spPr>
+            <a:xfrm>
+              <a:off x="3024000" y="325023"/>
+              <a:ext cx="3024000" cy="2520000"/>
+            </a:xfrm>
+            <a:prstGeom prst="rect">
+              <a:avLst/>
+            </a:prstGeom>
+            <a:ln>
+              <a:noFill/>
+            </a:ln>
+          </p:spPr>
+        </p:pic>
+        <p:pic>
+          <p:nvPicPr>
+            <p:cNvPr id="14" name="Grafik 13" descr="Ein Bild, das Screenshot, Schwarz enthält.&#10;&#10;Automatisch generierte Beschreibung">
+              <a:extLst>
+                <a:ext uri="{FF2B5EF4-FFF2-40B4-BE49-F238E27FC236}">
+                  <a16:creationId xmlns:a16="http://schemas.microsoft.com/office/drawing/2014/main" id="{21FD1F96-994C-6622-D93B-D50EE7F692CD}"/>
+                </a:ext>
+              </a:extLst>
+            </p:cNvPr>
+            <p:cNvPicPr>
+              <a:picLocks noChangeAspect="1"/>
+            </p:cNvPicPr>
+            <p:nvPr/>
+          </p:nvPicPr>
+          <p:blipFill>
+            <a:blip r:embed="rId5">
+              <a:extLst>
+                <a:ext uri="{28A0092B-C50C-407E-A947-70E740481C1C}">
+                  <a14:useLocalDpi xmlns:a14="http://schemas.microsoft.com/office/drawing/2010/main" val="0"/>
+                </a:ext>
+              </a:extLst>
+            </a:blip>
+            <a:stretch>
+              <a:fillRect/>
+            </a:stretch>
+          </p:blipFill>
+          <p:spPr>
+            <a:xfrm>
+              <a:off x="6048000" y="325023"/>
+              <a:ext cx="3024000" cy="2520000"/>
+            </a:xfrm>
+            <a:prstGeom prst="rect">
+              <a:avLst/>
+            </a:prstGeom>
+            <a:ln>
+              <a:noFill/>
+            </a:ln>
+          </p:spPr>
+        </p:pic>
+        <p:sp>
+          <p:nvSpPr>
+            <p:cNvPr id="16" name="Rechteck 15">
+              <a:extLst>
+                <a:ext uri="{FF2B5EF4-FFF2-40B4-BE49-F238E27FC236}">
+                  <a16:creationId xmlns:a16="http://schemas.microsoft.com/office/drawing/2014/main" id="{4D2DECCA-196C-DB8C-A722-463F497C3AD7}"/>
+                </a:ext>
+              </a:extLst>
+            </p:cNvPr>
+            <p:cNvSpPr/>
+            <p:nvPr/>
+          </p:nvSpPr>
+          <p:spPr>
+            <a:xfrm>
+              <a:off x="0" y="0"/>
+              <a:ext cx="3024000" cy="325023"/>
+            </a:xfrm>
+            <a:prstGeom prst="rect">
+              <a:avLst/>
+            </a:prstGeom>
             <a:noFill/>
-          </a:ln>
-        </p:spPr>
-      </p:pic>
-      <p:pic>
-        <p:nvPicPr>
-          <p:cNvPr id="3" name="Grafik 2" descr="Ein Bild, das Screenshot, Schwarz enthält.&#10;&#10;Automatisch generierte Beschreibung">
-            <a:extLst>
-              <a:ext uri="{FF2B5EF4-FFF2-40B4-BE49-F238E27FC236}">
-                <a16:creationId xmlns:a16="http://schemas.microsoft.com/office/drawing/2014/main" id="{6311D3F9-C94E-7539-BFAA-A3B0E734ADD3}"/>
-              </a:ext>
-            </a:extLst>
-          </p:cNvPr>
-          <p:cNvPicPr>
-            <a:picLocks noChangeAspect="1"/>
-          </p:cNvPicPr>
-          <p:nvPr/>
-        </p:nvPicPr>
-        <p:blipFill>
-          <a:blip r:embed="rId3">
-            <a:extLst>
-              <a:ext uri="{28A0092B-C50C-407E-A947-70E740481C1C}">
-                <a14:useLocalDpi xmlns:a14="http://schemas.microsoft.com/office/drawing/2010/main" val="0"/>
-              </a:ext>
-            </a:extLst>
-          </a:blip>
-          <a:stretch>
-            <a:fillRect/>
-          </a:stretch>
-        </p:blipFill>
-        <p:spPr>
-          <a:xfrm>
-            <a:off x="9102594" y="380488"/>
-            <a:ext cx="3024000" cy="2520000"/>
-          </a:xfrm>
-          <a:prstGeom prst="rect">
-            <a:avLst/>
-          </a:prstGeom>
-          <a:ln>
-            <a:noFill/>
-          </a:ln>
-        </p:spPr>
-      </p:pic>
-      <p:pic>
-        <p:nvPicPr>
-          <p:cNvPr id="4" name="Grafik 3" descr="Ein Bild, das Screenshot, Schwarz, Quadrat enthält.&#10;&#10;Automatisch generierte Beschreibung">
-            <a:extLst>
-              <a:ext uri="{FF2B5EF4-FFF2-40B4-BE49-F238E27FC236}">
-                <a16:creationId xmlns:a16="http://schemas.microsoft.com/office/drawing/2014/main" id="{335CF80C-BA27-22DC-FB0A-584A7901F9D5}"/>
-              </a:ext>
-            </a:extLst>
-          </p:cNvPr>
-          <p:cNvPicPr>
-            <a:picLocks noChangeAspect="1"/>
-          </p:cNvPicPr>
-          <p:nvPr/>
-        </p:nvPicPr>
-        <p:blipFill>
-          <a:blip r:embed="rId4">
-            <a:extLst>
-              <a:ext uri="{28A0092B-C50C-407E-A947-70E740481C1C}">
-                <a14:useLocalDpi xmlns:a14="http://schemas.microsoft.com/office/drawing/2010/main" val="0"/>
-              </a:ext>
-            </a:extLst>
-          </a:blip>
-          <a:stretch>
-            <a:fillRect/>
-          </a:stretch>
-        </p:blipFill>
-        <p:spPr>
-          <a:xfrm>
-            <a:off x="3034198" y="380488"/>
-            <a:ext cx="3024000" cy="2520000"/>
-          </a:xfrm>
-          <a:prstGeom prst="rect">
-            <a:avLst/>
-          </a:prstGeom>
-          <a:ln>
-            <a:noFill/>
-          </a:ln>
-        </p:spPr>
-      </p:pic>
-      <p:pic>
-        <p:nvPicPr>
-          <p:cNvPr id="6" name="Grafik 5" descr="Ein Bild, das Screenshot, Schwarz enthält.&#10;&#10;Automatisch generierte Beschreibung">
-            <a:extLst>
-              <a:ext uri="{FF2B5EF4-FFF2-40B4-BE49-F238E27FC236}">
-                <a16:creationId xmlns:a16="http://schemas.microsoft.com/office/drawing/2014/main" id="{B2AF59D7-3E9C-47A9-DACE-AC3D89FFDAB4}"/>
-              </a:ext>
-            </a:extLst>
-          </p:cNvPr>
-          <p:cNvPicPr>
-            <a:picLocks noChangeAspect="1"/>
-          </p:cNvPicPr>
-          <p:nvPr/>
-        </p:nvPicPr>
-        <p:blipFill>
-          <a:blip r:embed="rId5">
-            <a:extLst>
-              <a:ext uri="{28A0092B-C50C-407E-A947-70E740481C1C}">
-                <a14:useLocalDpi xmlns:a14="http://schemas.microsoft.com/office/drawing/2010/main" val="0"/>
-              </a:ext>
-            </a:extLst>
-          </a:blip>
-          <a:stretch>
-            <a:fillRect/>
-          </a:stretch>
-        </p:blipFill>
-        <p:spPr>
-          <a:xfrm>
-            <a:off x="0" y="380488"/>
-            <a:ext cx="3024000" cy="2520000"/>
-          </a:xfrm>
-          <a:prstGeom prst="rect">
-            <a:avLst/>
-          </a:prstGeom>
-          <a:ln>
-            <a:noFill/>
-          </a:ln>
-        </p:spPr>
-      </p:pic>
-      <p:sp>
-        <p:nvSpPr>
-          <p:cNvPr id="9" name="Rechteck 8">
-            <a:extLst>
-              <a:ext uri="{FF2B5EF4-FFF2-40B4-BE49-F238E27FC236}">
-                <a16:creationId xmlns:a16="http://schemas.microsoft.com/office/drawing/2014/main" id="{F485914B-5698-BD5F-EA59-305FEC89457D}"/>
-              </a:ext>
-            </a:extLst>
-          </p:cNvPr>
-          <p:cNvSpPr/>
-          <p:nvPr/>
-        </p:nvSpPr>
-        <p:spPr>
-          <a:xfrm>
-            <a:off x="509363" y="515501"/>
-            <a:ext cx="312983" cy="312982"/>
-          </a:xfrm>
-          <a:prstGeom prst="rect">
-            <a:avLst/>
-          </a:prstGeom>
-          <a:solidFill>
-            <a:schemeClr val="bg1"/>
-          </a:solidFill>
-          <a:ln>
-            <a:solidFill>
-              <a:schemeClr val="tx1"/>
-            </a:solidFill>
-          </a:ln>
-        </p:spPr>
-        <p:style>
-          <a:lnRef idx="2">
-            <a:schemeClr val="accent1">
-              <a:shade val="15000"/>
-            </a:schemeClr>
-          </a:lnRef>
-          <a:fillRef idx="1">
-            <a:schemeClr val="accent1"/>
-          </a:fillRef>
-          <a:effectRef idx="0">
-            <a:schemeClr val="accent1"/>
-          </a:effectRef>
-          <a:fontRef idx="minor">
-            <a:schemeClr val="lt1"/>
-          </a:fontRef>
-        </p:style>
-        <p:txBody>
-          <a:bodyPr rtlCol="0" anchor="ctr"/>
-          <a:lstStyle/>
-          <a:p>
-            <a:pPr algn="ctr"/>
-            <a:r>
-              <a:rPr lang="de-CH" sz="1600" dirty="0">
+            <a:ln>
+              <a:solidFill>
+                <a:schemeClr val="tx1"/>
+              </a:solidFill>
+            </a:ln>
+          </p:spPr>
+          <p:style>
+            <a:lnRef idx="2">
+              <a:schemeClr val="accent1">
+                <a:shade val="15000"/>
+              </a:schemeClr>
+            </a:lnRef>
+            <a:fillRef idx="1">
+              <a:schemeClr val="accent1"/>
+            </a:fillRef>
+            <a:effectRef idx="0">
+              <a:schemeClr val="accent1"/>
+            </a:effectRef>
+            <a:fontRef idx="minor">
+              <a:schemeClr val="lt1"/>
+            </a:fontRef>
+          </p:style>
+          <p:txBody>
+            <a:bodyPr rtlCol="0" anchor="ctr"/>
+            <a:lstStyle/>
+            <a:p>
+              <a:pPr algn="ctr"/>
+              <a:r>
+                <a:rPr lang="de-CH" sz="1600" dirty="0">
+                  <a:solidFill>
+                    <a:schemeClr val="tx1"/>
+                  </a:solidFill>
+                  <a:latin typeface="Avenir Next LT Pro" panose="020B0504020202020204" pitchFamily="34" charset="0"/>
+                </a:rPr>
+                <a:t>Selected Variables</a:t>
+              </a:r>
+              <a:endParaRPr lang="en-GB" sz="1600" dirty="0">
                 <a:solidFill>
                   <a:schemeClr val="tx1"/>
                 </a:solidFill>
                 <a:latin typeface="Avenir Next LT Pro" panose="020B0504020202020204" pitchFamily="34" charset="0"/>
-              </a:rPr>
-              <a:t>1</a:t>
-            </a:r>
-            <a:endParaRPr lang="en-GB" sz="1600" dirty="0">
+              </a:endParaRPr>
+            </a:p>
+          </p:txBody>
+        </p:sp>
+        <p:sp>
+          <p:nvSpPr>
+            <p:cNvPr id="17" name="Rechteck 16">
+              <a:extLst>
+                <a:ext uri="{FF2B5EF4-FFF2-40B4-BE49-F238E27FC236}">
+                  <a16:creationId xmlns:a16="http://schemas.microsoft.com/office/drawing/2014/main" id="{94F71326-D408-1B4C-DC3A-A6E956DFE073}"/>
+                </a:ext>
+              </a:extLst>
+            </p:cNvPr>
+            <p:cNvSpPr/>
+            <p:nvPr/>
+          </p:nvSpPr>
+          <p:spPr>
+            <a:xfrm>
+              <a:off x="3024000" y="0"/>
+              <a:ext cx="3024000" cy="325023"/>
+            </a:xfrm>
+            <a:prstGeom prst="rect">
+              <a:avLst/>
+            </a:prstGeom>
+            <a:noFill/>
+            <a:ln>
               <a:solidFill>
                 <a:schemeClr val="tx1"/>
               </a:solidFill>
-              <a:latin typeface="Avenir Next LT Pro" panose="020B0504020202020204" pitchFamily="34" charset="0"/>
-            </a:endParaRPr>
-          </a:p>
-        </p:txBody>
-      </p:sp>
-      <p:sp>
-        <p:nvSpPr>
-          <p:cNvPr id="10" name="Rechteck 9">
-            <a:extLst>
-              <a:ext uri="{FF2B5EF4-FFF2-40B4-BE49-F238E27FC236}">
-                <a16:creationId xmlns:a16="http://schemas.microsoft.com/office/drawing/2014/main" id="{4ECA4311-3EE3-6254-67DE-543532601292}"/>
-              </a:ext>
-            </a:extLst>
-          </p:cNvPr>
-          <p:cNvSpPr/>
-          <p:nvPr/>
-        </p:nvSpPr>
-        <p:spPr>
-          <a:xfrm>
-            <a:off x="6571610" y="515501"/>
-            <a:ext cx="312983" cy="312982"/>
-          </a:xfrm>
-          <a:prstGeom prst="rect">
-            <a:avLst/>
-          </a:prstGeom>
-          <a:solidFill>
-            <a:schemeClr val="bg1"/>
-          </a:solidFill>
-          <a:ln>
-            <a:solidFill>
-              <a:schemeClr val="tx1"/>
-            </a:solidFill>
-          </a:ln>
-        </p:spPr>
-        <p:style>
-          <a:lnRef idx="2">
-            <a:schemeClr val="accent1">
-              <a:shade val="15000"/>
-            </a:schemeClr>
-          </a:lnRef>
-          <a:fillRef idx="1">
-            <a:schemeClr val="accent1"/>
-          </a:fillRef>
-          <a:effectRef idx="0">
-            <a:schemeClr val="accent1"/>
-          </a:effectRef>
-          <a:fontRef idx="minor">
-            <a:schemeClr val="lt1"/>
-          </a:fontRef>
-        </p:style>
-        <p:txBody>
-          <a:bodyPr rtlCol="0" anchor="ctr"/>
-          <a:lstStyle/>
-          <a:p>
-            <a:pPr algn="ctr"/>
-            <a:r>
-              <a:rPr lang="de-CH" sz="1600" dirty="0">
+            </a:ln>
+          </p:spPr>
+          <p:style>
+            <a:lnRef idx="2">
+              <a:schemeClr val="accent1">
+                <a:shade val="15000"/>
+              </a:schemeClr>
+            </a:lnRef>
+            <a:fillRef idx="1">
+              <a:schemeClr val="accent1"/>
+            </a:fillRef>
+            <a:effectRef idx="0">
+              <a:schemeClr val="accent1"/>
+            </a:effectRef>
+            <a:fontRef idx="minor">
+              <a:schemeClr val="lt1"/>
+            </a:fontRef>
+          </p:style>
+          <p:txBody>
+            <a:bodyPr rtlCol="0" anchor="ctr"/>
+            <a:lstStyle/>
+            <a:p>
+              <a:pPr algn="ctr"/>
+              <a:r>
+                <a:rPr lang="de-CH" sz="1600" dirty="0" err="1">
+                  <a:solidFill>
+                    <a:schemeClr val="tx1"/>
+                  </a:solidFill>
+                  <a:latin typeface="Avenir Next LT Pro" panose="020B0504020202020204" pitchFamily="34" charset="0"/>
+                </a:rPr>
+                <a:t>Water</a:t>
+              </a:r>
+              <a:r>
+                <a:rPr lang="de-CH" sz="1600" dirty="0">
+                  <a:solidFill>
+                    <a:schemeClr val="tx1"/>
+                  </a:solidFill>
+                  <a:latin typeface="Avenir Next LT Pro" panose="020B0504020202020204" pitchFamily="34" charset="0"/>
+                </a:rPr>
+                <a:t> Depth &amp; Velocity</a:t>
+              </a:r>
+              <a:endParaRPr lang="en-GB" sz="1600" dirty="0">
                 <a:solidFill>
                   <a:schemeClr val="tx1"/>
                 </a:solidFill>
                 <a:latin typeface="Avenir Next LT Pro" panose="020B0504020202020204" pitchFamily="34" charset="0"/>
-              </a:rPr>
-              <a:t>3</a:t>
-            </a:r>
-            <a:endParaRPr lang="en-GB" sz="1600" dirty="0">
+              </a:endParaRPr>
+            </a:p>
+          </p:txBody>
+        </p:sp>
+        <p:sp>
+          <p:nvSpPr>
+            <p:cNvPr id="18" name="Rechteck 17">
+              <a:extLst>
+                <a:ext uri="{FF2B5EF4-FFF2-40B4-BE49-F238E27FC236}">
+                  <a16:creationId xmlns:a16="http://schemas.microsoft.com/office/drawing/2014/main" id="{F162640B-558C-1B13-A7CA-84CF9AF501A6}"/>
+                </a:ext>
+              </a:extLst>
+            </p:cNvPr>
+            <p:cNvSpPr/>
+            <p:nvPr/>
+          </p:nvSpPr>
+          <p:spPr>
+            <a:xfrm>
+              <a:off x="6048000" y="0"/>
+              <a:ext cx="3024000" cy="325023"/>
+            </a:xfrm>
+            <a:prstGeom prst="rect">
+              <a:avLst/>
+            </a:prstGeom>
+            <a:noFill/>
+            <a:ln>
               <a:solidFill>
                 <a:schemeClr val="tx1"/>
               </a:solidFill>
-              <a:latin typeface="Avenir Next LT Pro" panose="020B0504020202020204" pitchFamily="34" charset="0"/>
-            </a:endParaRPr>
-          </a:p>
-        </p:txBody>
-      </p:sp>
-      <p:sp>
-        <p:nvSpPr>
-          <p:cNvPr id="11" name="Rechteck 10">
-            <a:extLst>
-              <a:ext uri="{FF2B5EF4-FFF2-40B4-BE49-F238E27FC236}">
-                <a16:creationId xmlns:a16="http://schemas.microsoft.com/office/drawing/2014/main" id="{01E61AAA-605D-DF6E-14EE-BD290083D835}"/>
-              </a:ext>
-            </a:extLst>
-          </p:cNvPr>
-          <p:cNvSpPr/>
-          <p:nvPr/>
-        </p:nvSpPr>
-        <p:spPr>
-          <a:xfrm>
-            <a:off x="3416215" y="515501"/>
-            <a:ext cx="312983" cy="312982"/>
-          </a:xfrm>
-          <a:prstGeom prst="rect">
-            <a:avLst/>
-          </a:prstGeom>
-          <a:solidFill>
-            <a:schemeClr val="bg1"/>
-          </a:solidFill>
-          <a:ln>
-            <a:solidFill>
-              <a:schemeClr val="tx1"/>
-            </a:solidFill>
-          </a:ln>
-        </p:spPr>
-        <p:style>
-          <a:lnRef idx="2">
-            <a:schemeClr val="accent1">
-              <a:shade val="15000"/>
-            </a:schemeClr>
-          </a:lnRef>
-          <a:fillRef idx="1">
-            <a:schemeClr val="accent1"/>
-          </a:fillRef>
-          <a:effectRef idx="0">
-            <a:schemeClr val="accent1"/>
-          </a:effectRef>
-          <a:fontRef idx="minor">
-            <a:schemeClr val="lt1"/>
-          </a:fontRef>
-        </p:style>
-        <p:txBody>
-          <a:bodyPr rtlCol="0" anchor="ctr"/>
-          <a:lstStyle/>
-          <a:p>
-            <a:pPr algn="ctr"/>
-            <a:r>
-              <a:rPr lang="de-CH" sz="1600" dirty="0">
+            </a:ln>
+          </p:spPr>
+          <p:style>
+            <a:lnRef idx="2">
+              <a:schemeClr val="accent1">
+                <a:shade val="15000"/>
+              </a:schemeClr>
+            </a:lnRef>
+            <a:fillRef idx="1">
+              <a:schemeClr val="accent1"/>
+            </a:fillRef>
+            <a:effectRef idx="0">
+              <a:schemeClr val="accent1"/>
+            </a:effectRef>
+            <a:fontRef idx="minor">
+              <a:schemeClr val="lt1"/>
+            </a:fontRef>
+          </p:style>
+          <p:txBody>
+            <a:bodyPr rtlCol="0" anchor="ctr"/>
+            <a:lstStyle/>
+            <a:p>
+              <a:pPr algn="ctr"/>
+              <a:r>
+                <a:rPr lang="de-CH" sz="1600" dirty="0">
+                  <a:solidFill>
+                    <a:schemeClr val="tx1"/>
+                  </a:solidFill>
+                  <a:latin typeface="Avenir Next LT Pro" panose="020B0504020202020204" pitchFamily="34" charset="0"/>
+                </a:rPr>
+                <a:t>Velocity</a:t>
+              </a:r>
+              <a:endParaRPr lang="en-GB" sz="1600" dirty="0">
                 <a:solidFill>
                   <a:schemeClr val="tx1"/>
                 </a:solidFill>
                 <a:latin typeface="Avenir Next LT Pro" panose="020B0504020202020204" pitchFamily="34" charset="0"/>
-              </a:rPr>
-              <a:t>2</a:t>
-            </a:r>
-            <a:endParaRPr lang="en-GB" sz="1600" dirty="0">
+              </a:endParaRPr>
+            </a:p>
+          </p:txBody>
+        </p:sp>
+        <p:pic>
+          <p:nvPicPr>
+            <p:cNvPr id="20" name="Grafik 19" descr="Ein Bild, das Screenshot, Schwarz, Quadrat enthält.&#10;&#10;Automatisch generierte Beschreibung">
+              <a:extLst>
+                <a:ext uri="{FF2B5EF4-FFF2-40B4-BE49-F238E27FC236}">
+                  <a16:creationId xmlns:a16="http://schemas.microsoft.com/office/drawing/2014/main" id="{C1A99915-9962-8F3C-F76F-E17F3B86491A}"/>
+                </a:ext>
+              </a:extLst>
+            </p:cNvPr>
+            <p:cNvPicPr>
+              <a:picLocks noChangeAspect="1"/>
+            </p:cNvPicPr>
+            <p:nvPr/>
+          </p:nvPicPr>
+          <p:blipFill>
+            <a:blip r:embed="rId6">
+              <a:extLst>
+                <a:ext uri="{28A0092B-C50C-407E-A947-70E740481C1C}">
+                  <a14:useLocalDpi xmlns:a14="http://schemas.microsoft.com/office/drawing/2010/main" val="0"/>
+                </a:ext>
+              </a:extLst>
+            </a:blip>
+            <a:stretch>
+              <a:fillRect/>
+            </a:stretch>
+          </p:blipFill>
+          <p:spPr>
+            <a:xfrm>
+              <a:off x="0" y="2845023"/>
+              <a:ext cx="3024000" cy="2520000"/>
+            </a:xfrm>
+            <a:prstGeom prst="rect">
+              <a:avLst/>
+            </a:prstGeom>
+            <a:ln>
+              <a:noFill/>
+            </a:ln>
+          </p:spPr>
+        </p:pic>
+        <p:pic>
+          <p:nvPicPr>
+            <p:cNvPr id="22" name="Grafik 21" descr="Ein Bild, das Screenshot, Schwarz, Quadrat enthält.&#10;&#10;Automatisch generierte Beschreibung">
+              <a:extLst>
+                <a:ext uri="{FF2B5EF4-FFF2-40B4-BE49-F238E27FC236}">
+                  <a16:creationId xmlns:a16="http://schemas.microsoft.com/office/drawing/2014/main" id="{9AF41CC6-1900-3E19-B014-E1E45AB7E716}"/>
+                </a:ext>
+              </a:extLst>
+            </p:cNvPr>
+            <p:cNvPicPr>
+              <a:picLocks noChangeAspect="1"/>
+            </p:cNvPicPr>
+            <p:nvPr/>
+          </p:nvPicPr>
+          <p:blipFill>
+            <a:blip r:embed="rId7">
+              <a:extLst>
+                <a:ext uri="{28A0092B-C50C-407E-A947-70E740481C1C}">
+                  <a14:useLocalDpi xmlns:a14="http://schemas.microsoft.com/office/drawing/2010/main" val="0"/>
+                </a:ext>
+              </a:extLst>
+            </a:blip>
+            <a:stretch>
+              <a:fillRect/>
+            </a:stretch>
+          </p:blipFill>
+          <p:spPr>
+            <a:xfrm>
+              <a:off x="3024000" y="2845023"/>
+              <a:ext cx="3024000" cy="2520000"/>
+            </a:xfrm>
+            <a:prstGeom prst="rect">
+              <a:avLst/>
+            </a:prstGeom>
+            <a:ln>
+              <a:noFill/>
+            </a:ln>
+          </p:spPr>
+        </p:pic>
+        <p:pic>
+          <p:nvPicPr>
+            <p:cNvPr id="24" name="Grafik 23" descr="Ein Bild, das Screenshot, Schwarz, Quadrat enthält.&#10;&#10;Automatisch generierte Beschreibung">
+              <a:extLst>
+                <a:ext uri="{FF2B5EF4-FFF2-40B4-BE49-F238E27FC236}">
+                  <a16:creationId xmlns:a16="http://schemas.microsoft.com/office/drawing/2014/main" id="{094907DD-B1A5-D3DC-C982-DA72AA9755B9}"/>
+                </a:ext>
+              </a:extLst>
+            </p:cNvPr>
+            <p:cNvPicPr>
+              <a:picLocks noChangeAspect="1"/>
+            </p:cNvPicPr>
+            <p:nvPr/>
+          </p:nvPicPr>
+          <p:blipFill>
+            <a:blip r:embed="rId8">
+              <a:extLst>
+                <a:ext uri="{28A0092B-C50C-407E-A947-70E740481C1C}">
+                  <a14:useLocalDpi xmlns:a14="http://schemas.microsoft.com/office/drawing/2010/main" val="0"/>
+                </a:ext>
+              </a:extLst>
+            </a:blip>
+            <a:stretch>
+              <a:fillRect/>
+            </a:stretch>
+          </p:blipFill>
+          <p:spPr>
+            <a:xfrm>
+              <a:off x="6048000" y="2845023"/>
+              <a:ext cx="3024000" cy="2520000"/>
+            </a:xfrm>
+            <a:prstGeom prst="rect">
+              <a:avLst/>
+            </a:prstGeom>
+            <a:ln>
+              <a:noFill/>
+            </a:ln>
+          </p:spPr>
+        </p:pic>
+        <p:pic>
+          <p:nvPicPr>
+            <p:cNvPr id="26" name="Grafik 25" descr="Ein Bild, das Screenshot, Schwarz enthält.&#10;&#10;Automatisch generierte Beschreibung">
+              <a:extLst>
+                <a:ext uri="{FF2B5EF4-FFF2-40B4-BE49-F238E27FC236}">
+                  <a16:creationId xmlns:a16="http://schemas.microsoft.com/office/drawing/2014/main" id="{8D057170-D8E4-968C-CC89-314CC3074702}"/>
+                </a:ext>
+              </a:extLst>
+            </p:cNvPr>
+            <p:cNvPicPr>
+              <a:picLocks noChangeAspect="1"/>
+            </p:cNvPicPr>
+            <p:nvPr/>
+          </p:nvPicPr>
+          <p:blipFill>
+            <a:blip r:embed="rId9">
+              <a:extLst>
+                <a:ext uri="{28A0092B-C50C-407E-A947-70E740481C1C}">
+                  <a14:useLocalDpi xmlns:a14="http://schemas.microsoft.com/office/drawing/2010/main" val="0"/>
+                </a:ext>
+              </a:extLst>
+            </a:blip>
+            <a:stretch>
+              <a:fillRect/>
+            </a:stretch>
+          </p:blipFill>
+          <p:spPr>
+            <a:xfrm>
+              <a:off x="0" y="5365023"/>
+              <a:ext cx="3024000" cy="2520000"/>
+            </a:xfrm>
+            <a:prstGeom prst="rect">
+              <a:avLst/>
+            </a:prstGeom>
+            <a:ln>
+              <a:noFill/>
+            </a:ln>
+          </p:spPr>
+        </p:pic>
+        <p:pic>
+          <p:nvPicPr>
+            <p:cNvPr id="28" name="Grafik 27" descr="Ein Bild, das Screenshot, Schwarz enthält.&#10;&#10;Automatisch generierte Beschreibung">
+              <a:extLst>
+                <a:ext uri="{FF2B5EF4-FFF2-40B4-BE49-F238E27FC236}">
+                  <a16:creationId xmlns:a16="http://schemas.microsoft.com/office/drawing/2014/main" id="{7B56ECFA-4153-B7BF-CDB1-C1F4190616F0}"/>
+                </a:ext>
+              </a:extLst>
+            </p:cNvPr>
+            <p:cNvPicPr>
+              <a:picLocks noChangeAspect="1"/>
+            </p:cNvPicPr>
+            <p:nvPr/>
+          </p:nvPicPr>
+          <p:blipFill>
+            <a:blip r:embed="rId10">
+              <a:extLst>
+                <a:ext uri="{28A0092B-C50C-407E-A947-70E740481C1C}">
+                  <a14:useLocalDpi xmlns:a14="http://schemas.microsoft.com/office/drawing/2010/main" val="0"/>
+                </a:ext>
+              </a:extLst>
+            </a:blip>
+            <a:stretch>
+              <a:fillRect/>
+            </a:stretch>
+          </p:blipFill>
+          <p:spPr>
+            <a:xfrm>
+              <a:off x="3024000" y="5365023"/>
+              <a:ext cx="3024000" cy="2520000"/>
+            </a:xfrm>
+            <a:prstGeom prst="rect">
+              <a:avLst/>
+            </a:prstGeom>
+            <a:ln>
+              <a:noFill/>
+            </a:ln>
+          </p:spPr>
+        </p:pic>
+        <p:pic>
+          <p:nvPicPr>
+            <p:cNvPr id="30" name="Grafik 29" descr="Ein Bild, das Screenshot, Schwarz enthält.&#10;&#10;Automatisch generierte Beschreibung">
+              <a:extLst>
+                <a:ext uri="{FF2B5EF4-FFF2-40B4-BE49-F238E27FC236}">
+                  <a16:creationId xmlns:a16="http://schemas.microsoft.com/office/drawing/2014/main" id="{BE5F832E-9CC1-BE8C-1E87-55684770B768}"/>
+                </a:ext>
+              </a:extLst>
+            </p:cNvPr>
+            <p:cNvPicPr>
+              <a:picLocks noChangeAspect="1"/>
+            </p:cNvPicPr>
+            <p:nvPr/>
+          </p:nvPicPr>
+          <p:blipFill>
+            <a:blip r:embed="rId11">
+              <a:extLst>
+                <a:ext uri="{28A0092B-C50C-407E-A947-70E740481C1C}">
+                  <a14:useLocalDpi xmlns:a14="http://schemas.microsoft.com/office/drawing/2010/main" val="0"/>
+                </a:ext>
+              </a:extLst>
+            </a:blip>
+            <a:stretch>
+              <a:fillRect/>
+            </a:stretch>
+          </p:blipFill>
+          <p:spPr>
+            <a:xfrm>
+              <a:off x="6048000" y="5365023"/>
+              <a:ext cx="3024000" cy="2520000"/>
+            </a:xfrm>
+            <a:prstGeom prst="rect">
+              <a:avLst/>
+            </a:prstGeom>
+            <a:ln>
+              <a:noFill/>
+            </a:ln>
+          </p:spPr>
+        </p:pic>
+        <p:pic>
+          <p:nvPicPr>
+            <p:cNvPr id="32" name="Grafik 31" descr="Ein Bild, das Screenshot, Quadrat, Schwarz enthält.&#10;&#10;Automatisch generierte Beschreibung">
+              <a:extLst>
+                <a:ext uri="{FF2B5EF4-FFF2-40B4-BE49-F238E27FC236}">
+                  <a16:creationId xmlns:a16="http://schemas.microsoft.com/office/drawing/2014/main" id="{DDC23010-4DFB-7961-6DFE-65BE13DC0C70}"/>
+                </a:ext>
+              </a:extLst>
+            </p:cNvPr>
+            <p:cNvPicPr>
+              <a:picLocks noChangeAspect="1"/>
+            </p:cNvPicPr>
+            <p:nvPr/>
+          </p:nvPicPr>
+          <p:blipFill>
+            <a:blip r:embed="rId12">
+              <a:extLst>
+                <a:ext uri="{28A0092B-C50C-407E-A947-70E740481C1C}">
+                  <a14:useLocalDpi xmlns:a14="http://schemas.microsoft.com/office/drawing/2010/main" val="0"/>
+                </a:ext>
+              </a:extLst>
+            </a:blip>
+            <a:stretch>
+              <a:fillRect/>
+            </a:stretch>
+          </p:blipFill>
+          <p:spPr>
+            <a:xfrm>
+              <a:off x="0" y="7885023"/>
+              <a:ext cx="3024000" cy="2520000"/>
+            </a:xfrm>
+            <a:prstGeom prst="rect">
+              <a:avLst/>
+            </a:prstGeom>
+            <a:ln>
+              <a:noFill/>
+            </a:ln>
+          </p:spPr>
+        </p:pic>
+        <p:pic>
+          <p:nvPicPr>
+            <p:cNvPr id="34" name="Grafik 33" descr="Ein Bild, das Screenshot, Quadrat, Schwarz enthält.&#10;&#10;Automatisch generierte Beschreibung">
+              <a:extLst>
+                <a:ext uri="{FF2B5EF4-FFF2-40B4-BE49-F238E27FC236}">
+                  <a16:creationId xmlns:a16="http://schemas.microsoft.com/office/drawing/2014/main" id="{999E12ED-752A-8ABB-705B-3AD16431885E}"/>
+                </a:ext>
+              </a:extLst>
+            </p:cNvPr>
+            <p:cNvPicPr>
+              <a:picLocks noChangeAspect="1"/>
+            </p:cNvPicPr>
+            <p:nvPr/>
+          </p:nvPicPr>
+          <p:blipFill>
+            <a:blip r:embed="rId13">
+              <a:extLst>
+                <a:ext uri="{28A0092B-C50C-407E-A947-70E740481C1C}">
+                  <a14:useLocalDpi xmlns:a14="http://schemas.microsoft.com/office/drawing/2010/main" val="0"/>
+                </a:ext>
+              </a:extLst>
+            </a:blip>
+            <a:stretch>
+              <a:fillRect/>
+            </a:stretch>
+          </p:blipFill>
+          <p:spPr>
+            <a:xfrm>
+              <a:off x="3024000" y="7885023"/>
+              <a:ext cx="3024000" cy="2520000"/>
+            </a:xfrm>
+            <a:prstGeom prst="rect">
+              <a:avLst/>
+            </a:prstGeom>
+            <a:ln>
+              <a:noFill/>
+            </a:ln>
+          </p:spPr>
+        </p:pic>
+        <p:pic>
+          <p:nvPicPr>
+            <p:cNvPr id="36" name="Grafik 35" descr="Ein Bild, das Screenshot, Quadrat, Schwarz enthält.&#10;&#10;Automatisch generierte Beschreibung">
+              <a:extLst>
+                <a:ext uri="{FF2B5EF4-FFF2-40B4-BE49-F238E27FC236}">
+                  <a16:creationId xmlns:a16="http://schemas.microsoft.com/office/drawing/2014/main" id="{757376DB-DA84-E290-1345-DE2A1AAE1005}"/>
+                </a:ext>
+              </a:extLst>
+            </p:cNvPr>
+            <p:cNvPicPr>
+              <a:picLocks noChangeAspect="1"/>
+            </p:cNvPicPr>
+            <p:nvPr/>
+          </p:nvPicPr>
+          <p:blipFill>
+            <a:blip r:embed="rId14">
+              <a:extLst>
+                <a:ext uri="{28A0092B-C50C-407E-A947-70E740481C1C}">
+                  <a14:useLocalDpi xmlns:a14="http://schemas.microsoft.com/office/drawing/2010/main" val="0"/>
+                </a:ext>
+              </a:extLst>
+            </a:blip>
+            <a:stretch>
+              <a:fillRect/>
+            </a:stretch>
+          </p:blipFill>
+          <p:spPr>
+            <a:xfrm>
+              <a:off x="6048000" y="7885023"/>
+              <a:ext cx="3024000" cy="2520000"/>
+            </a:xfrm>
+            <a:prstGeom prst="rect">
+              <a:avLst/>
+            </a:prstGeom>
+            <a:ln>
+              <a:noFill/>
+            </a:ln>
+          </p:spPr>
+        </p:pic>
+        <p:sp>
+          <p:nvSpPr>
+            <p:cNvPr id="39" name="Rechteck 38">
+              <a:extLst>
+                <a:ext uri="{FF2B5EF4-FFF2-40B4-BE49-F238E27FC236}">
+                  <a16:creationId xmlns:a16="http://schemas.microsoft.com/office/drawing/2014/main" id="{E5BDB56F-CEDE-325E-5948-B378D0ED13A9}"/>
+                </a:ext>
+              </a:extLst>
+            </p:cNvPr>
+            <p:cNvSpPr/>
+            <p:nvPr/>
+          </p:nvSpPr>
+          <p:spPr>
+            <a:xfrm rot="16200000">
+              <a:off x="-1422514" y="1422513"/>
+              <a:ext cx="2520001" cy="325023"/>
+            </a:xfrm>
+            <a:prstGeom prst="rect">
+              <a:avLst/>
+            </a:prstGeom>
+            <a:noFill/>
+            <a:ln>
               <a:solidFill>
                 <a:schemeClr val="tx1"/>
               </a:solidFill>
-              <a:latin typeface="Avenir Next LT Pro" panose="020B0504020202020204" pitchFamily="34" charset="0"/>
-            </a:endParaRPr>
-          </a:p>
-        </p:txBody>
-      </p:sp>
-      <p:sp>
-        <p:nvSpPr>
-          <p:cNvPr id="12" name="Rechteck 11">
-            <a:extLst>
-              <a:ext uri="{FF2B5EF4-FFF2-40B4-BE49-F238E27FC236}">
-                <a16:creationId xmlns:a16="http://schemas.microsoft.com/office/drawing/2014/main" id="{CEF2F6AE-E495-E51E-E663-D43D53BCFEDA}"/>
-              </a:ext>
-            </a:extLst>
-          </p:cNvPr>
-          <p:cNvSpPr/>
-          <p:nvPr/>
-        </p:nvSpPr>
-        <p:spPr>
-          <a:xfrm>
-            <a:off x="9637956" y="515501"/>
-            <a:ext cx="312983" cy="312982"/>
-          </a:xfrm>
-          <a:prstGeom prst="rect">
-            <a:avLst/>
-          </a:prstGeom>
-          <a:solidFill>
-            <a:schemeClr val="bg1"/>
-          </a:solidFill>
-          <a:ln>
-            <a:solidFill>
-              <a:schemeClr val="tx1"/>
-            </a:solidFill>
-          </a:ln>
-        </p:spPr>
-        <p:style>
-          <a:lnRef idx="2">
-            <a:schemeClr val="accent1">
-              <a:shade val="15000"/>
-            </a:schemeClr>
-          </a:lnRef>
-          <a:fillRef idx="1">
-            <a:schemeClr val="accent1"/>
-          </a:fillRef>
-          <a:effectRef idx="0">
-            <a:schemeClr val="accent1"/>
-          </a:effectRef>
-          <a:fontRef idx="minor">
-            <a:schemeClr val="lt1"/>
-          </a:fontRef>
-        </p:style>
-        <p:txBody>
-          <a:bodyPr rtlCol="0" anchor="ctr"/>
-          <a:lstStyle/>
-          <a:p>
-            <a:pPr algn="ctr"/>
-            <a:r>
-              <a:rPr lang="de-CH" sz="1600" dirty="0">
+            </a:ln>
+          </p:spPr>
+          <p:style>
+            <a:lnRef idx="2">
+              <a:schemeClr val="accent1">
+                <a:shade val="15000"/>
+              </a:schemeClr>
+            </a:lnRef>
+            <a:fillRef idx="1">
+              <a:schemeClr val="accent1"/>
+            </a:fillRef>
+            <a:effectRef idx="0">
+              <a:schemeClr val="accent1"/>
+            </a:effectRef>
+            <a:fontRef idx="minor">
+              <a:schemeClr val="lt1"/>
+            </a:fontRef>
+          </p:style>
+          <p:txBody>
+            <a:bodyPr rtlCol="0" anchor="ctr"/>
+            <a:lstStyle/>
+            <a:p>
+              <a:pPr algn="ctr"/>
+              <a:r>
+                <a:rPr lang="de-CH" sz="1600" dirty="0">
+                  <a:solidFill>
+                    <a:schemeClr val="tx1"/>
+                  </a:solidFill>
+                  <a:latin typeface="Avenir Next LT Pro" panose="020B0504020202020204" pitchFamily="34" charset="0"/>
+                </a:rPr>
+                <a:t>K-Index</a:t>
+              </a:r>
+              <a:endParaRPr lang="en-GB" sz="1600" dirty="0">
                 <a:solidFill>
                   <a:schemeClr val="tx1"/>
                 </a:solidFill>
                 <a:latin typeface="Avenir Next LT Pro" panose="020B0504020202020204" pitchFamily="34" charset="0"/>
-              </a:rPr>
-              <a:t>4</a:t>
-            </a:r>
-            <a:endParaRPr lang="en-GB" sz="1600" dirty="0">
+              </a:endParaRPr>
+            </a:p>
+          </p:txBody>
+        </p:sp>
+        <p:sp>
+          <p:nvSpPr>
+            <p:cNvPr id="40" name="Rechteck 39">
+              <a:extLst>
+                <a:ext uri="{FF2B5EF4-FFF2-40B4-BE49-F238E27FC236}">
+                  <a16:creationId xmlns:a16="http://schemas.microsoft.com/office/drawing/2014/main" id="{A73A7DF3-4449-7701-5980-27341F650896}"/>
+                </a:ext>
+              </a:extLst>
+            </p:cNvPr>
+            <p:cNvSpPr/>
+            <p:nvPr/>
+          </p:nvSpPr>
+          <p:spPr>
+            <a:xfrm rot="16200000">
+              <a:off x="-1422515" y="6462511"/>
+              <a:ext cx="2520001" cy="325023"/>
+            </a:xfrm>
+            <a:prstGeom prst="rect">
+              <a:avLst/>
+            </a:prstGeom>
+            <a:noFill/>
+            <a:ln>
               <a:solidFill>
                 <a:schemeClr val="tx1"/>
               </a:solidFill>
-              <a:latin typeface="Avenir Next LT Pro" panose="020B0504020202020204" pitchFamily="34" charset="0"/>
-            </a:endParaRPr>
-          </a:p>
-        </p:txBody>
-      </p:sp>
-      <p:pic>
-        <p:nvPicPr>
-          <p:cNvPr id="14" name="Grafik 13" descr="Ein Bild, das Screenshot, Quadrat, Schwarz enthält.&#10;&#10;Automatisch generierte Beschreibung">
-            <a:extLst>
-              <a:ext uri="{FF2B5EF4-FFF2-40B4-BE49-F238E27FC236}">
-                <a16:creationId xmlns:a16="http://schemas.microsoft.com/office/drawing/2014/main" id="{541C8F75-ED44-C0CF-CB9D-B7651E47A496}"/>
-              </a:ext>
-            </a:extLst>
-          </p:cNvPr>
-          <p:cNvPicPr>
-            <a:picLocks noChangeAspect="1"/>
-          </p:cNvPicPr>
-          <p:nvPr/>
-        </p:nvPicPr>
-        <p:blipFill>
-          <a:blip r:embed="rId6">
-            <a:extLst>
-              <a:ext uri="{28A0092B-C50C-407E-A947-70E740481C1C}">
-                <a14:useLocalDpi xmlns:a14="http://schemas.microsoft.com/office/drawing/2010/main" val="0"/>
-              </a:ext>
-            </a:extLst>
-          </a:blip>
-          <a:stretch>
-            <a:fillRect/>
-          </a:stretch>
-        </p:blipFill>
-        <p:spPr>
-          <a:xfrm>
-            <a:off x="6078594" y="2903930"/>
-            <a:ext cx="3024000" cy="2520000"/>
-          </a:xfrm>
-          <a:prstGeom prst="rect">
-            <a:avLst/>
-          </a:prstGeom>
-          <a:ln>
-            <a:noFill/>
-          </a:ln>
-        </p:spPr>
-      </p:pic>
-      <p:pic>
-        <p:nvPicPr>
-          <p:cNvPr id="16" name="Grafik 15" descr="Ein Bild, das Screenshot, Schwarz enthält.&#10;&#10;Automatisch generierte Beschreibung">
-            <a:extLst>
-              <a:ext uri="{FF2B5EF4-FFF2-40B4-BE49-F238E27FC236}">
-                <a16:creationId xmlns:a16="http://schemas.microsoft.com/office/drawing/2014/main" id="{ED3E197B-661B-F4B8-28A0-424F0705CC7E}"/>
-              </a:ext>
-            </a:extLst>
-          </p:cNvPr>
-          <p:cNvPicPr>
-            <a:picLocks noChangeAspect="1"/>
-          </p:cNvPicPr>
-          <p:nvPr/>
-        </p:nvPicPr>
-        <p:blipFill>
-          <a:blip r:embed="rId7">
-            <a:extLst>
-              <a:ext uri="{28A0092B-C50C-407E-A947-70E740481C1C}">
-                <a14:useLocalDpi xmlns:a14="http://schemas.microsoft.com/office/drawing/2010/main" val="0"/>
-              </a:ext>
-            </a:extLst>
-          </a:blip>
-          <a:stretch>
-            <a:fillRect/>
-          </a:stretch>
-        </p:blipFill>
-        <p:spPr>
-          <a:xfrm>
-            <a:off x="9102594" y="2903930"/>
-            <a:ext cx="3024000" cy="2520000"/>
-          </a:xfrm>
-          <a:prstGeom prst="rect">
-            <a:avLst/>
-          </a:prstGeom>
-          <a:ln>
-            <a:noFill/>
-          </a:ln>
-        </p:spPr>
-      </p:pic>
-      <p:pic>
-        <p:nvPicPr>
-          <p:cNvPr id="18" name="Grafik 17" descr="Ein Bild, das Screenshot, Schwarz, Quadrat enthält.&#10;&#10;Automatisch generierte Beschreibung">
-            <a:extLst>
-              <a:ext uri="{FF2B5EF4-FFF2-40B4-BE49-F238E27FC236}">
-                <a16:creationId xmlns:a16="http://schemas.microsoft.com/office/drawing/2014/main" id="{1B517528-C9C1-7C55-B751-1224D31F1EBA}"/>
-              </a:ext>
-            </a:extLst>
-          </p:cNvPr>
-          <p:cNvPicPr>
-            <a:picLocks noChangeAspect="1"/>
-          </p:cNvPicPr>
-          <p:nvPr/>
-        </p:nvPicPr>
-        <p:blipFill>
-          <a:blip r:embed="rId8">
-            <a:extLst>
-              <a:ext uri="{28A0092B-C50C-407E-A947-70E740481C1C}">
-                <a14:useLocalDpi xmlns:a14="http://schemas.microsoft.com/office/drawing/2010/main" val="0"/>
-              </a:ext>
-            </a:extLst>
-          </a:blip>
-          <a:stretch>
-            <a:fillRect/>
-          </a:stretch>
-        </p:blipFill>
-        <p:spPr>
-          <a:xfrm>
-            <a:off x="3034198" y="2903930"/>
-            <a:ext cx="3024000" cy="2520000"/>
-          </a:xfrm>
-          <a:prstGeom prst="rect">
-            <a:avLst/>
-          </a:prstGeom>
-          <a:ln>
-            <a:noFill/>
-          </a:ln>
-        </p:spPr>
-      </p:pic>
-      <p:pic>
-        <p:nvPicPr>
-          <p:cNvPr id="20" name="Grafik 19" descr="Ein Bild, das Screenshot, Schwarz enthält.&#10;&#10;Automatisch generierte Beschreibung">
-            <a:extLst>
-              <a:ext uri="{FF2B5EF4-FFF2-40B4-BE49-F238E27FC236}">
-                <a16:creationId xmlns:a16="http://schemas.microsoft.com/office/drawing/2014/main" id="{1C9D66B0-01B3-61EC-F960-0739B8846053}"/>
-              </a:ext>
-            </a:extLst>
-          </p:cNvPr>
-          <p:cNvPicPr>
-            <a:picLocks noChangeAspect="1"/>
-          </p:cNvPicPr>
-          <p:nvPr/>
-        </p:nvPicPr>
-        <p:blipFill>
-          <a:blip r:embed="rId9">
-            <a:extLst>
-              <a:ext uri="{28A0092B-C50C-407E-A947-70E740481C1C}">
-                <a14:useLocalDpi xmlns:a14="http://schemas.microsoft.com/office/drawing/2010/main" val="0"/>
-              </a:ext>
-            </a:extLst>
-          </a:blip>
-          <a:stretch>
-            <a:fillRect/>
-          </a:stretch>
-        </p:blipFill>
-        <p:spPr>
-          <a:xfrm>
-            <a:off x="0" y="2903930"/>
-            <a:ext cx="3024000" cy="2520000"/>
-          </a:xfrm>
-          <a:prstGeom prst="rect">
-            <a:avLst/>
-          </a:prstGeom>
-          <a:ln>
-            <a:noFill/>
-          </a:ln>
-        </p:spPr>
-      </p:pic>
-      <p:sp>
-        <p:nvSpPr>
-          <p:cNvPr id="21" name="Rechteck 20">
-            <a:extLst>
-              <a:ext uri="{FF2B5EF4-FFF2-40B4-BE49-F238E27FC236}">
-                <a16:creationId xmlns:a16="http://schemas.microsoft.com/office/drawing/2014/main" id="{9319E523-3B5B-A406-92DC-F0BF9A399239}"/>
-              </a:ext>
-            </a:extLst>
-          </p:cNvPr>
-          <p:cNvSpPr/>
-          <p:nvPr/>
-        </p:nvSpPr>
-        <p:spPr>
-          <a:xfrm>
-            <a:off x="9637955" y="3033708"/>
-            <a:ext cx="312983" cy="312982"/>
-          </a:xfrm>
-          <a:prstGeom prst="rect">
-            <a:avLst/>
-          </a:prstGeom>
-          <a:solidFill>
-            <a:schemeClr val="bg1"/>
-          </a:solidFill>
-          <a:ln>
-            <a:solidFill>
-              <a:schemeClr val="tx1"/>
-            </a:solidFill>
-          </a:ln>
-        </p:spPr>
-        <p:style>
-          <a:lnRef idx="2">
-            <a:schemeClr val="accent1">
-              <a:shade val="15000"/>
-            </a:schemeClr>
-          </a:lnRef>
-          <a:fillRef idx="1">
-            <a:schemeClr val="accent1"/>
-          </a:fillRef>
-          <a:effectRef idx="0">
-            <a:schemeClr val="accent1"/>
-          </a:effectRef>
-          <a:fontRef idx="minor">
-            <a:schemeClr val="lt1"/>
-          </a:fontRef>
-        </p:style>
-        <p:txBody>
-          <a:bodyPr rtlCol="0" anchor="ctr"/>
-          <a:lstStyle/>
-          <a:p>
-            <a:pPr algn="ctr"/>
-            <a:r>
-              <a:rPr lang="de-CH" sz="1600" dirty="0">
+            </a:ln>
+          </p:spPr>
+          <p:style>
+            <a:lnRef idx="2">
+              <a:schemeClr val="accent1">
+                <a:shade val="15000"/>
+              </a:schemeClr>
+            </a:lnRef>
+            <a:fillRef idx="1">
+              <a:schemeClr val="accent1"/>
+            </a:fillRef>
+            <a:effectRef idx="0">
+              <a:schemeClr val="accent1"/>
+            </a:effectRef>
+            <a:fontRef idx="minor">
+              <a:schemeClr val="lt1"/>
+            </a:fontRef>
+          </p:style>
+          <p:txBody>
+            <a:bodyPr rtlCol="0" anchor="ctr"/>
+            <a:lstStyle/>
+            <a:p>
+              <a:pPr algn="ctr"/>
+              <a:r>
+                <a:rPr lang="de-CH" sz="1600" dirty="0">
+                  <a:solidFill>
+                    <a:schemeClr val="tx1"/>
+                  </a:solidFill>
+                  <a:latin typeface="Avenir Next LT Pro" panose="020B0504020202020204" pitchFamily="34" charset="0"/>
+                </a:rPr>
+                <a:t>Absolute </a:t>
+              </a:r>
+              <a:r>
+                <a:rPr lang="de-CH" sz="1600" dirty="0" err="1">
+                  <a:solidFill>
+                    <a:schemeClr val="tx1"/>
+                  </a:solidFill>
+                  <a:latin typeface="Avenir Next LT Pro" panose="020B0504020202020204" pitchFamily="34" charset="0"/>
+                </a:rPr>
+                <a:t>Abundance</a:t>
+              </a:r>
+              <a:endParaRPr lang="en-GB" sz="1600" dirty="0">
                 <a:solidFill>
                   <a:schemeClr val="tx1"/>
                 </a:solidFill>
                 <a:latin typeface="Avenir Next LT Pro" panose="020B0504020202020204" pitchFamily="34" charset="0"/>
-              </a:rPr>
-              <a:t>8</a:t>
-            </a:r>
-            <a:endParaRPr lang="en-GB" sz="1600" dirty="0">
+              </a:endParaRPr>
+            </a:p>
+          </p:txBody>
+        </p:sp>
+        <p:sp>
+          <p:nvSpPr>
+            <p:cNvPr id="41" name="Rechteck 40">
+              <a:extLst>
+                <a:ext uri="{FF2B5EF4-FFF2-40B4-BE49-F238E27FC236}">
+                  <a16:creationId xmlns:a16="http://schemas.microsoft.com/office/drawing/2014/main" id="{BBCFE273-5CC3-2012-FAB1-133628A1BF1B}"/>
+                </a:ext>
+              </a:extLst>
+            </p:cNvPr>
+            <p:cNvSpPr/>
+            <p:nvPr/>
+          </p:nvSpPr>
+          <p:spPr>
+            <a:xfrm rot="16200000">
+              <a:off x="-1422518" y="8982508"/>
+              <a:ext cx="2520001" cy="325023"/>
+            </a:xfrm>
+            <a:prstGeom prst="rect">
+              <a:avLst/>
+            </a:prstGeom>
+            <a:noFill/>
+            <a:ln>
               <a:solidFill>
                 <a:schemeClr val="tx1"/>
               </a:solidFill>
-              <a:latin typeface="Avenir Next LT Pro" panose="020B0504020202020204" pitchFamily="34" charset="0"/>
-            </a:endParaRPr>
-          </a:p>
-        </p:txBody>
-      </p:sp>
-      <p:sp>
-        <p:nvSpPr>
-          <p:cNvPr id="22" name="Rechteck 21">
-            <a:extLst>
-              <a:ext uri="{FF2B5EF4-FFF2-40B4-BE49-F238E27FC236}">
-                <a16:creationId xmlns:a16="http://schemas.microsoft.com/office/drawing/2014/main" id="{F053CB93-4F70-56B1-4A13-CEC5944348A6}"/>
-              </a:ext>
-            </a:extLst>
-          </p:cNvPr>
-          <p:cNvSpPr/>
-          <p:nvPr/>
-        </p:nvSpPr>
-        <p:spPr>
-          <a:xfrm>
-            <a:off x="6571609" y="3033708"/>
-            <a:ext cx="312983" cy="312982"/>
-          </a:xfrm>
-          <a:prstGeom prst="rect">
-            <a:avLst/>
-          </a:prstGeom>
-          <a:solidFill>
-            <a:schemeClr val="bg1"/>
-          </a:solidFill>
-          <a:ln>
-            <a:solidFill>
-              <a:schemeClr val="tx1"/>
-            </a:solidFill>
-          </a:ln>
-        </p:spPr>
-        <p:style>
-          <a:lnRef idx="2">
-            <a:schemeClr val="accent1">
-              <a:shade val="15000"/>
-            </a:schemeClr>
-          </a:lnRef>
-          <a:fillRef idx="1">
-            <a:schemeClr val="accent1"/>
-          </a:fillRef>
-          <a:effectRef idx="0">
-            <a:schemeClr val="accent1"/>
-          </a:effectRef>
-          <a:fontRef idx="minor">
-            <a:schemeClr val="lt1"/>
-          </a:fontRef>
-        </p:style>
-        <p:txBody>
-          <a:bodyPr rtlCol="0" anchor="ctr"/>
-          <a:lstStyle/>
-          <a:p>
-            <a:pPr algn="ctr"/>
-            <a:r>
-              <a:rPr lang="de-CH" sz="1600" dirty="0">
+            </a:ln>
+          </p:spPr>
+          <p:style>
+            <a:lnRef idx="2">
+              <a:schemeClr val="accent1">
+                <a:shade val="15000"/>
+              </a:schemeClr>
+            </a:lnRef>
+            <a:fillRef idx="1">
+              <a:schemeClr val="accent1"/>
+            </a:fillRef>
+            <a:effectRef idx="0">
+              <a:schemeClr val="accent1"/>
+            </a:effectRef>
+            <a:fontRef idx="minor">
+              <a:schemeClr val="lt1"/>
+            </a:fontRef>
+          </p:style>
+          <p:txBody>
+            <a:bodyPr rtlCol="0" anchor="ctr"/>
+            <a:lstStyle/>
+            <a:p>
+              <a:pPr algn="ctr"/>
+              <a:r>
+                <a:rPr lang="de-CH" sz="1600" dirty="0">
+                  <a:solidFill>
+                    <a:schemeClr val="tx1"/>
+                  </a:solidFill>
+                  <a:latin typeface="Avenir Next LT Pro" panose="020B0504020202020204" pitchFamily="34" charset="0"/>
+                </a:rPr>
+                <a:t>Relative </a:t>
+              </a:r>
+              <a:r>
+                <a:rPr lang="de-CH" sz="1600" dirty="0" err="1">
+                  <a:solidFill>
+                    <a:schemeClr val="tx1"/>
+                  </a:solidFill>
+                  <a:latin typeface="Avenir Next LT Pro" panose="020B0504020202020204" pitchFamily="34" charset="0"/>
+                </a:rPr>
+                <a:t>Abundance</a:t>
+              </a:r>
+              <a:endParaRPr lang="en-GB" sz="1600" dirty="0">
                 <a:solidFill>
                   <a:schemeClr val="tx1"/>
                 </a:solidFill>
                 <a:latin typeface="Avenir Next LT Pro" panose="020B0504020202020204" pitchFamily="34" charset="0"/>
-              </a:rPr>
-              <a:t>7</a:t>
-            </a:r>
-            <a:endParaRPr lang="en-GB" sz="1600" dirty="0">
+              </a:endParaRPr>
+            </a:p>
+          </p:txBody>
+        </p:sp>
+        <p:sp>
+          <p:nvSpPr>
+            <p:cNvPr id="42" name="Rechteck 41">
+              <a:extLst>
+                <a:ext uri="{FF2B5EF4-FFF2-40B4-BE49-F238E27FC236}">
+                  <a16:creationId xmlns:a16="http://schemas.microsoft.com/office/drawing/2014/main" id="{3B2249BC-0939-5A2D-C660-9940EAFD6152}"/>
+                </a:ext>
+              </a:extLst>
+            </p:cNvPr>
+            <p:cNvSpPr/>
+            <p:nvPr/>
+          </p:nvSpPr>
+          <p:spPr>
+            <a:xfrm rot="16200000">
+              <a:off x="-1422512" y="3942512"/>
+              <a:ext cx="2520001" cy="325023"/>
+            </a:xfrm>
+            <a:prstGeom prst="rect">
+              <a:avLst/>
+            </a:prstGeom>
+            <a:noFill/>
+            <a:ln>
               <a:solidFill>
                 <a:schemeClr val="tx1"/>
               </a:solidFill>
-              <a:latin typeface="Avenir Next LT Pro" panose="020B0504020202020204" pitchFamily="34" charset="0"/>
-            </a:endParaRPr>
-          </a:p>
-        </p:txBody>
-      </p:sp>
-      <p:sp>
-        <p:nvSpPr>
-          <p:cNvPr id="23" name="Rechteck 22">
-            <a:extLst>
-              <a:ext uri="{FF2B5EF4-FFF2-40B4-BE49-F238E27FC236}">
-                <a16:creationId xmlns:a16="http://schemas.microsoft.com/office/drawing/2014/main" id="{D631D18E-895D-3847-0531-4068323BF272}"/>
-              </a:ext>
-            </a:extLst>
-          </p:cNvPr>
-          <p:cNvSpPr/>
-          <p:nvPr/>
-        </p:nvSpPr>
-        <p:spPr>
-          <a:xfrm>
-            <a:off x="3416214" y="3035501"/>
-            <a:ext cx="312983" cy="312982"/>
-          </a:xfrm>
-          <a:prstGeom prst="rect">
-            <a:avLst/>
-          </a:prstGeom>
-          <a:solidFill>
-            <a:schemeClr val="bg1"/>
-          </a:solidFill>
-          <a:ln>
-            <a:solidFill>
-              <a:schemeClr val="tx1"/>
-            </a:solidFill>
-          </a:ln>
-        </p:spPr>
-        <p:style>
-          <a:lnRef idx="2">
-            <a:schemeClr val="accent1">
-              <a:shade val="15000"/>
-            </a:schemeClr>
-          </a:lnRef>
-          <a:fillRef idx="1">
-            <a:schemeClr val="accent1"/>
-          </a:fillRef>
-          <a:effectRef idx="0">
-            <a:schemeClr val="accent1"/>
-          </a:effectRef>
-          <a:fontRef idx="minor">
-            <a:schemeClr val="lt1"/>
-          </a:fontRef>
-        </p:style>
-        <p:txBody>
-          <a:bodyPr rtlCol="0" anchor="ctr"/>
-          <a:lstStyle/>
-          <a:p>
-            <a:pPr algn="ctr"/>
-            <a:r>
-              <a:rPr lang="de-CH" sz="1600" dirty="0">
+            </a:ln>
+          </p:spPr>
+          <p:style>
+            <a:lnRef idx="2">
+              <a:schemeClr val="accent1">
+                <a:shade val="15000"/>
+              </a:schemeClr>
+            </a:lnRef>
+            <a:fillRef idx="1">
+              <a:schemeClr val="accent1"/>
+            </a:fillRef>
+            <a:effectRef idx="0">
+              <a:schemeClr val="accent1"/>
+            </a:effectRef>
+            <a:fontRef idx="minor">
+              <a:schemeClr val="lt1"/>
+            </a:fontRef>
+          </p:style>
+          <p:txBody>
+            <a:bodyPr rtlCol="0" anchor="ctr"/>
+            <a:lstStyle/>
+            <a:p>
+              <a:pPr algn="ctr"/>
+              <a:r>
+                <a:rPr lang="de-CH" sz="1600" dirty="0">
+                  <a:solidFill>
+                    <a:schemeClr val="tx1"/>
+                  </a:solidFill>
+                  <a:latin typeface="Avenir Next LT Pro" panose="020B0504020202020204" pitchFamily="34" charset="0"/>
+                </a:rPr>
+                <a:t>Shannon Index</a:t>
+              </a:r>
+              <a:endParaRPr lang="en-GB" sz="1600" dirty="0">
                 <a:solidFill>
                   <a:schemeClr val="tx1"/>
                 </a:solidFill>
                 <a:latin typeface="Avenir Next LT Pro" panose="020B0504020202020204" pitchFamily="34" charset="0"/>
-              </a:rPr>
-              <a:t>6</a:t>
-            </a:r>
-            <a:endParaRPr lang="en-GB" sz="1600" dirty="0">
-              <a:solidFill>
-                <a:schemeClr val="tx1"/>
-              </a:solidFill>
-              <a:latin typeface="Avenir Next LT Pro" panose="020B0504020202020204" pitchFamily="34" charset="0"/>
-            </a:endParaRPr>
-          </a:p>
-        </p:txBody>
-      </p:sp>
-      <p:sp>
-        <p:nvSpPr>
-          <p:cNvPr id="24" name="Rechteck 23">
-            <a:extLst>
-              <a:ext uri="{FF2B5EF4-FFF2-40B4-BE49-F238E27FC236}">
-                <a16:creationId xmlns:a16="http://schemas.microsoft.com/office/drawing/2014/main" id="{6D2A2AC4-BC98-A54A-1C4A-802F6C5B95C7}"/>
-              </a:ext>
-            </a:extLst>
-          </p:cNvPr>
-          <p:cNvSpPr/>
-          <p:nvPr/>
-        </p:nvSpPr>
-        <p:spPr>
-          <a:xfrm>
-            <a:off x="509362" y="3035501"/>
-            <a:ext cx="312983" cy="312982"/>
-          </a:xfrm>
-          <a:prstGeom prst="rect">
-            <a:avLst/>
-          </a:prstGeom>
-          <a:solidFill>
-            <a:schemeClr val="bg1"/>
-          </a:solidFill>
-          <a:ln>
-            <a:solidFill>
-              <a:schemeClr val="tx1"/>
-            </a:solidFill>
-          </a:ln>
-        </p:spPr>
-        <p:style>
-          <a:lnRef idx="2">
-            <a:schemeClr val="accent1">
-              <a:shade val="15000"/>
-            </a:schemeClr>
-          </a:lnRef>
-          <a:fillRef idx="1">
-            <a:schemeClr val="accent1"/>
-          </a:fillRef>
-          <a:effectRef idx="0">
-            <a:schemeClr val="accent1"/>
-          </a:effectRef>
-          <a:fontRef idx="minor">
-            <a:schemeClr val="lt1"/>
-          </a:fontRef>
-        </p:style>
-        <p:txBody>
-          <a:bodyPr rtlCol="0" anchor="ctr"/>
-          <a:lstStyle/>
-          <a:p>
-            <a:pPr algn="ctr"/>
-            <a:r>
-              <a:rPr lang="de-CH" sz="1600" dirty="0">
-                <a:solidFill>
-                  <a:schemeClr val="tx1"/>
-                </a:solidFill>
-                <a:latin typeface="Avenir Next LT Pro" panose="020B0504020202020204" pitchFamily="34" charset="0"/>
-              </a:rPr>
-              <a:t>5</a:t>
-            </a:r>
-            <a:endParaRPr lang="en-GB" sz="1600" dirty="0">
-              <a:solidFill>
-                <a:schemeClr val="tx1"/>
-              </a:solidFill>
-              <a:latin typeface="Avenir Next LT Pro" panose="020B0504020202020204" pitchFamily="34" charset="0"/>
-            </a:endParaRPr>
-          </a:p>
-        </p:txBody>
-      </p:sp>
+              </a:endParaRPr>
+            </a:p>
+          </p:txBody>
+        </p:sp>
+      </p:grpSp>
     </p:spTree>
     <p:extLst>
       <p:ext uri="{BB962C8B-B14F-4D97-AF65-F5344CB8AC3E}">
-        <p14:creationId xmlns:p14="http://schemas.microsoft.com/office/powerpoint/2010/main" val="589128121"/>
+        <p14:creationId xmlns:p14="http://schemas.microsoft.com/office/powerpoint/2010/main" val="1042497208"/>
       </p:ext>
     </p:extLst>
   </p:cSld>
@@ -4359,51 +4722,501 @@
           <a:chExt cx="0" cy="0"/>
         </a:xfrm>
       </p:grpSpPr>
-      <p:pic>
-        <p:nvPicPr>
-          <p:cNvPr id="33" name="Grafik 32" descr="Ein Bild, das Screenshot, Schwarz enthält.&#10;&#10;Automatisch generierte Beschreibung">
+      <p:sp>
+        <p:nvSpPr>
+          <p:cNvPr id="16" name="Rechteck 15">
             <a:extLst>
               <a:ext uri="{FF2B5EF4-FFF2-40B4-BE49-F238E27FC236}">
-                <a16:creationId xmlns:a16="http://schemas.microsoft.com/office/drawing/2014/main" id="{8AED4D7E-D381-2717-C4B2-371493917A88}"/>
+                <a16:creationId xmlns:a16="http://schemas.microsoft.com/office/drawing/2014/main" id="{4D2DECCA-196C-DB8C-A722-463F497C3AD7}"/>
               </a:ext>
             </a:extLst>
           </p:cNvPr>
-          <p:cNvPicPr>
-            <a:picLocks noChangeAspect="1"/>
-          </p:cNvPicPr>
+          <p:cNvSpPr/>
           <p:nvPr/>
-        </p:nvPicPr>
-        <p:blipFill>
-          <a:blip r:embed="rId2">
-            <a:extLst>
-              <a:ext uri="{28A0092B-C50C-407E-A947-70E740481C1C}">
-                <a14:useLocalDpi xmlns:a14="http://schemas.microsoft.com/office/drawing/2010/main" val="0"/>
-              </a:ext>
-            </a:extLst>
-          </a:blip>
-          <a:stretch>
-            <a:fillRect/>
-          </a:stretch>
-        </p:blipFill>
+        </p:nvSpPr>
         <p:spPr>
           <a:xfrm>
-            <a:off x="-2629" y="2892002"/>
-            <a:ext cx="3024000" cy="2520000"/>
+            <a:off x="0" y="0"/>
+            <a:ext cx="3024000" cy="325023"/>
           </a:xfrm>
           <a:prstGeom prst="rect">
             <a:avLst/>
           </a:prstGeom>
+          <a:noFill/>
           <a:ln>
-            <a:noFill/>
+            <a:solidFill>
+              <a:schemeClr val="tx1"/>
+            </a:solidFill>
           </a:ln>
         </p:spPr>
-      </p:pic>
+        <p:style>
+          <a:lnRef idx="2">
+            <a:schemeClr val="accent1">
+              <a:shade val="15000"/>
+            </a:schemeClr>
+          </a:lnRef>
+          <a:fillRef idx="1">
+            <a:schemeClr val="accent1"/>
+          </a:fillRef>
+          <a:effectRef idx="0">
+            <a:schemeClr val="accent1"/>
+          </a:effectRef>
+          <a:fontRef idx="minor">
+            <a:schemeClr val="lt1"/>
+          </a:fontRef>
+        </p:style>
+        <p:txBody>
+          <a:bodyPr rtlCol="0" anchor="ctr"/>
+          <a:lstStyle/>
+          <a:p>
+            <a:pPr algn="ctr"/>
+            <a:r>
+              <a:rPr lang="de-CH" sz="1600" dirty="0">
+                <a:solidFill>
+                  <a:schemeClr val="tx1"/>
+                </a:solidFill>
+                <a:latin typeface="Avenir Next LT Pro" panose="020B0504020202020204" pitchFamily="34" charset="0"/>
+              </a:rPr>
+              <a:t>Selected Variables</a:t>
+            </a:r>
+            <a:endParaRPr lang="en-GB" sz="1600" dirty="0">
+              <a:solidFill>
+                <a:schemeClr val="tx1"/>
+              </a:solidFill>
+              <a:latin typeface="Avenir Next LT Pro" panose="020B0504020202020204" pitchFamily="34" charset="0"/>
+            </a:endParaRPr>
+          </a:p>
+        </p:txBody>
+      </p:sp>
+      <p:sp>
+        <p:nvSpPr>
+          <p:cNvPr id="17" name="Rechteck 16">
+            <a:extLst>
+              <a:ext uri="{FF2B5EF4-FFF2-40B4-BE49-F238E27FC236}">
+                <a16:creationId xmlns:a16="http://schemas.microsoft.com/office/drawing/2014/main" id="{94F71326-D408-1B4C-DC3A-A6E956DFE073}"/>
+              </a:ext>
+            </a:extLst>
+          </p:cNvPr>
+          <p:cNvSpPr/>
+          <p:nvPr/>
+        </p:nvSpPr>
+        <p:spPr>
+          <a:xfrm>
+            <a:off x="3024000" y="0"/>
+            <a:ext cx="3024000" cy="325023"/>
+          </a:xfrm>
+          <a:prstGeom prst="rect">
+            <a:avLst/>
+          </a:prstGeom>
+          <a:noFill/>
+          <a:ln>
+            <a:solidFill>
+              <a:schemeClr val="tx1"/>
+            </a:solidFill>
+          </a:ln>
+        </p:spPr>
+        <p:style>
+          <a:lnRef idx="2">
+            <a:schemeClr val="accent1">
+              <a:shade val="15000"/>
+            </a:schemeClr>
+          </a:lnRef>
+          <a:fillRef idx="1">
+            <a:schemeClr val="accent1"/>
+          </a:fillRef>
+          <a:effectRef idx="0">
+            <a:schemeClr val="accent1"/>
+          </a:effectRef>
+          <a:fontRef idx="minor">
+            <a:schemeClr val="lt1"/>
+          </a:fontRef>
+        </p:style>
+        <p:txBody>
+          <a:bodyPr rtlCol="0" anchor="ctr"/>
+          <a:lstStyle/>
+          <a:p>
+            <a:pPr algn="ctr"/>
+            <a:r>
+              <a:rPr lang="de-CH" sz="1600" dirty="0" err="1">
+                <a:solidFill>
+                  <a:schemeClr val="tx1"/>
+                </a:solidFill>
+                <a:latin typeface="Avenir Next LT Pro" panose="020B0504020202020204" pitchFamily="34" charset="0"/>
+              </a:rPr>
+              <a:t>Water</a:t>
+            </a:r>
+            <a:r>
+              <a:rPr lang="de-CH" sz="1600" dirty="0">
+                <a:solidFill>
+                  <a:schemeClr val="tx1"/>
+                </a:solidFill>
+                <a:latin typeface="Avenir Next LT Pro" panose="020B0504020202020204" pitchFamily="34" charset="0"/>
+              </a:rPr>
+              <a:t> Depth &amp; Velocity</a:t>
+            </a:r>
+            <a:endParaRPr lang="en-GB" sz="1600" dirty="0">
+              <a:solidFill>
+                <a:schemeClr val="tx1"/>
+              </a:solidFill>
+              <a:latin typeface="Avenir Next LT Pro" panose="020B0504020202020204" pitchFamily="34" charset="0"/>
+            </a:endParaRPr>
+          </a:p>
+        </p:txBody>
+      </p:sp>
+      <p:sp>
+        <p:nvSpPr>
+          <p:cNvPr id="18" name="Rechteck 17">
+            <a:extLst>
+              <a:ext uri="{FF2B5EF4-FFF2-40B4-BE49-F238E27FC236}">
+                <a16:creationId xmlns:a16="http://schemas.microsoft.com/office/drawing/2014/main" id="{F162640B-558C-1B13-A7CA-84CF9AF501A6}"/>
+              </a:ext>
+            </a:extLst>
+          </p:cNvPr>
+          <p:cNvSpPr/>
+          <p:nvPr/>
+        </p:nvSpPr>
+        <p:spPr>
+          <a:xfrm>
+            <a:off x="6048000" y="0"/>
+            <a:ext cx="3024000" cy="325023"/>
+          </a:xfrm>
+          <a:prstGeom prst="rect">
+            <a:avLst/>
+          </a:prstGeom>
+          <a:noFill/>
+          <a:ln>
+            <a:solidFill>
+              <a:schemeClr val="tx1"/>
+            </a:solidFill>
+          </a:ln>
+        </p:spPr>
+        <p:style>
+          <a:lnRef idx="2">
+            <a:schemeClr val="accent1">
+              <a:shade val="15000"/>
+            </a:schemeClr>
+          </a:lnRef>
+          <a:fillRef idx="1">
+            <a:schemeClr val="accent1"/>
+          </a:fillRef>
+          <a:effectRef idx="0">
+            <a:schemeClr val="accent1"/>
+          </a:effectRef>
+          <a:fontRef idx="minor">
+            <a:schemeClr val="lt1"/>
+          </a:fontRef>
+        </p:style>
+        <p:txBody>
+          <a:bodyPr rtlCol="0" anchor="ctr"/>
+          <a:lstStyle/>
+          <a:p>
+            <a:pPr algn="ctr"/>
+            <a:r>
+              <a:rPr lang="de-CH" sz="1600" dirty="0">
+                <a:solidFill>
+                  <a:schemeClr val="tx1"/>
+                </a:solidFill>
+                <a:latin typeface="Avenir Next LT Pro" panose="020B0504020202020204" pitchFamily="34" charset="0"/>
+              </a:rPr>
+              <a:t>Velocity</a:t>
+            </a:r>
+            <a:endParaRPr lang="en-GB" sz="1600" dirty="0">
+              <a:solidFill>
+                <a:schemeClr val="tx1"/>
+              </a:solidFill>
+              <a:latin typeface="Avenir Next LT Pro" panose="020B0504020202020204" pitchFamily="34" charset="0"/>
+            </a:endParaRPr>
+          </a:p>
+        </p:txBody>
+      </p:sp>
+      <p:sp>
+        <p:nvSpPr>
+          <p:cNvPr id="39" name="Rechteck 38">
+            <a:extLst>
+              <a:ext uri="{FF2B5EF4-FFF2-40B4-BE49-F238E27FC236}">
+                <a16:creationId xmlns:a16="http://schemas.microsoft.com/office/drawing/2014/main" id="{E5BDB56F-CEDE-325E-5948-B378D0ED13A9}"/>
+              </a:ext>
+            </a:extLst>
+          </p:cNvPr>
+          <p:cNvSpPr/>
+          <p:nvPr/>
+        </p:nvSpPr>
+        <p:spPr>
+          <a:xfrm rot="16200000">
+            <a:off x="-1422514" y="1422513"/>
+            <a:ext cx="2520001" cy="325023"/>
+          </a:xfrm>
+          <a:prstGeom prst="rect">
+            <a:avLst/>
+          </a:prstGeom>
+          <a:noFill/>
+          <a:ln>
+            <a:solidFill>
+              <a:schemeClr val="tx1"/>
+            </a:solidFill>
+          </a:ln>
+        </p:spPr>
+        <p:style>
+          <a:lnRef idx="2">
+            <a:schemeClr val="accent1">
+              <a:shade val="15000"/>
+            </a:schemeClr>
+          </a:lnRef>
+          <a:fillRef idx="1">
+            <a:schemeClr val="accent1"/>
+          </a:fillRef>
+          <a:effectRef idx="0">
+            <a:schemeClr val="accent1"/>
+          </a:effectRef>
+          <a:fontRef idx="minor">
+            <a:schemeClr val="lt1"/>
+          </a:fontRef>
+        </p:style>
+        <p:txBody>
+          <a:bodyPr rtlCol="0" anchor="ctr"/>
+          <a:lstStyle/>
+          <a:p>
+            <a:pPr algn="ctr"/>
+            <a:r>
+              <a:rPr lang="de-CH" sz="1600" dirty="0">
+                <a:solidFill>
+                  <a:schemeClr val="tx1"/>
+                </a:solidFill>
+                <a:latin typeface="Avenir Next LT Pro" panose="020B0504020202020204" pitchFamily="34" charset="0"/>
+              </a:rPr>
+              <a:t>K-Index</a:t>
+            </a:r>
+            <a:endParaRPr lang="en-GB" sz="1600" dirty="0">
+              <a:solidFill>
+                <a:schemeClr val="tx1"/>
+              </a:solidFill>
+              <a:latin typeface="Avenir Next LT Pro" panose="020B0504020202020204" pitchFamily="34" charset="0"/>
+            </a:endParaRPr>
+          </a:p>
+        </p:txBody>
+      </p:sp>
+      <p:sp>
+        <p:nvSpPr>
+          <p:cNvPr id="40" name="Rechteck 39">
+            <a:extLst>
+              <a:ext uri="{FF2B5EF4-FFF2-40B4-BE49-F238E27FC236}">
+                <a16:creationId xmlns:a16="http://schemas.microsoft.com/office/drawing/2014/main" id="{A73A7DF3-4449-7701-5980-27341F650896}"/>
+              </a:ext>
+            </a:extLst>
+          </p:cNvPr>
+          <p:cNvSpPr/>
+          <p:nvPr/>
+        </p:nvSpPr>
+        <p:spPr>
+          <a:xfrm rot="16200000">
+            <a:off x="-1422515" y="6462511"/>
+            <a:ext cx="2520001" cy="325023"/>
+          </a:xfrm>
+          <a:prstGeom prst="rect">
+            <a:avLst/>
+          </a:prstGeom>
+          <a:noFill/>
+          <a:ln>
+            <a:solidFill>
+              <a:schemeClr val="tx1"/>
+            </a:solidFill>
+          </a:ln>
+        </p:spPr>
+        <p:style>
+          <a:lnRef idx="2">
+            <a:schemeClr val="accent1">
+              <a:shade val="15000"/>
+            </a:schemeClr>
+          </a:lnRef>
+          <a:fillRef idx="1">
+            <a:schemeClr val="accent1"/>
+          </a:fillRef>
+          <a:effectRef idx="0">
+            <a:schemeClr val="accent1"/>
+          </a:effectRef>
+          <a:fontRef idx="minor">
+            <a:schemeClr val="lt1"/>
+          </a:fontRef>
+        </p:style>
+        <p:txBody>
+          <a:bodyPr rtlCol="0" anchor="ctr"/>
+          <a:lstStyle/>
+          <a:p>
+            <a:pPr algn="ctr"/>
+            <a:r>
+              <a:rPr lang="de-CH" sz="1600" dirty="0">
+                <a:solidFill>
+                  <a:schemeClr val="tx1"/>
+                </a:solidFill>
+                <a:latin typeface="Avenir Next LT Pro" panose="020B0504020202020204" pitchFamily="34" charset="0"/>
+              </a:rPr>
+              <a:t>Absolute </a:t>
+            </a:r>
+            <a:r>
+              <a:rPr lang="de-CH" sz="1600" dirty="0" err="1">
+                <a:solidFill>
+                  <a:schemeClr val="tx1"/>
+                </a:solidFill>
+                <a:latin typeface="Avenir Next LT Pro" panose="020B0504020202020204" pitchFamily="34" charset="0"/>
+              </a:rPr>
+              <a:t>Abundance</a:t>
+            </a:r>
+            <a:endParaRPr lang="en-GB" sz="1600" dirty="0">
+              <a:solidFill>
+                <a:schemeClr val="tx1"/>
+              </a:solidFill>
+              <a:latin typeface="Avenir Next LT Pro" panose="020B0504020202020204" pitchFamily="34" charset="0"/>
+            </a:endParaRPr>
+          </a:p>
+        </p:txBody>
+      </p:sp>
+      <p:sp>
+        <p:nvSpPr>
+          <p:cNvPr id="41" name="Rechteck 40">
+            <a:extLst>
+              <a:ext uri="{FF2B5EF4-FFF2-40B4-BE49-F238E27FC236}">
+                <a16:creationId xmlns:a16="http://schemas.microsoft.com/office/drawing/2014/main" id="{BBCFE273-5CC3-2012-FAB1-133628A1BF1B}"/>
+              </a:ext>
+            </a:extLst>
+          </p:cNvPr>
+          <p:cNvSpPr/>
+          <p:nvPr/>
+        </p:nvSpPr>
+        <p:spPr>
+          <a:xfrm rot="16200000">
+            <a:off x="-1422518" y="8982508"/>
+            <a:ext cx="2520001" cy="325023"/>
+          </a:xfrm>
+          <a:prstGeom prst="rect">
+            <a:avLst/>
+          </a:prstGeom>
+          <a:noFill/>
+          <a:ln>
+            <a:solidFill>
+              <a:schemeClr val="tx1"/>
+            </a:solidFill>
+          </a:ln>
+        </p:spPr>
+        <p:style>
+          <a:lnRef idx="2">
+            <a:schemeClr val="accent1">
+              <a:shade val="15000"/>
+            </a:schemeClr>
+          </a:lnRef>
+          <a:fillRef idx="1">
+            <a:schemeClr val="accent1"/>
+          </a:fillRef>
+          <a:effectRef idx="0">
+            <a:schemeClr val="accent1"/>
+          </a:effectRef>
+          <a:fontRef idx="minor">
+            <a:schemeClr val="lt1"/>
+          </a:fontRef>
+        </p:style>
+        <p:txBody>
+          <a:bodyPr rtlCol="0" anchor="ctr"/>
+          <a:lstStyle/>
+          <a:p>
+            <a:pPr algn="ctr"/>
+            <a:r>
+              <a:rPr lang="de-CH" sz="1600" dirty="0">
+                <a:solidFill>
+                  <a:schemeClr val="tx1"/>
+                </a:solidFill>
+                <a:latin typeface="Avenir Next LT Pro" panose="020B0504020202020204" pitchFamily="34" charset="0"/>
+              </a:rPr>
+              <a:t>Relative </a:t>
+            </a:r>
+            <a:r>
+              <a:rPr lang="de-CH" sz="1600" dirty="0" err="1">
+                <a:solidFill>
+                  <a:schemeClr val="tx1"/>
+                </a:solidFill>
+                <a:latin typeface="Avenir Next LT Pro" panose="020B0504020202020204" pitchFamily="34" charset="0"/>
+              </a:rPr>
+              <a:t>Abundance</a:t>
+            </a:r>
+            <a:endParaRPr lang="en-GB" sz="1600" dirty="0">
+              <a:solidFill>
+                <a:schemeClr val="tx1"/>
+              </a:solidFill>
+              <a:latin typeface="Avenir Next LT Pro" panose="020B0504020202020204" pitchFamily="34" charset="0"/>
+            </a:endParaRPr>
+          </a:p>
+        </p:txBody>
+      </p:sp>
+      <p:sp>
+        <p:nvSpPr>
+          <p:cNvPr id="42" name="Rechteck 41">
+            <a:extLst>
+              <a:ext uri="{FF2B5EF4-FFF2-40B4-BE49-F238E27FC236}">
+                <a16:creationId xmlns:a16="http://schemas.microsoft.com/office/drawing/2014/main" id="{3B2249BC-0939-5A2D-C660-9940EAFD6152}"/>
+              </a:ext>
+            </a:extLst>
+          </p:cNvPr>
+          <p:cNvSpPr/>
+          <p:nvPr/>
+        </p:nvSpPr>
+        <p:spPr>
+          <a:xfrm rot="16200000">
+            <a:off x="-1422512" y="3942512"/>
+            <a:ext cx="2520001" cy="325023"/>
+          </a:xfrm>
+          <a:prstGeom prst="rect">
+            <a:avLst/>
+          </a:prstGeom>
+          <a:noFill/>
+          <a:ln>
+            <a:solidFill>
+              <a:schemeClr val="tx1"/>
+            </a:solidFill>
+          </a:ln>
+        </p:spPr>
+        <p:style>
+          <a:lnRef idx="2">
+            <a:schemeClr val="accent1">
+              <a:shade val="15000"/>
+            </a:schemeClr>
+          </a:lnRef>
+          <a:fillRef idx="1">
+            <a:schemeClr val="accent1"/>
+          </a:fillRef>
+          <a:effectRef idx="0">
+            <a:schemeClr val="accent1"/>
+          </a:effectRef>
+          <a:fontRef idx="minor">
+            <a:schemeClr val="lt1"/>
+          </a:fontRef>
+        </p:style>
+        <p:txBody>
+          <a:bodyPr rtlCol="0" anchor="ctr"/>
+          <a:lstStyle/>
+          <a:p>
+            <a:pPr algn="ctr"/>
+            <a:r>
+              <a:rPr lang="de-CH" sz="1600" dirty="0">
+                <a:solidFill>
+                  <a:schemeClr val="tx1"/>
+                </a:solidFill>
+                <a:latin typeface="Avenir Next LT Pro" panose="020B0504020202020204" pitchFamily="34" charset="0"/>
+              </a:rPr>
+              <a:t>Shannon Index</a:t>
+            </a:r>
+            <a:endParaRPr lang="en-GB" sz="1600" dirty="0">
+              <a:solidFill>
+                <a:schemeClr val="tx1"/>
+              </a:solidFill>
+              <a:latin typeface="Avenir Next LT Pro" panose="020B0504020202020204" pitchFamily="34" charset="0"/>
+            </a:endParaRPr>
+          </a:p>
+        </p:txBody>
+      </p:sp>
       <p:pic>
         <p:nvPicPr>
-          <p:cNvPr id="31" name="Grafik 30" descr="Ein Bild, das Screenshot, Schwarz, Quadrat enthält.&#10;&#10;Automatisch generierte Beschreibung">
+          <p:cNvPr id="3" name="Grafik 2" descr="Ein Bild, das Screenshot, Schwarz, Quadrat enthält.&#10;&#10;Automatisch generierte Beschreibung">
             <a:extLst>
               <a:ext uri="{FF2B5EF4-FFF2-40B4-BE49-F238E27FC236}">
-                <a16:creationId xmlns:a16="http://schemas.microsoft.com/office/drawing/2014/main" id="{52C0B63F-CC2E-83FF-E5D2-F56627FC9837}"/>
+                <a16:creationId xmlns:a16="http://schemas.microsoft.com/office/drawing/2014/main" id="{8B60FD0B-A99B-1550-E24C-62511AA79A6A}"/>
               </a:ext>
             </a:extLst>
           </p:cNvPr>
@@ -4426,7 +5239,7 @@
         </p:blipFill>
         <p:spPr>
           <a:xfrm>
-            <a:off x="3028441" y="2892002"/>
+            <a:off x="-6" y="325018"/>
             <a:ext cx="3024000" cy="2520000"/>
           </a:xfrm>
           <a:prstGeom prst="rect">
@@ -4439,10 +5252,10 @@
       </p:pic>
       <p:pic>
         <p:nvPicPr>
-          <p:cNvPr id="27" name="Grafik 26" descr="Ein Bild, das Screenshot, Quadrat, Schwarz enthält.&#10;&#10;Automatisch generierte Beschreibung">
+          <p:cNvPr id="6" name="Grafik 5" descr="Ein Bild, das Screenshot, Schwarz enthält.&#10;&#10;Automatisch generierte Beschreibung">
             <a:extLst>
               <a:ext uri="{FF2B5EF4-FFF2-40B4-BE49-F238E27FC236}">
-                <a16:creationId xmlns:a16="http://schemas.microsoft.com/office/drawing/2014/main" id="{5D69C42A-3AF8-B126-7427-2B8F1ED4B3C5}"/>
+                <a16:creationId xmlns:a16="http://schemas.microsoft.com/office/drawing/2014/main" id="{044F9003-F183-65A5-99F4-8A5D3EDAC236}"/>
               </a:ext>
             </a:extLst>
           </p:cNvPr>
@@ -4465,7 +5278,7 @@
         </p:blipFill>
         <p:spPr>
           <a:xfrm>
-            <a:off x="6059511" y="2892002"/>
+            <a:off x="3024000" y="325021"/>
             <a:ext cx="3024000" cy="2520000"/>
           </a:xfrm>
           <a:prstGeom prst="rect">
@@ -4478,10 +5291,10 @@
       </p:pic>
       <p:pic>
         <p:nvPicPr>
-          <p:cNvPr id="29" name="Grafik 28" descr="Ein Bild, das Screenshot, Schwarz enthält.&#10;&#10;Automatisch generierte Beschreibung">
+          <p:cNvPr id="9" name="Grafik 8" descr="Ein Bild, das Screenshot, Schwarz enthält.&#10;&#10;Automatisch generierte Beschreibung">
             <a:extLst>
               <a:ext uri="{FF2B5EF4-FFF2-40B4-BE49-F238E27FC236}">
-                <a16:creationId xmlns:a16="http://schemas.microsoft.com/office/drawing/2014/main" id="{202C9B8C-F82B-49A9-25A4-305FD0FD63FF}"/>
+                <a16:creationId xmlns:a16="http://schemas.microsoft.com/office/drawing/2014/main" id="{7E5CCA01-89F3-CE25-1857-D70E578406FD}"/>
               </a:ext>
             </a:extLst>
           </p:cNvPr>
@@ -4504,7 +5317,7 @@
         </p:blipFill>
         <p:spPr>
           <a:xfrm>
-            <a:off x="9087952" y="2892002"/>
+            <a:off x="6048000" y="325024"/>
             <a:ext cx="3024000" cy="2520000"/>
           </a:xfrm>
           <a:prstGeom prst="rect">
@@ -4517,10 +5330,10 @@
       </p:pic>
       <p:pic>
         <p:nvPicPr>
-          <p:cNvPr id="25" name="Grafik 24" descr="Ein Bild, das Screenshot, Schwarz, Quadrat enthält.&#10;&#10;Automatisch generierte Beschreibung">
+          <p:cNvPr id="11" name="Grafik 10" descr="Ein Bild, das Screenshot, Schwarz, Quadrat enthält.&#10;&#10;Automatisch generierte Beschreibung">
             <a:extLst>
               <a:ext uri="{FF2B5EF4-FFF2-40B4-BE49-F238E27FC236}">
-                <a16:creationId xmlns:a16="http://schemas.microsoft.com/office/drawing/2014/main" id="{8781709D-E21A-3C68-5171-598377D0D4C5}"/>
+                <a16:creationId xmlns:a16="http://schemas.microsoft.com/office/drawing/2014/main" id="{15233CF0-FAAA-28A1-AE64-72BE28ADA504}"/>
               </a:ext>
             </a:extLst>
           </p:cNvPr>
@@ -4543,7 +5356,7 @@
         </p:blipFill>
         <p:spPr>
           <a:xfrm>
-            <a:off x="0" y="372002"/>
+            <a:off x="-12" y="2845018"/>
             <a:ext cx="3024000" cy="2520000"/>
           </a:xfrm>
           <a:prstGeom prst="rect">
@@ -4556,10 +5369,10 @@
       </p:pic>
       <p:pic>
         <p:nvPicPr>
-          <p:cNvPr id="13" name="Grafik 12" descr="Ein Bild, das Screenshot, Schwarz enthält.&#10;&#10;Automatisch generierte Beschreibung">
+          <p:cNvPr id="13" name="Grafik 12" descr="Ein Bild, das Screenshot, Schwarz, Quadrat enthält.&#10;&#10;Automatisch generierte Beschreibung">
             <a:extLst>
               <a:ext uri="{FF2B5EF4-FFF2-40B4-BE49-F238E27FC236}">
-                <a16:creationId xmlns:a16="http://schemas.microsoft.com/office/drawing/2014/main" id="{D0DBE286-D8C5-344F-1505-FEF7D4D77BEC}"/>
+                <a16:creationId xmlns:a16="http://schemas.microsoft.com/office/drawing/2014/main" id="{D6903A83-8533-909D-438C-044D8BFC0182}"/>
               </a:ext>
             </a:extLst>
           </p:cNvPr>
@@ -4582,7 +5395,7 @@
         </p:blipFill>
         <p:spPr>
           <a:xfrm>
-            <a:off x="9080882" y="372002"/>
+            <a:off x="3023988" y="2845018"/>
             <a:ext cx="3024000" cy="2520000"/>
           </a:xfrm>
           <a:prstGeom prst="rect">
@@ -4595,10 +5408,10 @@
       </p:pic>
       <p:pic>
         <p:nvPicPr>
-          <p:cNvPr id="7" name="Grafik 6" descr="Ein Bild, das Screenshot, Quadrat, Schwarz enthält.&#10;&#10;Automatisch generierte Beschreibung">
+          <p:cNvPr id="19" name="Grafik 18" descr="Ein Bild, das Screenshot, Schwarz enthält.&#10;&#10;Automatisch generierte Beschreibung">
             <a:extLst>
               <a:ext uri="{FF2B5EF4-FFF2-40B4-BE49-F238E27FC236}">
-                <a16:creationId xmlns:a16="http://schemas.microsoft.com/office/drawing/2014/main" id="{B6729352-9E42-F76A-9758-566709937064}"/>
+                <a16:creationId xmlns:a16="http://schemas.microsoft.com/office/drawing/2014/main" id="{369B31A2-4A63-1A2B-B02F-9EB5D964DD68}"/>
               </a:ext>
             </a:extLst>
           </p:cNvPr>
@@ -4621,7 +5434,7 @@
         </p:blipFill>
         <p:spPr>
           <a:xfrm>
-            <a:off x="6056882" y="372002"/>
+            <a:off x="6047994" y="2845023"/>
             <a:ext cx="3024000" cy="2520000"/>
           </a:xfrm>
           <a:prstGeom prst="rect">
@@ -4634,10 +5447,10 @@
       </p:pic>
       <p:pic>
         <p:nvPicPr>
-          <p:cNvPr id="17" name="Grafik 16" descr="Ein Bild, das Screenshot, Schwarz enthält.&#10;&#10;Automatisch generierte Beschreibung">
+          <p:cNvPr id="23" name="Grafik 22" descr="Ein Bild, das Screenshot, Schwarz enthält.&#10;&#10;Automatisch generierte Beschreibung">
             <a:extLst>
               <a:ext uri="{FF2B5EF4-FFF2-40B4-BE49-F238E27FC236}">
-                <a16:creationId xmlns:a16="http://schemas.microsoft.com/office/drawing/2014/main" id="{31D5EF1C-0CF1-D644-9B71-855CF61EB2FB}"/>
+                <a16:creationId xmlns:a16="http://schemas.microsoft.com/office/drawing/2014/main" id="{6BC35B4C-C38B-8DDA-951F-E238979B663F}"/>
               </a:ext>
             </a:extLst>
           </p:cNvPr>
@@ -4660,7 +5473,7 @@
         </p:blipFill>
         <p:spPr>
           <a:xfrm>
-            <a:off x="3028441" y="372002"/>
+            <a:off x="0" y="5365012"/>
             <a:ext cx="3024000" cy="2520000"/>
           </a:xfrm>
           <a:prstGeom prst="rect">
@@ -4671,554 +5484,205 @@
           </a:ln>
         </p:spPr>
       </p:pic>
-      <p:sp>
-        <p:nvSpPr>
-          <p:cNvPr id="9" name="Rechteck 8">
+      <p:pic>
+        <p:nvPicPr>
+          <p:cNvPr id="27" name="Grafik 26" descr="Ein Bild, das Screenshot, Schwarz enthält.&#10;&#10;Automatisch generierte Beschreibung">
             <a:extLst>
               <a:ext uri="{FF2B5EF4-FFF2-40B4-BE49-F238E27FC236}">
-                <a16:creationId xmlns:a16="http://schemas.microsoft.com/office/drawing/2014/main" id="{F485914B-5698-BD5F-EA59-305FEC89457D}"/>
+                <a16:creationId xmlns:a16="http://schemas.microsoft.com/office/drawing/2014/main" id="{3C6B4CE9-3B4D-31B3-82CC-B5D0247444A9}"/>
               </a:ext>
             </a:extLst>
           </p:cNvPr>
-          <p:cNvSpPr/>
+          <p:cNvPicPr>
+            <a:picLocks noChangeAspect="1"/>
+          </p:cNvPicPr>
           <p:nvPr/>
-        </p:nvSpPr>
+        </p:nvPicPr>
+        <p:blipFill>
+          <a:blip r:embed="rId10">
+            <a:extLst>
+              <a:ext uri="{28A0092B-C50C-407E-A947-70E740481C1C}">
+                <a14:useLocalDpi xmlns:a14="http://schemas.microsoft.com/office/drawing/2010/main" val="0"/>
+              </a:ext>
+            </a:extLst>
+          </a:blip>
+          <a:stretch>
+            <a:fillRect/>
+          </a:stretch>
+        </p:blipFill>
         <p:spPr>
           <a:xfrm>
-            <a:off x="509363" y="515501"/>
-            <a:ext cx="312983" cy="312982"/>
+            <a:off x="3023976" y="5365012"/>
+            <a:ext cx="3024000" cy="2520000"/>
           </a:xfrm>
           <a:prstGeom prst="rect">
             <a:avLst/>
           </a:prstGeom>
-          <a:solidFill>
-            <a:schemeClr val="bg1"/>
-          </a:solidFill>
           <a:ln>
-            <a:solidFill>
-              <a:schemeClr val="tx1"/>
-            </a:solidFill>
+            <a:noFill/>
           </a:ln>
         </p:spPr>
-        <p:style>
-          <a:lnRef idx="2">
-            <a:schemeClr val="accent1">
-              <a:shade val="15000"/>
-            </a:schemeClr>
-          </a:lnRef>
-          <a:fillRef idx="1">
-            <a:schemeClr val="accent1"/>
-          </a:fillRef>
-          <a:effectRef idx="0">
-            <a:schemeClr val="accent1"/>
-          </a:effectRef>
-          <a:fontRef idx="minor">
-            <a:schemeClr val="lt1"/>
-          </a:fontRef>
-        </p:style>
-        <p:txBody>
-          <a:bodyPr rtlCol="0" anchor="ctr"/>
-          <a:lstStyle/>
-          <a:p>
-            <a:pPr algn="ctr"/>
-            <a:r>
-              <a:rPr lang="de-CH" sz="1600" dirty="0">
-                <a:solidFill>
-                  <a:schemeClr val="tx1"/>
-                </a:solidFill>
-                <a:latin typeface="Avenir Next LT Pro" panose="020B0504020202020204" pitchFamily="34" charset="0"/>
-              </a:rPr>
-              <a:t>1</a:t>
-            </a:r>
-            <a:endParaRPr lang="en-GB" sz="1600" dirty="0">
-              <a:solidFill>
-                <a:schemeClr val="tx1"/>
-              </a:solidFill>
-              <a:latin typeface="Avenir Next LT Pro" panose="020B0504020202020204" pitchFamily="34" charset="0"/>
-            </a:endParaRPr>
-          </a:p>
-        </p:txBody>
-      </p:sp>
-      <p:sp>
-        <p:nvSpPr>
-          <p:cNvPr id="10" name="Rechteck 9">
+      </p:pic>
+      <p:pic>
+        <p:nvPicPr>
+          <p:cNvPr id="31" name="Grafik 30" descr="Ein Bild, das Screenshot, Schwarz enthält.&#10;&#10;Automatisch generierte Beschreibung">
             <a:extLst>
               <a:ext uri="{FF2B5EF4-FFF2-40B4-BE49-F238E27FC236}">
-                <a16:creationId xmlns:a16="http://schemas.microsoft.com/office/drawing/2014/main" id="{4ECA4311-3EE3-6254-67DE-543532601292}"/>
+                <a16:creationId xmlns:a16="http://schemas.microsoft.com/office/drawing/2014/main" id="{34DBDA8B-A5BB-901F-BF12-15AAC64DC8D9}"/>
               </a:ext>
             </a:extLst>
           </p:cNvPr>
-          <p:cNvSpPr/>
+          <p:cNvPicPr>
+            <a:picLocks noChangeAspect="1"/>
+          </p:cNvPicPr>
           <p:nvPr/>
-        </p:nvSpPr>
+        </p:nvPicPr>
+        <p:blipFill>
+          <a:blip r:embed="rId11">
+            <a:extLst>
+              <a:ext uri="{28A0092B-C50C-407E-A947-70E740481C1C}">
+                <a14:useLocalDpi xmlns:a14="http://schemas.microsoft.com/office/drawing/2010/main" val="0"/>
+              </a:ext>
+            </a:extLst>
+          </a:blip>
+          <a:stretch>
+            <a:fillRect/>
+          </a:stretch>
+        </p:blipFill>
         <p:spPr>
           <a:xfrm>
-            <a:off x="6571610" y="515501"/>
-            <a:ext cx="312983" cy="312982"/>
+            <a:off x="6047994" y="5365022"/>
+            <a:ext cx="3024000" cy="2520000"/>
           </a:xfrm>
           <a:prstGeom prst="rect">
             <a:avLst/>
           </a:prstGeom>
-          <a:solidFill>
-            <a:schemeClr val="bg1"/>
-          </a:solidFill>
           <a:ln>
-            <a:solidFill>
-              <a:schemeClr val="tx1"/>
-            </a:solidFill>
+            <a:noFill/>
           </a:ln>
         </p:spPr>
-        <p:style>
-          <a:lnRef idx="2">
-            <a:schemeClr val="accent1">
-              <a:shade val="15000"/>
-            </a:schemeClr>
-          </a:lnRef>
-          <a:fillRef idx="1">
-            <a:schemeClr val="accent1"/>
-          </a:fillRef>
-          <a:effectRef idx="0">
-            <a:schemeClr val="accent1"/>
-          </a:effectRef>
-          <a:fontRef idx="minor">
-            <a:schemeClr val="lt1"/>
-          </a:fontRef>
-        </p:style>
-        <p:txBody>
-          <a:bodyPr rtlCol="0" anchor="ctr"/>
-          <a:lstStyle/>
-          <a:p>
-            <a:pPr algn="ctr"/>
-            <a:r>
-              <a:rPr lang="de-CH" sz="1600" dirty="0">
-                <a:solidFill>
-                  <a:schemeClr val="tx1"/>
-                </a:solidFill>
-                <a:latin typeface="Avenir Next LT Pro" panose="020B0504020202020204" pitchFamily="34" charset="0"/>
-              </a:rPr>
-              <a:t>3</a:t>
-            </a:r>
-            <a:endParaRPr lang="en-GB" sz="1600" dirty="0">
-              <a:solidFill>
-                <a:schemeClr val="tx1"/>
-              </a:solidFill>
-              <a:latin typeface="Avenir Next LT Pro" panose="020B0504020202020204" pitchFamily="34" charset="0"/>
-            </a:endParaRPr>
-          </a:p>
-        </p:txBody>
-      </p:sp>
-      <p:sp>
-        <p:nvSpPr>
-          <p:cNvPr id="11" name="Rechteck 10">
+      </p:pic>
+      <p:pic>
+        <p:nvPicPr>
+          <p:cNvPr id="35" name="Grafik 34" descr="Ein Bild, das Screenshot, Quadrat, Schwarz enthält.&#10;&#10;Automatisch generierte Beschreibung">
             <a:extLst>
               <a:ext uri="{FF2B5EF4-FFF2-40B4-BE49-F238E27FC236}">
-                <a16:creationId xmlns:a16="http://schemas.microsoft.com/office/drawing/2014/main" id="{01E61AAA-605D-DF6E-14EE-BD290083D835}"/>
+                <a16:creationId xmlns:a16="http://schemas.microsoft.com/office/drawing/2014/main" id="{20F7690D-2DEB-BF03-71CF-AACC0445906C}"/>
               </a:ext>
             </a:extLst>
           </p:cNvPr>
-          <p:cNvSpPr/>
+          <p:cNvPicPr>
+            <a:picLocks noChangeAspect="1"/>
+          </p:cNvPicPr>
           <p:nvPr/>
-        </p:nvSpPr>
+        </p:nvPicPr>
+        <p:blipFill>
+          <a:blip r:embed="rId12">
+            <a:extLst>
+              <a:ext uri="{28A0092B-C50C-407E-A947-70E740481C1C}">
+                <a14:useLocalDpi xmlns:a14="http://schemas.microsoft.com/office/drawing/2010/main" val="0"/>
+              </a:ext>
+            </a:extLst>
+          </a:blip>
+          <a:stretch>
+            <a:fillRect/>
+          </a:stretch>
+        </p:blipFill>
         <p:spPr>
           <a:xfrm>
-            <a:off x="3416215" y="515501"/>
-            <a:ext cx="312983" cy="312982"/>
+            <a:off x="0" y="7899282"/>
+            <a:ext cx="3024000" cy="2520000"/>
           </a:xfrm>
           <a:prstGeom prst="rect">
             <a:avLst/>
           </a:prstGeom>
-          <a:solidFill>
-            <a:schemeClr val="bg1"/>
-          </a:solidFill>
           <a:ln>
-            <a:solidFill>
-              <a:schemeClr val="tx1"/>
-            </a:solidFill>
+            <a:noFill/>
           </a:ln>
         </p:spPr>
-        <p:style>
-          <a:lnRef idx="2">
-            <a:schemeClr val="accent1">
-              <a:shade val="15000"/>
-            </a:schemeClr>
-          </a:lnRef>
-          <a:fillRef idx="1">
-            <a:schemeClr val="accent1"/>
-          </a:fillRef>
-          <a:effectRef idx="0">
-            <a:schemeClr val="accent1"/>
-          </a:effectRef>
-          <a:fontRef idx="minor">
-            <a:schemeClr val="lt1"/>
-          </a:fontRef>
-        </p:style>
-        <p:txBody>
-          <a:bodyPr rtlCol="0" anchor="ctr"/>
-          <a:lstStyle/>
-          <a:p>
-            <a:pPr algn="ctr"/>
-            <a:r>
-              <a:rPr lang="de-CH" sz="1600" dirty="0">
-                <a:solidFill>
-                  <a:schemeClr val="tx1"/>
-                </a:solidFill>
-                <a:latin typeface="Avenir Next LT Pro" panose="020B0504020202020204" pitchFamily="34" charset="0"/>
-              </a:rPr>
-              <a:t>2</a:t>
-            </a:r>
-            <a:endParaRPr lang="en-GB" sz="1600" dirty="0">
-              <a:solidFill>
-                <a:schemeClr val="tx1"/>
-              </a:solidFill>
-              <a:latin typeface="Avenir Next LT Pro" panose="020B0504020202020204" pitchFamily="34" charset="0"/>
-            </a:endParaRPr>
-          </a:p>
-        </p:txBody>
-      </p:sp>
-      <p:sp>
-        <p:nvSpPr>
-          <p:cNvPr id="12" name="Rechteck 11">
+      </p:pic>
+      <p:pic>
+        <p:nvPicPr>
+          <p:cNvPr id="38" name="Grafik 37" descr="Ein Bild, das Screenshot, Quadrat, Schwarz enthält.&#10;&#10;Automatisch generierte Beschreibung">
             <a:extLst>
               <a:ext uri="{FF2B5EF4-FFF2-40B4-BE49-F238E27FC236}">
-                <a16:creationId xmlns:a16="http://schemas.microsoft.com/office/drawing/2014/main" id="{CEF2F6AE-E495-E51E-E663-D43D53BCFEDA}"/>
+                <a16:creationId xmlns:a16="http://schemas.microsoft.com/office/drawing/2014/main" id="{6305D3EC-B95C-9D12-3401-A45BC517AF06}"/>
               </a:ext>
             </a:extLst>
           </p:cNvPr>
-          <p:cNvSpPr/>
+          <p:cNvPicPr>
+            <a:picLocks noChangeAspect="1"/>
+          </p:cNvPicPr>
           <p:nvPr/>
-        </p:nvSpPr>
+        </p:nvPicPr>
+        <p:blipFill>
+          <a:blip r:embed="rId13">
+            <a:extLst>
+              <a:ext uri="{28A0092B-C50C-407E-A947-70E740481C1C}">
+                <a14:useLocalDpi xmlns:a14="http://schemas.microsoft.com/office/drawing/2010/main" val="0"/>
+              </a:ext>
+            </a:extLst>
+          </a:blip>
+          <a:stretch>
+            <a:fillRect/>
+          </a:stretch>
+        </p:blipFill>
         <p:spPr>
           <a:xfrm>
-            <a:off x="9637956" y="515501"/>
-            <a:ext cx="312983" cy="312982"/>
+            <a:off x="3023976" y="7899282"/>
+            <a:ext cx="3024000" cy="2520000"/>
           </a:xfrm>
           <a:prstGeom prst="rect">
             <a:avLst/>
           </a:prstGeom>
-          <a:solidFill>
-            <a:schemeClr val="bg1"/>
-          </a:solidFill>
           <a:ln>
-            <a:solidFill>
-              <a:schemeClr val="tx1"/>
-            </a:solidFill>
+            <a:noFill/>
           </a:ln>
         </p:spPr>
-        <p:style>
-          <a:lnRef idx="2">
-            <a:schemeClr val="accent1">
-              <a:shade val="15000"/>
-            </a:schemeClr>
-          </a:lnRef>
-          <a:fillRef idx="1">
-            <a:schemeClr val="accent1"/>
-          </a:fillRef>
-          <a:effectRef idx="0">
-            <a:schemeClr val="accent1"/>
-          </a:effectRef>
-          <a:fontRef idx="minor">
-            <a:schemeClr val="lt1"/>
-          </a:fontRef>
-        </p:style>
-        <p:txBody>
-          <a:bodyPr rtlCol="0" anchor="ctr"/>
-          <a:lstStyle/>
-          <a:p>
-            <a:pPr algn="ctr"/>
-            <a:r>
-              <a:rPr lang="de-CH" sz="1600" dirty="0">
-                <a:solidFill>
-                  <a:schemeClr val="tx1"/>
-                </a:solidFill>
-                <a:latin typeface="Avenir Next LT Pro" panose="020B0504020202020204" pitchFamily="34" charset="0"/>
-              </a:rPr>
-              <a:t>4</a:t>
-            </a:r>
-            <a:endParaRPr lang="en-GB" sz="1600" dirty="0">
-              <a:solidFill>
-                <a:schemeClr val="tx1"/>
-              </a:solidFill>
-              <a:latin typeface="Avenir Next LT Pro" panose="020B0504020202020204" pitchFamily="34" charset="0"/>
-            </a:endParaRPr>
-          </a:p>
-        </p:txBody>
-      </p:sp>
-      <p:sp>
-        <p:nvSpPr>
-          <p:cNvPr id="21" name="Rechteck 20">
+      </p:pic>
+      <p:pic>
+        <p:nvPicPr>
+          <p:cNvPr id="44" name="Grafik 43" descr="Ein Bild, das Screenshot, Quadrat, Schwarz enthält.&#10;&#10;Automatisch generierte Beschreibung">
             <a:extLst>
               <a:ext uri="{FF2B5EF4-FFF2-40B4-BE49-F238E27FC236}">
-                <a16:creationId xmlns:a16="http://schemas.microsoft.com/office/drawing/2014/main" id="{9319E523-3B5B-A406-92DC-F0BF9A399239}"/>
+                <a16:creationId xmlns:a16="http://schemas.microsoft.com/office/drawing/2014/main" id="{F97CE4DA-7238-81F7-634E-685BD59604A3}"/>
               </a:ext>
             </a:extLst>
           </p:cNvPr>
-          <p:cNvSpPr/>
+          <p:cNvPicPr>
+            <a:picLocks noChangeAspect="1"/>
+          </p:cNvPicPr>
           <p:nvPr/>
-        </p:nvSpPr>
+        </p:nvPicPr>
+        <p:blipFill>
+          <a:blip r:embed="rId14">
+            <a:extLst>
+              <a:ext uri="{28A0092B-C50C-407E-A947-70E740481C1C}">
+                <a14:useLocalDpi xmlns:a14="http://schemas.microsoft.com/office/drawing/2010/main" val="0"/>
+              </a:ext>
+            </a:extLst>
+          </a:blip>
+          <a:stretch>
+            <a:fillRect/>
+          </a:stretch>
+        </p:blipFill>
         <p:spPr>
           <a:xfrm>
-            <a:off x="9637955" y="3033708"/>
-            <a:ext cx="312983" cy="312982"/>
+            <a:off x="6047976" y="7899282"/>
+            <a:ext cx="3024000" cy="2520000"/>
           </a:xfrm>
           <a:prstGeom prst="rect">
             <a:avLst/>
           </a:prstGeom>
-          <a:solidFill>
-            <a:schemeClr val="bg1"/>
-          </a:solidFill>
           <a:ln>
-            <a:solidFill>
-              <a:schemeClr val="tx1"/>
-            </a:solidFill>
+            <a:noFill/>
           </a:ln>
         </p:spPr>
-        <p:style>
-          <a:lnRef idx="2">
-            <a:schemeClr val="accent1">
-              <a:shade val="15000"/>
-            </a:schemeClr>
-          </a:lnRef>
-          <a:fillRef idx="1">
-            <a:schemeClr val="accent1"/>
-          </a:fillRef>
-          <a:effectRef idx="0">
-            <a:schemeClr val="accent1"/>
-          </a:effectRef>
-          <a:fontRef idx="minor">
-            <a:schemeClr val="lt1"/>
-          </a:fontRef>
-        </p:style>
-        <p:txBody>
-          <a:bodyPr rtlCol="0" anchor="ctr"/>
-          <a:lstStyle/>
-          <a:p>
-            <a:pPr algn="ctr"/>
-            <a:r>
-              <a:rPr lang="de-CH" sz="1600" dirty="0">
-                <a:solidFill>
-                  <a:schemeClr val="tx1"/>
-                </a:solidFill>
-                <a:latin typeface="Avenir Next LT Pro" panose="020B0504020202020204" pitchFamily="34" charset="0"/>
-              </a:rPr>
-              <a:t>8</a:t>
-            </a:r>
-            <a:endParaRPr lang="en-GB" sz="1600" dirty="0">
-              <a:solidFill>
-                <a:schemeClr val="tx1"/>
-              </a:solidFill>
-              <a:latin typeface="Avenir Next LT Pro" panose="020B0504020202020204" pitchFamily="34" charset="0"/>
-            </a:endParaRPr>
-          </a:p>
-        </p:txBody>
-      </p:sp>
-      <p:sp>
-        <p:nvSpPr>
-          <p:cNvPr id="22" name="Rechteck 21">
-            <a:extLst>
-              <a:ext uri="{FF2B5EF4-FFF2-40B4-BE49-F238E27FC236}">
-                <a16:creationId xmlns:a16="http://schemas.microsoft.com/office/drawing/2014/main" id="{F053CB93-4F70-56B1-4A13-CEC5944348A6}"/>
-              </a:ext>
-            </a:extLst>
-          </p:cNvPr>
-          <p:cNvSpPr/>
-          <p:nvPr/>
-        </p:nvSpPr>
-        <p:spPr>
-          <a:xfrm>
-            <a:off x="6571609" y="3033708"/>
-            <a:ext cx="312983" cy="312982"/>
-          </a:xfrm>
-          <a:prstGeom prst="rect">
-            <a:avLst/>
-          </a:prstGeom>
-          <a:solidFill>
-            <a:schemeClr val="bg1"/>
-          </a:solidFill>
-          <a:ln>
-            <a:solidFill>
-              <a:schemeClr val="tx1"/>
-            </a:solidFill>
-          </a:ln>
-        </p:spPr>
-        <p:style>
-          <a:lnRef idx="2">
-            <a:schemeClr val="accent1">
-              <a:shade val="15000"/>
-            </a:schemeClr>
-          </a:lnRef>
-          <a:fillRef idx="1">
-            <a:schemeClr val="accent1"/>
-          </a:fillRef>
-          <a:effectRef idx="0">
-            <a:schemeClr val="accent1"/>
-          </a:effectRef>
-          <a:fontRef idx="minor">
-            <a:schemeClr val="lt1"/>
-          </a:fontRef>
-        </p:style>
-        <p:txBody>
-          <a:bodyPr rtlCol="0" anchor="ctr"/>
-          <a:lstStyle/>
-          <a:p>
-            <a:pPr algn="ctr"/>
-            <a:r>
-              <a:rPr lang="de-CH" sz="1600" dirty="0">
-                <a:solidFill>
-                  <a:schemeClr val="tx1"/>
-                </a:solidFill>
-                <a:latin typeface="Avenir Next LT Pro" panose="020B0504020202020204" pitchFamily="34" charset="0"/>
-              </a:rPr>
-              <a:t>7</a:t>
-            </a:r>
-            <a:endParaRPr lang="en-GB" sz="1600" dirty="0">
-              <a:solidFill>
-                <a:schemeClr val="tx1"/>
-              </a:solidFill>
-              <a:latin typeface="Avenir Next LT Pro" panose="020B0504020202020204" pitchFamily="34" charset="0"/>
-            </a:endParaRPr>
-          </a:p>
-        </p:txBody>
-      </p:sp>
-      <p:sp>
-        <p:nvSpPr>
-          <p:cNvPr id="23" name="Rechteck 22">
-            <a:extLst>
-              <a:ext uri="{FF2B5EF4-FFF2-40B4-BE49-F238E27FC236}">
-                <a16:creationId xmlns:a16="http://schemas.microsoft.com/office/drawing/2014/main" id="{D631D18E-895D-3847-0531-4068323BF272}"/>
-              </a:ext>
-            </a:extLst>
-          </p:cNvPr>
-          <p:cNvSpPr/>
-          <p:nvPr/>
-        </p:nvSpPr>
-        <p:spPr>
-          <a:xfrm>
-            <a:off x="3416214" y="3035501"/>
-            <a:ext cx="312983" cy="312982"/>
-          </a:xfrm>
-          <a:prstGeom prst="rect">
-            <a:avLst/>
-          </a:prstGeom>
-          <a:solidFill>
-            <a:schemeClr val="bg1"/>
-          </a:solidFill>
-          <a:ln>
-            <a:solidFill>
-              <a:schemeClr val="tx1"/>
-            </a:solidFill>
-          </a:ln>
-        </p:spPr>
-        <p:style>
-          <a:lnRef idx="2">
-            <a:schemeClr val="accent1">
-              <a:shade val="15000"/>
-            </a:schemeClr>
-          </a:lnRef>
-          <a:fillRef idx="1">
-            <a:schemeClr val="accent1"/>
-          </a:fillRef>
-          <a:effectRef idx="0">
-            <a:schemeClr val="accent1"/>
-          </a:effectRef>
-          <a:fontRef idx="minor">
-            <a:schemeClr val="lt1"/>
-          </a:fontRef>
-        </p:style>
-        <p:txBody>
-          <a:bodyPr rtlCol="0" anchor="ctr"/>
-          <a:lstStyle/>
-          <a:p>
-            <a:pPr algn="ctr"/>
-            <a:r>
-              <a:rPr lang="de-CH" sz="1600" dirty="0">
-                <a:solidFill>
-                  <a:schemeClr val="tx1"/>
-                </a:solidFill>
-                <a:latin typeface="Avenir Next LT Pro" panose="020B0504020202020204" pitchFamily="34" charset="0"/>
-              </a:rPr>
-              <a:t>6</a:t>
-            </a:r>
-            <a:endParaRPr lang="en-GB" sz="1600" dirty="0">
-              <a:solidFill>
-                <a:schemeClr val="tx1"/>
-              </a:solidFill>
-              <a:latin typeface="Avenir Next LT Pro" panose="020B0504020202020204" pitchFamily="34" charset="0"/>
-            </a:endParaRPr>
-          </a:p>
-        </p:txBody>
-      </p:sp>
-      <p:sp>
-        <p:nvSpPr>
-          <p:cNvPr id="24" name="Rechteck 23">
-            <a:extLst>
-              <a:ext uri="{FF2B5EF4-FFF2-40B4-BE49-F238E27FC236}">
-                <a16:creationId xmlns:a16="http://schemas.microsoft.com/office/drawing/2014/main" id="{6D2A2AC4-BC98-A54A-1C4A-802F6C5B95C7}"/>
-              </a:ext>
-            </a:extLst>
-          </p:cNvPr>
-          <p:cNvSpPr/>
-          <p:nvPr/>
-        </p:nvSpPr>
-        <p:spPr>
-          <a:xfrm>
-            <a:off x="509362" y="3035501"/>
-            <a:ext cx="312983" cy="312982"/>
-          </a:xfrm>
-          <a:prstGeom prst="rect">
-            <a:avLst/>
-          </a:prstGeom>
-          <a:solidFill>
-            <a:schemeClr val="bg1"/>
-          </a:solidFill>
-          <a:ln>
-            <a:solidFill>
-              <a:schemeClr val="tx1"/>
-            </a:solidFill>
-          </a:ln>
-        </p:spPr>
-        <p:style>
-          <a:lnRef idx="2">
-            <a:schemeClr val="accent1">
-              <a:shade val="15000"/>
-            </a:schemeClr>
-          </a:lnRef>
-          <a:fillRef idx="1">
-            <a:schemeClr val="accent1"/>
-          </a:fillRef>
-          <a:effectRef idx="0">
-            <a:schemeClr val="accent1"/>
-          </a:effectRef>
-          <a:fontRef idx="minor">
-            <a:schemeClr val="lt1"/>
-          </a:fontRef>
-        </p:style>
-        <p:txBody>
-          <a:bodyPr rtlCol="0" anchor="ctr"/>
-          <a:lstStyle/>
-          <a:p>
-            <a:pPr algn="ctr"/>
-            <a:r>
-              <a:rPr lang="de-CH" sz="1600" dirty="0">
-                <a:solidFill>
-                  <a:schemeClr val="tx1"/>
-                </a:solidFill>
-                <a:latin typeface="Avenir Next LT Pro" panose="020B0504020202020204" pitchFamily="34" charset="0"/>
-              </a:rPr>
-              <a:t>5</a:t>
-            </a:r>
-            <a:endParaRPr lang="en-GB" sz="1600" dirty="0">
-              <a:solidFill>
-                <a:schemeClr val="tx1"/>
-              </a:solidFill>
-              <a:latin typeface="Avenir Next LT Pro" panose="020B0504020202020204" pitchFamily="34" charset="0"/>
-            </a:endParaRPr>
-          </a:p>
-        </p:txBody>
-      </p:sp>
+      </p:pic>
     </p:spTree>
     <p:extLst>
       <p:ext uri="{BB962C8B-B14F-4D97-AF65-F5344CB8AC3E}">
-        <p14:creationId xmlns:p14="http://schemas.microsoft.com/office/powerpoint/2010/main" val="2384681671"/>
+        <p14:creationId xmlns:p14="http://schemas.microsoft.com/office/powerpoint/2010/main" val="2981622591"/>
       </p:ext>
     </p:extLst>
   </p:cSld>
@@ -5245,438 +5709,394 @@
           <a:chExt cx="0" cy="0"/>
         </a:xfrm>
       </p:grpSpPr>
-      <p:pic>
-        <p:nvPicPr>
-          <p:cNvPr id="5" name="Grafik 4" descr="Ein Bild, das Screenshot, Schwarz enthält.&#10;&#10;Automatisch generierte Beschreibung">
+      <p:grpSp>
+        <p:nvGrpSpPr>
+          <p:cNvPr id="32" name="Gruppieren 31">
             <a:extLst>
               <a:ext uri="{FF2B5EF4-FFF2-40B4-BE49-F238E27FC236}">
-                <a16:creationId xmlns:a16="http://schemas.microsoft.com/office/drawing/2014/main" id="{2746BA39-636D-EF36-6540-9EDBD91FBCAA}"/>
+                <a16:creationId xmlns:a16="http://schemas.microsoft.com/office/drawing/2014/main" id="{2AD580C8-5783-A513-2320-C44BD930D72C}"/>
               </a:ext>
             </a:extLst>
           </p:cNvPr>
-          <p:cNvPicPr>
-            <a:picLocks noChangeAspect="1"/>
-          </p:cNvPicPr>
+          <p:cNvGrpSpPr/>
           <p:nvPr/>
-        </p:nvPicPr>
-        <p:blipFill>
-          <a:blip r:embed="rId2">
-            <a:extLst>
-              <a:ext uri="{28A0092B-C50C-407E-A947-70E740481C1C}">
-                <a14:useLocalDpi xmlns:a14="http://schemas.microsoft.com/office/drawing/2010/main" val="0"/>
-              </a:ext>
-            </a:extLst>
-          </a:blip>
-          <a:stretch>
-            <a:fillRect/>
-          </a:stretch>
-        </p:blipFill>
-        <p:spPr>
+        </p:nvGrpSpPr>
+        <p:grpSpPr>
           <a:xfrm>
-            <a:off x="9111777" y="359618"/>
-            <a:ext cx="3024000" cy="2520000"/>
+            <a:off x="-331365" y="-325023"/>
+            <a:ext cx="8977706" cy="7525022"/>
+            <a:chOff x="-331365" y="-325023"/>
+            <a:chExt cx="8977706" cy="7525022"/>
           </a:xfrm>
-          <a:prstGeom prst="rect">
-            <a:avLst/>
-          </a:prstGeom>
-          <a:ln>
+        </p:grpSpPr>
+        <p:pic>
+          <p:nvPicPr>
+            <p:cNvPr id="4" name="Grafik 3" descr="Ein Bild, das Screenshot, Quadrat, Schwarz enthält.&#10;&#10;Automatisch generierte Beschreibung">
+              <a:extLst>
+                <a:ext uri="{FF2B5EF4-FFF2-40B4-BE49-F238E27FC236}">
+                  <a16:creationId xmlns:a16="http://schemas.microsoft.com/office/drawing/2014/main" id="{37AA74FC-FE36-8ED7-84F2-761ABED56BF8}"/>
+                </a:ext>
+              </a:extLst>
+            </p:cNvPr>
+            <p:cNvPicPr>
+              <a:picLocks noChangeAspect="1"/>
+            </p:cNvPicPr>
+            <p:nvPr/>
+          </p:nvPicPr>
+          <p:blipFill>
+            <a:blip r:embed="rId3">
+              <a:extLst>
+                <a:ext uri="{28A0092B-C50C-407E-A947-70E740481C1C}">
+                  <a14:useLocalDpi xmlns:a14="http://schemas.microsoft.com/office/drawing/2010/main" val="0"/>
+                </a:ext>
+              </a:extLst>
+            </a:blip>
+            <a:stretch>
+              <a:fillRect/>
+            </a:stretch>
+          </p:blipFill>
+          <p:spPr>
+            <a:xfrm>
+              <a:off x="4326341" y="3599999"/>
+              <a:ext cx="4320000" cy="3600000"/>
+            </a:xfrm>
+            <a:prstGeom prst="rect">
+              <a:avLst/>
+            </a:prstGeom>
+            <a:ln>
+              <a:noFill/>
+            </a:ln>
+          </p:spPr>
+        </p:pic>
+        <p:pic>
+          <p:nvPicPr>
+            <p:cNvPr id="7" name="Grafik 6" descr="Ein Bild, das Screenshot, Schwarz enthält.&#10;&#10;Automatisch generierte Beschreibung">
+              <a:extLst>
+                <a:ext uri="{FF2B5EF4-FFF2-40B4-BE49-F238E27FC236}">
+                  <a16:creationId xmlns:a16="http://schemas.microsoft.com/office/drawing/2014/main" id="{F6B638A8-776E-1820-F608-7F5DEF214BDB}"/>
+                </a:ext>
+              </a:extLst>
+            </p:cNvPr>
+            <p:cNvPicPr>
+              <a:picLocks noChangeAspect="1"/>
+            </p:cNvPicPr>
+            <p:nvPr/>
+          </p:nvPicPr>
+          <p:blipFill>
+            <a:blip r:embed="rId4">
+              <a:extLst>
+                <a:ext uri="{28A0092B-C50C-407E-A947-70E740481C1C}">
+                  <a14:useLocalDpi xmlns:a14="http://schemas.microsoft.com/office/drawing/2010/main" val="0"/>
+                </a:ext>
+              </a:extLst>
+            </a:blip>
+            <a:stretch>
+              <a:fillRect/>
+            </a:stretch>
+          </p:blipFill>
+          <p:spPr>
+            <a:xfrm>
+              <a:off x="0" y="3599998"/>
+              <a:ext cx="4320000" cy="3600000"/>
+            </a:xfrm>
+            <a:prstGeom prst="rect">
+              <a:avLst/>
+            </a:prstGeom>
+            <a:ln>
+              <a:noFill/>
+            </a:ln>
+          </p:spPr>
+        </p:pic>
+        <p:pic>
+          <p:nvPicPr>
+            <p:cNvPr id="10" name="Grafik 9" descr="Ein Bild, das Screenshot, Schwarz enthält.&#10;&#10;Automatisch generierte Beschreibung">
+              <a:extLst>
+                <a:ext uri="{FF2B5EF4-FFF2-40B4-BE49-F238E27FC236}">
+                  <a16:creationId xmlns:a16="http://schemas.microsoft.com/office/drawing/2014/main" id="{6FB8B580-C463-1FB2-2A63-AEF828E721CC}"/>
+                </a:ext>
+              </a:extLst>
+            </p:cNvPr>
+            <p:cNvPicPr>
+              <a:picLocks noChangeAspect="1"/>
+            </p:cNvPicPr>
+            <p:nvPr/>
+          </p:nvPicPr>
+          <p:blipFill>
+            <a:blip r:embed="rId5">
+              <a:extLst>
+                <a:ext uri="{28A0092B-C50C-407E-A947-70E740481C1C}">
+                  <a14:useLocalDpi xmlns:a14="http://schemas.microsoft.com/office/drawing/2010/main" val="0"/>
+                </a:ext>
+              </a:extLst>
+            </a:blip>
+            <a:stretch>
+              <a:fillRect/>
+            </a:stretch>
+          </p:blipFill>
+          <p:spPr>
+            <a:xfrm>
+              <a:off x="4326341" y="0"/>
+              <a:ext cx="4320000" cy="3600000"/>
+            </a:xfrm>
+            <a:prstGeom prst="rect">
+              <a:avLst/>
+            </a:prstGeom>
+            <a:ln>
+              <a:noFill/>
+            </a:ln>
+          </p:spPr>
+        </p:pic>
+        <p:pic>
+          <p:nvPicPr>
+            <p:cNvPr id="14" name="Grafik 13" descr="Ein Bild, das Screenshot, Quadrat, Schwarz enthält.&#10;&#10;Automatisch generierte Beschreibung">
+              <a:extLst>
+                <a:ext uri="{FF2B5EF4-FFF2-40B4-BE49-F238E27FC236}">
+                  <a16:creationId xmlns:a16="http://schemas.microsoft.com/office/drawing/2014/main" id="{3ACF791A-9367-6DB0-490F-669B9636BF06}"/>
+                </a:ext>
+              </a:extLst>
+            </p:cNvPr>
+            <p:cNvPicPr>
+              <a:picLocks noChangeAspect="1"/>
+            </p:cNvPicPr>
+            <p:nvPr/>
+          </p:nvPicPr>
+          <p:blipFill>
+            <a:blip r:embed="rId6">
+              <a:extLst>
+                <a:ext uri="{28A0092B-C50C-407E-A947-70E740481C1C}">
+                  <a14:useLocalDpi xmlns:a14="http://schemas.microsoft.com/office/drawing/2010/main" val="0"/>
+                </a:ext>
+              </a:extLst>
+            </a:blip>
+            <a:stretch>
+              <a:fillRect/>
+            </a:stretch>
+          </p:blipFill>
+          <p:spPr>
+            <a:xfrm>
+              <a:off x="0" y="0"/>
+              <a:ext cx="4320000" cy="3600000"/>
+            </a:xfrm>
+            <a:prstGeom prst="rect">
+              <a:avLst/>
+            </a:prstGeom>
+            <a:ln>
+              <a:noFill/>
+            </a:ln>
+          </p:spPr>
+        </p:pic>
+        <p:sp>
+          <p:nvSpPr>
+            <p:cNvPr id="15" name="Rechteck 14">
+              <a:extLst>
+                <a:ext uri="{FF2B5EF4-FFF2-40B4-BE49-F238E27FC236}">
+                  <a16:creationId xmlns:a16="http://schemas.microsoft.com/office/drawing/2014/main" id="{2CC9DCC4-B3F4-28DD-39B7-F611C54F3E10}"/>
+                </a:ext>
+              </a:extLst>
+            </p:cNvPr>
+            <p:cNvSpPr/>
+            <p:nvPr/>
+          </p:nvSpPr>
+          <p:spPr>
+            <a:xfrm rot="16200000">
+              <a:off x="-1968853" y="5237487"/>
+              <a:ext cx="3600001" cy="325023"/>
+            </a:xfrm>
+            <a:prstGeom prst="rect">
+              <a:avLst/>
+            </a:prstGeom>
             <a:noFill/>
-          </a:ln>
-        </p:spPr>
-      </p:pic>
-      <p:pic>
-        <p:nvPicPr>
-          <p:cNvPr id="3" name="Grafik 2" descr="Ein Bild, das Screenshot, Quadrat, Schwarz enthält.&#10;&#10;Automatisch generierte Beschreibung">
-            <a:extLst>
-              <a:ext uri="{FF2B5EF4-FFF2-40B4-BE49-F238E27FC236}">
-                <a16:creationId xmlns:a16="http://schemas.microsoft.com/office/drawing/2014/main" id="{E7576EAC-1FF5-20EB-45D1-CF717B0D00FB}"/>
-              </a:ext>
-            </a:extLst>
-          </p:cNvPr>
-          <p:cNvPicPr>
-            <a:picLocks noChangeAspect="1"/>
-          </p:cNvPicPr>
-          <p:nvPr/>
-        </p:nvPicPr>
-        <p:blipFill>
-          <a:blip r:embed="rId3">
-            <a:extLst>
-              <a:ext uri="{28A0092B-C50C-407E-A947-70E740481C1C}">
-                <a14:useLocalDpi xmlns:a14="http://schemas.microsoft.com/office/drawing/2010/main" val="0"/>
-              </a:ext>
-            </a:extLst>
-          </a:blip>
-          <a:stretch>
-            <a:fillRect/>
-          </a:stretch>
-        </p:blipFill>
-        <p:spPr>
-          <a:xfrm>
-            <a:off x="6074518" y="359618"/>
-            <a:ext cx="3024000" cy="2520000"/>
-          </a:xfrm>
-          <a:prstGeom prst="rect">
-            <a:avLst/>
-          </a:prstGeom>
-          <a:ln>
-            <a:noFill/>
-          </a:ln>
-        </p:spPr>
-      </p:pic>
-      <p:pic>
-        <p:nvPicPr>
-          <p:cNvPr id="15" name="Grafik 14" descr="Ein Bild, das Screenshot, Quadrat, Schwarz enthält.&#10;&#10;Automatisch generierte Beschreibung">
-            <a:extLst>
-              <a:ext uri="{FF2B5EF4-FFF2-40B4-BE49-F238E27FC236}">
-                <a16:creationId xmlns:a16="http://schemas.microsoft.com/office/drawing/2014/main" id="{656B443C-63E3-82AF-EC3D-F33978B5B61B}"/>
-              </a:ext>
-            </a:extLst>
-          </p:cNvPr>
-          <p:cNvPicPr>
-            <a:picLocks noChangeAspect="1"/>
-          </p:cNvPicPr>
-          <p:nvPr/>
-        </p:nvPicPr>
-        <p:blipFill>
-          <a:blip r:embed="rId4">
-            <a:extLst>
-              <a:ext uri="{28A0092B-C50C-407E-A947-70E740481C1C}">
-                <a14:useLocalDpi xmlns:a14="http://schemas.microsoft.com/office/drawing/2010/main" val="0"/>
-              </a:ext>
-            </a:extLst>
-          </a:blip>
-          <a:stretch>
-            <a:fillRect/>
-          </a:stretch>
-        </p:blipFill>
-        <p:spPr>
-          <a:xfrm>
-            <a:off x="0" y="359618"/>
-            <a:ext cx="3024000" cy="2520000"/>
-          </a:xfrm>
-          <a:prstGeom prst="rect">
-            <a:avLst/>
-          </a:prstGeom>
-          <a:ln>
-            <a:noFill/>
-          </a:ln>
-        </p:spPr>
-      </p:pic>
-      <p:pic>
-        <p:nvPicPr>
-          <p:cNvPr id="8" name="Grafik 7" descr="Ein Bild, das Screenshot, Schwarz enthält.&#10;&#10;Automatisch generierte Beschreibung">
-            <a:extLst>
-              <a:ext uri="{FF2B5EF4-FFF2-40B4-BE49-F238E27FC236}">
-                <a16:creationId xmlns:a16="http://schemas.microsoft.com/office/drawing/2014/main" id="{A724BF69-53A1-F91B-C31C-EFA44E2827D6}"/>
-              </a:ext>
-            </a:extLst>
-          </p:cNvPr>
-          <p:cNvPicPr>
-            <a:picLocks noChangeAspect="1"/>
-          </p:cNvPicPr>
-          <p:nvPr/>
-        </p:nvPicPr>
-        <p:blipFill>
-          <a:blip r:embed="rId5">
-            <a:extLst>
-              <a:ext uri="{28A0092B-C50C-407E-A947-70E740481C1C}">
-                <a14:useLocalDpi xmlns:a14="http://schemas.microsoft.com/office/drawing/2010/main" val="0"/>
-              </a:ext>
-            </a:extLst>
-          </a:blip>
-          <a:stretch>
-            <a:fillRect/>
-          </a:stretch>
-        </p:blipFill>
-        <p:spPr>
-          <a:xfrm>
-            <a:off x="3037259" y="359618"/>
-            <a:ext cx="3024000" cy="2520000"/>
-          </a:xfrm>
-          <a:prstGeom prst="rect">
-            <a:avLst/>
-          </a:prstGeom>
-          <a:ln>
-            <a:noFill/>
-          </a:ln>
-        </p:spPr>
-      </p:pic>
-      <p:sp>
-        <p:nvSpPr>
-          <p:cNvPr id="9" name="Rechteck 8">
-            <a:extLst>
-              <a:ext uri="{FF2B5EF4-FFF2-40B4-BE49-F238E27FC236}">
-                <a16:creationId xmlns:a16="http://schemas.microsoft.com/office/drawing/2014/main" id="{F485914B-5698-BD5F-EA59-305FEC89457D}"/>
-              </a:ext>
-            </a:extLst>
-          </p:cNvPr>
-          <p:cNvSpPr/>
-          <p:nvPr/>
-        </p:nvSpPr>
-        <p:spPr>
-          <a:xfrm>
-            <a:off x="509363" y="515501"/>
-            <a:ext cx="312983" cy="312982"/>
-          </a:xfrm>
-          <a:prstGeom prst="rect">
-            <a:avLst/>
-          </a:prstGeom>
-          <a:solidFill>
-            <a:schemeClr val="bg1"/>
-          </a:solidFill>
-          <a:ln>
-            <a:solidFill>
-              <a:schemeClr val="tx1"/>
-            </a:solidFill>
-          </a:ln>
-        </p:spPr>
-        <p:style>
-          <a:lnRef idx="2">
-            <a:schemeClr val="accent1">
-              <a:shade val="15000"/>
-            </a:schemeClr>
-          </a:lnRef>
-          <a:fillRef idx="1">
-            <a:schemeClr val="accent1"/>
-          </a:fillRef>
-          <a:effectRef idx="0">
-            <a:schemeClr val="accent1"/>
-          </a:effectRef>
-          <a:fontRef idx="minor">
-            <a:schemeClr val="lt1"/>
-          </a:fontRef>
-        </p:style>
-        <p:txBody>
-          <a:bodyPr rtlCol="0" anchor="ctr"/>
-          <a:lstStyle/>
-          <a:p>
-            <a:pPr algn="ctr"/>
-            <a:r>
-              <a:rPr lang="de-CH" sz="1600" dirty="0">
+            <a:ln>
+              <a:solidFill>
+                <a:schemeClr val="tx1"/>
+              </a:solidFill>
+            </a:ln>
+          </p:spPr>
+          <p:style>
+            <a:lnRef idx="2">
+              <a:schemeClr val="accent1">
+                <a:shade val="15000"/>
+              </a:schemeClr>
+            </a:lnRef>
+            <a:fillRef idx="1">
+              <a:schemeClr val="accent1"/>
+            </a:fillRef>
+            <a:effectRef idx="0">
+              <a:schemeClr val="accent1"/>
+            </a:effectRef>
+            <a:fontRef idx="minor">
+              <a:schemeClr val="lt1"/>
+            </a:fontRef>
+          </p:style>
+          <p:txBody>
+            <a:bodyPr rtlCol="0" anchor="ctr"/>
+            <a:lstStyle/>
+            <a:p>
+              <a:pPr algn="ctr"/>
+              <a:r>
+                <a:rPr lang="de-CH" sz="1600" dirty="0">
+                  <a:solidFill>
+                    <a:schemeClr val="tx1"/>
+                  </a:solidFill>
+                  <a:latin typeface="Avenir Next LT Pro" panose="020B0504020202020204" pitchFamily="34" charset="0"/>
+                </a:rPr>
+                <a:t>Absolute &amp; Relative </a:t>
+              </a:r>
+              <a:r>
+                <a:rPr lang="de-CH" sz="1600" dirty="0" err="1">
+                  <a:solidFill>
+                    <a:schemeClr val="tx1"/>
+                  </a:solidFill>
+                  <a:latin typeface="Avenir Next LT Pro" panose="020B0504020202020204" pitchFamily="34" charset="0"/>
+                </a:rPr>
+                <a:t>Abundance</a:t>
+              </a:r>
+              <a:endParaRPr lang="en-GB" sz="1600" dirty="0">
                 <a:solidFill>
                   <a:schemeClr val="tx1"/>
                 </a:solidFill>
                 <a:latin typeface="Avenir Next LT Pro" panose="020B0504020202020204" pitchFamily="34" charset="0"/>
-              </a:rPr>
-              <a:t>1</a:t>
-            </a:r>
-            <a:endParaRPr lang="en-GB" sz="1600" dirty="0">
+              </a:endParaRPr>
+            </a:p>
+          </p:txBody>
+        </p:sp>
+        <p:sp>
+          <p:nvSpPr>
+            <p:cNvPr id="20" name="Rechteck 19">
+              <a:extLst>
+                <a:ext uri="{FF2B5EF4-FFF2-40B4-BE49-F238E27FC236}">
+                  <a16:creationId xmlns:a16="http://schemas.microsoft.com/office/drawing/2014/main" id="{EF679121-533E-420D-965A-298292F1C651}"/>
+                </a:ext>
+              </a:extLst>
+            </p:cNvPr>
+            <p:cNvSpPr/>
+            <p:nvPr/>
+          </p:nvSpPr>
+          <p:spPr>
+            <a:xfrm rot="16200000">
+              <a:off x="-1968854" y="1637485"/>
+              <a:ext cx="3600001" cy="325023"/>
+            </a:xfrm>
+            <a:prstGeom prst="rect">
+              <a:avLst/>
+            </a:prstGeom>
+            <a:noFill/>
+            <a:ln>
               <a:solidFill>
                 <a:schemeClr val="tx1"/>
               </a:solidFill>
-              <a:latin typeface="Avenir Next LT Pro" panose="020B0504020202020204" pitchFamily="34" charset="0"/>
-            </a:endParaRPr>
-          </a:p>
-        </p:txBody>
-      </p:sp>
-      <p:sp>
-        <p:nvSpPr>
-          <p:cNvPr id="10" name="Rechteck 9">
-            <a:extLst>
-              <a:ext uri="{FF2B5EF4-FFF2-40B4-BE49-F238E27FC236}">
-                <a16:creationId xmlns:a16="http://schemas.microsoft.com/office/drawing/2014/main" id="{4ECA4311-3EE3-6254-67DE-543532601292}"/>
-              </a:ext>
-            </a:extLst>
-          </p:cNvPr>
-          <p:cNvSpPr/>
-          <p:nvPr/>
-        </p:nvSpPr>
-        <p:spPr>
-          <a:xfrm>
-            <a:off x="6571610" y="515501"/>
-            <a:ext cx="312983" cy="312982"/>
-          </a:xfrm>
-          <a:prstGeom prst="rect">
-            <a:avLst/>
-          </a:prstGeom>
-          <a:solidFill>
-            <a:schemeClr val="bg1"/>
-          </a:solidFill>
-          <a:ln>
-            <a:solidFill>
-              <a:schemeClr val="tx1"/>
-            </a:solidFill>
-          </a:ln>
-        </p:spPr>
-        <p:style>
-          <a:lnRef idx="2">
-            <a:schemeClr val="accent1">
-              <a:shade val="15000"/>
-            </a:schemeClr>
-          </a:lnRef>
-          <a:fillRef idx="1">
-            <a:schemeClr val="accent1"/>
-          </a:fillRef>
-          <a:effectRef idx="0">
-            <a:schemeClr val="accent1"/>
-          </a:effectRef>
-          <a:fontRef idx="minor">
-            <a:schemeClr val="lt1"/>
-          </a:fontRef>
-        </p:style>
-        <p:txBody>
-          <a:bodyPr rtlCol="0" anchor="ctr"/>
-          <a:lstStyle/>
-          <a:p>
-            <a:pPr algn="ctr"/>
-            <a:r>
-              <a:rPr lang="de-CH" sz="1600" dirty="0">
+            </a:ln>
+          </p:spPr>
+          <p:style>
+            <a:lnRef idx="2">
+              <a:schemeClr val="accent1">
+                <a:shade val="15000"/>
+              </a:schemeClr>
+            </a:lnRef>
+            <a:fillRef idx="1">
+              <a:schemeClr val="accent1"/>
+            </a:fillRef>
+            <a:effectRef idx="0">
+              <a:schemeClr val="accent1"/>
+            </a:effectRef>
+            <a:fontRef idx="minor">
+              <a:schemeClr val="lt1"/>
+            </a:fontRef>
+          </p:style>
+          <p:txBody>
+            <a:bodyPr rtlCol="0" anchor="ctr"/>
+            <a:lstStyle/>
+            <a:p>
+              <a:pPr algn="ctr"/>
+              <a:r>
+                <a:rPr lang="de-CH" sz="1600" dirty="0">
+                  <a:solidFill>
+                    <a:schemeClr val="tx1"/>
+                  </a:solidFill>
+                  <a:latin typeface="Avenir Next LT Pro" panose="020B0504020202020204" pitchFamily="34" charset="0"/>
+                </a:rPr>
+                <a:t>K-Index &amp; Shannon Index</a:t>
+              </a:r>
+              <a:endParaRPr lang="en-GB" sz="1600" dirty="0">
                 <a:solidFill>
                   <a:schemeClr val="tx1"/>
                 </a:solidFill>
                 <a:latin typeface="Avenir Next LT Pro" panose="020B0504020202020204" pitchFamily="34" charset="0"/>
-              </a:rPr>
-              <a:t>3</a:t>
-            </a:r>
-            <a:endParaRPr lang="en-GB" sz="1600" dirty="0">
+              </a:endParaRPr>
+            </a:p>
+          </p:txBody>
+        </p:sp>
+        <p:sp>
+          <p:nvSpPr>
+            <p:cNvPr id="30" name="Rechteck 29">
+              <a:extLst>
+                <a:ext uri="{FF2B5EF4-FFF2-40B4-BE49-F238E27FC236}">
+                  <a16:creationId xmlns:a16="http://schemas.microsoft.com/office/drawing/2014/main" id="{E7F5FB81-6710-A58D-898C-17235EE4C10D}"/>
+                </a:ext>
+              </a:extLst>
+            </p:cNvPr>
+            <p:cNvSpPr/>
+            <p:nvPr/>
+          </p:nvSpPr>
+          <p:spPr>
+            <a:xfrm>
+              <a:off x="-1" y="-325023"/>
+              <a:ext cx="8646341" cy="325023"/>
+            </a:xfrm>
+            <a:prstGeom prst="rect">
+              <a:avLst/>
+            </a:prstGeom>
+            <a:noFill/>
+            <a:ln>
               <a:solidFill>
                 <a:schemeClr val="tx1"/>
               </a:solidFill>
-              <a:latin typeface="Avenir Next LT Pro" panose="020B0504020202020204" pitchFamily="34" charset="0"/>
-            </a:endParaRPr>
-          </a:p>
-        </p:txBody>
-      </p:sp>
-      <p:sp>
-        <p:nvSpPr>
-          <p:cNvPr id="11" name="Rechteck 10">
-            <a:extLst>
-              <a:ext uri="{FF2B5EF4-FFF2-40B4-BE49-F238E27FC236}">
-                <a16:creationId xmlns:a16="http://schemas.microsoft.com/office/drawing/2014/main" id="{01E61AAA-605D-DF6E-14EE-BD290083D835}"/>
-              </a:ext>
-            </a:extLst>
-          </p:cNvPr>
-          <p:cNvSpPr/>
-          <p:nvPr/>
-        </p:nvSpPr>
-        <p:spPr>
-          <a:xfrm>
-            <a:off x="3416215" y="515501"/>
-            <a:ext cx="312983" cy="312982"/>
-          </a:xfrm>
-          <a:prstGeom prst="rect">
-            <a:avLst/>
-          </a:prstGeom>
-          <a:solidFill>
-            <a:schemeClr val="bg1"/>
-          </a:solidFill>
-          <a:ln>
-            <a:solidFill>
-              <a:schemeClr val="tx1"/>
-            </a:solidFill>
-          </a:ln>
-        </p:spPr>
-        <p:style>
-          <a:lnRef idx="2">
-            <a:schemeClr val="accent1">
-              <a:shade val="15000"/>
-            </a:schemeClr>
-          </a:lnRef>
-          <a:fillRef idx="1">
-            <a:schemeClr val="accent1"/>
-          </a:fillRef>
-          <a:effectRef idx="0">
-            <a:schemeClr val="accent1"/>
-          </a:effectRef>
-          <a:fontRef idx="minor">
-            <a:schemeClr val="lt1"/>
-          </a:fontRef>
-        </p:style>
-        <p:txBody>
-          <a:bodyPr rtlCol="0" anchor="ctr"/>
-          <a:lstStyle/>
-          <a:p>
-            <a:pPr algn="ctr"/>
-            <a:r>
-              <a:rPr lang="de-CH" sz="1600" dirty="0">
+            </a:ln>
+          </p:spPr>
+          <p:style>
+            <a:lnRef idx="2">
+              <a:schemeClr val="accent1">
+                <a:shade val="15000"/>
+              </a:schemeClr>
+            </a:lnRef>
+            <a:fillRef idx="1">
+              <a:schemeClr val="accent1"/>
+            </a:fillRef>
+            <a:effectRef idx="0">
+              <a:schemeClr val="accent1"/>
+            </a:effectRef>
+            <a:fontRef idx="minor">
+              <a:schemeClr val="lt1"/>
+            </a:fontRef>
+          </p:style>
+          <p:txBody>
+            <a:bodyPr rtlCol="0" anchor="ctr"/>
+            <a:lstStyle/>
+            <a:p>
+              <a:pPr algn="ctr"/>
+              <a:r>
+                <a:rPr lang="de-CH" sz="1600" dirty="0">
+                  <a:solidFill>
+                    <a:schemeClr val="tx1"/>
+                  </a:solidFill>
+                  <a:latin typeface="Avenir Next LT Pro" panose="020B0504020202020204" pitchFamily="34" charset="0"/>
+                </a:rPr>
+                <a:t>Habitat Suitability Index</a:t>
+              </a:r>
+              <a:endParaRPr lang="en-GB" sz="1600" dirty="0">
                 <a:solidFill>
                   <a:schemeClr val="tx1"/>
                 </a:solidFill>
                 <a:latin typeface="Avenir Next LT Pro" panose="020B0504020202020204" pitchFamily="34" charset="0"/>
-              </a:rPr>
-              <a:t>2</a:t>
-            </a:r>
-            <a:endParaRPr lang="en-GB" sz="1600" dirty="0">
-              <a:solidFill>
-                <a:schemeClr val="tx1"/>
-              </a:solidFill>
-              <a:latin typeface="Avenir Next LT Pro" panose="020B0504020202020204" pitchFamily="34" charset="0"/>
-            </a:endParaRPr>
-          </a:p>
-        </p:txBody>
-      </p:sp>
-      <p:sp>
-        <p:nvSpPr>
-          <p:cNvPr id="12" name="Rechteck 11">
-            <a:extLst>
-              <a:ext uri="{FF2B5EF4-FFF2-40B4-BE49-F238E27FC236}">
-                <a16:creationId xmlns:a16="http://schemas.microsoft.com/office/drawing/2014/main" id="{CEF2F6AE-E495-E51E-E663-D43D53BCFEDA}"/>
-              </a:ext>
-            </a:extLst>
-          </p:cNvPr>
-          <p:cNvSpPr/>
-          <p:nvPr/>
-        </p:nvSpPr>
-        <p:spPr>
-          <a:xfrm>
-            <a:off x="9637956" y="515501"/>
-            <a:ext cx="312983" cy="312982"/>
-          </a:xfrm>
-          <a:prstGeom prst="rect">
-            <a:avLst/>
-          </a:prstGeom>
-          <a:solidFill>
-            <a:schemeClr val="bg1"/>
-          </a:solidFill>
-          <a:ln>
-            <a:solidFill>
-              <a:schemeClr val="tx1"/>
-            </a:solidFill>
-          </a:ln>
-        </p:spPr>
-        <p:style>
-          <a:lnRef idx="2">
-            <a:schemeClr val="accent1">
-              <a:shade val="15000"/>
-            </a:schemeClr>
-          </a:lnRef>
-          <a:fillRef idx="1">
-            <a:schemeClr val="accent1"/>
-          </a:fillRef>
-          <a:effectRef idx="0">
-            <a:schemeClr val="accent1"/>
-          </a:effectRef>
-          <a:fontRef idx="minor">
-            <a:schemeClr val="lt1"/>
-          </a:fontRef>
-        </p:style>
-        <p:txBody>
-          <a:bodyPr rtlCol="0" anchor="ctr"/>
-          <a:lstStyle/>
-          <a:p>
-            <a:pPr algn="ctr"/>
-            <a:r>
-              <a:rPr lang="de-CH" sz="1600" dirty="0">
-                <a:solidFill>
-                  <a:schemeClr val="tx1"/>
-                </a:solidFill>
-                <a:latin typeface="Avenir Next LT Pro" panose="020B0504020202020204" pitchFamily="34" charset="0"/>
-              </a:rPr>
-              <a:t>4</a:t>
-            </a:r>
-            <a:endParaRPr lang="en-GB" sz="1600" dirty="0">
-              <a:solidFill>
-                <a:schemeClr val="tx1"/>
-              </a:solidFill>
-              <a:latin typeface="Avenir Next LT Pro" panose="020B0504020202020204" pitchFamily="34" charset="0"/>
-            </a:endParaRPr>
-          </a:p>
-        </p:txBody>
-      </p:sp>
+              </a:endParaRPr>
+            </a:p>
+          </p:txBody>
+        </p:sp>
+      </p:grpSp>
     </p:spTree>
     <p:extLst>
       <p:ext uri="{BB962C8B-B14F-4D97-AF65-F5344CB8AC3E}">
-        <p14:creationId xmlns:p14="http://schemas.microsoft.com/office/powerpoint/2010/main" val="971970461"/>
+        <p14:creationId xmlns:p14="http://schemas.microsoft.com/office/powerpoint/2010/main" val="2237152891"/>
       </p:ext>
     </p:extLst>
   </p:cSld>
@@ -5687,6 +6107,267 @@
 </file>
 
 <file path=ppt/theme/theme1.xml><?xml version="1.0" encoding="utf-8"?>
+<a:theme xmlns:a="http://schemas.openxmlformats.org/drawingml/2006/main" name="Office">
+  <a:themeElements>
+    <a:clrScheme name="Office">
+      <a:dk1>
+        <a:sysClr val="windowText" lastClr="000000"/>
+      </a:dk1>
+      <a:lt1>
+        <a:sysClr val="window" lastClr="FFFFFF"/>
+      </a:lt1>
+      <a:dk2>
+        <a:srgbClr val="44546A"/>
+      </a:dk2>
+      <a:lt2>
+        <a:srgbClr val="E7E6E6"/>
+      </a:lt2>
+      <a:accent1>
+        <a:srgbClr val="4472C4"/>
+      </a:accent1>
+      <a:accent2>
+        <a:srgbClr val="ED7D31"/>
+      </a:accent2>
+      <a:accent3>
+        <a:srgbClr val="A5A5A5"/>
+      </a:accent3>
+      <a:accent4>
+        <a:srgbClr val="FFC000"/>
+      </a:accent4>
+      <a:accent5>
+        <a:srgbClr val="5B9BD5"/>
+      </a:accent5>
+      <a:accent6>
+        <a:srgbClr val="70AD47"/>
+      </a:accent6>
+      <a:hlink>
+        <a:srgbClr val="0563C1"/>
+      </a:hlink>
+      <a:folHlink>
+        <a:srgbClr val="954F72"/>
+      </a:folHlink>
+    </a:clrScheme>
+    <a:fontScheme name="Office">
+      <a:majorFont>
+        <a:latin typeface="Calibri Light" panose="020F0302020204030204"/>
+        <a:ea typeface=""/>
+        <a:cs typeface=""/>
+        <a:font script="Jpan" typeface="游ゴシック Light"/>
+        <a:font script="Hang" typeface="맑은 고딕"/>
+        <a:font script="Hans" typeface="等线 Light"/>
+        <a:font script="Hant" typeface="新細明體"/>
+        <a:font script="Arab" typeface="Times New Roman"/>
+        <a:font script="Hebr" typeface="Times New Roman"/>
+        <a:font script="Thai" typeface="Angsana New"/>
+        <a:font script="Ethi" typeface="Nyala"/>
+        <a:font script="Beng" typeface="Vrinda"/>
+        <a:font script="Gujr" typeface="Shruti"/>
+        <a:font script="Khmr" typeface="MoolBoran"/>
+        <a:font script="Knda" typeface="Tunga"/>
+        <a:font script="Guru" typeface="Raavi"/>
+        <a:font script="Cans" typeface="Euphemia"/>
+        <a:font script="Cher" typeface="Plantagenet Cherokee"/>
+        <a:font script="Yiii" typeface="Microsoft Yi Baiti"/>
+        <a:font script="Tibt" typeface="Microsoft Himalaya"/>
+        <a:font script="Thaa" typeface="MV Boli"/>
+        <a:font script="Deva" typeface="Mangal"/>
+        <a:font script="Telu" typeface="Gautami"/>
+        <a:font script="Taml" typeface="Latha"/>
+        <a:font script="Syrc" typeface="Estrangelo Edessa"/>
+        <a:font script="Orya" typeface="Kalinga"/>
+        <a:font script="Mlym" typeface="Kartika"/>
+        <a:font script="Laoo" typeface="DokChampa"/>
+        <a:font script="Sinh" typeface="Iskoola Pota"/>
+        <a:font script="Mong" typeface="Mongolian Baiti"/>
+        <a:font script="Viet" typeface="Times New Roman"/>
+        <a:font script="Uigh" typeface="Microsoft Uighur"/>
+        <a:font script="Geor" typeface="Sylfaen"/>
+      </a:majorFont>
+      <a:minorFont>
+        <a:latin typeface="Calibri" panose="020F0502020204030204"/>
+        <a:ea typeface=""/>
+        <a:cs typeface=""/>
+        <a:font script="Jpan" typeface="游ゴシック"/>
+        <a:font script="Hang" typeface="맑은 고딕"/>
+        <a:font script="Hans" typeface="等线"/>
+        <a:font script="Hant" typeface="新細明體"/>
+        <a:font script="Arab" typeface="Arial"/>
+        <a:font script="Hebr" typeface="Arial"/>
+        <a:font script="Thai" typeface="Cordia New"/>
+        <a:font script="Ethi" typeface="Nyala"/>
+        <a:font script="Beng" typeface="Vrinda"/>
+        <a:font script="Gujr" typeface="Shruti"/>
+        <a:font script="Khmr" typeface="DaunPenh"/>
+        <a:font script="Knda" typeface="Tunga"/>
+        <a:font script="Guru" typeface="Raavi"/>
+        <a:font script="Cans" typeface="Euphemia"/>
+        <a:font script="Cher" typeface="Plantagenet Cherokee"/>
+        <a:font script="Yiii" typeface="Microsoft Yi Baiti"/>
+        <a:font script="Tibt" typeface="Microsoft Himalaya"/>
+        <a:font script="Thaa" typeface="MV Boli"/>
+        <a:font script="Deva" typeface="Mangal"/>
+        <a:font script="Telu" typeface="Gautami"/>
+        <a:font script="Taml" typeface="Latha"/>
+        <a:font script="Syrc" typeface="Estrangelo Edessa"/>
+        <a:font script="Orya" typeface="Kalinga"/>
+        <a:font script="Mlym" typeface="Kartika"/>
+        <a:font script="Laoo" typeface="DokChampa"/>
+        <a:font script="Sinh" typeface="Iskoola Pota"/>
+        <a:font script="Mong" typeface="Mongolian Baiti"/>
+        <a:font script="Viet" typeface="Arial"/>
+        <a:font script="Uigh" typeface="Microsoft Uighur"/>
+        <a:font script="Geor" typeface="Sylfaen"/>
+      </a:minorFont>
+    </a:fontScheme>
+    <a:fmtScheme name="Office">
+      <a:fillStyleLst>
+        <a:solidFill>
+          <a:schemeClr val="phClr"/>
+        </a:solidFill>
+        <a:gradFill rotWithShape="1">
+          <a:gsLst>
+            <a:gs pos="0">
+              <a:schemeClr val="phClr">
+                <a:lumMod val="110000"/>
+                <a:satMod val="105000"/>
+                <a:tint val="67000"/>
+              </a:schemeClr>
+            </a:gs>
+            <a:gs pos="50000">
+              <a:schemeClr val="phClr">
+                <a:lumMod val="105000"/>
+                <a:satMod val="103000"/>
+                <a:tint val="73000"/>
+              </a:schemeClr>
+            </a:gs>
+            <a:gs pos="100000">
+              <a:schemeClr val="phClr">
+                <a:lumMod val="105000"/>
+                <a:satMod val="109000"/>
+                <a:tint val="81000"/>
+              </a:schemeClr>
+            </a:gs>
+          </a:gsLst>
+          <a:lin ang="5400000" scaled="0"/>
+        </a:gradFill>
+        <a:gradFill rotWithShape="1">
+          <a:gsLst>
+            <a:gs pos="0">
+              <a:schemeClr val="phClr">
+                <a:satMod val="103000"/>
+                <a:lumMod val="102000"/>
+                <a:tint val="94000"/>
+              </a:schemeClr>
+            </a:gs>
+            <a:gs pos="50000">
+              <a:schemeClr val="phClr">
+                <a:satMod val="110000"/>
+                <a:lumMod val="100000"/>
+                <a:shade val="100000"/>
+              </a:schemeClr>
+            </a:gs>
+            <a:gs pos="100000">
+              <a:schemeClr val="phClr">
+                <a:lumMod val="99000"/>
+                <a:satMod val="120000"/>
+                <a:shade val="78000"/>
+              </a:schemeClr>
+            </a:gs>
+          </a:gsLst>
+          <a:lin ang="5400000" scaled="0"/>
+        </a:gradFill>
+      </a:fillStyleLst>
+      <a:lnStyleLst>
+        <a:ln w="6350" cap="flat" cmpd="sng" algn="ctr">
+          <a:solidFill>
+            <a:schemeClr val="phClr"/>
+          </a:solidFill>
+          <a:prstDash val="solid"/>
+          <a:miter lim="800000"/>
+        </a:ln>
+        <a:ln w="12700" cap="flat" cmpd="sng" algn="ctr">
+          <a:solidFill>
+            <a:schemeClr val="phClr"/>
+          </a:solidFill>
+          <a:prstDash val="solid"/>
+          <a:miter lim="800000"/>
+        </a:ln>
+        <a:ln w="19050" cap="flat" cmpd="sng" algn="ctr">
+          <a:solidFill>
+            <a:schemeClr val="phClr"/>
+          </a:solidFill>
+          <a:prstDash val="solid"/>
+          <a:miter lim="800000"/>
+        </a:ln>
+      </a:lnStyleLst>
+      <a:effectStyleLst>
+        <a:effectStyle>
+          <a:effectLst/>
+        </a:effectStyle>
+        <a:effectStyle>
+          <a:effectLst/>
+        </a:effectStyle>
+        <a:effectStyle>
+          <a:effectLst>
+            <a:outerShdw blurRad="57150" dist="19050" dir="5400000" algn="ctr" rotWithShape="0">
+              <a:srgbClr val="000000">
+                <a:alpha val="63000"/>
+              </a:srgbClr>
+            </a:outerShdw>
+          </a:effectLst>
+        </a:effectStyle>
+      </a:effectStyleLst>
+      <a:bgFillStyleLst>
+        <a:solidFill>
+          <a:schemeClr val="phClr"/>
+        </a:solidFill>
+        <a:solidFill>
+          <a:schemeClr val="phClr">
+            <a:tint val="95000"/>
+            <a:satMod val="170000"/>
+          </a:schemeClr>
+        </a:solidFill>
+        <a:gradFill rotWithShape="1">
+          <a:gsLst>
+            <a:gs pos="0">
+              <a:schemeClr val="phClr">
+                <a:tint val="93000"/>
+                <a:satMod val="150000"/>
+                <a:shade val="98000"/>
+                <a:lumMod val="102000"/>
+              </a:schemeClr>
+            </a:gs>
+            <a:gs pos="50000">
+              <a:schemeClr val="phClr">
+                <a:tint val="98000"/>
+                <a:satMod val="130000"/>
+                <a:shade val="90000"/>
+                <a:lumMod val="103000"/>
+              </a:schemeClr>
+            </a:gs>
+            <a:gs pos="100000">
+              <a:schemeClr val="phClr">
+                <a:shade val="63000"/>
+                <a:satMod val="120000"/>
+              </a:schemeClr>
+            </a:gs>
+          </a:gsLst>
+          <a:lin ang="5400000" scaled="0"/>
+        </a:gradFill>
+      </a:bgFillStyleLst>
+    </a:fmtScheme>
+  </a:themeElements>
+  <a:objectDefaults/>
+  <a:extraClrSchemeLst/>
+  <a:extLst>
+    <a:ext uri="{05A4C25C-085E-4340-85A3-A5531E510DB2}">
+      <thm15:themeFamily xmlns:thm15="http://schemas.microsoft.com/office/thememl/2012/main" name="Office 2013 - 2022 Theme" id="{62F939B6-93AF-4DB8-9C6B-D6C7DFDC589F}" vid="{4A3C46E8-61CC-4603-A589-7422A47A8E4A}"/>
+    </a:ext>
+  </a:extLst>
+</a:theme>
+</file>
+
+<file path=ppt/theme/theme2.xml><?xml version="1.0" encoding="utf-8"?>
 <a:theme xmlns:a="http://schemas.openxmlformats.org/drawingml/2006/main" name="Office">
   <a:themeElements>
     <a:clrScheme name="Office">

--- a/Stat_Analysis/regr_plots/Plots.pptx
+++ b/Stat_Analysis/regr_plots/Plots.pptx
@@ -200,7 +200,7 @@
           <a:p>
             <a:fld id="{E9F0EEAE-47CC-40B4-B895-3F239C789348}" type="datetimeFigureOut">
               <a:rPr lang="en-GB" smtClean="0"/>
-              <a:t>23/11/2023</a:t>
+              <a:t>02/12/2023</a:t>
             </a:fld>
             <a:endParaRPr lang="en-GB"/>
           </a:p>
@@ -863,7 +863,7 @@
           <a:p>
             <a:fld id="{789703A8-2D30-4E29-8AE8-FC3173B2BC9B}" type="datetimeFigureOut">
               <a:rPr lang="en-GB" smtClean="0"/>
-              <a:t>23/11/2023</a:t>
+              <a:t>02/12/2023</a:t>
             </a:fld>
             <a:endParaRPr lang="en-GB"/>
           </a:p>
@@ -1033,7 +1033,7 @@
           <a:p>
             <a:fld id="{789703A8-2D30-4E29-8AE8-FC3173B2BC9B}" type="datetimeFigureOut">
               <a:rPr lang="en-GB" smtClean="0"/>
-              <a:t>23/11/2023</a:t>
+              <a:t>02/12/2023</a:t>
             </a:fld>
             <a:endParaRPr lang="en-GB"/>
           </a:p>
@@ -1213,7 +1213,7 @@
           <a:p>
             <a:fld id="{789703A8-2D30-4E29-8AE8-FC3173B2BC9B}" type="datetimeFigureOut">
               <a:rPr lang="en-GB" smtClean="0"/>
-              <a:t>23/11/2023</a:t>
+              <a:t>02/12/2023</a:t>
             </a:fld>
             <a:endParaRPr lang="en-GB"/>
           </a:p>
@@ -1383,7 +1383,7 @@
           <a:p>
             <a:fld id="{789703A8-2D30-4E29-8AE8-FC3173B2BC9B}" type="datetimeFigureOut">
               <a:rPr lang="en-GB" smtClean="0"/>
-              <a:t>23/11/2023</a:t>
+              <a:t>02/12/2023</a:t>
             </a:fld>
             <a:endParaRPr lang="en-GB"/>
           </a:p>
@@ -1627,7 +1627,7 @@
           <a:p>
             <a:fld id="{789703A8-2D30-4E29-8AE8-FC3173B2BC9B}" type="datetimeFigureOut">
               <a:rPr lang="en-GB" smtClean="0"/>
-              <a:t>23/11/2023</a:t>
+              <a:t>02/12/2023</a:t>
             </a:fld>
             <a:endParaRPr lang="en-GB"/>
           </a:p>
@@ -1859,7 +1859,7 @@
           <a:p>
             <a:fld id="{789703A8-2D30-4E29-8AE8-FC3173B2BC9B}" type="datetimeFigureOut">
               <a:rPr lang="en-GB" smtClean="0"/>
-              <a:t>23/11/2023</a:t>
+              <a:t>02/12/2023</a:t>
             </a:fld>
             <a:endParaRPr lang="en-GB"/>
           </a:p>
@@ -2226,7 +2226,7 @@
           <a:p>
             <a:fld id="{789703A8-2D30-4E29-8AE8-FC3173B2BC9B}" type="datetimeFigureOut">
               <a:rPr lang="en-GB" smtClean="0"/>
-              <a:t>23/11/2023</a:t>
+              <a:t>02/12/2023</a:t>
             </a:fld>
             <a:endParaRPr lang="en-GB"/>
           </a:p>
@@ -2344,7 +2344,7 @@
           <a:p>
             <a:fld id="{789703A8-2D30-4E29-8AE8-FC3173B2BC9B}" type="datetimeFigureOut">
               <a:rPr lang="en-GB" smtClean="0"/>
-              <a:t>23/11/2023</a:t>
+              <a:t>02/12/2023</a:t>
             </a:fld>
             <a:endParaRPr lang="en-GB"/>
           </a:p>
@@ -2439,7 +2439,7 @@
           <a:p>
             <a:fld id="{789703A8-2D30-4E29-8AE8-FC3173B2BC9B}" type="datetimeFigureOut">
               <a:rPr lang="en-GB" smtClean="0"/>
-              <a:t>23/11/2023</a:t>
+              <a:t>02/12/2023</a:t>
             </a:fld>
             <a:endParaRPr lang="en-GB"/>
           </a:p>
@@ -2716,7 +2716,7 @@
           <a:p>
             <a:fld id="{789703A8-2D30-4E29-8AE8-FC3173B2BC9B}" type="datetimeFigureOut">
               <a:rPr lang="en-GB" smtClean="0"/>
-              <a:t>23/11/2023</a:t>
+              <a:t>02/12/2023</a:t>
             </a:fld>
             <a:endParaRPr lang="en-GB"/>
           </a:p>
@@ -2973,7 +2973,7 @@
           <a:p>
             <a:fld id="{789703A8-2D30-4E29-8AE8-FC3173B2BC9B}" type="datetimeFigureOut">
               <a:rPr lang="en-GB" smtClean="0"/>
-              <a:t>23/11/2023</a:t>
+              <a:t>02/12/2023</a:t>
             </a:fld>
             <a:endParaRPr lang="en-GB"/>
           </a:p>
@@ -3186,7 +3186,7 @@
           <a:p>
             <a:fld id="{789703A8-2D30-4E29-8AE8-FC3173B2BC9B}" type="datetimeFigureOut">
               <a:rPr lang="en-GB" smtClean="0"/>
-              <a:t>23/11/2023</a:t>
+              <a:t>02/12/2023</a:t>
             </a:fld>
             <a:endParaRPr lang="en-GB"/>
           </a:p>
@@ -3716,10 +3716,10 @@
       </p:grpSpPr>
       <p:grpSp>
         <p:nvGrpSpPr>
-          <p:cNvPr id="43" name="Gruppieren 42">
+          <p:cNvPr id="46" name="Gruppieren 45">
             <a:extLst>
               <a:ext uri="{FF2B5EF4-FFF2-40B4-BE49-F238E27FC236}">
-                <a16:creationId xmlns:a16="http://schemas.microsoft.com/office/drawing/2014/main" id="{5133A26D-3E55-31E9-43F9-6F81302A0778}"/>
+                <a16:creationId xmlns:a16="http://schemas.microsoft.com/office/drawing/2014/main" id="{C22EC5A6-83E4-09A8-F1A4-BE93A54D4CE3}"/>
               </a:ext>
             </a:extLst>
           </p:cNvPr>
@@ -3729,128 +3729,11 @@
         <p:grpSpPr>
           <a:xfrm>
             <a:off x="-325029" y="0"/>
-            <a:ext cx="9397029" cy="10405023"/>
+            <a:ext cx="9397029" cy="10405020"/>
             <a:chOff x="-325029" y="0"/>
-            <a:chExt cx="9397029" cy="10405023"/>
+            <a:chExt cx="9397029" cy="10405020"/>
           </a:xfrm>
         </p:grpSpPr>
-        <p:pic>
-          <p:nvPicPr>
-            <p:cNvPr id="4" name="Grafik 3" descr="Ein Bild, das Screenshot, Schwarz enthält.&#10;&#10;Automatisch generierte Beschreibung">
-              <a:extLst>
-                <a:ext uri="{FF2B5EF4-FFF2-40B4-BE49-F238E27FC236}">
-                  <a16:creationId xmlns:a16="http://schemas.microsoft.com/office/drawing/2014/main" id="{73498EFD-9EBE-D282-FFA1-1E361DF3D430}"/>
-                </a:ext>
-              </a:extLst>
-            </p:cNvPr>
-            <p:cNvPicPr>
-              <a:picLocks noChangeAspect="1"/>
-            </p:cNvPicPr>
-            <p:nvPr/>
-          </p:nvPicPr>
-          <p:blipFill>
-            <a:blip r:embed="rId3">
-              <a:extLst>
-                <a:ext uri="{28A0092B-C50C-407E-A947-70E740481C1C}">
-                  <a14:useLocalDpi xmlns:a14="http://schemas.microsoft.com/office/drawing/2010/main" val="0"/>
-                </a:ext>
-              </a:extLst>
-            </a:blip>
-            <a:stretch>
-              <a:fillRect/>
-            </a:stretch>
-          </p:blipFill>
-          <p:spPr>
-            <a:xfrm>
-              <a:off x="0" y="325023"/>
-              <a:ext cx="3024000" cy="2520000"/>
-            </a:xfrm>
-            <a:prstGeom prst="rect">
-              <a:avLst/>
-            </a:prstGeom>
-            <a:ln>
-              <a:noFill/>
-            </a:ln>
-          </p:spPr>
-        </p:pic>
-        <p:pic>
-          <p:nvPicPr>
-            <p:cNvPr id="7" name="Grafik 6" descr="Ein Bild, das Screenshot, Schwarz enthält.&#10;&#10;Automatisch generierte Beschreibung">
-              <a:extLst>
-                <a:ext uri="{FF2B5EF4-FFF2-40B4-BE49-F238E27FC236}">
-                  <a16:creationId xmlns:a16="http://schemas.microsoft.com/office/drawing/2014/main" id="{971D2742-FC85-7D7D-3F93-22A42763D484}"/>
-                </a:ext>
-              </a:extLst>
-            </p:cNvPr>
-            <p:cNvPicPr>
-              <a:picLocks noChangeAspect="1"/>
-            </p:cNvPicPr>
-            <p:nvPr/>
-          </p:nvPicPr>
-          <p:blipFill>
-            <a:blip r:embed="rId4">
-              <a:extLst>
-                <a:ext uri="{28A0092B-C50C-407E-A947-70E740481C1C}">
-                  <a14:useLocalDpi xmlns:a14="http://schemas.microsoft.com/office/drawing/2010/main" val="0"/>
-                </a:ext>
-              </a:extLst>
-            </a:blip>
-            <a:stretch>
-              <a:fillRect/>
-            </a:stretch>
-          </p:blipFill>
-          <p:spPr>
-            <a:xfrm>
-              <a:off x="3024000" y="325023"/>
-              <a:ext cx="3024000" cy="2520000"/>
-            </a:xfrm>
-            <a:prstGeom prst="rect">
-              <a:avLst/>
-            </a:prstGeom>
-            <a:ln>
-              <a:noFill/>
-            </a:ln>
-          </p:spPr>
-        </p:pic>
-        <p:pic>
-          <p:nvPicPr>
-            <p:cNvPr id="14" name="Grafik 13" descr="Ein Bild, das Screenshot, Schwarz enthält.&#10;&#10;Automatisch generierte Beschreibung">
-              <a:extLst>
-                <a:ext uri="{FF2B5EF4-FFF2-40B4-BE49-F238E27FC236}">
-                  <a16:creationId xmlns:a16="http://schemas.microsoft.com/office/drawing/2014/main" id="{21FD1F96-994C-6622-D93B-D50EE7F692CD}"/>
-                </a:ext>
-              </a:extLst>
-            </p:cNvPr>
-            <p:cNvPicPr>
-              <a:picLocks noChangeAspect="1"/>
-            </p:cNvPicPr>
-            <p:nvPr/>
-          </p:nvPicPr>
-          <p:blipFill>
-            <a:blip r:embed="rId5">
-              <a:extLst>
-                <a:ext uri="{28A0092B-C50C-407E-A947-70E740481C1C}">
-                  <a14:useLocalDpi xmlns:a14="http://schemas.microsoft.com/office/drawing/2010/main" val="0"/>
-                </a:ext>
-              </a:extLst>
-            </a:blip>
-            <a:stretch>
-              <a:fillRect/>
-            </a:stretch>
-          </p:blipFill>
-          <p:spPr>
-            <a:xfrm>
-              <a:off x="6048000" y="325023"/>
-              <a:ext cx="3024000" cy="2520000"/>
-            </a:xfrm>
-            <a:prstGeom prst="rect">
-              <a:avLst/>
-            </a:prstGeom>
-            <a:ln>
-              <a:noFill/>
-            </a:ln>
-          </p:spPr>
-        </p:pic>
         <p:sp>
           <p:nvSpPr>
             <p:cNvPr id="16" name="Rechteck 15">
@@ -4058,357 +3941,6 @@
             </a:p>
           </p:txBody>
         </p:sp>
-        <p:pic>
-          <p:nvPicPr>
-            <p:cNvPr id="20" name="Grafik 19" descr="Ein Bild, das Screenshot, Schwarz, Quadrat enthält.&#10;&#10;Automatisch generierte Beschreibung">
-              <a:extLst>
-                <a:ext uri="{FF2B5EF4-FFF2-40B4-BE49-F238E27FC236}">
-                  <a16:creationId xmlns:a16="http://schemas.microsoft.com/office/drawing/2014/main" id="{C1A99915-9962-8F3C-F76F-E17F3B86491A}"/>
-                </a:ext>
-              </a:extLst>
-            </p:cNvPr>
-            <p:cNvPicPr>
-              <a:picLocks noChangeAspect="1"/>
-            </p:cNvPicPr>
-            <p:nvPr/>
-          </p:nvPicPr>
-          <p:blipFill>
-            <a:blip r:embed="rId6">
-              <a:extLst>
-                <a:ext uri="{28A0092B-C50C-407E-A947-70E740481C1C}">
-                  <a14:useLocalDpi xmlns:a14="http://schemas.microsoft.com/office/drawing/2010/main" val="0"/>
-                </a:ext>
-              </a:extLst>
-            </a:blip>
-            <a:stretch>
-              <a:fillRect/>
-            </a:stretch>
-          </p:blipFill>
-          <p:spPr>
-            <a:xfrm>
-              <a:off x="0" y="2845023"/>
-              <a:ext cx="3024000" cy="2520000"/>
-            </a:xfrm>
-            <a:prstGeom prst="rect">
-              <a:avLst/>
-            </a:prstGeom>
-            <a:ln>
-              <a:noFill/>
-            </a:ln>
-          </p:spPr>
-        </p:pic>
-        <p:pic>
-          <p:nvPicPr>
-            <p:cNvPr id="22" name="Grafik 21" descr="Ein Bild, das Screenshot, Schwarz, Quadrat enthält.&#10;&#10;Automatisch generierte Beschreibung">
-              <a:extLst>
-                <a:ext uri="{FF2B5EF4-FFF2-40B4-BE49-F238E27FC236}">
-                  <a16:creationId xmlns:a16="http://schemas.microsoft.com/office/drawing/2014/main" id="{9AF41CC6-1900-3E19-B014-E1E45AB7E716}"/>
-                </a:ext>
-              </a:extLst>
-            </p:cNvPr>
-            <p:cNvPicPr>
-              <a:picLocks noChangeAspect="1"/>
-            </p:cNvPicPr>
-            <p:nvPr/>
-          </p:nvPicPr>
-          <p:blipFill>
-            <a:blip r:embed="rId7">
-              <a:extLst>
-                <a:ext uri="{28A0092B-C50C-407E-A947-70E740481C1C}">
-                  <a14:useLocalDpi xmlns:a14="http://schemas.microsoft.com/office/drawing/2010/main" val="0"/>
-                </a:ext>
-              </a:extLst>
-            </a:blip>
-            <a:stretch>
-              <a:fillRect/>
-            </a:stretch>
-          </p:blipFill>
-          <p:spPr>
-            <a:xfrm>
-              <a:off x="3024000" y="2845023"/>
-              <a:ext cx="3024000" cy="2520000"/>
-            </a:xfrm>
-            <a:prstGeom prst="rect">
-              <a:avLst/>
-            </a:prstGeom>
-            <a:ln>
-              <a:noFill/>
-            </a:ln>
-          </p:spPr>
-        </p:pic>
-        <p:pic>
-          <p:nvPicPr>
-            <p:cNvPr id="24" name="Grafik 23" descr="Ein Bild, das Screenshot, Schwarz, Quadrat enthält.&#10;&#10;Automatisch generierte Beschreibung">
-              <a:extLst>
-                <a:ext uri="{FF2B5EF4-FFF2-40B4-BE49-F238E27FC236}">
-                  <a16:creationId xmlns:a16="http://schemas.microsoft.com/office/drawing/2014/main" id="{094907DD-B1A5-D3DC-C982-DA72AA9755B9}"/>
-                </a:ext>
-              </a:extLst>
-            </p:cNvPr>
-            <p:cNvPicPr>
-              <a:picLocks noChangeAspect="1"/>
-            </p:cNvPicPr>
-            <p:nvPr/>
-          </p:nvPicPr>
-          <p:blipFill>
-            <a:blip r:embed="rId8">
-              <a:extLst>
-                <a:ext uri="{28A0092B-C50C-407E-A947-70E740481C1C}">
-                  <a14:useLocalDpi xmlns:a14="http://schemas.microsoft.com/office/drawing/2010/main" val="0"/>
-                </a:ext>
-              </a:extLst>
-            </a:blip>
-            <a:stretch>
-              <a:fillRect/>
-            </a:stretch>
-          </p:blipFill>
-          <p:spPr>
-            <a:xfrm>
-              <a:off x="6048000" y="2845023"/>
-              <a:ext cx="3024000" cy="2520000"/>
-            </a:xfrm>
-            <a:prstGeom prst="rect">
-              <a:avLst/>
-            </a:prstGeom>
-            <a:ln>
-              <a:noFill/>
-            </a:ln>
-          </p:spPr>
-        </p:pic>
-        <p:pic>
-          <p:nvPicPr>
-            <p:cNvPr id="26" name="Grafik 25" descr="Ein Bild, das Screenshot, Schwarz enthält.&#10;&#10;Automatisch generierte Beschreibung">
-              <a:extLst>
-                <a:ext uri="{FF2B5EF4-FFF2-40B4-BE49-F238E27FC236}">
-                  <a16:creationId xmlns:a16="http://schemas.microsoft.com/office/drawing/2014/main" id="{8D057170-D8E4-968C-CC89-314CC3074702}"/>
-                </a:ext>
-              </a:extLst>
-            </p:cNvPr>
-            <p:cNvPicPr>
-              <a:picLocks noChangeAspect="1"/>
-            </p:cNvPicPr>
-            <p:nvPr/>
-          </p:nvPicPr>
-          <p:blipFill>
-            <a:blip r:embed="rId9">
-              <a:extLst>
-                <a:ext uri="{28A0092B-C50C-407E-A947-70E740481C1C}">
-                  <a14:useLocalDpi xmlns:a14="http://schemas.microsoft.com/office/drawing/2010/main" val="0"/>
-                </a:ext>
-              </a:extLst>
-            </a:blip>
-            <a:stretch>
-              <a:fillRect/>
-            </a:stretch>
-          </p:blipFill>
-          <p:spPr>
-            <a:xfrm>
-              <a:off x="0" y="5365023"/>
-              <a:ext cx="3024000" cy="2520000"/>
-            </a:xfrm>
-            <a:prstGeom prst="rect">
-              <a:avLst/>
-            </a:prstGeom>
-            <a:ln>
-              <a:noFill/>
-            </a:ln>
-          </p:spPr>
-        </p:pic>
-        <p:pic>
-          <p:nvPicPr>
-            <p:cNvPr id="28" name="Grafik 27" descr="Ein Bild, das Screenshot, Schwarz enthält.&#10;&#10;Automatisch generierte Beschreibung">
-              <a:extLst>
-                <a:ext uri="{FF2B5EF4-FFF2-40B4-BE49-F238E27FC236}">
-                  <a16:creationId xmlns:a16="http://schemas.microsoft.com/office/drawing/2014/main" id="{7B56ECFA-4153-B7BF-CDB1-C1F4190616F0}"/>
-                </a:ext>
-              </a:extLst>
-            </p:cNvPr>
-            <p:cNvPicPr>
-              <a:picLocks noChangeAspect="1"/>
-            </p:cNvPicPr>
-            <p:nvPr/>
-          </p:nvPicPr>
-          <p:blipFill>
-            <a:blip r:embed="rId10">
-              <a:extLst>
-                <a:ext uri="{28A0092B-C50C-407E-A947-70E740481C1C}">
-                  <a14:useLocalDpi xmlns:a14="http://schemas.microsoft.com/office/drawing/2010/main" val="0"/>
-                </a:ext>
-              </a:extLst>
-            </a:blip>
-            <a:stretch>
-              <a:fillRect/>
-            </a:stretch>
-          </p:blipFill>
-          <p:spPr>
-            <a:xfrm>
-              <a:off x="3024000" y="5365023"/>
-              <a:ext cx="3024000" cy="2520000"/>
-            </a:xfrm>
-            <a:prstGeom prst="rect">
-              <a:avLst/>
-            </a:prstGeom>
-            <a:ln>
-              <a:noFill/>
-            </a:ln>
-          </p:spPr>
-        </p:pic>
-        <p:pic>
-          <p:nvPicPr>
-            <p:cNvPr id="30" name="Grafik 29" descr="Ein Bild, das Screenshot, Schwarz enthält.&#10;&#10;Automatisch generierte Beschreibung">
-              <a:extLst>
-                <a:ext uri="{FF2B5EF4-FFF2-40B4-BE49-F238E27FC236}">
-                  <a16:creationId xmlns:a16="http://schemas.microsoft.com/office/drawing/2014/main" id="{BE5F832E-9CC1-BE8C-1E87-55684770B768}"/>
-                </a:ext>
-              </a:extLst>
-            </p:cNvPr>
-            <p:cNvPicPr>
-              <a:picLocks noChangeAspect="1"/>
-            </p:cNvPicPr>
-            <p:nvPr/>
-          </p:nvPicPr>
-          <p:blipFill>
-            <a:blip r:embed="rId11">
-              <a:extLst>
-                <a:ext uri="{28A0092B-C50C-407E-A947-70E740481C1C}">
-                  <a14:useLocalDpi xmlns:a14="http://schemas.microsoft.com/office/drawing/2010/main" val="0"/>
-                </a:ext>
-              </a:extLst>
-            </a:blip>
-            <a:stretch>
-              <a:fillRect/>
-            </a:stretch>
-          </p:blipFill>
-          <p:spPr>
-            <a:xfrm>
-              <a:off x="6048000" y="5365023"/>
-              <a:ext cx="3024000" cy="2520000"/>
-            </a:xfrm>
-            <a:prstGeom prst="rect">
-              <a:avLst/>
-            </a:prstGeom>
-            <a:ln>
-              <a:noFill/>
-            </a:ln>
-          </p:spPr>
-        </p:pic>
-        <p:pic>
-          <p:nvPicPr>
-            <p:cNvPr id="32" name="Grafik 31" descr="Ein Bild, das Screenshot, Quadrat, Schwarz enthält.&#10;&#10;Automatisch generierte Beschreibung">
-              <a:extLst>
-                <a:ext uri="{FF2B5EF4-FFF2-40B4-BE49-F238E27FC236}">
-                  <a16:creationId xmlns:a16="http://schemas.microsoft.com/office/drawing/2014/main" id="{DDC23010-4DFB-7961-6DFE-65BE13DC0C70}"/>
-                </a:ext>
-              </a:extLst>
-            </p:cNvPr>
-            <p:cNvPicPr>
-              <a:picLocks noChangeAspect="1"/>
-            </p:cNvPicPr>
-            <p:nvPr/>
-          </p:nvPicPr>
-          <p:blipFill>
-            <a:blip r:embed="rId12">
-              <a:extLst>
-                <a:ext uri="{28A0092B-C50C-407E-A947-70E740481C1C}">
-                  <a14:useLocalDpi xmlns:a14="http://schemas.microsoft.com/office/drawing/2010/main" val="0"/>
-                </a:ext>
-              </a:extLst>
-            </a:blip>
-            <a:stretch>
-              <a:fillRect/>
-            </a:stretch>
-          </p:blipFill>
-          <p:spPr>
-            <a:xfrm>
-              <a:off x="0" y="7885023"/>
-              <a:ext cx="3024000" cy="2520000"/>
-            </a:xfrm>
-            <a:prstGeom prst="rect">
-              <a:avLst/>
-            </a:prstGeom>
-            <a:ln>
-              <a:noFill/>
-            </a:ln>
-          </p:spPr>
-        </p:pic>
-        <p:pic>
-          <p:nvPicPr>
-            <p:cNvPr id="34" name="Grafik 33" descr="Ein Bild, das Screenshot, Quadrat, Schwarz enthält.&#10;&#10;Automatisch generierte Beschreibung">
-              <a:extLst>
-                <a:ext uri="{FF2B5EF4-FFF2-40B4-BE49-F238E27FC236}">
-                  <a16:creationId xmlns:a16="http://schemas.microsoft.com/office/drawing/2014/main" id="{999E12ED-752A-8ABB-705B-3AD16431885E}"/>
-                </a:ext>
-              </a:extLst>
-            </p:cNvPr>
-            <p:cNvPicPr>
-              <a:picLocks noChangeAspect="1"/>
-            </p:cNvPicPr>
-            <p:nvPr/>
-          </p:nvPicPr>
-          <p:blipFill>
-            <a:blip r:embed="rId13">
-              <a:extLst>
-                <a:ext uri="{28A0092B-C50C-407E-A947-70E740481C1C}">
-                  <a14:useLocalDpi xmlns:a14="http://schemas.microsoft.com/office/drawing/2010/main" val="0"/>
-                </a:ext>
-              </a:extLst>
-            </a:blip>
-            <a:stretch>
-              <a:fillRect/>
-            </a:stretch>
-          </p:blipFill>
-          <p:spPr>
-            <a:xfrm>
-              <a:off x="3024000" y="7885023"/>
-              <a:ext cx="3024000" cy="2520000"/>
-            </a:xfrm>
-            <a:prstGeom prst="rect">
-              <a:avLst/>
-            </a:prstGeom>
-            <a:ln>
-              <a:noFill/>
-            </a:ln>
-          </p:spPr>
-        </p:pic>
-        <p:pic>
-          <p:nvPicPr>
-            <p:cNvPr id="36" name="Grafik 35" descr="Ein Bild, das Screenshot, Quadrat, Schwarz enthält.&#10;&#10;Automatisch generierte Beschreibung">
-              <a:extLst>
-                <a:ext uri="{FF2B5EF4-FFF2-40B4-BE49-F238E27FC236}">
-                  <a16:creationId xmlns:a16="http://schemas.microsoft.com/office/drawing/2014/main" id="{757376DB-DA84-E290-1345-DE2A1AAE1005}"/>
-                </a:ext>
-              </a:extLst>
-            </p:cNvPr>
-            <p:cNvPicPr>
-              <a:picLocks noChangeAspect="1"/>
-            </p:cNvPicPr>
-            <p:nvPr/>
-          </p:nvPicPr>
-          <p:blipFill>
-            <a:blip r:embed="rId14">
-              <a:extLst>
-                <a:ext uri="{28A0092B-C50C-407E-A947-70E740481C1C}">
-                  <a14:useLocalDpi xmlns:a14="http://schemas.microsoft.com/office/drawing/2010/main" val="0"/>
-                </a:ext>
-              </a:extLst>
-            </a:blip>
-            <a:stretch>
-              <a:fillRect/>
-            </a:stretch>
-          </p:blipFill>
-          <p:spPr>
-            <a:xfrm>
-              <a:off x="6048000" y="7885023"/>
-              <a:ext cx="3024000" cy="2520000"/>
-            </a:xfrm>
-            <a:prstGeom prst="rect">
-              <a:avLst/>
-            </a:prstGeom>
-            <a:ln>
-              <a:noFill/>
-            </a:ln>
-          </p:spPr>
-        </p:pic>
         <p:sp>
           <p:nvSpPr>
             <p:cNvPr id="39" name="Rechteck 38">
@@ -4691,6 +4223,438 @@
             </a:p>
           </p:txBody>
         </p:sp>
+        <p:pic>
+          <p:nvPicPr>
+            <p:cNvPr id="3" name="Grafik 2" descr="Ein Bild, das Screenshot, Schwarz enthält.&#10;&#10;Automatisch generierte Beschreibung">
+              <a:extLst>
+                <a:ext uri="{FF2B5EF4-FFF2-40B4-BE49-F238E27FC236}">
+                  <a16:creationId xmlns:a16="http://schemas.microsoft.com/office/drawing/2014/main" id="{CAF8D32F-AD5B-8811-E7CE-CADF325F67A4}"/>
+                </a:ext>
+              </a:extLst>
+            </p:cNvPr>
+            <p:cNvPicPr>
+              <a:picLocks noChangeAspect="1"/>
+            </p:cNvPicPr>
+            <p:nvPr/>
+          </p:nvPicPr>
+          <p:blipFill>
+            <a:blip r:embed="rId3">
+              <a:extLst>
+                <a:ext uri="{28A0092B-C50C-407E-A947-70E740481C1C}">
+                  <a14:useLocalDpi xmlns:a14="http://schemas.microsoft.com/office/drawing/2010/main" val="0"/>
+                </a:ext>
+              </a:extLst>
+            </a:blip>
+            <a:stretch>
+              <a:fillRect/>
+            </a:stretch>
+          </p:blipFill>
+          <p:spPr>
+            <a:xfrm>
+              <a:off x="0" y="325021"/>
+              <a:ext cx="3024000" cy="2520000"/>
+            </a:xfrm>
+            <a:prstGeom prst="rect">
+              <a:avLst/>
+            </a:prstGeom>
+          </p:spPr>
+        </p:pic>
+        <p:pic>
+          <p:nvPicPr>
+            <p:cNvPr id="6" name="Grafik 5" descr="Ein Bild, das Screenshot, Schwarz enthält.&#10;&#10;Automatisch generierte Beschreibung">
+              <a:extLst>
+                <a:ext uri="{FF2B5EF4-FFF2-40B4-BE49-F238E27FC236}">
+                  <a16:creationId xmlns:a16="http://schemas.microsoft.com/office/drawing/2014/main" id="{91C79761-BDDF-0714-65FF-13DF06268258}"/>
+                </a:ext>
+              </a:extLst>
+            </p:cNvPr>
+            <p:cNvPicPr>
+              <a:picLocks noChangeAspect="1"/>
+            </p:cNvPicPr>
+            <p:nvPr/>
+          </p:nvPicPr>
+          <p:blipFill>
+            <a:blip r:embed="rId4">
+              <a:extLst>
+                <a:ext uri="{28A0092B-C50C-407E-A947-70E740481C1C}">
+                  <a14:useLocalDpi xmlns:a14="http://schemas.microsoft.com/office/drawing/2010/main" val="0"/>
+                </a:ext>
+              </a:extLst>
+            </a:blip>
+            <a:stretch>
+              <a:fillRect/>
+            </a:stretch>
+          </p:blipFill>
+          <p:spPr>
+            <a:xfrm>
+              <a:off x="3023999" y="325021"/>
+              <a:ext cx="3024000" cy="2520000"/>
+            </a:xfrm>
+            <a:prstGeom prst="rect">
+              <a:avLst/>
+            </a:prstGeom>
+          </p:spPr>
+        </p:pic>
+        <p:pic>
+          <p:nvPicPr>
+            <p:cNvPr id="9" name="Grafik 8" descr="Ein Bild, das Screenshot, Schwarz enthält.&#10;&#10;Automatisch generierte Beschreibung">
+              <a:extLst>
+                <a:ext uri="{FF2B5EF4-FFF2-40B4-BE49-F238E27FC236}">
+                  <a16:creationId xmlns:a16="http://schemas.microsoft.com/office/drawing/2014/main" id="{800C57D2-AB41-D904-A8DE-68E3A1F1BCFC}"/>
+                </a:ext>
+              </a:extLst>
+            </p:cNvPr>
+            <p:cNvPicPr>
+              <a:picLocks noChangeAspect="1"/>
+            </p:cNvPicPr>
+            <p:nvPr/>
+          </p:nvPicPr>
+          <p:blipFill>
+            <a:blip r:embed="rId5">
+              <a:extLst>
+                <a:ext uri="{28A0092B-C50C-407E-A947-70E740481C1C}">
+                  <a14:useLocalDpi xmlns:a14="http://schemas.microsoft.com/office/drawing/2010/main" val="0"/>
+                </a:ext>
+              </a:extLst>
+            </a:blip>
+            <a:stretch>
+              <a:fillRect/>
+            </a:stretch>
+          </p:blipFill>
+          <p:spPr>
+            <a:xfrm>
+              <a:off x="6048000" y="325021"/>
+              <a:ext cx="3024000" cy="2520000"/>
+            </a:xfrm>
+            <a:prstGeom prst="rect">
+              <a:avLst/>
+            </a:prstGeom>
+          </p:spPr>
+        </p:pic>
+        <p:pic>
+          <p:nvPicPr>
+            <p:cNvPr id="11" name="Grafik 10" descr="Ein Bild, das Screenshot, Schwarz enthält.&#10;&#10;Automatisch generierte Beschreibung">
+              <a:extLst>
+                <a:ext uri="{FF2B5EF4-FFF2-40B4-BE49-F238E27FC236}">
+                  <a16:creationId xmlns:a16="http://schemas.microsoft.com/office/drawing/2014/main" id="{6B3F944A-4F9F-DE82-E3FD-406FA5449504}"/>
+                </a:ext>
+              </a:extLst>
+            </p:cNvPr>
+            <p:cNvPicPr>
+              <a:picLocks noChangeAspect="1"/>
+            </p:cNvPicPr>
+            <p:nvPr/>
+          </p:nvPicPr>
+          <p:blipFill>
+            <a:blip r:embed="rId6">
+              <a:extLst>
+                <a:ext uri="{28A0092B-C50C-407E-A947-70E740481C1C}">
+                  <a14:useLocalDpi xmlns:a14="http://schemas.microsoft.com/office/drawing/2010/main" val="0"/>
+                </a:ext>
+              </a:extLst>
+            </a:blip>
+            <a:stretch>
+              <a:fillRect/>
+            </a:stretch>
+          </p:blipFill>
+          <p:spPr>
+            <a:xfrm>
+              <a:off x="0" y="5365008"/>
+              <a:ext cx="3024000" cy="2520000"/>
+            </a:xfrm>
+            <a:prstGeom prst="rect">
+              <a:avLst/>
+            </a:prstGeom>
+          </p:spPr>
+        </p:pic>
+        <p:pic>
+          <p:nvPicPr>
+            <p:cNvPr id="13" name="Grafik 12" descr="Ein Bild, das Screenshot, Schwarz, Quadrat enthält.&#10;&#10;Automatisch generierte Beschreibung">
+              <a:extLst>
+                <a:ext uri="{FF2B5EF4-FFF2-40B4-BE49-F238E27FC236}">
+                  <a16:creationId xmlns:a16="http://schemas.microsoft.com/office/drawing/2014/main" id="{366A1475-FAD9-1D40-847B-9D842BEBEEEE}"/>
+                </a:ext>
+              </a:extLst>
+            </p:cNvPr>
+            <p:cNvPicPr>
+              <a:picLocks noChangeAspect="1"/>
+            </p:cNvPicPr>
+            <p:nvPr/>
+          </p:nvPicPr>
+          <p:blipFill>
+            <a:blip r:embed="rId7">
+              <a:extLst>
+                <a:ext uri="{28A0092B-C50C-407E-A947-70E740481C1C}">
+                  <a14:useLocalDpi xmlns:a14="http://schemas.microsoft.com/office/drawing/2010/main" val="0"/>
+                </a:ext>
+              </a:extLst>
+            </a:blip>
+            <a:stretch>
+              <a:fillRect/>
+            </a:stretch>
+          </p:blipFill>
+          <p:spPr>
+            <a:xfrm>
+              <a:off x="0" y="2845016"/>
+              <a:ext cx="3024000" cy="2520000"/>
+            </a:xfrm>
+            <a:prstGeom prst="rect">
+              <a:avLst/>
+            </a:prstGeom>
+          </p:spPr>
+        </p:pic>
+        <p:pic>
+          <p:nvPicPr>
+            <p:cNvPr id="19" name="Grafik 18" descr="Ein Bild, das Screenshot, Quadrat, Schwarz enthält.&#10;&#10;Automatisch generierte Beschreibung">
+              <a:extLst>
+                <a:ext uri="{FF2B5EF4-FFF2-40B4-BE49-F238E27FC236}">
+                  <a16:creationId xmlns:a16="http://schemas.microsoft.com/office/drawing/2014/main" id="{101DA896-81E4-BB5E-649D-B84ABD9A262C}"/>
+                </a:ext>
+              </a:extLst>
+            </p:cNvPr>
+            <p:cNvPicPr>
+              <a:picLocks noChangeAspect="1"/>
+            </p:cNvPicPr>
+            <p:nvPr/>
+          </p:nvPicPr>
+          <p:blipFill>
+            <a:blip r:embed="rId8">
+              <a:extLst>
+                <a:ext uri="{28A0092B-C50C-407E-A947-70E740481C1C}">
+                  <a14:useLocalDpi xmlns:a14="http://schemas.microsoft.com/office/drawing/2010/main" val="0"/>
+                </a:ext>
+              </a:extLst>
+            </a:blip>
+            <a:stretch>
+              <a:fillRect/>
+            </a:stretch>
+          </p:blipFill>
+          <p:spPr>
+            <a:xfrm>
+              <a:off x="-6" y="7884991"/>
+              <a:ext cx="3024000" cy="2520000"/>
+            </a:xfrm>
+            <a:prstGeom prst="rect">
+              <a:avLst/>
+            </a:prstGeom>
+          </p:spPr>
+        </p:pic>
+        <p:pic>
+          <p:nvPicPr>
+            <p:cNvPr id="23" name="Grafik 22" descr="Ein Bild, das Screenshot, Quadrat, Schwarz enthält.&#10;&#10;Automatisch generierte Beschreibung">
+              <a:extLst>
+                <a:ext uri="{FF2B5EF4-FFF2-40B4-BE49-F238E27FC236}">
+                  <a16:creationId xmlns:a16="http://schemas.microsoft.com/office/drawing/2014/main" id="{AD2F4EC6-D433-F34F-6BB8-C2F3CEA41B9F}"/>
+                </a:ext>
+              </a:extLst>
+            </p:cNvPr>
+            <p:cNvPicPr>
+              <a:picLocks noChangeAspect="1"/>
+            </p:cNvPicPr>
+            <p:nvPr/>
+          </p:nvPicPr>
+          <p:blipFill>
+            <a:blip r:embed="rId9">
+              <a:extLst>
+                <a:ext uri="{28A0092B-C50C-407E-A947-70E740481C1C}">
+                  <a14:useLocalDpi xmlns:a14="http://schemas.microsoft.com/office/drawing/2010/main" val="0"/>
+                </a:ext>
+              </a:extLst>
+            </a:blip>
+            <a:stretch>
+              <a:fillRect/>
+            </a:stretch>
+          </p:blipFill>
+          <p:spPr>
+            <a:xfrm>
+              <a:off x="3023999" y="7884935"/>
+              <a:ext cx="3024000" cy="2520000"/>
+            </a:xfrm>
+            <a:prstGeom prst="rect">
+              <a:avLst/>
+            </a:prstGeom>
+          </p:spPr>
+        </p:pic>
+        <p:pic>
+          <p:nvPicPr>
+            <p:cNvPr id="27" name="Grafik 26" descr="Ein Bild, das Screenshot, Schwarz enthält.&#10;&#10;Automatisch generierte Beschreibung">
+              <a:extLst>
+                <a:ext uri="{FF2B5EF4-FFF2-40B4-BE49-F238E27FC236}">
+                  <a16:creationId xmlns:a16="http://schemas.microsoft.com/office/drawing/2014/main" id="{76348480-2379-A0FA-D552-CC25FAF5EBA2}"/>
+                </a:ext>
+              </a:extLst>
+            </p:cNvPr>
+            <p:cNvPicPr>
+              <a:picLocks noChangeAspect="1"/>
+            </p:cNvPicPr>
+            <p:nvPr/>
+          </p:nvPicPr>
+          <p:blipFill>
+            <a:blip r:embed="rId10">
+              <a:extLst>
+                <a:ext uri="{28A0092B-C50C-407E-A947-70E740481C1C}">
+                  <a14:useLocalDpi xmlns:a14="http://schemas.microsoft.com/office/drawing/2010/main" val="0"/>
+                </a:ext>
+              </a:extLst>
+            </a:blip>
+            <a:stretch>
+              <a:fillRect/>
+            </a:stretch>
+          </p:blipFill>
+          <p:spPr>
+            <a:xfrm>
+              <a:off x="3023999" y="5365008"/>
+              <a:ext cx="3024000" cy="2520000"/>
+            </a:xfrm>
+            <a:prstGeom prst="rect">
+              <a:avLst/>
+            </a:prstGeom>
+          </p:spPr>
+        </p:pic>
+        <p:pic>
+          <p:nvPicPr>
+            <p:cNvPr id="31" name="Grafik 30" descr="Ein Bild, das Screenshot, Quadrat, Schwarz enthält.&#10;&#10;Automatisch generierte Beschreibung">
+              <a:extLst>
+                <a:ext uri="{FF2B5EF4-FFF2-40B4-BE49-F238E27FC236}">
+                  <a16:creationId xmlns:a16="http://schemas.microsoft.com/office/drawing/2014/main" id="{B6D5DBE8-8EEC-F8FF-886C-A9850EE813A4}"/>
+                </a:ext>
+              </a:extLst>
+            </p:cNvPr>
+            <p:cNvPicPr>
+              <a:picLocks noChangeAspect="1"/>
+            </p:cNvPicPr>
+            <p:nvPr/>
+          </p:nvPicPr>
+          <p:blipFill>
+            <a:blip r:embed="rId11">
+              <a:extLst>
+                <a:ext uri="{28A0092B-C50C-407E-A947-70E740481C1C}">
+                  <a14:useLocalDpi xmlns:a14="http://schemas.microsoft.com/office/drawing/2010/main" val="0"/>
+                </a:ext>
+              </a:extLst>
+            </a:blip>
+            <a:stretch>
+              <a:fillRect/>
+            </a:stretch>
+          </p:blipFill>
+          <p:spPr>
+            <a:xfrm>
+              <a:off x="3023999" y="2844979"/>
+              <a:ext cx="3024000" cy="2520000"/>
+            </a:xfrm>
+            <a:prstGeom prst="rect">
+              <a:avLst/>
+            </a:prstGeom>
+          </p:spPr>
+        </p:pic>
+        <p:pic>
+          <p:nvPicPr>
+            <p:cNvPr id="35" name="Grafik 34" descr="Ein Bild, das Screenshot, Quadrat, Schwarz enthält.&#10;&#10;Automatisch generierte Beschreibung">
+              <a:extLst>
+                <a:ext uri="{FF2B5EF4-FFF2-40B4-BE49-F238E27FC236}">
+                  <a16:creationId xmlns:a16="http://schemas.microsoft.com/office/drawing/2014/main" id="{1A46CCF5-D3C1-694F-A356-18ED7CDFDE81}"/>
+                </a:ext>
+              </a:extLst>
+            </p:cNvPr>
+            <p:cNvPicPr>
+              <a:picLocks noChangeAspect="1"/>
+            </p:cNvPicPr>
+            <p:nvPr/>
+          </p:nvPicPr>
+          <p:blipFill>
+            <a:blip r:embed="rId12">
+              <a:extLst>
+                <a:ext uri="{28A0092B-C50C-407E-A947-70E740481C1C}">
+                  <a14:useLocalDpi xmlns:a14="http://schemas.microsoft.com/office/drawing/2010/main" val="0"/>
+                </a:ext>
+              </a:extLst>
+            </a:blip>
+            <a:stretch>
+              <a:fillRect/>
+            </a:stretch>
+          </p:blipFill>
+          <p:spPr>
+            <a:xfrm>
+              <a:off x="6047999" y="7884935"/>
+              <a:ext cx="3024000" cy="2520000"/>
+            </a:xfrm>
+            <a:prstGeom prst="rect">
+              <a:avLst/>
+            </a:prstGeom>
+          </p:spPr>
+        </p:pic>
+        <p:pic>
+          <p:nvPicPr>
+            <p:cNvPr id="38" name="Grafik 37" descr="Ein Bild, das Screenshot, Schwarz enthält.&#10;&#10;Automatisch generierte Beschreibung">
+              <a:extLst>
+                <a:ext uri="{FF2B5EF4-FFF2-40B4-BE49-F238E27FC236}">
+                  <a16:creationId xmlns:a16="http://schemas.microsoft.com/office/drawing/2014/main" id="{DF8EC252-8510-6C66-8E16-6A6129C0BF90}"/>
+                </a:ext>
+              </a:extLst>
+            </p:cNvPr>
+            <p:cNvPicPr>
+              <a:picLocks noChangeAspect="1"/>
+            </p:cNvPicPr>
+            <p:nvPr/>
+          </p:nvPicPr>
+          <p:blipFill>
+            <a:blip r:embed="rId13">
+              <a:extLst>
+                <a:ext uri="{28A0092B-C50C-407E-A947-70E740481C1C}">
+                  <a14:useLocalDpi xmlns:a14="http://schemas.microsoft.com/office/drawing/2010/main" val="0"/>
+                </a:ext>
+              </a:extLst>
+            </a:blip>
+            <a:stretch>
+              <a:fillRect/>
+            </a:stretch>
+          </p:blipFill>
+          <p:spPr>
+            <a:xfrm>
+              <a:off x="6047999" y="2844923"/>
+              <a:ext cx="3024000" cy="2520000"/>
+            </a:xfrm>
+            <a:prstGeom prst="rect">
+              <a:avLst/>
+            </a:prstGeom>
+          </p:spPr>
+        </p:pic>
+        <p:pic>
+          <p:nvPicPr>
+            <p:cNvPr id="45" name="Grafik 44" descr="Ein Bild, das Screenshot, Schwarz enthält.&#10;&#10;Automatisch generierte Beschreibung">
+              <a:extLst>
+                <a:ext uri="{FF2B5EF4-FFF2-40B4-BE49-F238E27FC236}">
+                  <a16:creationId xmlns:a16="http://schemas.microsoft.com/office/drawing/2014/main" id="{A73BF44D-371E-E5DE-FD37-8956B7A5CF0D}"/>
+                </a:ext>
+              </a:extLst>
+            </p:cNvPr>
+            <p:cNvPicPr>
+              <a:picLocks noChangeAspect="1"/>
+            </p:cNvPicPr>
+            <p:nvPr/>
+          </p:nvPicPr>
+          <p:blipFill>
+            <a:blip r:embed="rId14">
+              <a:extLst>
+                <a:ext uri="{28A0092B-C50C-407E-A947-70E740481C1C}">
+                  <a14:useLocalDpi xmlns:a14="http://schemas.microsoft.com/office/drawing/2010/main" val="0"/>
+                </a:ext>
+              </a:extLst>
+            </a:blip>
+            <a:stretch>
+              <a:fillRect/>
+            </a:stretch>
+          </p:blipFill>
+          <p:spPr>
+            <a:xfrm>
+              <a:off x="6047999" y="5365008"/>
+              <a:ext cx="3024000" cy="2520000"/>
+            </a:xfrm>
+            <a:prstGeom prst="rect">
+              <a:avLst/>
+            </a:prstGeom>
+          </p:spPr>
+        </p:pic>
       </p:grpSp>
     </p:spTree>
     <p:extLst>

--- a/Stat_Analysis/regr_plots/Plots.pptx
+++ b/Stat_Analysis/regr_plots/Plots.pptx
@@ -200,7 +200,7 @@
           <a:p>
             <a:fld id="{E9F0EEAE-47CC-40B4-B895-3F239C789348}" type="datetimeFigureOut">
               <a:rPr lang="en-GB" smtClean="0"/>
-              <a:t>02/12/2023</a:t>
+              <a:t>17/12/2023</a:t>
             </a:fld>
             <a:endParaRPr lang="en-GB"/>
           </a:p>
@@ -863,7 +863,7 @@
           <a:p>
             <a:fld id="{789703A8-2D30-4E29-8AE8-FC3173B2BC9B}" type="datetimeFigureOut">
               <a:rPr lang="en-GB" smtClean="0"/>
-              <a:t>02/12/2023</a:t>
+              <a:t>17/12/2023</a:t>
             </a:fld>
             <a:endParaRPr lang="en-GB"/>
           </a:p>
@@ -1033,7 +1033,7 @@
           <a:p>
             <a:fld id="{789703A8-2D30-4E29-8AE8-FC3173B2BC9B}" type="datetimeFigureOut">
               <a:rPr lang="en-GB" smtClean="0"/>
-              <a:t>02/12/2023</a:t>
+              <a:t>17/12/2023</a:t>
             </a:fld>
             <a:endParaRPr lang="en-GB"/>
           </a:p>
@@ -1213,7 +1213,7 @@
           <a:p>
             <a:fld id="{789703A8-2D30-4E29-8AE8-FC3173B2BC9B}" type="datetimeFigureOut">
               <a:rPr lang="en-GB" smtClean="0"/>
-              <a:t>02/12/2023</a:t>
+              <a:t>17/12/2023</a:t>
             </a:fld>
             <a:endParaRPr lang="en-GB"/>
           </a:p>
@@ -1383,7 +1383,7 @@
           <a:p>
             <a:fld id="{789703A8-2D30-4E29-8AE8-FC3173B2BC9B}" type="datetimeFigureOut">
               <a:rPr lang="en-GB" smtClean="0"/>
-              <a:t>02/12/2023</a:t>
+              <a:t>17/12/2023</a:t>
             </a:fld>
             <a:endParaRPr lang="en-GB"/>
           </a:p>
@@ -1627,7 +1627,7 @@
           <a:p>
             <a:fld id="{789703A8-2D30-4E29-8AE8-FC3173B2BC9B}" type="datetimeFigureOut">
               <a:rPr lang="en-GB" smtClean="0"/>
-              <a:t>02/12/2023</a:t>
+              <a:t>17/12/2023</a:t>
             </a:fld>
             <a:endParaRPr lang="en-GB"/>
           </a:p>
@@ -1859,7 +1859,7 @@
           <a:p>
             <a:fld id="{789703A8-2D30-4E29-8AE8-FC3173B2BC9B}" type="datetimeFigureOut">
               <a:rPr lang="en-GB" smtClean="0"/>
-              <a:t>02/12/2023</a:t>
+              <a:t>17/12/2023</a:t>
             </a:fld>
             <a:endParaRPr lang="en-GB"/>
           </a:p>
@@ -2226,7 +2226,7 @@
           <a:p>
             <a:fld id="{789703A8-2D30-4E29-8AE8-FC3173B2BC9B}" type="datetimeFigureOut">
               <a:rPr lang="en-GB" smtClean="0"/>
-              <a:t>02/12/2023</a:t>
+              <a:t>17/12/2023</a:t>
             </a:fld>
             <a:endParaRPr lang="en-GB"/>
           </a:p>
@@ -2344,7 +2344,7 @@
           <a:p>
             <a:fld id="{789703A8-2D30-4E29-8AE8-FC3173B2BC9B}" type="datetimeFigureOut">
               <a:rPr lang="en-GB" smtClean="0"/>
-              <a:t>02/12/2023</a:t>
+              <a:t>17/12/2023</a:t>
             </a:fld>
             <a:endParaRPr lang="en-GB"/>
           </a:p>
@@ -2439,7 +2439,7 @@
           <a:p>
             <a:fld id="{789703A8-2D30-4E29-8AE8-FC3173B2BC9B}" type="datetimeFigureOut">
               <a:rPr lang="en-GB" smtClean="0"/>
-              <a:t>02/12/2023</a:t>
+              <a:t>17/12/2023</a:t>
             </a:fld>
             <a:endParaRPr lang="en-GB"/>
           </a:p>
@@ -2716,7 +2716,7 @@
           <a:p>
             <a:fld id="{789703A8-2D30-4E29-8AE8-FC3173B2BC9B}" type="datetimeFigureOut">
               <a:rPr lang="en-GB" smtClean="0"/>
-              <a:t>02/12/2023</a:t>
+              <a:t>17/12/2023</a:t>
             </a:fld>
             <a:endParaRPr lang="en-GB"/>
           </a:p>
@@ -2973,7 +2973,7 @@
           <a:p>
             <a:fld id="{789703A8-2D30-4E29-8AE8-FC3173B2BC9B}" type="datetimeFigureOut">
               <a:rPr lang="en-GB" smtClean="0"/>
-              <a:t>02/12/2023</a:t>
+              <a:t>17/12/2023</a:t>
             </a:fld>
             <a:endParaRPr lang="en-GB"/>
           </a:p>
@@ -3186,7 +3186,7 @@
           <a:p>
             <a:fld id="{789703A8-2D30-4E29-8AE8-FC3173B2BC9B}" type="datetimeFigureOut">
               <a:rPr lang="en-GB" smtClean="0"/>
-              <a:t>02/12/2023</a:t>
+              <a:t>17/12/2023</a:t>
             </a:fld>
             <a:endParaRPr lang="en-GB"/>
           </a:p>
@@ -3593,10 +3593,10 @@
       </p:grpSpPr>
       <p:grpSp>
         <p:nvGrpSpPr>
-          <p:cNvPr id="8" name="Gruppieren 7">
+          <p:cNvPr id="4" name="Gruppieren 3">
             <a:extLst>
               <a:ext uri="{FF2B5EF4-FFF2-40B4-BE49-F238E27FC236}">
-                <a16:creationId xmlns:a16="http://schemas.microsoft.com/office/drawing/2014/main" id="{C8572FAF-5E75-528A-631A-1AA5CCE5094C}"/>
+                <a16:creationId xmlns:a16="http://schemas.microsoft.com/office/drawing/2014/main" id="{3F76523B-4FB1-8E07-A330-FDD308CD90A2}"/>
               </a:ext>
             </a:extLst>
           </p:cNvPr>
@@ -3607,82 +3607,227 @@
           <a:xfrm>
             <a:off x="342894" y="4658155"/>
             <a:ext cx="6172212" cy="2571755"/>
-            <a:chOff x="609589" y="872831"/>
-            <a:chExt cx="10972822" cy="4572009"/>
+            <a:chOff x="342894" y="4658155"/>
+            <a:chExt cx="6172212" cy="2571755"/>
           </a:xfrm>
         </p:grpSpPr>
-        <p:pic>
-          <p:nvPicPr>
-            <p:cNvPr id="5" name="Grafik 4" descr="Ein Bild, das Screenshot, Quadrat, Schwarz enthält.&#10;&#10;Automatisch generierte Beschreibung">
+        <p:grpSp>
+          <p:nvGrpSpPr>
+            <p:cNvPr id="8" name="Gruppieren 7">
               <a:extLst>
                 <a:ext uri="{FF2B5EF4-FFF2-40B4-BE49-F238E27FC236}">
-                  <a16:creationId xmlns:a16="http://schemas.microsoft.com/office/drawing/2014/main" id="{FE1EEA71-7500-3C4D-FE6B-99FC2D4BD7BF}"/>
+                  <a16:creationId xmlns:a16="http://schemas.microsoft.com/office/drawing/2014/main" id="{C8572FAF-5E75-528A-631A-1AA5CCE5094C}"/>
                 </a:ext>
               </a:extLst>
             </p:cNvPr>
-            <p:cNvPicPr>
-              <a:picLocks noChangeAspect="1"/>
-            </p:cNvPicPr>
+            <p:cNvGrpSpPr/>
             <p:nvPr/>
-          </p:nvPicPr>
-          <p:blipFill>
-            <a:blip r:embed="rId2">
+          </p:nvGrpSpPr>
+          <p:grpSpPr>
+            <a:xfrm>
+              <a:off x="342894" y="4658155"/>
+              <a:ext cx="6172212" cy="2571755"/>
+              <a:chOff x="609589" y="872831"/>
+              <a:chExt cx="10972822" cy="4572009"/>
+            </a:xfrm>
+          </p:grpSpPr>
+          <p:pic>
+            <p:nvPicPr>
+              <p:cNvPr id="5" name="Grafik 4" descr="Ein Bild, das Screenshot, Quadrat, Schwarz enthält.&#10;&#10;Automatisch generierte Beschreibung">
+                <a:extLst>
+                  <a:ext uri="{FF2B5EF4-FFF2-40B4-BE49-F238E27FC236}">
+                    <a16:creationId xmlns:a16="http://schemas.microsoft.com/office/drawing/2014/main" id="{FE1EEA71-7500-3C4D-FE6B-99FC2D4BD7BF}"/>
+                  </a:ext>
+                </a:extLst>
+              </p:cNvPr>
+              <p:cNvPicPr>
+                <a:picLocks noChangeAspect="1"/>
+              </p:cNvPicPr>
+              <p:nvPr/>
+            </p:nvPicPr>
+            <p:blipFill>
+              <a:blip r:embed="rId2">
+                <a:extLst>
+                  <a:ext uri="{28A0092B-C50C-407E-A947-70E740481C1C}">
+                    <a14:useLocalDpi xmlns:a14="http://schemas.microsoft.com/office/drawing/2010/main" val="0"/>
+                  </a:ext>
+                </a:extLst>
+              </a:blip>
+              <a:stretch>
+                <a:fillRect/>
+              </a:stretch>
+            </p:blipFill>
+            <p:spPr>
+              <a:xfrm>
+                <a:off x="609589" y="872831"/>
+                <a:ext cx="5486411" cy="4572009"/>
+              </a:xfrm>
+              <a:prstGeom prst="rect">
+                <a:avLst/>
+              </a:prstGeom>
+            </p:spPr>
+          </p:pic>
+          <p:pic>
+            <p:nvPicPr>
+              <p:cNvPr id="7" name="Grafik 6" descr="Ein Bild, das Screenshot, Quadrat, Schwarz enthält.&#10;&#10;Automatisch generierte Beschreibung">
+                <a:extLst>
+                  <a:ext uri="{FF2B5EF4-FFF2-40B4-BE49-F238E27FC236}">
+                    <a16:creationId xmlns:a16="http://schemas.microsoft.com/office/drawing/2014/main" id="{4215D53A-0773-5340-4781-6225C60F9BD7}"/>
+                  </a:ext>
+                </a:extLst>
+              </p:cNvPr>
+              <p:cNvPicPr>
+                <a:picLocks noChangeAspect="1"/>
+              </p:cNvPicPr>
+              <p:nvPr/>
+            </p:nvPicPr>
+            <p:blipFill>
+              <a:blip r:embed="rId3">
+                <a:extLst>
+                  <a:ext uri="{28A0092B-C50C-407E-A947-70E740481C1C}">
+                    <a14:useLocalDpi xmlns:a14="http://schemas.microsoft.com/office/drawing/2010/main" val="0"/>
+                  </a:ext>
+                </a:extLst>
+              </a:blip>
+              <a:stretch>
+                <a:fillRect/>
+              </a:stretch>
+            </p:blipFill>
+            <p:spPr>
+              <a:xfrm>
+                <a:off x="6096000" y="872831"/>
+                <a:ext cx="5486411" cy="4572009"/>
+              </a:xfrm>
+              <a:prstGeom prst="rect">
+                <a:avLst/>
+              </a:prstGeom>
+            </p:spPr>
+          </p:pic>
+        </p:grpSp>
+        <p:sp>
+          <p:nvSpPr>
+            <p:cNvPr id="2" name="Rechteck 1">
               <a:extLst>
-                <a:ext uri="{28A0092B-C50C-407E-A947-70E740481C1C}">
-                  <a14:useLocalDpi xmlns:a14="http://schemas.microsoft.com/office/drawing/2010/main" val="0"/>
+                <a:ext uri="{FF2B5EF4-FFF2-40B4-BE49-F238E27FC236}">
+                  <a16:creationId xmlns:a16="http://schemas.microsoft.com/office/drawing/2014/main" id="{06A5303E-C5DF-ADCD-2B03-8C1B78CAFA44}"/>
                 </a:ext>
               </a:extLst>
-            </a:blip>
-            <a:stretch>
-              <a:fillRect/>
-            </a:stretch>
-          </p:blipFill>
+            </p:cNvPr>
+            <p:cNvSpPr/>
+            <p:nvPr/>
+          </p:nvSpPr>
           <p:spPr>
             <a:xfrm>
-              <a:off x="609589" y="872831"/>
-              <a:ext cx="5486411" cy="4572009"/>
+              <a:off x="855278" y="4784833"/>
+              <a:ext cx="338959" cy="232543"/>
             </a:xfrm>
             <a:prstGeom prst="rect">
               <a:avLst/>
             </a:prstGeom>
+            <a:noFill/>
+            <a:ln>
+              <a:noFill/>
+            </a:ln>
           </p:spPr>
-        </p:pic>
-        <p:pic>
-          <p:nvPicPr>
-            <p:cNvPr id="7" name="Grafik 6" descr="Ein Bild, das Screenshot, Quadrat, Schwarz enthält.&#10;&#10;Automatisch generierte Beschreibung">
+          <p:style>
+            <a:lnRef idx="2">
+              <a:schemeClr val="accent1">
+                <a:shade val="15000"/>
+              </a:schemeClr>
+            </a:lnRef>
+            <a:fillRef idx="1">
+              <a:schemeClr val="accent1"/>
+            </a:fillRef>
+            <a:effectRef idx="0">
+              <a:schemeClr val="accent1"/>
+            </a:effectRef>
+            <a:fontRef idx="minor">
+              <a:schemeClr val="lt1"/>
+            </a:fontRef>
+          </p:style>
+          <p:txBody>
+            <a:bodyPr rtlCol="0" anchor="ctr"/>
+            <a:lstStyle/>
+            <a:p>
+              <a:pPr algn="ctr"/>
+              <a:r>
+                <a:rPr lang="de-CH" sz="1400" dirty="0">
+                  <a:solidFill>
+                    <a:schemeClr val="tx1"/>
+                  </a:solidFill>
+                </a:rPr>
+                <a:t>a)</a:t>
+              </a:r>
+              <a:endParaRPr lang="en-GB" sz="1400" dirty="0">
+                <a:solidFill>
+                  <a:schemeClr val="tx1"/>
+                </a:solidFill>
+              </a:endParaRPr>
+            </a:p>
+          </p:txBody>
+        </p:sp>
+        <p:sp>
+          <p:nvSpPr>
+            <p:cNvPr id="3" name="Rechteck 2">
               <a:extLst>
                 <a:ext uri="{FF2B5EF4-FFF2-40B4-BE49-F238E27FC236}">
-                  <a16:creationId xmlns:a16="http://schemas.microsoft.com/office/drawing/2014/main" id="{4215D53A-0773-5340-4781-6225C60F9BD7}"/>
+                  <a16:creationId xmlns:a16="http://schemas.microsoft.com/office/drawing/2014/main" id="{9B6E1EC8-2ED8-B574-C282-19BE706FCD8D}"/>
                 </a:ext>
               </a:extLst>
             </p:cNvPr>
-            <p:cNvPicPr>
-              <a:picLocks noChangeAspect="1"/>
-            </p:cNvPicPr>
+            <p:cNvSpPr/>
             <p:nvPr/>
-          </p:nvPicPr>
-          <p:blipFill>
-            <a:blip r:embed="rId3">
-              <a:extLst>
-                <a:ext uri="{28A0092B-C50C-407E-A947-70E740481C1C}">
-                  <a14:useLocalDpi xmlns:a14="http://schemas.microsoft.com/office/drawing/2010/main" val="0"/>
-                </a:ext>
-              </a:extLst>
-            </a:blip>
-            <a:stretch>
-              <a:fillRect/>
-            </a:stretch>
-          </p:blipFill>
+          </p:nvSpPr>
           <p:spPr>
             <a:xfrm>
-              <a:off x="6096000" y="872831"/>
-              <a:ext cx="5486411" cy="4572009"/>
+              <a:off x="3941384" y="4784832"/>
+              <a:ext cx="338959" cy="232543"/>
             </a:xfrm>
             <a:prstGeom prst="rect">
               <a:avLst/>
             </a:prstGeom>
+            <a:noFill/>
+            <a:ln>
+              <a:noFill/>
+            </a:ln>
           </p:spPr>
-        </p:pic>
+          <p:style>
+            <a:lnRef idx="2">
+              <a:schemeClr val="accent1">
+                <a:shade val="15000"/>
+              </a:schemeClr>
+            </a:lnRef>
+            <a:fillRef idx="1">
+              <a:schemeClr val="accent1"/>
+            </a:fillRef>
+            <a:effectRef idx="0">
+              <a:schemeClr val="accent1"/>
+            </a:effectRef>
+            <a:fontRef idx="minor">
+              <a:schemeClr val="lt1"/>
+            </a:fontRef>
+          </p:style>
+          <p:txBody>
+            <a:bodyPr rtlCol="0" anchor="ctr"/>
+            <a:lstStyle/>
+            <a:p>
+              <a:pPr algn="ctr"/>
+              <a:r>
+                <a:rPr lang="de-CH" sz="1400" dirty="0">
+                  <a:solidFill>
+                    <a:schemeClr val="tx1"/>
+                  </a:solidFill>
+                </a:rPr>
+                <a:t>b)</a:t>
+              </a:r>
+              <a:endParaRPr lang="en-GB" sz="1400" dirty="0">
+                <a:solidFill>
+                  <a:schemeClr val="tx1"/>
+                </a:solidFill>
+              </a:endParaRPr>
+            </a:p>
+          </p:txBody>
+        </p:sp>
       </p:grpSp>
     </p:spTree>
     <p:extLst>

--- a/Stat_Analysis/regr_plots/Plots.pptx
+++ b/Stat_Analysis/regr_plots/Plots.pptx
@@ -200,7 +200,7 @@
           <a:p>
             <a:fld id="{E9F0EEAE-47CC-40B4-B895-3F239C789348}" type="datetimeFigureOut">
               <a:rPr lang="en-GB" smtClean="0"/>
-              <a:t>17/12/2023</a:t>
+              <a:t>19/12/2023</a:t>
             </a:fld>
             <a:endParaRPr lang="en-GB"/>
           </a:p>
@@ -863,7 +863,7 @@
           <a:p>
             <a:fld id="{789703A8-2D30-4E29-8AE8-FC3173B2BC9B}" type="datetimeFigureOut">
               <a:rPr lang="en-GB" smtClean="0"/>
-              <a:t>17/12/2023</a:t>
+              <a:t>19/12/2023</a:t>
             </a:fld>
             <a:endParaRPr lang="en-GB"/>
           </a:p>
@@ -1033,7 +1033,7 @@
           <a:p>
             <a:fld id="{789703A8-2D30-4E29-8AE8-FC3173B2BC9B}" type="datetimeFigureOut">
               <a:rPr lang="en-GB" smtClean="0"/>
-              <a:t>17/12/2023</a:t>
+              <a:t>19/12/2023</a:t>
             </a:fld>
             <a:endParaRPr lang="en-GB"/>
           </a:p>
@@ -1213,7 +1213,7 @@
           <a:p>
             <a:fld id="{789703A8-2D30-4E29-8AE8-FC3173B2BC9B}" type="datetimeFigureOut">
               <a:rPr lang="en-GB" smtClean="0"/>
-              <a:t>17/12/2023</a:t>
+              <a:t>19/12/2023</a:t>
             </a:fld>
             <a:endParaRPr lang="en-GB"/>
           </a:p>
@@ -1383,7 +1383,7 @@
           <a:p>
             <a:fld id="{789703A8-2D30-4E29-8AE8-FC3173B2BC9B}" type="datetimeFigureOut">
               <a:rPr lang="en-GB" smtClean="0"/>
-              <a:t>17/12/2023</a:t>
+              <a:t>19/12/2023</a:t>
             </a:fld>
             <a:endParaRPr lang="en-GB"/>
           </a:p>
@@ -1627,7 +1627,7 @@
           <a:p>
             <a:fld id="{789703A8-2D30-4E29-8AE8-FC3173B2BC9B}" type="datetimeFigureOut">
               <a:rPr lang="en-GB" smtClean="0"/>
-              <a:t>17/12/2023</a:t>
+              <a:t>19/12/2023</a:t>
             </a:fld>
             <a:endParaRPr lang="en-GB"/>
           </a:p>
@@ -1859,7 +1859,7 @@
           <a:p>
             <a:fld id="{789703A8-2D30-4E29-8AE8-FC3173B2BC9B}" type="datetimeFigureOut">
               <a:rPr lang="en-GB" smtClean="0"/>
-              <a:t>17/12/2023</a:t>
+              <a:t>19/12/2023</a:t>
             </a:fld>
             <a:endParaRPr lang="en-GB"/>
           </a:p>
@@ -2226,7 +2226,7 @@
           <a:p>
             <a:fld id="{789703A8-2D30-4E29-8AE8-FC3173B2BC9B}" type="datetimeFigureOut">
               <a:rPr lang="en-GB" smtClean="0"/>
-              <a:t>17/12/2023</a:t>
+              <a:t>19/12/2023</a:t>
             </a:fld>
             <a:endParaRPr lang="en-GB"/>
           </a:p>
@@ -2344,7 +2344,7 @@
           <a:p>
             <a:fld id="{789703A8-2D30-4E29-8AE8-FC3173B2BC9B}" type="datetimeFigureOut">
               <a:rPr lang="en-GB" smtClean="0"/>
-              <a:t>17/12/2023</a:t>
+              <a:t>19/12/2023</a:t>
             </a:fld>
             <a:endParaRPr lang="en-GB"/>
           </a:p>
@@ -2439,7 +2439,7 @@
           <a:p>
             <a:fld id="{789703A8-2D30-4E29-8AE8-FC3173B2BC9B}" type="datetimeFigureOut">
               <a:rPr lang="en-GB" smtClean="0"/>
-              <a:t>17/12/2023</a:t>
+              <a:t>19/12/2023</a:t>
             </a:fld>
             <a:endParaRPr lang="en-GB"/>
           </a:p>
@@ -2716,7 +2716,7 @@
           <a:p>
             <a:fld id="{789703A8-2D30-4E29-8AE8-FC3173B2BC9B}" type="datetimeFigureOut">
               <a:rPr lang="en-GB" smtClean="0"/>
-              <a:t>17/12/2023</a:t>
+              <a:t>19/12/2023</a:t>
             </a:fld>
             <a:endParaRPr lang="en-GB"/>
           </a:p>
@@ -2973,7 +2973,7 @@
           <a:p>
             <a:fld id="{789703A8-2D30-4E29-8AE8-FC3173B2BC9B}" type="datetimeFigureOut">
               <a:rPr lang="en-GB" smtClean="0"/>
-              <a:t>17/12/2023</a:t>
+              <a:t>19/12/2023</a:t>
             </a:fld>
             <a:endParaRPr lang="en-GB"/>
           </a:p>
@@ -3186,7 +3186,7 @@
           <a:p>
             <a:fld id="{789703A8-2D30-4E29-8AE8-FC3173B2BC9B}" type="datetimeFigureOut">
               <a:rPr lang="en-GB" smtClean="0"/>
-              <a:t>17/12/2023</a:t>
+              <a:t>19/12/2023</a:t>
             </a:fld>
             <a:endParaRPr lang="en-GB"/>
           </a:p>
@@ -3593,10 +3593,10 @@
       </p:grpSpPr>
       <p:grpSp>
         <p:nvGrpSpPr>
-          <p:cNvPr id="4" name="Gruppieren 3">
+          <p:cNvPr id="12" name="Gruppieren 11">
             <a:extLst>
               <a:ext uri="{FF2B5EF4-FFF2-40B4-BE49-F238E27FC236}">
-                <a16:creationId xmlns:a16="http://schemas.microsoft.com/office/drawing/2014/main" id="{3F76523B-4FB1-8E07-A330-FDD308CD90A2}"/>
+                <a16:creationId xmlns:a16="http://schemas.microsoft.com/office/drawing/2014/main" id="{229A884F-BBDC-3B81-68B3-F4BAE4D5FA40}"/>
               </a:ext>
             </a:extLst>
           </p:cNvPr>
@@ -3605,105 +3605,51 @@
         </p:nvGrpSpPr>
         <p:grpSpPr>
           <a:xfrm>
-            <a:off x="342894" y="4658155"/>
-            <a:ext cx="6172212" cy="2571755"/>
-            <a:chOff x="342894" y="4658155"/>
-            <a:chExt cx="6172212" cy="2571755"/>
+            <a:off x="379111" y="4667082"/>
+            <a:ext cx="6495740" cy="2570400"/>
+            <a:chOff x="379111" y="4667082"/>
+            <a:chExt cx="6495740" cy="2570400"/>
           </a:xfrm>
         </p:grpSpPr>
-        <p:grpSp>
-          <p:nvGrpSpPr>
-            <p:cNvPr id="8" name="Gruppieren 7">
+        <p:pic>
+          <p:nvPicPr>
+            <p:cNvPr id="11" name="Grafik 10" descr="Ein Bild, das Screenshot enthält.&#10;&#10;Automatisch generierte Beschreibung">
               <a:extLst>
                 <a:ext uri="{FF2B5EF4-FFF2-40B4-BE49-F238E27FC236}">
-                  <a16:creationId xmlns:a16="http://schemas.microsoft.com/office/drawing/2014/main" id="{C8572FAF-5E75-528A-631A-1AA5CCE5094C}"/>
+                  <a16:creationId xmlns:a16="http://schemas.microsoft.com/office/drawing/2014/main" id="{DDCD0E4F-7FC1-4225-0E4A-1C4177CB36B7}"/>
                 </a:ext>
               </a:extLst>
             </p:cNvPr>
-            <p:cNvGrpSpPr/>
+            <p:cNvPicPr>
+              <a:picLocks noChangeAspect="1"/>
+            </p:cNvPicPr>
             <p:nvPr/>
-          </p:nvGrpSpPr>
-          <p:grpSpPr>
+          </p:nvPicPr>
+          <p:blipFill>
+            <a:blip r:embed="rId2">
+              <a:extLst>
+                <a:ext uri="{28A0092B-C50C-407E-A947-70E740481C1C}">
+                  <a14:useLocalDpi xmlns:a14="http://schemas.microsoft.com/office/drawing/2010/main" val="0"/>
+                </a:ext>
+              </a:extLst>
+            </a:blip>
+            <a:stretch>
+              <a:fillRect/>
+            </a:stretch>
+          </p:blipFill>
+          <p:spPr>
             <a:xfrm>
-              <a:off x="342894" y="4658155"/>
-              <a:ext cx="6172212" cy="2571755"/>
-              <a:chOff x="609589" y="872831"/>
-              <a:chExt cx="10972822" cy="4572009"/>
+              <a:off x="3276291" y="4667082"/>
+              <a:ext cx="3598560" cy="2570400"/>
             </a:xfrm>
-          </p:grpSpPr>
-          <p:pic>
-            <p:nvPicPr>
-              <p:cNvPr id="5" name="Grafik 4" descr="Ein Bild, das Screenshot, Quadrat, Schwarz enthält.&#10;&#10;Automatisch generierte Beschreibung">
-                <a:extLst>
-                  <a:ext uri="{FF2B5EF4-FFF2-40B4-BE49-F238E27FC236}">
-                    <a16:creationId xmlns:a16="http://schemas.microsoft.com/office/drawing/2014/main" id="{FE1EEA71-7500-3C4D-FE6B-99FC2D4BD7BF}"/>
-                  </a:ext>
-                </a:extLst>
-              </p:cNvPr>
-              <p:cNvPicPr>
-                <a:picLocks noChangeAspect="1"/>
-              </p:cNvPicPr>
-              <p:nvPr/>
-            </p:nvPicPr>
-            <p:blipFill>
-              <a:blip r:embed="rId2">
-                <a:extLst>
-                  <a:ext uri="{28A0092B-C50C-407E-A947-70E740481C1C}">
-                    <a14:useLocalDpi xmlns:a14="http://schemas.microsoft.com/office/drawing/2010/main" val="0"/>
-                  </a:ext>
-                </a:extLst>
-              </a:blip>
-              <a:stretch>
-                <a:fillRect/>
-              </a:stretch>
-            </p:blipFill>
-            <p:spPr>
-              <a:xfrm>
-                <a:off x="609589" y="872831"/>
-                <a:ext cx="5486411" cy="4572009"/>
-              </a:xfrm>
-              <a:prstGeom prst="rect">
-                <a:avLst/>
-              </a:prstGeom>
-            </p:spPr>
-          </p:pic>
-          <p:pic>
-            <p:nvPicPr>
-              <p:cNvPr id="7" name="Grafik 6" descr="Ein Bild, das Screenshot, Quadrat, Schwarz enthält.&#10;&#10;Automatisch generierte Beschreibung">
-                <a:extLst>
-                  <a:ext uri="{FF2B5EF4-FFF2-40B4-BE49-F238E27FC236}">
-                    <a16:creationId xmlns:a16="http://schemas.microsoft.com/office/drawing/2014/main" id="{4215D53A-0773-5340-4781-6225C60F9BD7}"/>
-                  </a:ext>
-                </a:extLst>
-              </p:cNvPr>
-              <p:cNvPicPr>
-                <a:picLocks noChangeAspect="1"/>
-              </p:cNvPicPr>
-              <p:nvPr/>
-            </p:nvPicPr>
-            <p:blipFill>
-              <a:blip r:embed="rId3">
-                <a:extLst>
-                  <a:ext uri="{28A0092B-C50C-407E-A947-70E740481C1C}">
-                    <a14:useLocalDpi xmlns:a14="http://schemas.microsoft.com/office/drawing/2010/main" val="0"/>
-                  </a:ext>
-                </a:extLst>
-              </a:blip>
-              <a:stretch>
-                <a:fillRect/>
-              </a:stretch>
-            </p:blipFill>
-            <p:spPr>
-              <a:xfrm>
-                <a:off x="6096000" y="872831"/>
-                <a:ext cx="5486411" cy="4572009"/>
-              </a:xfrm>
-              <a:prstGeom prst="rect">
-                <a:avLst/>
-              </a:prstGeom>
-            </p:spPr>
-          </p:pic>
-        </p:grpSp>
+            <a:prstGeom prst="rect">
+              <a:avLst/>
+            </a:prstGeom>
+            <a:ln>
+              <a:noFill/>
+            </a:ln>
+          </p:spPr>
+        </p:pic>
         <p:sp>
           <p:nvSpPr>
             <p:cNvPr id="2" name="Rechteck 1">
@@ -3780,7 +3726,7 @@
           </p:nvSpPr>
           <p:spPr>
             <a:xfrm>
-              <a:off x="3941384" y="4784832"/>
+              <a:off x="3752458" y="4793370"/>
               <a:ext cx="338959" cy="232543"/>
             </a:xfrm>
             <a:prstGeom prst="rect">
@@ -3828,6 +3774,44 @@
             </a:p>
           </p:txBody>
         </p:sp>
+        <p:pic>
+          <p:nvPicPr>
+            <p:cNvPr id="9" name="Grafik 8" descr="Ein Bild, das Screenshot enthält.&#10;&#10;Automatisch generierte Beschreibung">
+              <a:extLst>
+                <a:ext uri="{FF2B5EF4-FFF2-40B4-BE49-F238E27FC236}">
+                  <a16:creationId xmlns:a16="http://schemas.microsoft.com/office/drawing/2014/main" id="{D83EEA5D-08FC-7F05-1A91-D80F5017A320}"/>
+                </a:ext>
+              </a:extLst>
+            </p:cNvPr>
+            <p:cNvPicPr>
+              <a:picLocks noChangeAspect="1"/>
+            </p:cNvPicPr>
+            <p:nvPr/>
+          </p:nvPicPr>
+          <p:blipFill rotWithShape="1">
+            <a:blip r:embed="rId3">
+              <a:extLst>
+                <a:ext uri="{28A0092B-C50C-407E-A947-70E740481C1C}">
+                  <a14:useLocalDpi xmlns:a14="http://schemas.microsoft.com/office/drawing/2010/main" val="0"/>
+                </a:ext>
+              </a:extLst>
+            </a:blip>
+            <a:srcRect r="19491"/>
+            <a:stretch/>
+          </p:blipFill>
+          <p:spPr>
+            <a:xfrm>
+              <a:off x="379111" y="4667082"/>
+              <a:ext cx="2897180" cy="2570400"/>
+            </a:xfrm>
+            <a:prstGeom prst="rect">
+              <a:avLst/>
+            </a:prstGeom>
+            <a:ln>
+              <a:noFill/>
+            </a:ln>
+          </p:spPr>
+        </p:pic>
       </p:grpSp>
     </p:spTree>
     <p:extLst>

--- a/Stat_Analysis/regr_plots/Plots.pptx
+++ b/Stat_Analysis/regr_plots/Plots.pptx
@@ -2,18 +2,16 @@
 <file path=ppt/presentation.xml><?xml version="1.0" encoding="utf-8"?>
 <p:presentation xmlns:a="http://schemas.openxmlformats.org/drawingml/2006/main" xmlns:r="http://schemas.openxmlformats.org/officeDocument/2006/relationships" xmlns:p="http://schemas.openxmlformats.org/presentationml/2006/main" saveSubsetFonts="1">
   <p:sldMasterIdLst>
-    <p:sldMasterId id="2147483660" r:id="rId1"/>
+    <p:sldMasterId id="2147483732" r:id="rId1"/>
   </p:sldMasterIdLst>
   <p:notesMasterIdLst>
-    <p:notesMasterId r:id="rId6"/>
+    <p:notesMasterId r:id="rId4"/>
   </p:notesMasterIdLst>
   <p:sldIdLst>
     <p:sldId id="256" r:id="rId2"/>
-    <p:sldId id="262" r:id="rId3"/>
-    <p:sldId id="263" r:id="rId4"/>
-    <p:sldId id="264" r:id="rId5"/>
+    <p:sldId id="264" r:id="rId3"/>
   </p:sldIdLst>
-  <p:sldSz cx="6858000" cy="12192000"/>
+  <p:sldSz cx="20664488" cy="13103225"/>
   <p:notesSz cx="6858000" cy="9144000"/>
   <p:defaultTextStyle>
     <a:defPPr>
@@ -200,7 +198,7 @@
           <a:p>
             <a:fld id="{E9F0EEAE-47CC-40B4-B895-3F239C789348}" type="datetimeFigureOut">
               <a:rPr lang="en-GB" smtClean="0"/>
-              <a:t>19/12/2023</a:t>
+              <a:t>23/12/2023</a:t>
             </a:fld>
             <a:endParaRPr lang="en-GB"/>
           </a:p>
@@ -218,8 +216,8 @@
         </p:nvSpPr>
         <p:spPr>
           <a:xfrm>
-            <a:off x="2560638" y="1143000"/>
-            <a:ext cx="1736725" cy="3086100"/>
+            <a:off x="995363" y="1143000"/>
+            <a:ext cx="4867275" cy="3086100"/>
           </a:xfrm>
           <a:prstGeom prst="rect">
             <a:avLst/>
@@ -468,270 +466,6 @@
 </p:notesMaster>
 </file>
 
-<file path=ppt/notesSlides/notesSlide1.xml><?xml version="1.0" encoding="utf-8"?>
-<p:notes xmlns:a="http://schemas.openxmlformats.org/drawingml/2006/main" xmlns:r="http://schemas.openxmlformats.org/officeDocument/2006/relationships" xmlns:p="http://schemas.openxmlformats.org/presentationml/2006/main">
-  <p:cSld>
-    <p:spTree>
-      <p:nvGrpSpPr>
-        <p:cNvPr id="1" name=""/>
-        <p:cNvGrpSpPr/>
-        <p:nvPr/>
-      </p:nvGrpSpPr>
-      <p:grpSpPr>
-        <a:xfrm>
-          <a:off x="0" y="0"/>
-          <a:ext cx="0" cy="0"/>
-          <a:chOff x="0" y="0"/>
-          <a:chExt cx="0" cy="0"/>
-        </a:xfrm>
-      </p:grpSpPr>
-      <p:sp>
-        <p:nvSpPr>
-          <p:cNvPr id="2" name="Folienbildplatzhalter 1"/>
-          <p:cNvSpPr>
-            <a:spLocks noGrp="1" noRot="1" noChangeAspect="1"/>
-          </p:cNvSpPr>
-          <p:nvPr>
-            <p:ph type="sldImg"/>
-          </p:nvPr>
-        </p:nvSpPr>
-        <p:spPr/>
-      </p:sp>
-      <p:sp>
-        <p:nvSpPr>
-          <p:cNvPr id="3" name="Notizenplatzhalter 2"/>
-          <p:cNvSpPr>
-            <a:spLocks noGrp="1"/>
-          </p:cNvSpPr>
-          <p:nvPr>
-            <p:ph type="body" idx="1"/>
-          </p:nvPr>
-        </p:nvSpPr>
-        <p:spPr/>
-        <p:txBody>
-          <a:bodyPr/>
-          <a:lstStyle/>
-          <a:p>
-            <a:r>
-              <a:rPr lang="de-CH" dirty="0"/>
-              <a:t>BRT</a:t>
-            </a:r>
-            <a:endParaRPr lang="en-GB" dirty="0"/>
-          </a:p>
-        </p:txBody>
-      </p:sp>
-      <p:sp>
-        <p:nvSpPr>
-          <p:cNvPr id="4" name="Foliennummernplatzhalter 3"/>
-          <p:cNvSpPr>
-            <a:spLocks noGrp="1"/>
-          </p:cNvSpPr>
-          <p:nvPr>
-            <p:ph type="sldNum" sz="quarter" idx="5"/>
-          </p:nvPr>
-        </p:nvSpPr>
-        <p:spPr/>
-        <p:txBody>
-          <a:bodyPr/>
-          <a:lstStyle/>
-          <a:p>
-            <a:fld id="{140B6185-32E5-4DAC-9200-5D498AE88BFC}" type="slidenum">
-              <a:rPr lang="en-GB" smtClean="0"/>
-              <a:t>2</a:t>
-            </a:fld>
-            <a:endParaRPr lang="en-GB"/>
-          </a:p>
-        </p:txBody>
-      </p:sp>
-    </p:spTree>
-    <p:extLst>
-      <p:ext uri="{BB962C8B-B14F-4D97-AF65-F5344CB8AC3E}">
-        <p14:creationId xmlns:p14="http://schemas.microsoft.com/office/powerpoint/2010/main" val="1182032235"/>
-      </p:ext>
-    </p:extLst>
-  </p:cSld>
-  <p:clrMapOvr>
-    <a:masterClrMapping/>
-  </p:clrMapOvr>
-</p:notes>
-</file>
-
-<file path=ppt/notesSlides/notesSlide2.xml><?xml version="1.0" encoding="utf-8"?>
-<p:notes xmlns:a="http://schemas.openxmlformats.org/drawingml/2006/main" xmlns:r="http://schemas.openxmlformats.org/officeDocument/2006/relationships" xmlns:p="http://schemas.openxmlformats.org/presentationml/2006/main">
-  <p:cSld>
-    <p:spTree>
-      <p:nvGrpSpPr>
-        <p:cNvPr id="1" name=""/>
-        <p:cNvGrpSpPr/>
-        <p:nvPr/>
-      </p:nvGrpSpPr>
-      <p:grpSpPr>
-        <a:xfrm>
-          <a:off x="0" y="0"/>
-          <a:ext cx="0" cy="0"/>
-          <a:chOff x="0" y="0"/>
-          <a:chExt cx="0" cy="0"/>
-        </a:xfrm>
-      </p:grpSpPr>
-      <p:sp>
-        <p:nvSpPr>
-          <p:cNvPr id="2" name="Folienbildplatzhalter 1"/>
-          <p:cNvSpPr>
-            <a:spLocks noGrp="1" noRot="1" noChangeAspect="1"/>
-          </p:cNvSpPr>
-          <p:nvPr>
-            <p:ph type="sldImg"/>
-          </p:nvPr>
-        </p:nvSpPr>
-        <p:spPr/>
-      </p:sp>
-      <p:sp>
-        <p:nvSpPr>
-          <p:cNvPr id="3" name="Notizenplatzhalter 2"/>
-          <p:cNvSpPr>
-            <a:spLocks noGrp="1"/>
-          </p:cNvSpPr>
-          <p:nvPr>
-            <p:ph type="body" idx="1"/>
-          </p:nvPr>
-        </p:nvSpPr>
-        <p:spPr/>
-        <p:txBody>
-          <a:bodyPr/>
-          <a:lstStyle/>
-          <a:p>
-            <a:r>
-              <a:rPr lang="de-CH" dirty="0"/>
-              <a:t>RF</a:t>
-            </a:r>
-            <a:endParaRPr lang="en-GB" dirty="0"/>
-          </a:p>
-        </p:txBody>
-      </p:sp>
-      <p:sp>
-        <p:nvSpPr>
-          <p:cNvPr id="4" name="Foliennummernplatzhalter 3"/>
-          <p:cNvSpPr>
-            <a:spLocks noGrp="1"/>
-          </p:cNvSpPr>
-          <p:nvPr>
-            <p:ph type="sldNum" sz="quarter" idx="5"/>
-          </p:nvPr>
-        </p:nvSpPr>
-        <p:spPr/>
-        <p:txBody>
-          <a:bodyPr/>
-          <a:lstStyle/>
-          <a:p>
-            <a:fld id="{140B6185-32E5-4DAC-9200-5D498AE88BFC}" type="slidenum">
-              <a:rPr lang="en-GB" smtClean="0"/>
-              <a:t>3</a:t>
-            </a:fld>
-            <a:endParaRPr lang="en-GB"/>
-          </a:p>
-        </p:txBody>
-      </p:sp>
-    </p:spTree>
-    <p:extLst>
-      <p:ext uri="{BB962C8B-B14F-4D97-AF65-F5344CB8AC3E}">
-        <p14:creationId xmlns:p14="http://schemas.microsoft.com/office/powerpoint/2010/main" val="3290128696"/>
-      </p:ext>
-    </p:extLst>
-  </p:cSld>
-  <p:clrMapOvr>
-    <a:masterClrMapping/>
-  </p:clrMapOvr>
-</p:notes>
-</file>
-
-<file path=ppt/notesSlides/notesSlide3.xml><?xml version="1.0" encoding="utf-8"?>
-<p:notes xmlns:a="http://schemas.openxmlformats.org/drawingml/2006/main" xmlns:r="http://schemas.openxmlformats.org/officeDocument/2006/relationships" xmlns:p="http://schemas.openxmlformats.org/presentationml/2006/main">
-  <p:cSld>
-    <p:spTree>
-      <p:nvGrpSpPr>
-        <p:cNvPr id="1" name=""/>
-        <p:cNvGrpSpPr/>
-        <p:nvPr/>
-      </p:nvGrpSpPr>
-      <p:grpSpPr>
-        <a:xfrm>
-          <a:off x="0" y="0"/>
-          <a:ext cx="0" cy="0"/>
-          <a:chOff x="0" y="0"/>
-          <a:chExt cx="0" cy="0"/>
-        </a:xfrm>
-      </p:grpSpPr>
-      <p:sp>
-        <p:nvSpPr>
-          <p:cNvPr id="2" name="Folienbildplatzhalter 1"/>
-          <p:cNvSpPr>
-            <a:spLocks noGrp="1" noRot="1" noChangeAspect="1"/>
-          </p:cNvSpPr>
-          <p:nvPr>
-            <p:ph type="sldImg"/>
-          </p:nvPr>
-        </p:nvSpPr>
-        <p:spPr/>
-      </p:sp>
-      <p:sp>
-        <p:nvSpPr>
-          <p:cNvPr id="3" name="Notizenplatzhalter 2"/>
-          <p:cNvSpPr>
-            <a:spLocks noGrp="1"/>
-          </p:cNvSpPr>
-          <p:nvPr>
-            <p:ph type="body" idx="1"/>
-          </p:nvPr>
-        </p:nvSpPr>
-        <p:spPr/>
-        <p:txBody>
-          <a:bodyPr/>
-          <a:lstStyle/>
-          <a:p>
-            <a:r>
-              <a:rPr lang="de-CH" dirty="0"/>
-              <a:t>RF</a:t>
-            </a:r>
-            <a:endParaRPr lang="en-GB" dirty="0"/>
-          </a:p>
-        </p:txBody>
-      </p:sp>
-      <p:sp>
-        <p:nvSpPr>
-          <p:cNvPr id="4" name="Foliennummernplatzhalter 3"/>
-          <p:cNvSpPr>
-            <a:spLocks noGrp="1"/>
-          </p:cNvSpPr>
-          <p:nvPr>
-            <p:ph type="sldNum" sz="quarter" idx="5"/>
-          </p:nvPr>
-        </p:nvSpPr>
-        <p:spPr/>
-        <p:txBody>
-          <a:bodyPr/>
-          <a:lstStyle/>
-          <a:p>
-            <a:fld id="{140B6185-32E5-4DAC-9200-5D498AE88BFC}" type="slidenum">
-              <a:rPr lang="en-GB" smtClean="0"/>
-              <a:t>4</a:t>
-            </a:fld>
-            <a:endParaRPr lang="en-GB"/>
-          </a:p>
-        </p:txBody>
-      </p:sp>
-    </p:spTree>
-    <p:extLst>
-      <p:ext uri="{BB962C8B-B14F-4D97-AF65-F5344CB8AC3E}">
-        <p14:creationId xmlns:p14="http://schemas.microsoft.com/office/powerpoint/2010/main" val="1640246631"/>
-      </p:ext>
-    </p:extLst>
-  </p:cSld>
-  <p:clrMapOvr>
-    <a:masterClrMapping/>
-  </p:clrMapOvr>
-</p:notes>
-</file>
-
 <file path=ppt/slideLayouts/slideLayout1.xml><?xml version="1.0" encoding="utf-8"?>
 <p:sldLayout xmlns:a="http://schemas.openxmlformats.org/drawingml/2006/main" xmlns:r="http://schemas.openxmlformats.org/officeDocument/2006/relationships" xmlns:p="http://schemas.openxmlformats.org/presentationml/2006/main" type="title" preserve="1">
   <p:cSld name="Titelfolie">
@@ -761,15 +495,15 @@
         </p:nvSpPr>
         <p:spPr>
           <a:xfrm>
-            <a:off x="514350" y="1995312"/>
-            <a:ext cx="5829300" cy="4244622"/>
+            <a:off x="2583061" y="2144441"/>
+            <a:ext cx="15498366" cy="4561864"/>
           </a:xfrm>
         </p:spPr>
         <p:txBody>
           <a:bodyPr anchor="b"/>
           <a:lstStyle>
             <a:lvl1pPr algn="ctr">
-              <a:defRPr sz="4500"/>
+              <a:defRPr sz="10169"/>
             </a:lvl1pPr>
           </a:lstStyle>
           <a:p>
@@ -793,8 +527,8 @@
         </p:nvSpPr>
         <p:spPr>
           <a:xfrm>
-            <a:off x="857250" y="6403623"/>
-            <a:ext cx="5143500" cy="2943577"/>
+            <a:off x="2583061" y="6882227"/>
+            <a:ext cx="15498366" cy="3163579"/>
           </a:xfrm>
         </p:spPr>
         <p:txBody>
@@ -802,39 +536,39 @@
           <a:lstStyle>
             <a:lvl1pPr marL="0" indent="0" algn="ctr">
               <a:buNone/>
-              <a:defRPr sz="1800"/>
+              <a:defRPr sz="4068"/>
             </a:lvl1pPr>
-            <a:lvl2pPr marL="342900" indent="0" algn="ctr">
-              <a:buNone/>
-              <a:defRPr sz="1500"/>
+            <a:lvl2pPr marL="774908" indent="0" algn="ctr">
+              <a:buNone/>
+              <a:defRPr sz="3390"/>
             </a:lvl2pPr>
-            <a:lvl3pPr marL="685800" indent="0" algn="ctr">
-              <a:buNone/>
-              <a:defRPr sz="1350"/>
+            <a:lvl3pPr marL="1549817" indent="0" algn="ctr">
+              <a:buNone/>
+              <a:defRPr sz="3051"/>
             </a:lvl3pPr>
-            <a:lvl4pPr marL="1028700" indent="0" algn="ctr">
-              <a:buNone/>
-              <a:defRPr sz="1200"/>
+            <a:lvl4pPr marL="2324725" indent="0" algn="ctr">
+              <a:buNone/>
+              <a:defRPr sz="2712"/>
             </a:lvl4pPr>
-            <a:lvl5pPr marL="1371600" indent="0" algn="ctr">
-              <a:buNone/>
-              <a:defRPr sz="1200"/>
+            <a:lvl5pPr marL="3099633" indent="0" algn="ctr">
+              <a:buNone/>
+              <a:defRPr sz="2712"/>
             </a:lvl5pPr>
-            <a:lvl6pPr marL="1714500" indent="0" algn="ctr">
-              <a:buNone/>
-              <a:defRPr sz="1200"/>
+            <a:lvl6pPr marL="3874541" indent="0" algn="ctr">
+              <a:buNone/>
+              <a:defRPr sz="2712"/>
             </a:lvl6pPr>
-            <a:lvl7pPr marL="2057400" indent="0" algn="ctr">
-              <a:buNone/>
-              <a:defRPr sz="1200"/>
+            <a:lvl7pPr marL="4649450" indent="0" algn="ctr">
+              <a:buNone/>
+              <a:defRPr sz="2712"/>
             </a:lvl7pPr>
-            <a:lvl8pPr marL="2400300" indent="0" algn="ctr">
-              <a:buNone/>
-              <a:defRPr sz="1200"/>
+            <a:lvl8pPr marL="5424358" indent="0" algn="ctr">
+              <a:buNone/>
+              <a:defRPr sz="2712"/>
             </a:lvl8pPr>
-            <a:lvl9pPr marL="2743200" indent="0" algn="ctr">
-              <a:buNone/>
-              <a:defRPr sz="1200"/>
+            <a:lvl9pPr marL="6199266" indent="0" algn="ctr">
+              <a:buNone/>
+              <a:defRPr sz="2712"/>
             </a:lvl9pPr>
           </a:lstStyle>
           <a:p>
@@ -863,7 +597,7 @@
           <a:p>
             <a:fld id="{789703A8-2D30-4E29-8AE8-FC3173B2BC9B}" type="datetimeFigureOut">
               <a:rPr lang="en-GB" smtClean="0"/>
-              <a:t>19/12/2023</a:t>
+              <a:t>23/12/2023</a:t>
             </a:fld>
             <a:endParaRPr lang="en-GB"/>
           </a:p>
@@ -914,7 +648,7 @@
     </p:spTree>
     <p:extLst>
       <p:ext uri="{BB962C8B-B14F-4D97-AF65-F5344CB8AC3E}">
-        <p14:creationId xmlns:p14="http://schemas.microsoft.com/office/powerpoint/2010/main" val="1935344714"/>
+        <p14:creationId xmlns:p14="http://schemas.microsoft.com/office/powerpoint/2010/main" val="3939237561"/>
       </p:ext>
     </p:extLst>
   </p:cSld>
@@ -1033,7 +767,7 @@
           <a:p>
             <a:fld id="{789703A8-2D30-4E29-8AE8-FC3173B2BC9B}" type="datetimeFigureOut">
               <a:rPr lang="en-GB" smtClean="0"/>
-              <a:t>19/12/2023</a:t>
+              <a:t>23/12/2023</a:t>
             </a:fld>
             <a:endParaRPr lang="en-GB"/>
           </a:p>
@@ -1084,7 +818,7 @@
     </p:spTree>
     <p:extLst>
       <p:ext uri="{BB962C8B-B14F-4D97-AF65-F5344CB8AC3E}">
-        <p14:creationId xmlns:p14="http://schemas.microsoft.com/office/powerpoint/2010/main" val="230914937"/>
+        <p14:creationId xmlns:p14="http://schemas.microsoft.com/office/powerpoint/2010/main" val="2976134029"/>
       </p:ext>
     </p:extLst>
   </p:cSld>
@@ -1123,8 +857,8 @@
         </p:nvSpPr>
         <p:spPr>
           <a:xfrm>
-            <a:off x="4907757" y="649111"/>
-            <a:ext cx="1478756" cy="10332156"/>
+            <a:off x="14788024" y="697625"/>
+            <a:ext cx="4455780" cy="11104378"/>
           </a:xfrm>
         </p:spPr>
         <p:txBody>
@@ -1151,8 +885,8 @@
         </p:nvSpPr>
         <p:spPr>
           <a:xfrm>
-            <a:off x="471488" y="649111"/>
-            <a:ext cx="4350544" cy="10332156"/>
+            <a:off x="1420683" y="697625"/>
+            <a:ext cx="13109035" cy="11104378"/>
           </a:xfrm>
         </p:spPr>
         <p:txBody>
@@ -1213,7 +947,7 @@
           <a:p>
             <a:fld id="{789703A8-2D30-4E29-8AE8-FC3173B2BC9B}" type="datetimeFigureOut">
               <a:rPr lang="en-GB" smtClean="0"/>
-              <a:t>19/12/2023</a:t>
+              <a:t>23/12/2023</a:t>
             </a:fld>
             <a:endParaRPr lang="en-GB"/>
           </a:p>
@@ -1264,7 +998,7 @@
     </p:spTree>
     <p:extLst>
       <p:ext uri="{BB962C8B-B14F-4D97-AF65-F5344CB8AC3E}">
-        <p14:creationId xmlns:p14="http://schemas.microsoft.com/office/powerpoint/2010/main" val="3401352027"/>
+        <p14:creationId xmlns:p14="http://schemas.microsoft.com/office/powerpoint/2010/main" val="1073819752"/>
       </p:ext>
     </p:extLst>
   </p:cSld>
@@ -1383,7 +1117,7 @@
           <a:p>
             <a:fld id="{789703A8-2D30-4E29-8AE8-FC3173B2BC9B}" type="datetimeFigureOut">
               <a:rPr lang="en-GB" smtClean="0"/>
-              <a:t>19/12/2023</a:t>
+              <a:t>23/12/2023</a:t>
             </a:fld>
             <a:endParaRPr lang="en-GB"/>
           </a:p>
@@ -1434,7 +1168,7 @@
     </p:spTree>
     <p:extLst>
       <p:ext uri="{BB962C8B-B14F-4D97-AF65-F5344CB8AC3E}">
-        <p14:creationId xmlns:p14="http://schemas.microsoft.com/office/powerpoint/2010/main" val="3746203356"/>
+        <p14:creationId xmlns:p14="http://schemas.microsoft.com/office/powerpoint/2010/main" val="3545414334"/>
       </p:ext>
     </p:extLst>
   </p:cSld>
@@ -1473,15 +1207,15 @@
         </p:nvSpPr>
         <p:spPr>
           <a:xfrm>
-            <a:off x="467916" y="3039537"/>
-            <a:ext cx="5915025" cy="5071532"/>
+            <a:off x="1409921" y="3266709"/>
+            <a:ext cx="17823121" cy="5450577"/>
           </a:xfrm>
         </p:spPr>
         <p:txBody>
           <a:bodyPr anchor="b"/>
           <a:lstStyle>
             <a:lvl1pPr>
-              <a:defRPr sz="4500"/>
+              <a:defRPr sz="10169"/>
             </a:lvl1pPr>
           </a:lstStyle>
           <a:p>
@@ -1505,8 +1239,8 @@
         </p:nvSpPr>
         <p:spPr>
           <a:xfrm>
-            <a:off x="467916" y="8159048"/>
-            <a:ext cx="5915025" cy="2666999"/>
+            <a:off x="1409921" y="8768850"/>
+            <a:ext cx="17823121" cy="2866330"/>
           </a:xfrm>
         </p:spPr>
         <p:txBody>
@@ -1514,15 +1248,17 @@
           <a:lstStyle>
             <a:lvl1pPr marL="0" indent="0">
               <a:buNone/>
-              <a:defRPr sz="1800">
+              <a:defRPr sz="4068">
                 <a:solidFill>
-                  <a:schemeClr val="tx1"/>
+                  <a:schemeClr val="tx1">
+                    <a:tint val="75000"/>
+                  </a:schemeClr>
                 </a:solidFill>
               </a:defRPr>
             </a:lvl1pPr>
-            <a:lvl2pPr marL="342900" indent="0">
-              <a:buNone/>
-              <a:defRPr sz="1500">
+            <a:lvl2pPr marL="774908" indent="0">
+              <a:buNone/>
+              <a:defRPr sz="3390">
                 <a:solidFill>
                   <a:schemeClr val="tx1">
                     <a:tint val="75000"/>
@@ -1530,9 +1266,9 @@
                 </a:solidFill>
               </a:defRPr>
             </a:lvl2pPr>
-            <a:lvl3pPr marL="685800" indent="0">
-              <a:buNone/>
-              <a:defRPr sz="1350">
+            <a:lvl3pPr marL="1549817" indent="0">
+              <a:buNone/>
+              <a:defRPr sz="3051">
                 <a:solidFill>
                   <a:schemeClr val="tx1">
                     <a:tint val="75000"/>
@@ -1540,9 +1276,9 @@
                 </a:solidFill>
               </a:defRPr>
             </a:lvl3pPr>
-            <a:lvl4pPr marL="1028700" indent="0">
-              <a:buNone/>
-              <a:defRPr sz="1200">
+            <a:lvl4pPr marL="2324725" indent="0">
+              <a:buNone/>
+              <a:defRPr sz="2712">
                 <a:solidFill>
                   <a:schemeClr val="tx1">
                     <a:tint val="75000"/>
@@ -1550,9 +1286,9 @@
                 </a:solidFill>
               </a:defRPr>
             </a:lvl4pPr>
-            <a:lvl5pPr marL="1371600" indent="0">
-              <a:buNone/>
-              <a:defRPr sz="1200">
+            <a:lvl5pPr marL="3099633" indent="0">
+              <a:buNone/>
+              <a:defRPr sz="2712">
                 <a:solidFill>
                   <a:schemeClr val="tx1">
                     <a:tint val="75000"/>
@@ -1560,9 +1296,9 @@
                 </a:solidFill>
               </a:defRPr>
             </a:lvl5pPr>
-            <a:lvl6pPr marL="1714500" indent="0">
-              <a:buNone/>
-              <a:defRPr sz="1200">
+            <a:lvl6pPr marL="3874541" indent="0">
+              <a:buNone/>
+              <a:defRPr sz="2712">
                 <a:solidFill>
                   <a:schemeClr val="tx1">
                     <a:tint val="75000"/>
@@ -1570,9 +1306,9 @@
                 </a:solidFill>
               </a:defRPr>
             </a:lvl6pPr>
-            <a:lvl7pPr marL="2057400" indent="0">
-              <a:buNone/>
-              <a:defRPr sz="1200">
+            <a:lvl7pPr marL="4649450" indent="0">
+              <a:buNone/>
+              <a:defRPr sz="2712">
                 <a:solidFill>
                   <a:schemeClr val="tx1">
                     <a:tint val="75000"/>
@@ -1580,9 +1316,9 @@
                 </a:solidFill>
               </a:defRPr>
             </a:lvl7pPr>
-            <a:lvl8pPr marL="2400300" indent="0">
-              <a:buNone/>
-              <a:defRPr sz="1200">
+            <a:lvl8pPr marL="5424358" indent="0">
+              <a:buNone/>
+              <a:defRPr sz="2712">
                 <a:solidFill>
                   <a:schemeClr val="tx1">
                     <a:tint val="75000"/>
@@ -1590,9 +1326,9 @@
                 </a:solidFill>
               </a:defRPr>
             </a:lvl8pPr>
-            <a:lvl9pPr marL="2743200" indent="0">
-              <a:buNone/>
-              <a:defRPr sz="1200">
+            <a:lvl9pPr marL="6199266" indent="0">
+              <a:buNone/>
+              <a:defRPr sz="2712">
                 <a:solidFill>
                   <a:schemeClr val="tx1">
                     <a:tint val="75000"/>
@@ -1627,7 +1363,7 @@
           <a:p>
             <a:fld id="{789703A8-2D30-4E29-8AE8-FC3173B2BC9B}" type="datetimeFigureOut">
               <a:rPr lang="en-GB" smtClean="0"/>
-              <a:t>19/12/2023</a:t>
+              <a:t>23/12/2023</a:t>
             </a:fld>
             <a:endParaRPr lang="en-GB"/>
           </a:p>
@@ -1678,7 +1414,7 @@
     </p:spTree>
     <p:extLst>
       <p:ext uri="{BB962C8B-B14F-4D97-AF65-F5344CB8AC3E}">
-        <p14:creationId xmlns:p14="http://schemas.microsoft.com/office/powerpoint/2010/main" val="803227718"/>
+        <p14:creationId xmlns:p14="http://schemas.microsoft.com/office/powerpoint/2010/main" val="28159340"/>
       </p:ext>
     </p:extLst>
   </p:cSld>
@@ -1740,8 +1476,8 @@
         </p:nvSpPr>
         <p:spPr>
           <a:xfrm>
-            <a:off x="471488" y="3245556"/>
-            <a:ext cx="2914650" cy="7735712"/>
+            <a:off x="1420684" y="3488127"/>
+            <a:ext cx="8782407" cy="8313876"/>
           </a:xfrm>
         </p:spPr>
         <p:txBody>
@@ -1797,8 +1533,8 @@
         </p:nvSpPr>
         <p:spPr>
           <a:xfrm>
-            <a:off x="3471863" y="3245556"/>
-            <a:ext cx="2914650" cy="7735712"/>
+            <a:off x="10461397" y="3488127"/>
+            <a:ext cx="8782407" cy="8313876"/>
           </a:xfrm>
         </p:spPr>
         <p:txBody>
@@ -1859,7 +1595,7 @@
           <a:p>
             <a:fld id="{789703A8-2D30-4E29-8AE8-FC3173B2BC9B}" type="datetimeFigureOut">
               <a:rPr lang="en-GB" smtClean="0"/>
-              <a:t>19/12/2023</a:t>
+              <a:t>23/12/2023</a:t>
             </a:fld>
             <a:endParaRPr lang="en-GB"/>
           </a:p>
@@ -1910,7 +1646,7 @@
     </p:spTree>
     <p:extLst>
       <p:ext uri="{BB962C8B-B14F-4D97-AF65-F5344CB8AC3E}">
-        <p14:creationId xmlns:p14="http://schemas.microsoft.com/office/powerpoint/2010/main" val="2265111445"/>
+        <p14:creationId xmlns:p14="http://schemas.microsoft.com/office/powerpoint/2010/main" val="3879697528"/>
       </p:ext>
     </p:extLst>
   </p:cSld>
@@ -1949,8 +1685,8 @@
         </p:nvSpPr>
         <p:spPr>
           <a:xfrm>
-            <a:off x="472381" y="649114"/>
-            <a:ext cx="5915025" cy="2356556"/>
+            <a:off x="1423375" y="697627"/>
+            <a:ext cx="17823121" cy="2532684"/>
           </a:xfrm>
         </p:spPr>
         <p:txBody>
@@ -1977,8 +1713,8 @@
         </p:nvSpPr>
         <p:spPr>
           <a:xfrm>
-            <a:off x="472381" y="2988734"/>
-            <a:ext cx="2901255" cy="1464732"/>
+            <a:off x="1423376" y="3212111"/>
+            <a:ext cx="8742046" cy="1574206"/>
           </a:xfrm>
         </p:spPr>
         <p:txBody>
@@ -1986,39 +1722,39 @@
           <a:lstStyle>
             <a:lvl1pPr marL="0" indent="0">
               <a:buNone/>
-              <a:defRPr sz="1800" b="1"/>
+              <a:defRPr sz="4068" b="1"/>
             </a:lvl1pPr>
-            <a:lvl2pPr marL="342900" indent="0">
-              <a:buNone/>
-              <a:defRPr sz="1500" b="1"/>
+            <a:lvl2pPr marL="774908" indent="0">
+              <a:buNone/>
+              <a:defRPr sz="3390" b="1"/>
             </a:lvl2pPr>
-            <a:lvl3pPr marL="685800" indent="0">
-              <a:buNone/>
-              <a:defRPr sz="1350" b="1"/>
+            <a:lvl3pPr marL="1549817" indent="0">
+              <a:buNone/>
+              <a:defRPr sz="3051" b="1"/>
             </a:lvl3pPr>
-            <a:lvl4pPr marL="1028700" indent="0">
-              <a:buNone/>
-              <a:defRPr sz="1200" b="1"/>
+            <a:lvl4pPr marL="2324725" indent="0">
+              <a:buNone/>
+              <a:defRPr sz="2712" b="1"/>
             </a:lvl4pPr>
-            <a:lvl5pPr marL="1371600" indent="0">
-              <a:buNone/>
-              <a:defRPr sz="1200" b="1"/>
+            <a:lvl5pPr marL="3099633" indent="0">
+              <a:buNone/>
+              <a:defRPr sz="2712" b="1"/>
             </a:lvl5pPr>
-            <a:lvl6pPr marL="1714500" indent="0">
-              <a:buNone/>
-              <a:defRPr sz="1200" b="1"/>
+            <a:lvl6pPr marL="3874541" indent="0">
+              <a:buNone/>
+              <a:defRPr sz="2712" b="1"/>
             </a:lvl6pPr>
-            <a:lvl7pPr marL="2057400" indent="0">
-              <a:buNone/>
-              <a:defRPr sz="1200" b="1"/>
+            <a:lvl7pPr marL="4649450" indent="0">
+              <a:buNone/>
+              <a:defRPr sz="2712" b="1"/>
             </a:lvl7pPr>
-            <a:lvl8pPr marL="2400300" indent="0">
-              <a:buNone/>
-              <a:defRPr sz="1200" b="1"/>
+            <a:lvl8pPr marL="5424358" indent="0">
+              <a:buNone/>
+              <a:defRPr sz="2712" b="1"/>
             </a:lvl8pPr>
-            <a:lvl9pPr marL="2743200" indent="0">
-              <a:buNone/>
-              <a:defRPr sz="1200" b="1"/>
+            <a:lvl9pPr marL="6199266" indent="0">
+              <a:buNone/>
+              <a:defRPr sz="2712" b="1"/>
             </a:lvl9pPr>
           </a:lstStyle>
           <a:p>
@@ -2042,8 +1778,8 @@
         </p:nvSpPr>
         <p:spPr>
           <a:xfrm>
-            <a:off x="472381" y="4453467"/>
-            <a:ext cx="2901255" cy="6550379"/>
+            <a:off x="1423376" y="4786317"/>
+            <a:ext cx="8742046" cy="7039951"/>
           </a:xfrm>
         </p:spPr>
         <p:txBody>
@@ -2099,8 +1835,8 @@
         </p:nvSpPr>
         <p:spPr>
           <a:xfrm>
-            <a:off x="3471863" y="2988734"/>
-            <a:ext cx="2915543" cy="1464732"/>
+            <a:off x="10461397" y="3212111"/>
+            <a:ext cx="8785099" cy="1574206"/>
           </a:xfrm>
         </p:spPr>
         <p:txBody>
@@ -2108,39 +1844,39 @@
           <a:lstStyle>
             <a:lvl1pPr marL="0" indent="0">
               <a:buNone/>
-              <a:defRPr sz="1800" b="1"/>
+              <a:defRPr sz="4068" b="1"/>
             </a:lvl1pPr>
-            <a:lvl2pPr marL="342900" indent="0">
-              <a:buNone/>
-              <a:defRPr sz="1500" b="1"/>
+            <a:lvl2pPr marL="774908" indent="0">
+              <a:buNone/>
+              <a:defRPr sz="3390" b="1"/>
             </a:lvl2pPr>
-            <a:lvl3pPr marL="685800" indent="0">
-              <a:buNone/>
-              <a:defRPr sz="1350" b="1"/>
+            <a:lvl3pPr marL="1549817" indent="0">
+              <a:buNone/>
+              <a:defRPr sz="3051" b="1"/>
             </a:lvl3pPr>
-            <a:lvl4pPr marL="1028700" indent="0">
-              <a:buNone/>
-              <a:defRPr sz="1200" b="1"/>
+            <a:lvl4pPr marL="2324725" indent="0">
+              <a:buNone/>
+              <a:defRPr sz="2712" b="1"/>
             </a:lvl4pPr>
-            <a:lvl5pPr marL="1371600" indent="0">
-              <a:buNone/>
-              <a:defRPr sz="1200" b="1"/>
+            <a:lvl5pPr marL="3099633" indent="0">
+              <a:buNone/>
+              <a:defRPr sz="2712" b="1"/>
             </a:lvl5pPr>
-            <a:lvl6pPr marL="1714500" indent="0">
-              <a:buNone/>
-              <a:defRPr sz="1200" b="1"/>
+            <a:lvl6pPr marL="3874541" indent="0">
+              <a:buNone/>
+              <a:defRPr sz="2712" b="1"/>
             </a:lvl6pPr>
-            <a:lvl7pPr marL="2057400" indent="0">
-              <a:buNone/>
-              <a:defRPr sz="1200" b="1"/>
+            <a:lvl7pPr marL="4649450" indent="0">
+              <a:buNone/>
+              <a:defRPr sz="2712" b="1"/>
             </a:lvl7pPr>
-            <a:lvl8pPr marL="2400300" indent="0">
-              <a:buNone/>
-              <a:defRPr sz="1200" b="1"/>
+            <a:lvl8pPr marL="5424358" indent="0">
+              <a:buNone/>
+              <a:defRPr sz="2712" b="1"/>
             </a:lvl8pPr>
-            <a:lvl9pPr marL="2743200" indent="0">
-              <a:buNone/>
-              <a:defRPr sz="1200" b="1"/>
+            <a:lvl9pPr marL="6199266" indent="0">
+              <a:buNone/>
+              <a:defRPr sz="2712" b="1"/>
             </a:lvl9pPr>
           </a:lstStyle>
           <a:p>
@@ -2164,8 +1900,8 @@
         </p:nvSpPr>
         <p:spPr>
           <a:xfrm>
-            <a:off x="3471863" y="4453467"/>
-            <a:ext cx="2915543" cy="6550379"/>
+            <a:off x="10461397" y="4786317"/>
+            <a:ext cx="8785099" cy="7039951"/>
           </a:xfrm>
         </p:spPr>
         <p:txBody>
@@ -2226,7 +1962,7 @@
           <a:p>
             <a:fld id="{789703A8-2D30-4E29-8AE8-FC3173B2BC9B}" type="datetimeFigureOut">
               <a:rPr lang="en-GB" smtClean="0"/>
-              <a:t>19/12/2023</a:t>
+              <a:t>23/12/2023</a:t>
             </a:fld>
             <a:endParaRPr lang="en-GB"/>
           </a:p>
@@ -2277,7 +2013,7 @@
     </p:spTree>
     <p:extLst>
       <p:ext uri="{BB962C8B-B14F-4D97-AF65-F5344CB8AC3E}">
-        <p14:creationId xmlns:p14="http://schemas.microsoft.com/office/powerpoint/2010/main" val="3268500297"/>
+        <p14:creationId xmlns:p14="http://schemas.microsoft.com/office/powerpoint/2010/main" val="4147406772"/>
       </p:ext>
     </p:extLst>
   </p:cSld>
@@ -2344,7 +2080,7 @@
           <a:p>
             <a:fld id="{789703A8-2D30-4E29-8AE8-FC3173B2BC9B}" type="datetimeFigureOut">
               <a:rPr lang="en-GB" smtClean="0"/>
-              <a:t>19/12/2023</a:t>
+              <a:t>23/12/2023</a:t>
             </a:fld>
             <a:endParaRPr lang="en-GB"/>
           </a:p>
@@ -2395,7 +2131,7 @@
     </p:spTree>
     <p:extLst>
       <p:ext uri="{BB962C8B-B14F-4D97-AF65-F5344CB8AC3E}">
-        <p14:creationId xmlns:p14="http://schemas.microsoft.com/office/powerpoint/2010/main" val="780767288"/>
+        <p14:creationId xmlns:p14="http://schemas.microsoft.com/office/powerpoint/2010/main" val="3878234372"/>
       </p:ext>
     </p:extLst>
   </p:cSld>
@@ -2439,7 +2175,7 @@
           <a:p>
             <a:fld id="{789703A8-2D30-4E29-8AE8-FC3173B2BC9B}" type="datetimeFigureOut">
               <a:rPr lang="en-GB" smtClean="0"/>
-              <a:t>19/12/2023</a:t>
+              <a:t>23/12/2023</a:t>
             </a:fld>
             <a:endParaRPr lang="en-GB"/>
           </a:p>
@@ -2490,7 +2226,7 @@
     </p:spTree>
     <p:extLst>
       <p:ext uri="{BB962C8B-B14F-4D97-AF65-F5344CB8AC3E}">
-        <p14:creationId xmlns:p14="http://schemas.microsoft.com/office/powerpoint/2010/main" val="818655178"/>
+        <p14:creationId xmlns:p14="http://schemas.microsoft.com/office/powerpoint/2010/main" val="2257609301"/>
       </p:ext>
     </p:extLst>
   </p:cSld>
@@ -2529,15 +2265,15 @@
         </p:nvSpPr>
         <p:spPr>
           <a:xfrm>
-            <a:off x="472381" y="812800"/>
-            <a:ext cx="2211884" cy="2844800"/>
+            <a:off x="1423376" y="873548"/>
+            <a:ext cx="6664835" cy="3057419"/>
           </a:xfrm>
         </p:spPr>
         <p:txBody>
           <a:bodyPr anchor="b"/>
           <a:lstStyle>
             <a:lvl1pPr>
-              <a:defRPr sz="2400"/>
+              <a:defRPr sz="5424"/>
             </a:lvl1pPr>
           </a:lstStyle>
           <a:p>
@@ -2561,39 +2297,39 @@
         </p:nvSpPr>
         <p:spPr>
           <a:xfrm>
-            <a:off x="2915543" y="1755425"/>
-            <a:ext cx="3471863" cy="8664222"/>
+            <a:off x="8785099" y="1886622"/>
+            <a:ext cx="10461397" cy="9311783"/>
           </a:xfrm>
         </p:spPr>
         <p:txBody>
           <a:bodyPr/>
           <a:lstStyle>
             <a:lvl1pPr>
-              <a:defRPr sz="2400"/>
+              <a:defRPr sz="5424"/>
             </a:lvl1pPr>
             <a:lvl2pPr>
-              <a:defRPr sz="2100"/>
+              <a:defRPr sz="4746"/>
             </a:lvl2pPr>
             <a:lvl3pPr>
-              <a:defRPr sz="1800"/>
+              <a:defRPr sz="4068"/>
             </a:lvl3pPr>
             <a:lvl4pPr>
-              <a:defRPr sz="1500"/>
+              <a:defRPr sz="3390"/>
             </a:lvl4pPr>
             <a:lvl5pPr>
-              <a:defRPr sz="1500"/>
+              <a:defRPr sz="3390"/>
             </a:lvl5pPr>
             <a:lvl6pPr>
-              <a:defRPr sz="1500"/>
+              <a:defRPr sz="3390"/>
             </a:lvl6pPr>
             <a:lvl7pPr>
-              <a:defRPr sz="1500"/>
+              <a:defRPr sz="3390"/>
             </a:lvl7pPr>
             <a:lvl8pPr>
-              <a:defRPr sz="1500"/>
+              <a:defRPr sz="3390"/>
             </a:lvl8pPr>
             <a:lvl9pPr>
-              <a:defRPr sz="1500"/>
+              <a:defRPr sz="3390"/>
             </a:lvl9pPr>
           </a:lstStyle>
           <a:p>
@@ -2646,8 +2382,8 @@
         </p:nvSpPr>
         <p:spPr>
           <a:xfrm>
-            <a:off x="472381" y="3657600"/>
-            <a:ext cx="2211884" cy="6776156"/>
+            <a:off x="1423376" y="3930967"/>
+            <a:ext cx="6664835" cy="7282604"/>
           </a:xfrm>
         </p:spPr>
         <p:txBody>
@@ -2655,39 +2391,39 @@
           <a:lstStyle>
             <a:lvl1pPr marL="0" indent="0">
               <a:buNone/>
-              <a:defRPr sz="1200"/>
+              <a:defRPr sz="2712"/>
             </a:lvl1pPr>
-            <a:lvl2pPr marL="342900" indent="0">
-              <a:buNone/>
-              <a:defRPr sz="1050"/>
+            <a:lvl2pPr marL="774908" indent="0">
+              <a:buNone/>
+              <a:defRPr sz="2373"/>
             </a:lvl2pPr>
-            <a:lvl3pPr marL="685800" indent="0">
-              <a:buNone/>
-              <a:defRPr sz="900"/>
+            <a:lvl3pPr marL="1549817" indent="0">
+              <a:buNone/>
+              <a:defRPr sz="2034"/>
             </a:lvl3pPr>
-            <a:lvl4pPr marL="1028700" indent="0">
-              <a:buNone/>
-              <a:defRPr sz="750"/>
+            <a:lvl4pPr marL="2324725" indent="0">
+              <a:buNone/>
+              <a:defRPr sz="1695"/>
             </a:lvl4pPr>
-            <a:lvl5pPr marL="1371600" indent="0">
-              <a:buNone/>
-              <a:defRPr sz="750"/>
+            <a:lvl5pPr marL="3099633" indent="0">
+              <a:buNone/>
+              <a:defRPr sz="1695"/>
             </a:lvl5pPr>
-            <a:lvl6pPr marL="1714500" indent="0">
-              <a:buNone/>
-              <a:defRPr sz="750"/>
+            <a:lvl6pPr marL="3874541" indent="0">
+              <a:buNone/>
+              <a:defRPr sz="1695"/>
             </a:lvl6pPr>
-            <a:lvl7pPr marL="2057400" indent="0">
-              <a:buNone/>
-              <a:defRPr sz="750"/>
+            <a:lvl7pPr marL="4649450" indent="0">
+              <a:buNone/>
+              <a:defRPr sz="1695"/>
             </a:lvl7pPr>
-            <a:lvl8pPr marL="2400300" indent="0">
-              <a:buNone/>
-              <a:defRPr sz="750"/>
+            <a:lvl8pPr marL="5424358" indent="0">
+              <a:buNone/>
+              <a:defRPr sz="1695"/>
             </a:lvl8pPr>
-            <a:lvl9pPr marL="2743200" indent="0">
-              <a:buNone/>
-              <a:defRPr sz="750"/>
+            <a:lvl9pPr marL="6199266" indent="0">
+              <a:buNone/>
+              <a:defRPr sz="1695"/>
             </a:lvl9pPr>
           </a:lstStyle>
           <a:p>
@@ -2716,7 +2452,7 @@
           <a:p>
             <a:fld id="{789703A8-2D30-4E29-8AE8-FC3173B2BC9B}" type="datetimeFigureOut">
               <a:rPr lang="en-GB" smtClean="0"/>
-              <a:t>19/12/2023</a:t>
+              <a:t>23/12/2023</a:t>
             </a:fld>
             <a:endParaRPr lang="en-GB"/>
           </a:p>
@@ -2767,7 +2503,7 @@
     </p:spTree>
     <p:extLst>
       <p:ext uri="{BB962C8B-B14F-4D97-AF65-F5344CB8AC3E}">
-        <p14:creationId xmlns:p14="http://schemas.microsoft.com/office/powerpoint/2010/main" val="12873684"/>
+        <p14:creationId xmlns:p14="http://schemas.microsoft.com/office/powerpoint/2010/main" val="2968745836"/>
       </p:ext>
     </p:extLst>
   </p:cSld>
@@ -2806,15 +2542,15 @@
         </p:nvSpPr>
         <p:spPr>
           <a:xfrm>
-            <a:off x="472381" y="812800"/>
-            <a:ext cx="2211884" cy="2844800"/>
+            <a:off x="1423376" y="873548"/>
+            <a:ext cx="6664835" cy="3057419"/>
           </a:xfrm>
         </p:spPr>
         <p:txBody>
           <a:bodyPr anchor="b"/>
           <a:lstStyle>
             <a:lvl1pPr>
-              <a:defRPr sz="2400"/>
+              <a:defRPr sz="5424"/>
             </a:lvl1pPr>
           </a:lstStyle>
           <a:p>
@@ -2838,8 +2574,8 @@
         </p:nvSpPr>
         <p:spPr>
           <a:xfrm>
-            <a:off x="2915543" y="1755425"/>
-            <a:ext cx="3471863" cy="8664222"/>
+            <a:off x="8785099" y="1886622"/>
+            <a:ext cx="10461397" cy="9311783"/>
           </a:xfrm>
         </p:spPr>
         <p:txBody>
@@ -2847,39 +2583,39 @@
           <a:lstStyle>
             <a:lvl1pPr marL="0" indent="0">
               <a:buNone/>
-              <a:defRPr sz="2400"/>
+              <a:defRPr sz="5424"/>
             </a:lvl1pPr>
-            <a:lvl2pPr marL="342900" indent="0">
-              <a:buNone/>
-              <a:defRPr sz="2100"/>
+            <a:lvl2pPr marL="774908" indent="0">
+              <a:buNone/>
+              <a:defRPr sz="4746"/>
             </a:lvl2pPr>
-            <a:lvl3pPr marL="685800" indent="0">
-              <a:buNone/>
-              <a:defRPr sz="1800"/>
+            <a:lvl3pPr marL="1549817" indent="0">
+              <a:buNone/>
+              <a:defRPr sz="4068"/>
             </a:lvl3pPr>
-            <a:lvl4pPr marL="1028700" indent="0">
-              <a:buNone/>
-              <a:defRPr sz="1500"/>
+            <a:lvl4pPr marL="2324725" indent="0">
+              <a:buNone/>
+              <a:defRPr sz="3390"/>
             </a:lvl4pPr>
-            <a:lvl5pPr marL="1371600" indent="0">
-              <a:buNone/>
-              <a:defRPr sz="1500"/>
+            <a:lvl5pPr marL="3099633" indent="0">
+              <a:buNone/>
+              <a:defRPr sz="3390"/>
             </a:lvl5pPr>
-            <a:lvl6pPr marL="1714500" indent="0">
-              <a:buNone/>
-              <a:defRPr sz="1500"/>
+            <a:lvl6pPr marL="3874541" indent="0">
+              <a:buNone/>
+              <a:defRPr sz="3390"/>
             </a:lvl6pPr>
-            <a:lvl7pPr marL="2057400" indent="0">
-              <a:buNone/>
-              <a:defRPr sz="1500"/>
+            <a:lvl7pPr marL="4649450" indent="0">
+              <a:buNone/>
+              <a:defRPr sz="3390"/>
             </a:lvl7pPr>
-            <a:lvl8pPr marL="2400300" indent="0">
-              <a:buNone/>
-              <a:defRPr sz="1500"/>
+            <a:lvl8pPr marL="5424358" indent="0">
+              <a:buNone/>
+              <a:defRPr sz="3390"/>
             </a:lvl8pPr>
-            <a:lvl9pPr marL="2743200" indent="0">
-              <a:buNone/>
-              <a:defRPr sz="1500"/>
+            <a:lvl9pPr marL="6199266" indent="0">
+              <a:buNone/>
+              <a:defRPr sz="3390"/>
             </a:lvl9pPr>
           </a:lstStyle>
           <a:p>
@@ -2903,8 +2639,8 @@
         </p:nvSpPr>
         <p:spPr>
           <a:xfrm>
-            <a:off x="472381" y="3657600"/>
-            <a:ext cx="2211884" cy="6776156"/>
+            <a:off x="1423376" y="3930967"/>
+            <a:ext cx="6664835" cy="7282604"/>
           </a:xfrm>
         </p:spPr>
         <p:txBody>
@@ -2912,39 +2648,39 @@
           <a:lstStyle>
             <a:lvl1pPr marL="0" indent="0">
               <a:buNone/>
-              <a:defRPr sz="1200"/>
+              <a:defRPr sz="2712"/>
             </a:lvl1pPr>
-            <a:lvl2pPr marL="342900" indent="0">
-              <a:buNone/>
-              <a:defRPr sz="1050"/>
+            <a:lvl2pPr marL="774908" indent="0">
+              <a:buNone/>
+              <a:defRPr sz="2373"/>
             </a:lvl2pPr>
-            <a:lvl3pPr marL="685800" indent="0">
-              <a:buNone/>
-              <a:defRPr sz="900"/>
+            <a:lvl3pPr marL="1549817" indent="0">
+              <a:buNone/>
+              <a:defRPr sz="2034"/>
             </a:lvl3pPr>
-            <a:lvl4pPr marL="1028700" indent="0">
-              <a:buNone/>
-              <a:defRPr sz="750"/>
+            <a:lvl4pPr marL="2324725" indent="0">
+              <a:buNone/>
+              <a:defRPr sz="1695"/>
             </a:lvl4pPr>
-            <a:lvl5pPr marL="1371600" indent="0">
-              <a:buNone/>
-              <a:defRPr sz="750"/>
+            <a:lvl5pPr marL="3099633" indent="0">
+              <a:buNone/>
+              <a:defRPr sz="1695"/>
             </a:lvl5pPr>
-            <a:lvl6pPr marL="1714500" indent="0">
-              <a:buNone/>
-              <a:defRPr sz="750"/>
+            <a:lvl6pPr marL="3874541" indent="0">
+              <a:buNone/>
+              <a:defRPr sz="1695"/>
             </a:lvl6pPr>
-            <a:lvl7pPr marL="2057400" indent="0">
-              <a:buNone/>
-              <a:defRPr sz="750"/>
+            <a:lvl7pPr marL="4649450" indent="0">
+              <a:buNone/>
+              <a:defRPr sz="1695"/>
             </a:lvl7pPr>
-            <a:lvl8pPr marL="2400300" indent="0">
-              <a:buNone/>
-              <a:defRPr sz="750"/>
+            <a:lvl8pPr marL="5424358" indent="0">
+              <a:buNone/>
+              <a:defRPr sz="1695"/>
             </a:lvl8pPr>
-            <a:lvl9pPr marL="2743200" indent="0">
-              <a:buNone/>
-              <a:defRPr sz="750"/>
+            <a:lvl9pPr marL="6199266" indent="0">
+              <a:buNone/>
+              <a:defRPr sz="1695"/>
             </a:lvl9pPr>
           </a:lstStyle>
           <a:p>
@@ -2973,7 +2709,7 @@
           <a:p>
             <a:fld id="{789703A8-2D30-4E29-8AE8-FC3173B2BC9B}" type="datetimeFigureOut">
               <a:rPr lang="en-GB" smtClean="0"/>
-              <a:t>19/12/2023</a:t>
+              <a:t>23/12/2023</a:t>
             </a:fld>
             <a:endParaRPr lang="en-GB"/>
           </a:p>
@@ -3024,7 +2760,7 @@
     </p:spTree>
     <p:extLst>
       <p:ext uri="{BB962C8B-B14F-4D97-AF65-F5344CB8AC3E}">
-        <p14:creationId xmlns:p14="http://schemas.microsoft.com/office/powerpoint/2010/main" val="60729040"/>
+        <p14:creationId xmlns:p14="http://schemas.microsoft.com/office/powerpoint/2010/main" val="2194856573"/>
       </p:ext>
     </p:extLst>
   </p:cSld>
@@ -3068,8 +2804,8 @@
         </p:nvSpPr>
         <p:spPr>
           <a:xfrm>
-            <a:off x="471488" y="649114"/>
-            <a:ext cx="5915025" cy="2356556"/>
+            <a:off x="1420684" y="697627"/>
+            <a:ext cx="17823121" cy="2532684"/>
           </a:xfrm>
           <a:prstGeom prst="rect">
             <a:avLst/>
@@ -3101,8 +2837,8 @@
         </p:nvSpPr>
         <p:spPr>
           <a:xfrm>
-            <a:off x="471488" y="3245556"/>
-            <a:ext cx="5915025" cy="7735712"/>
+            <a:off x="1420684" y="3488127"/>
+            <a:ext cx="17823121" cy="8313876"/>
           </a:xfrm>
           <a:prstGeom prst="rect">
             <a:avLst/>
@@ -3163,8 +2899,8 @@
         </p:nvSpPr>
         <p:spPr>
           <a:xfrm>
-            <a:off x="471488" y="11300181"/>
-            <a:ext cx="1543050" cy="649111"/>
+            <a:off x="1420683" y="12144750"/>
+            <a:ext cx="4649510" cy="697625"/>
           </a:xfrm>
           <a:prstGeom prst="rect">
             <a:avLst/>
@@ -3174,7 +2910,7 @@
           <a:bodyPr vert="horz" lIns="91440" tIns="45720" rIns="91440" bIns="45720" rtlCol="0" anchor="ctr"/>
           <a:lstStyle>
             <a:lvl1pPr algn="l">
-              <a:defRPr sz="900">
+              <a:defRPr sz="2034">
                 <a:solidFill>
                   <a:schemeClr val="tx1">
                     <a:tint val="75000"/>
@@ -3186,7 +2922,7 @@
           <a:p>
             <a:fld id="{789703A8-2D30-4E29-8AE8-FC3173B2BC9B}" type="datetimeFigureOut">
               <a:rPr lang="en-GB" smtClean="0"/>
-              <a:t>19/12/2023</a:t>
+              <a:t>23/12/2023</a:t>
             </a:fld>
             <a:endParaRPr lang="en-GB"/>
           </a:p>
@@ -3204,8 +2940,8 @@
         </p:nvSpPr>
         <p:spPr>
           <a:xfrm>
-            <a:off x="2271713" y="11300181"/>
-            <a:ext cx="2314575" cy="649111"/>
+            <a:off x="6845112" y="12144750"/>
+            <a:ext cx="6974265" cy="697625"/>
           </a:xfrm>
           <a:prstGeom prst="rect">
             <a:avLst/>
@@ -3215,7 +2951,7 @@
           <a:bodyPr vert="horz" lIns="91440" tIns="45720" rIns="91440" bIns="45720" rtlCol="0" anchor="ctr"/>
           <a:lstStyle>
             <a:lvl1pPr algn="ctr">
-              <a:defRPr sz="900">
+              <a:defRPr sz="2034">
                 <a:solidFill>
                   <a:schemeClr val="tx1">
                     <a:tint val="75000"/>
@@ -3241,8 +2977,8 @@
         </p:nvSpPr>
         <p:spPr>
           <a:xfrm>
-            <a:off x="4843463" y="11300181"/>
-            <a:ext cx="1543050" cy="649111"/>
+            <a:off x="14594295" y="12144750"/>
+            <a:ext cx="4649510" cy="697625"/>
           </a:xfrm>
           <a:prstGeom prst="rect">
             <a:avLst/>
@@ -3252,7 +2988,7 @@
           <a:bodyPr vert="horz" lIns="91440" tIns="45720" rIns="91440" bIns="45720" rtlCol="0" anchor="ctr"/>
           <a:lstStyle>
             <a:lvl1pPr algn="r">
-              <a:defRPr sz="900">
+              <a:defRPr sz="2034">
                 <a:solidFill>
                   <a:schemeClr val="tx1">
                     <a:tint val="75000"/>
@@ -3273,27 +3009,27 @@
     </p:spTree>
     <p:extLst>
       <p:ext uri="{BB962C8B-B14F-4D97-AF65-F5344CB8AC3E}">
-        <p14:creationId xmlns:p14="http://schemas.microsoft.com/office/powerpoint/2010/main" val="1862370038"/>
+        <p14:creationId xmlns:p14="http://schemas.microsoft.com/office/powerpoint/2010/main" val="3361054046"/>
       </p:ext>
     </p:extLst>
   </p:cSld>
   <p:clrMap bg1="lt1" tx1="dk1" bg2="lt2" tx2="dk2" accent1="accent1" accent2="accent2" accent3="accent3" accent4="accent4" accent5="accent5" accent6="accent6" hlink="hlink" folHlink="folHlink"/>
   <p:sldLayoutIdLst>
-    <p:sldLayoutId id="2147483661" r:id="rId1"/>
-    <p:sldLayoutId id="2147483662" r:id="rId2"/>
-    <p:sldLayoutId id="2147483663" r:id="rId3"/>
-    <p:sldLayoutId id="2147483664" r:id="rId4"/>
-    <p:sldLayoutId id="2147483665" r:id="rId5"/>
-    <p:sldLayoutId id="2147483666" r:id="rId6"/>
-    <p:sldLayoutId id="2147483667" r:id="rId7"/>
-    <p:sldLayoutId id="2147483668" r:id="rId8"/>
-    <p:sldLayoutId id="2147483669" r:id="rId9"/>
-    <p:sldLayoutId id="2147483670" r:id="rId10"/>
-    <p:sldLayoutId id="2147483671" r:id="rId11"/>
+    <p:sldLayoutId id="2147483733" r:id="rId1"/>
+    <p:sldLayoutId id="2147483734" r:id="rId2"/>
+    <p:sldLayoutId id="2147483735" r:id="rId3"/>
+    <p:sldLayoutId id="2147483736" r:id="rId4"/>
+    <p:sldLayoutId id="2147483737" r:id="rId5"/>
+    <p:sldLayoutId id="2147483738" r:id="rId6"/>
+    <p:sldLayoutId id="2147483739" r:id="rId7"/>
+    <p:sldLayoutId id="2147483740" r:id="rId8"/>
+    <p:sldLayoutId id="2147483741" r:id="rId9"/>
+    <p:sldLayoutId id="2147483742" r:id="rId10"/>
+    <p:sldLayoutId id="2147483743" r:id="rId11"/>
   </p:sldLayoutIdLst>
   <p:txStyles>
     <p:titleStyle>
-      <a:lvl1pPr algn="l" defTabSz="685800" rtl="0" eaLnBrk="1" latinLnBrk="0" hangingPunct="1">
+      <a:lvl1pPr algn="l" defTabSz="1549817" rtl="0" eaLnBrk="1" latinLnBrk="0" hangingPunct="1">
         <a:lnSpc>
           <a:spcPct val="90000"/>
         </a:lnSpc>
@@ -3301,7 +3037,7 @@
           <a:spcPct val="0"/>
         </a:spcBef>
         <a:buNone/>
-        <a:defRPr sz="3300" kern="1200">
+        <a:defRPr sz="7458" kern="1200">
           <a:solidFill>
             <a:schemeClr val="tx1"/>
           </a:solidFill>
@@ -3312,16 +3048,16 @@
       </a:lvl1pPr>
     </p:titleStyle>
     <p:bodyStyle>
-      <a:lvl1pPr marL="171450" indent="-171450" algn="l" defTabSz="685800" rtl="0" eaLnBrk="1" latinLnBrk="0" hangingPunct="1">
+      <a:lvl1pPr marL="387454" indent="-387454" algn="l" defTabSz="1549817" rtl="0" eaLnBrk="1" latinLnBrk="0" hangingPunct="1">
         <a:lnSpc>
           <a:spcPct val="90000"/>
         </a:lnSpc>
         <a:spcBef>
-          <a:spcPts val="750"/>
+          <a:spcPts val="1695"/>
         </a:spcBef>
         <a:buFont typeface="Arial" panose="020B0604020202020204" pitchFamily="34" charset="0"/>
         <a:buChar char="•"/>
-        <a:defRPr sz="2100" kern="1200">
+        <a:defRPr sz="4746" kern="1200">
           <a:solidFill>
             <a:schemeClr val="tx1"/>
           </a:solidFill>
@@ -3330,16 +3066,16 @@
           <a:cs typeface="+mn-cs"/>
         </a:defRPr>
       </a:lvl1pPr>
-      <a:lvl2pPr marL="514350" indent="-171450" algn="l" defTabSz="685800" rtl="0" eaLnBrk="1" latinLnBrk="0" hangingPunct="1">
+      <a:lvl2pPr marL="1162362" indent="-387454" algn="l" defTabSz="1549817" rtl="0" eaLnBrk="1" latinLnBrk="0" hangingPunct="1">
         <a:lnSpc>
           <a:spcPct val="90000"/>
         </a:lnSpc>
         <a:spcBef>
-          <a:spcPts val="375"/>
+          <a:spcPts val="847"/>
         </a:spcBef>
         <a:buFont typeface="Arial" panose="020B0604020202020204" pitchFamily="34" charset="0"/>
         <a:buChar char="•"/>
-        <a:defRPr sz="1800" kern="1200">
+        <a:defRPr sz="4068" kern="1200">
           <a:solidFill>
             <a:schemeClr val="tx1"/>
           </a:solidFill>
@@ -3348,16 +3084,16 @@
           <a:cs typeface="+mn-cs"/>
         </a:defRPr>
       </a:lvl2pPr>
-      <a:lvl3pPr marL="857250" indent="-171450" algn="l" defTabSz="685800" rtl="0" eaLnBrk="1" latinLnBrk="0" hangingPunct="1">
+      <a:lvl3pPr marL="1937271" indent="-387454" algn="l" defTabSz="1549817" rtl="0" eaLnBrk="1" latinLnBrk="0" hangingPunct="1">
         <a:lnSpc>
           <a:spcPct val="90000"/>
         </a:lnSpc>
         <a:spcBef>
-          <a:spcPts val="375"/>
+          <a:spcPts val="847"/>
         </a:spcBef>
         <a:buFont typeface="Arial" panose="020B0604020202020204" pitchFamily="34" charset="0"/>
         <a:buChar char="•"/>
-        <a:defRPr sz="1500" kern="1200">
+        <a:defRPr sz="3390" kern="1200">
           <a:solidFill>
             <a:schemeClr val="tx1"/>
           </a:solidFill>
@@ -3366,16 +3102,16 @@
           <a:cs typeface="+mn-cs"/>
         </a:defRPr>
       </a:lvl3pPr>
-      <a:lvl4pPr marL="1200150" indent="-171450" algn="l" defTabSz="685800" rtl="0" eaLnBrk="1" latinLnBrk="0" hangingPunct="1">
+      <a:lvl4pPr marL="2712179" indent="-387454" algn="l" defTabSz="1549817" rtl="0" eaLnBrk="1" latinLnBrk="0" hangingPunct="1">
         <a:lnSpc>
           <a:spcPct val="90000"/>
         </a:lnSpc>
         <a:spcBef>
-          <a:spcPts val="375"/>
+          <a:spcPts val="847"/>
         </a:spcBef>
         <a:buFont typeface="Arial" panose="020B0604020202020204" pitchFamily="34" charset="0"/>
         <a:buChar char="•"/>
-        <a:defRPr sz="1350" kern="1200">
+        <a:defRPr sz="3051" kern="1200">
           <a:solidFill>
             <a:schemeClr val="tx1"/>
           </a:solidFill>
@@ -3384,16 +3120,16 @@
           <a:cs typeface="+mn-cs"/>
         </a:defRPr>
       </a:lvl4pPr>
-      <a:lvl5pPr marL="1543050" indent="-171450" algn="l" defTabSz="685800" rtl="0" eaLnBrk="1" latinLnBrk="0" hangingPunct="1">
+      <a:lvl5pPr marL="3487087" indent="-387454" algn="l" defTabSz="1549817" rtl="0" eaLnBrk="1" latinLnBrk="0" hangingPunct="1">
         <a:lnSpc>
           <a:spcPct val="90000"/>
         </a:lnSpc>
         <a:spcBef>
-          <a:spcPts val="375"/>
+          <a:spcPts val="847"/>
         </a:spcBef>
         <a:buFont typeface="Arial" panose="020B0604020202020204" pitchFamily="34" charset="0"/>
         <a:buChar char="•"/>
-        <a:defRPr sz="1350" kern="1200">
+        <a:defRPr sz="3051" kern="1200">
           <a:solidFill>
             <a:schemeClr val="tx1"/>
           </a:solidFill>
@@ -3402,16 +3138,16 @@
           <a:cs typeface="+mn-cs"/>
         </a:defRPr>
       </a:lvl5pPr>
-      <a:lvl6pPr marL="1885950" indent="-171450" algn="l" defTabSz="685800" rtl="0" eaLnBrk="1" latinLnBrk="0" hangingPunct="1">
+      <a:lvl6pPr marL="4261996" indent="-387454" algn="l" defTabSz="1549817" rtl="0" eaLnBrk="1" latinLnBrk="0" hangingPunct="1">
         <a:lnSpc>
           <a:spcPct val="90000"/>
         </a:lnSpc>
         <a:spcBef>
-          <a:spcPts val="375"/>
+          <a:spcPts val="847"/>
         </a:spcBef>
         <a:buFont typeface="Arial" panose="020B0604020202020204" pitchFamily="34" charset="0"/>
         <a:buChar char="•"/>
-        <a:defRPr sz="1350" kern="1200">
+        <a:defRPr sz="3051" kern="1200">
           <a:solidFill>
             <a:schemeClr val="tx1"/>
           </a:solidFill>
@@ -3420,16 +3156,16 @@
           <a:cs typeface="+mn-cs"/>
         </a:defRPr>
       </a:lvl6pPr>
-      <a:lvl7pPr marL="2228850" indent="-171450" algn="l" defTabSz="685800" rtl="0" eaLnBrk="1" latinLnBrk="0" hangingPunct="1">
+      <a:lvl7pPr marL="5036904" indent="-387454" algn="l" defTabSz="1549817" rtl="0" eaLnBrk="1" latinLnBrk="0" hangingPunct="1">
         <a:lnSpc>
           <a:spcPct val="90000"/>
         </a:lnSpc>
         <a:spcBef>
-          <a:spcPts val="375"/>
+          <a:spcPts val="847"/>
         </a:spcBef>
         <a:buFont typeface="Arial" panose="020B0604020202020204" pitchFamily="34" charset="0"/>
         <a:buChar char="•"/>
-        <a:defRPr sz="1350" kern="1200">
+        <a:defRPr sz="3051" kern="1200">
           <a:solidFill>
             <a:schemeClr val="tx1"/>
           </a:solidFill>
@@ -3438,16 +3174,16 @@
           <a:cs typeface="+mn-cs"/>
         </a:defRPr>
       </a:lvl7pPr>
-      <a:lvl8pPr marL="2571750" indent="-171450" algn="l" defTabSz="685800" rtl="0" eaLnBrk="1" latinLnBrk="0" hangingPunct="1">
+      <a:lvl8pPr marL="5811812" indent="-387454" algn="l" defTabSz="1549817" rtl="0" eaLnBrk="1" latinLnBrk="0" hangingPunct="1">
         <a:lnSpc>
           <a:spcPct val="90000"/>
         </a:lnSpc>
         <a:spcBef>
-          <a:spcPts val="375"/>
+          <a:spcPts val="847"/>
         </a:spcBef>
         <a:buFont typeface="Arial" panose="020B0604020202020204" pitchFamily="34" charset="0"/>
         <a:buChar char="•"/>
-        <a:defRPr sz="1350" kern="1200">
+        <a:defRPr sz="3051" kern="1200">
           <a:solidFill>
             <a:schemeClr val="tx1"/>
           </a:solidFill>
@@ -3456,16 +3192,16 @@
           <a:cs typeface="+mn-cs"/>
         </a:defRPr>
       </a:lvl8pPr>
-      <a:lvl9pPr marL="2914650" indent="-171450" algn="l" defTabSz="685800" rtl="0" eaLnBrk="1" latinLnBrk="0" hangingPunct="1">
+      <a:lvl9pPr marL="6586720" indent="-387454" algn="l" defTabSz="1549817" rtl="0" eaLnBrk="1" latinLnBrk="0" hangingPunct="1">
         <a:lnSpc>
           <a:spcPct val="90000"/>
         </a:lnSpc>
         <a:spcBef>
-          <a:spcPts val="375"/>
+          <a:spcPts val="847"/>
         </a:spcBef>
         <a:buFont typeface="Arial" panose="020B0604020202020204" pitchFamily="34" charset="0"/>
         <a:buChar char="•"/>
-        <a:defRPr sz="1350" kern="1200">
+        <a:defRPr sz="3051" kern="1200">
           <a:solidFill>
             <a:schemeClr val="tx1"/>
           </a:solidFill>
@@ -3479,8 +3215,8 @@
       <a:defPPr>
         <a:defRPr lang="en-US"/>
       </a:defPPr>
-      <a:lvl1pPr marL="0" algn="l" defTabSz="685800" rtl="0" eaLnBrk="1" latinLnBrk="0" hangingPunct="1">
-        <a:defRPr sz="1350" kern="1200">
+      <a:lvl1pPr marL="0" algn="l" defTabSz="1549817" rtl="0" eaLnBrk="1" latinLnBrk="0" hangingPunct="1">
+        <a:defRPr sz="3051" kern="1200">
           <a:solidFill>
             <a:schemeClr val="tx1"/>
           </a:solidFill>
@@ -3489,8 +3225,8 @@
           <a:cs typeface="+mn-cs"/>
         </a:defRPr>
       </a:lvl1pPr>
-      <a:lvl2pPr marL="342900" algn="l" defTabSz="685800" rtl="0" eaLnBrk="1" latinLnBrk="0" hangingPunct="1">
-        <a:defRPr sz="1350" kern="1200">
+      <a:lvl2pPr marL="774908" algn="l" defTabSz="1549817" rtl="0" eaLnBrk="1" latinLnBrk="0" hangingPunct="1">
+        <a:defRPr sz="3051" kern="1200">
           <a:solidFill>
             <a:schemeClr val="tx1"/>
           </a:solidFill>
@@ -3499,8 +3235,8 @@
           <a:cs typeface="+mn-cs"/>
         </a:defRPr>
       </a:lvl2pPr>
-      <a:lvl3pPr marL="685800" algn="l" defTabSz="685800" rtl="0" eaLnBrk="1" latinLnBrk="0" hangingPunct="1">
-        <a:defRPr sz="1350" kern="1200">
+      <a:lvl3pPr marL="1549817" algn="l" defTabSz="1549817" rtl="0" eaLnBrk="1" latinLnBrk="0" hangingPunct="1">
+        <a:defRPr sz="3051" kern="1200">
           <a:solidFill>
             <a:schemeClr val="tx1"/>
           </a:solidFill>
@@ -3509,8 +3245,8 @@
           <a:cs typeface="+mn-cs"/>
         </a:defRPr>
       </a:lvl3pPr>
-      <a:lvl4pPr marL="1028700" algn="l" defTabSz="685800" rtl="0" eaLnBrk="1" latinLnBrk="0" hangingPunct="1">
-        <a:defRPr sz="1350" kern="1200">
+      <a:lvl4pPr marL="2324725" algn="l" defTabSz="1549817" rtl="0" eaLnBrk="1" latinLnBrk="0" hangingPunct="1">
+        <a:defRPr sz="3051" kern="1200">
           <a:solidFill>
             <a:schemeClr val="tx1"/>
           </a:solidFill>
@@ -3519,8 +3255,8 @@
           <a:cs typeface="+mn-cs"/>
         </a:defRPr>
       </a:lvl4pPr>
-      <a:lvl5pPr marL="1371600" algn="l" defTabSz="685800" rtl="0" eaLnBrk="1" latinLnBrk="0" hangingPunct="1">
-        <a:defRPr sz="1350" kern="1200">
+      <a:lvl5pPr marL="3099633" algn="l" defTabSz="1549817" rtl="0" eaLnBrk="1" latinLnBrk="0" hangingPunct="1">
+        <a:defRPr sz="3051" kern="1200">
           <a:solidFill>
             <a:schemeClr val="tx1"/>
           </a:solidFill>
@@ -3529,8 +3265,8 @@
           <a:cs typeface="+mn-cs"/>
         </a:defRPr>
       </a:lvl5pPr>
-      <a:lvl6pPr marL="1714500" algn="l" defTabSz="685800" rtl="0" eaLnBrk="1" latinLnBrk="0" hangingPunct="1">
-        <a:defRPr sz="1350" kern="1200">
+      <a:lvl6pPr marL="3874541" algn="l" defTabSz="1549817" rtl="0" eaLnBrk="1" latinLnBrk="0" hangingPunct="1">
+        <a:defRPr sz="3051" kern="1200">
           <a:solidFill>
             <a:schemeClr val="tx1"/>
           </a:solidFill>
@@ -3539,8 +3275,8 @@
           <a:cs typeface="+mn-cs"/>
         </a:defRPr>
       </a:lvl6pPr>
-      <a:lvl7pPr marL="2057400" algn="l" defTabSz="685800" rtl="0" eaLnBrk="1" latinLnBrk="0" hangingPunct="1">
-        <a:defRPr sz="1350" kern="1200">
+      <a:lvl7pPr marL="4649450" algn="l" defTabSz="1549817" rtl="0" eaLnBrk="1" latinLnBrk="0" hangingPunct="1">
+        <a:defRPr sz="3051" kern="1200">
           <a:solidFill>
             <a:schemeClr val="tx1"/>
           </a:solidFill>
@@ -3549,8 +3285,8 @@
           <a:cs typeface="+mn-cs"/>
         </a:defRPr>
       </a:lvl7pPr>
-      <a:lvl8pPr marL="2400300" algn="l" defTabSz="685800" rtl="0" eaLnBrk="1" latinLnBrk="0" hangingPunct="1">
-        <a:defRPr sz="1350" kern="1200">
+      <a:lvl8pPr marL="5424358" algn="l" defTabSz="1549817" rtl="0" eaLnBrk="1" latinLnBrk="0" hangingPunct="1">
+        <a:defRPr sz="3051" kern="1200">
           <a:solidFill>
             <a:schemeClr val="tx1"/>
           </a:solidFill>
@@ -3559,8 +3295,8 @@
           <a:cs typeface="+mn-cs"/>
         </a:defRPr>
       </a:lvl8pPr>
-      <a:lvl9pPr marL="2743200" algn="l" defTabSz="685800" rtl="0" eaLnBrk="1" latinLnBrk="0" hangingPunct="1">
-        <a:defRPr sz="1350" kern="1200">
+      <a:lvl9pPr marL="6199266" algn="l" defTabSz="1549817" rtl="0" eaLnBrk="1" latinLnBrk="0" hangingPunct="1">
+        <a:defRPr sz="3051" kern="1200">
           <a:solidFill>
             <a:schemeClr val="tx1"/>
           </a:solidFill>
@@ -3605,8 +3341,8 @@
         </p:nvGrpSpPr>
         <p:grpSpPr>
           <a:xfrm>
-            <a:off x="379111" y="4667082"/>
-            <a:ext cx="6495740" cy="2570400"/>
+            <a:off x="4910219" y="4011313"/>
+            <a:ext cx="11547982" cy="4569600"/>
             <a:chOff x="379111" y="4667082"/>
             <a:chExt cx="6495740" cy="2570400"/>
           </a:xfrm>
@@ -3697,14 +3433,14 @@
             <a:p>
               <a:pPr algn="ctr"/>
               <a:r>
-                <a:rPr lang="de-CH" sz="1400" dirty="0">
+                <a:rPr lang="de-CH" sz="2489" dirty="0">
                   <a:solidFill>
                     <a:schemeClr val="tx1"/>
                   </a:solidFill>
                 </a:rPr>
                 <a:t>a)</a:t>
               </a:r>
-              <a:endParaRPr lang="en-GB" sz="1400" dirty="0">
+              <a:endParaRPr lang="en-GB" sz="2489" dirty="0">
                 <a:solidFill>
                   <a:schemeClr val="tx1"/>
                 </a:solidFill>
@@ -3759,14 +3495,14 @@
             <a:p>
               <a:pPr algn="ctr"/>
               <a:r>
-                <a:rPr lang="de-CH" sz="1400" dirty="0">
+                <a:rPr lang="de-CH" sz="2489" dirty="0">
                   <a:solidFill>
                     <a:schemeClr val="tx1"/>
                   </a:solidFill>
                 </a:rPr>
                 <a:t>b)</a:t>
               </a:r>
-              <a:endParaRPr lang="en-GB" sz="1400" dirty="0">
+              <a:endParaRPr lang="en-GB" sz="2489" dirty="0">
                 <a:solidFill>
                   <a:schemeClr val="tx1"/>
                 </a:solidFill>
@@ -3845,10 +3581,10 @@
       </p:grpSpPr>
       <p:grpSp>
         <p:nvGrpSpPr>
-          <p:cNvPr id="46" name="Gruppieren 45">
+          <p:cNvPr id="12" name="Gruppieren 11">
             <a:extLst>
               <a:ext uri="{FF2B5EF4-FFF2-40B4-BE49-F238E27FC236}">
-                <a16:creationId xmlns:a16="http://schemas.microsoft.com/office/drawing/2014/main" id="{C22EC5A6-83E4-09A8-F1A4-BE93A54D4CE3}"/>
+                <a16:creationId xmlns:a16="http://schemas.microsoft.com/office/drawing/2014/main" id="{E7107609-4DB0-C9A5-1252-37E9B0C0B882}"/>
               </a:ext>
             </a:extLst>
           </p:cNvPr>
@@ -3857,507 +3593,57 @@
         </p:nvGrpSpPr>
         <p:grpSpPr>
           <a:xfrm>
-            <a:off x="-325029" y="0"/>
-            <a:ext cx="9397029" cy="10405020"/>
-            <a:chOff x="-325029" y="0"/>
-            <a:chExt cx="9397029" cy="10405020"/>
+            <a:off x="4236244" y="132576"/>
+            <a:ext cx="12192000" cy="13546668"/>
+            <a:chOff x="4236244" y="132576"/>
+            <a:chExt cx="12192000" cy="13546668"/>
           </a:xfrm>
         </p:grpSpPr>
-        <p:sp>
-          <p:nvSpPr>
-            <p:cNvPr id="16" name="Rechteck 15">
+        <p:pic>
+          <p:nvPicPr>
+            <p:cNvPr id="5" name="Grafik 4" descr="Ein Bild, das Screenshot enthält.&#10;&#10;Automatisch generierte Beschreibung">
               <a:extLst>
                 <a:ext uri="{FF2B5EF4-FFF2-40B4-BE49-F238E27FC236}">
-                  <a16:creationId xmlns:a16="http://schemas.microsoft.com/office/drawing/2014/main" id="{4D2DECCA-196C-DB8C-A722-463F497C3AD7}"/>
+                  <a16:creationId xmlns:a16="http://schemas.microsoft.com/office/drawing/2014/main" id="{22CB9A81-DFDF-BA8B-98BC-F19BDB2B518B}"/>
                 </a:ext>
               </a:extLst>
             </p:cNvPr>
-            <p:cNvSpPr/>
+            <p:cNvPicPr>
+              <a:picLocks noChangeAspect="1"/>
+            </p:cNvPicPr>
             <p:nvPr/>
-          </p:nvSpPr>
+          </p:nvPicPr>
+          <p:blipFill>
+            <a:blip r:embed="rId2">
+              <a:extLst>
+                <a:ext uri="{28A0092B-C50C-407E-A947-70E740481C1C}">
+                  <a14:useLocalDpi xmlns:a14="http://schemas.microsoft.com/office/drawing/2010/main" val="0"/>
+                </a:ext>
+              </a:extLst>
+            </a:blip>
+            <a:stretch>
+              <a:fillRect/>
+            </a:stretch>
+          </p:blipFill>
           <p:spPr>
             <a:xfrm>
-              <a:off x="0" y="0"/>
-              <a:ext cx="3024000" cy="325023"/>
+              <a:off x="4236244" y="6905910"/>
+              <a:ext cx="12192000" cy="3386667"/>
             </a:xfrm>
             <a:prstGeom prst="rect">
               <a:avLst/>
             </a:prstGeom>
-            <a:noFill/>
             <a:ln>
-              <a:solidFill>
-                <a:schemeClr val="tx1"/>
-              </a:solidFill>
+              <a:noFill/>
             </a:ln>
           </p:spPr>
-          <p:style>
-            <a:lnRef idx="2">
-              <a:schemeClr val="accent1">
-                <a:shade val="15000"/>
-              </a:schemeClr>
-            </a:lnRef>
-            <a:fillRef idx="1">
-              <a:schemeClr val="accent1"/>
-            </a:fillRef>
-            <a:effectRef idx="0">
-              <a:schemeClr val="accent1"/>
-            </a:effectRef>
-            <a:fontRef idx="minor">
-              <a:schemeClr val="lt1"/>
-            </a:fontRef>
-          </p:style>
-          <p:txBody>
-            <a:bodyPr rtlCol="0" anchor="ctr"/>
-            <a:lstStyle/>
-            <a:p>
-              <a:pPr algn="ctr"/>
-              <a:r>
-                <a:rPr lang="de-CH" sz="1600" dirty="0">
-                  <a:solidFill>
-                    <a:schemeClr val="tx1"/>
-                  </a:solidFill>
-                  <a:latin typeface="Avenir Next LT Pro" panose="020B0504020202020204" pitchFamily="34" charset="0"/>
-                </a:rPr>
-                <a:t>Selected Variables</a:t>
-              </a:r>
-              <a:endParaRPr lang="en-GB" sz="1600" dirty="0">
-                <a:solidFill>
-                  <a:schemeClr val="tx1"/>
-                </a:solidFill>
-                <a:latin typeface="Avenir Next LT Pro" panose="020B0504020202020204" pitchFamily="34" charset="0"/>
-              </a:endParaRPr>
-            </a:p>
-          </p:txBody>
-        </p:sp>
-        <p:sp>
-          <p:nvSpPr>
-            <p:cNvPr id="17" name="Rechteck 16">
+        </p:pic>
+        <p:pic>
+          <p:nvPicPr>
+            <p:cNvPr id="7" name="Grafik 6" descr="Ein Bild, das Screenshot, Reihe enthält.&#10;&#10;Automatisch generierte Beschreibung">
               <a:extLst>
                 <a:ext uri="{FF2B5EF4-FFF2-40B4-BE49-F238E27FC236}">
-                  <a16:creationId xmlns:a16="http://schemas.microsoft.com/office/drawing/2014/main" id="{94F71326-D408-1B4C-DC3A-A6E956DFE073}"/>
-                </a:ext>
-              </a:extLst>
-            </p:cNvPr>
-            <p:cNvSpPr/>
-            <p:nvPr/>
-          </p:nvSpPr>
-          <p:spPr>
-            <a:xfrm>
-              <a:off x="3024000" y="0"/>
-              <a:ext cx="3024000" cy="325023"/>
-            </a:xfrm>
-            <a:prstGeom prst="rect">
-              <a:avLst/>
-            </a:prstGeom>
-            <a:noFill/>
-            <a:ln>
-              <a:solidFill>
-                <a:schemeClr val="tx1"/>
-              </a:solidFill>
-            </a:ln>
-          </p:spPr>
-          <p:style>
-            <a:lnRef idx="2">
-              <a:schemeClr val="accent1">
-                <a:shade val="15000"/>
-              </a:schemeClr>
-            </a:lnRef>
-            <a:fillRef idx="1">
-              <a:schemeClr val="accent1"/>
-            </a:fillRef>
-            <a:effectRef idx="0">
-              <a:schemeClr val="accent1"/>
-            </a:effectRef>
-            <a:fontRef idx="minor">
-              <a:schemeClr val="lt1"/>
-            </a:fontRef>
-          </p:style>
-          <p:txBody>
-            <a:bodyPr rtlCol="0" anchor="ctr"/>
-            <a:lstStyle/>
-            <a:p>
-              <a:pPr algn="ctr"/>
-              <a:r>
-                <a:rPr lang="de-CH" sz="1600" dirty="0" err="1">
-                  <a:solidFill>
-                    <a:schemeClr val="tx1"/>
-                  </a:solidFill>
-                  <a:latin typeface="Avenir Next LT Pro" panose="020B0504020202020204" pitchFamily="34" charset="0"/>
-                </a:rPr>
-                <a:t>Water</a:t>
-              </a:r>
-              <a:r>
-                <a:rPr lang="de-CH" sz="1600" dirty="0">
-                  <a:solidFill>
-                    <a:schemeClr val="tx1"/>
-                  </a:solidFill>
-                  <a:latin typeface="Avenir Next LT Pro" panose="020B0504020202020204" pitchFamily="34" charset="0"/>
-                </a:rPr>
-                <a:t> Depth &amp; Velocity</a:t>
-              </a:r>
-              <a:endParaRPr lang="en-GB" sz="1600" dirty="0">
-                <a:solidFill>
-                  <a:schemeClr val="tx1"/>
-                </a:solidFill>
-                <a:latin typeface="Avenir Next LT Pro" panose="020B0504020202020204" pitchFamily="34" charset="0"/>
-              </a:endParaRPr>
-            </a:p>
-          </p:txBody>
-        </p:sp>
-        <p:sp>
-          <p:nvSpPr>
-            <p:cNvPr id="18" name="Rechteck 17">
-              <a:extLst>
-                <a:ext uri="{FF2B5EF4-FFF2-40B4-BE49-F238E27FC236}">
-                  <a16:creationId xmlns:a16="http://schemas.microsoft.com/office/drawing/2014/main" id="{F162640B-558C-1B13-A7CA-84CF9AF501A6}"/>
-                </a:ext>
-              </a:extLst>
-            </p:cNvPr>
-            <p:cNvSpPr/>
-            <p:nvPr/>
-          </p:nvSpPr>
-          <p:spPr>
-            <a:xfrm>
-              <a:off x="6048000" y="0"/>
-              <a:ext cx="3024000" cy="325023"/>
-            </a:xfrm>
-            <a:prstGeom prst="rect">
-              <a:avLst/>
-            </a:prstGeom>
-            <a:noFill/>
-            <a:ln>
-              <a:solidFill>
-                <a:schemeClr val="tx1"/>
-              </a:solidFill>
-            </a:ln>
-          </p:spPr>
-          <p:style>
-            <a:lnRef idx="2">
-              <a:schemeClr val="accent1">
-                <a:shade val="15000"/>
-              </a:schemeClr>
-            </a:lnRef>
-            <a:fillRef idx="1">
-              <a:schemeClr val="accent1"/>
-            </a:fillRef>
-            <a:effectRef idx="0">
-              <a:schemeClr val="accent1"/>
-            </a:effectRef>
-            <a:fontRef idx="minor">
-              <a:schemeClr val="lt1"/>
-            </a:fontRef>
-          </p:style>
-          <p:txBody>
-            <a:bodyPr rtlCol="0" anchor="ctr"/>
-            <a:lstStyle/>
-            <a:p>
-              <a:pPr algn="ctr"/>
-              <a:r>
-                <a:rPr lang="de-CH" sz="1600" dirty="0">
-                  <a:solidFill>
-                    <a:schemeClr val="tx1"/>
-                  </a:solidFill>
-                  <a:latin typeface="Avenir Next LT Pro" panose="020B0504020202020204" pitchFamily="34" charset="0"/>
-                </a:rPr>
-                <a:t>Velocity</a:t>
-              </a:r>
-              <a:endParaRPr lang="en-GB" sz="1600" dirty="0">
-                <a:solidFill>
-                  <a:schemeClr val="tx1"/>
-                </a:solidFill>
-                <a:latin typeface="Avenir Next LT Pro" panose="020B0504020202020204" pitchFamily="34" charset="0"/>
-              </a:endParaRPr>
-            </a:p>
-          </p:txBody>
-        </p:sp>
-        <p:sp>
-          <p:nvSpPr>
-            <p:cNvPr id="39" name="Rechteck 38">
-              <a:extLst>
-                <a:ext uri="{FF2B5EF4-FFF2-40B4-BE49-F238E27FC236}">
-                  <a16:creationId xmlns:a16="http://schemas.microsoft.com/office/drawing/2014/main" id="{E5BDB56F-CEDE-325E-5948-B378D0ED13A9}"/>
-                </a:ext>
-              </a:extLst>
-            </p:cNvPr>
-            <p:cNvSpPr/>
-            <p:nvPr/>
-          </p:nvSpPr>
-          <p:spPr>
-            <a:xfrm rot="16200000">
-              <a:off x="-1422514" y="1422513"/>
-              <a:ext cx="2520001" cy="325023"/>
-            </a:xfrm>
-            <a:prstGeom prst="rect">
-              <a:avLst/>
-            </a:prstGeom>
-            <a:noFill/>
-            <a:ln>
-              <a:solidFill>
-                <a:schemeClr val="tx1"/>
-              </a:solidFill>
-            </a:ln>
-          </p:spPr>
-          <p:style>
-            <a:lnRef idx="2">
-              <a:schemeClr val="accent1">
-                <a:shade val="15000"/>
-              </a:schemeClr>
-            </a:lnRef>
-            <a:fillRef idx="1">
-              <a:schemeClr val="accent1"/>
-            </a:fillRef>
-            <a:effectRef idx="0">
-              <a:schemeClr val="accent1"/>
-            </a:effectRef>
-            <a:fontRef idx="minor">
-              <a:schemeClr val="lt1"/>
-            </a:fontRef>
-          </p:style>
-          <p:txBody>
-            <a:bodyPr rtlCol="0" anchor="ctr"/>
-            <a:lstStyle/>
-            <a:p>
-              <a:pPr algn="ctr"/>
-              <a:r>
-                <a:rPr lang="de-CH" sz="1600" dirty="0">
-                  <a:solidFill>
-                    <a:schemeClr val="tx1"/>
-                  </a:solidFill>
-                  <a:latin typeface="Avenir Next LT Pro" panose="020B0504020202020204" pitchFamily="34" charset="0"/>
-                </a:rPr>
-                <a:t>K-Index</a:t>
-              </a:r>
-              <a:endParaRPr lang="en-GB" sz="1600" dirty="0">
-                <a:solidFill>
-                  <a:schemeClr val="tx1"/>
-                </a:solidFill>
-                <a:latin typeface="Avenir Next LT Pro" panose="020B0504020202020204" pitchFamily="34" charset="0"/>
-              </a:endParaRPr>
-            </a:p>
-          </p:txBody>
-        </p:sp>
-        <p:sp>
-          <p:nvSpPr>
-            <p:cNvPr id="40" name="Rechteck 39">
-              <a:extLst>
-                <a:ext uri="{FF2B5EF4-FFF2-40B4-BE49-F238E27FC236}">
-                  <a16:creationId xmlns:a16="http://schemas.microsoft.com/office/drawing/2014/main" id="{A73A7DF3-4449-7701-5980-27341F650896}"/>
-                </a:ext>
-              </a:extLst>
-            </p:cNvPr>
-            <p:cNvSpPr/>
-            <p:nvPr/>
-          </p:nvSpPr>
-          <p:spPr>
-            <a:xfrm rot="16200000">
-              <a:off x="-1422515" y="6462511"/>
-              <a:ext cx="2520001" cy="325023"/>
-            </a:xfrm>
-            <a:prstGeom prst="rect">
-              <a:avLst/>
-            </a:prstGeom>
-            <a:noFill/>
-            <a:ln>
-              <a:solidFill>
-                <a:schemeClr val="tx1"/>
-              </a:solidFill>
-            </a:ln>
-          </p:spPr>
-          <p:style>
-            <a:lnRef idx="2">
-              <a:schemeClr val="accent1">
-                <a:shade val="15000"/>
-              </a:schemeClr>
-            </a:lnRef>
-            <a:fillRef idx="1">
-              <a:schemeClr val="accent1"/>
-            </a:fillRef>
-            <a:effectRef idx="0">
-              <a:schemeClr val="accent1"/>
-            </a:effectRef>
-            <a:fontRef idx="minor">
-              <a:schemeClr val="lt1"/>
-            </a:fontRef>
-          </p:style>
-          <p:txBody>
-            <a:bodyPr rtlCol="0" anchor="ctr"/>
-            <a:lstStyle/>
-            <a:p>
-              <a:pPr algn="ctr"/>
-              <a:r>
-                <a:rPr lang="de-CH" sz="1600" dirty="0">
-                  <a:solidFill>
-                    <a:schemeClr val="tx1"/>
-                  </a:solidFill>
-                  <a:latin typeface="Avenir Next LT Pro" panose="020B0504020202020204" pitchFamily="34" charset="0"/>
-                </a:rPr>
-                <a:t>Absolute </a:t>
-              </a:r>
-              <a:r>
-                <a:rPr lang="de-CH" sz="1600" dirty="0" err="1">
-                  <a:solidFill>
-                    <a:schemeClr val="tx1"/>
-                  </a:solidFill>
-                  <a:latin typeface="Avenir Next LT Pro" panose="020B0504020202020204" pitchFamily="34" charset="0"/>
-                </a:rPr>
-                <a:t>Abundance</a:t>
-              </a:r>
-              <a:endParaRPr lang="en-GB" sz="1600" dirty="0">
-                <a:solidFill>
-                  <a:schemeClr val="tx1"/>
-                </a:solidFill>
-                <a:latin typeface="Avenir Next LT Pro" panose="020B0504020202020204" pitchFamily="34" charset="0"/>
-              </a:endParaRPr>
-            </a:p>
-          </p:txBody>
-        </p:sp>
-        <p:sp>
-          <p:nvSpPr>
-            <p:cNvPr id="41" name="Rechteck 40">
-              <a:extLst>
-                <a:ext uri="{FF2B5EF4-FFF2-40B4-BE49-F238E27FC236}">
-                  <a16:creationId xmlns:a16="http://schemas.microsoft.com/office/drawing/2014/main" id="{BBCFE273-5CC3-2012-FAB1-133628A1BF1B}"/>
-                </a:ext>
-              </a:extLst>
-            </p:cNvPr>
-            <p:cNvSpPr/>
-            <p:nvPr/>
-          </p:nvSpPr>
-          <p:spPr>
-            <a:xfrm rot="16200000">
-              <a:off x="-1422518" y="8982508"/>
-              <a:ext cx="2520001" cy="325023"/>
-            </a:xfrm>
-            <a:prstGeom prst="rect">
-              <a:avLst/>
-            </a:prstGeom>
-            <a:noFill/>
-            <a:ln>
-              <a:solidFill>
-                <a:schemeClr val="tx1"/>
-              </a:solidFill>
-            </a:ln>
-          </p:spPr>
-          <p:style>
-            <a:lnRef idx="2">
-              <a:schemeClr val="accent1">
-                <a:shade val="15000"/>
-              </a:schemeClr>
-            </a:lnRef>
-            <a:fillRef idx="1">
-              <a:schemeClr val="accent1"/>
-            </a:fillRef>
-            <a:effectRef idx="0">
-              <a:schemeClr val="accent1"/>
-            </a:effectRef>
-            <a:fontRef idx="minor">
-              <a:schemeClr val="lt1"/>
-            </a:fontRef>
-          </p:style>
-          <p:txBody>
-            <a:bodyPr rtlCol="0" anchor="ctr"/>
-            <a:lstStyle/>
-            <a:p>
-              <a:pPr algn="ctr"/>
-              <a:r>
-                <a:rPr lang="de-CH" sz="1600" dirty="0">
-                  <a:solidFill>
-                    <a:schemeClr val="tx1"/>
-                  </a:solidFill>
-                  <a:latin typeface="Avenir Next LT Pro" panose="020B0504020202020204" pitchFamily="34" charset="0"/>
-                </a:rPr>
-                <a:t>Relative </a:t>
-              </a:r>
-              <a:r>
-                <a:rPr lang="de-CH" sz="1600" dirty="0" err="1">
-                  <a:solidFill>
-                    <a:schemeClr val="tx1"/>
-                  </a:solidFill>
-                  <a:latin typeface="Avenir Next LT Pro" panose="020B0504020202020204" pitchFamily="34" charset="0"/>
-                </a:rPr>
-                <a:t>Abundance</a:t>
-              </a:r>
-              <a:endParaRPr lang="en-GB" sz="1600" dirty="0">
-                <a:solidFill>
-                  <a:schemeClr val="tx1"/>
-                </a:solidFill>
-                <a:latin typeface="Avenir Next LT Pro" panose="020B0504020202020204" pitchFamily="34" charset="0"/>
-              </a:endParaRPr>
-            </a:p>
-          </p:txBody>
-        </p:sp>
-        <p:sp>
-          <p:nvSpPr>
-            <p:cNvPr id="42" name="Rechteck 41">
-              <a:extLst>
-                <a:ext uri="{FF2B5EF4-FFF2-40B4-BE49-F238E27FC236}">
-                  <a16:creationId xmlns:a16="http://schemas.microsoft.com/office/drawing/2014/main" id="{3B2249BC-0939-5A2D-C660-9940EAFD6152}"/>
-                </a:ext>
-              </a:extLst>
-            </p:cNvPr>
-            <p:cNvSpPr/>
-            <p:nvPr/>
-          </p:nvSpPr>
-          <p:spPr>
-            <a:xfrm rot="16200000">
-              <a:off x="-1422512" y="3942512"/>
-              <a:ext cx="2520001" cy="325023"/>
-            </a:xfrm>
-            <a:prstGeom prst="rect">
-              <a:avLst/>
-            </a:prstGeom>
-            <a:noFill/>
-            <a:ln>
-              <a:solidFill>
-                <a:schemeClr val="tx1"/>
-              </a:solidFill>
-            </a:ln>
-          </p:spPr>
-          <p:style>
-            <a:lnRef idx="2">
-              <a:schemeClr val="accent1">
-                <a:shade val="15000"/>
-              </a:schemeClr>
-            </a:lnRef>
-            <a:fillRef idx="1">
-              <a:schemeClr val="accent1"/>
-            </a:fillRef>
-            <a:effectRef idx="0">
-              <a:schemeClr val="accent1"/>
-            </a:effectRef>
-            <a:fontRef idx="minor">
-              <a:schemeClr val="lt1"/>
-            </a:fontRef>
-          </p:style>
-          <p:txBody>
-            <a:bodyPr rtlCol="0" anchor="ctr"/>
-            <a:lstStyle/>
-            <a:p>
-              <a:pPr algn="ctr"/>
-              <a:r>
-                <a:rPr lang="de-CH" sz="1600" dirty="0">
-                  <a:solidFill>
-                    <a:schemeClr val="tx1"/>
-                  </a:solidFill>
-                  <a:latin typeface="Avenir Next LT Pro" panose="020B0504020202020204" pitchFamily="34" charset="0"/>
-                </a:rPr>
-                <a:t>Shannon Index</a:t>
-              </a:r>
-              <a:endParaRPr lang="en-GB" sz="1600" dirty="0">
-                <a:solidFill>
-                  <a:schemeClr val="tx1"/>
-                </a:solidFill>
-                <a:latin typeface="Avenir Next LT Pro" panose="020B0504020202020204" pitchFamily="34" charset="0"/>
-              </a:endParaRPr>
-            </a:p>
-          </p:txBody>
-        </p:sp>
-        <p:pic>
-          <p:nvPicPr>
-            <p:cNvPr id="3" name="Grafik 2" descr="Ein Bild, das Screenshot, Schwarz enthält.&#10;&#10;Automatisch generierte Beschreibung">
-              <a:extLst>
-                <a:ext uri="{FF2B5EF4-FFF2-40B4-BE49-F238E27FC236}">
-                  <a16:creationId xmlns:a16="http://schemas.microsoft.com/office/drawing/2014/main" id="{CAF8D32F-AD5B-8811-E7CE-CADF325F67A4}"/>
+                  <a16:creationId xmlns:a16="http://schemas.microsoft.com/office/drawing/2014/main" id="{E0CBFEAD-2BF7-ECEC-8E3A-D24AA0FA1005}"/>
                 </a:ext>
               </a:extLst>
             </p:cNvPr>
@@ -4380,20 +3666,23 @@
           </p:blipFill>
           <p:spPr>
             <a:xfrm>
-              <a:off x="0" y="325021"/>
-              <a:ext cx="3024000" cy="2520000"/>
+              <a:off x="4236244" y="132576"/>
+              <a:ext cx="12192000" cy="3386667"/>
             </a:xfrm>
             <a:prstGeom prst="rect">
               <a:avLst/>
             </a:prstGeom>
+            <a:ln>
+              <a:noFill/>
+            </a:ln>
           </p:spPr>
         </p:pic>
         <p:pic>
           <p:nvPicPr>
-            <p:cNvPr id="6" name="Grafik 5" descr="Ein Bild, das Screenshot, Schwarz enthält.&#10;&#10;Automatisch generierte Beschreibung">
+            <p:cNvPr id="9" name="Grafik 8" descr="Ein Bild, das Screenshot enthält.&#10;&#10;Automatisch generierte Beschreibung">
               <a:extLst>
                 <a:ext uri="{FF2B5EF4-FFF2-40B4-BE49-F238E27FC236}">
-                  <a16:creationId xmlns:a16="http://schemas.microsoft.com/office/drawing/2014/main" id="{91C79761-BDDF-0714-65FF-13DF06268258}"/>
+                  <a16:creationId xmlns:a16="http://schemas.microsoft.com/office/drawing/2014/main" id="{AED95E05-6691-E37A-CDC2-3A459934AD86}"/>
                 </a:ext>
               </a:extLst>
             </p:cNvPr>
@@ -4416,20 +3705,23 @@
           </p:blipFill>
           <p:spPr>
             <a:xfrm>
-              <a:off x="3023999" y="325021"/>
-              <a:ext cx="3024000" cy="2520000"/>
+              <a:off x="4236244" y="10292577"/>
+              <a:ext cx="12192000" cy="3386667"/>
             </a:xfrm>
             <a:prstGeom prst="rect">
               <a:avLst/>
             </a:prstGeom>
+            <a:ln>
+              <a:noFill/>
+            </a:ln>
           </p:spPr>
         </p:pic>
         <p:pic>
           <p:nvPicPr>
-            <p:cNvPr id="9" name="Grafik 8" descr="Ein Bild, das Screenshot, Schwarz enthält.&#10;&#10;Automatisch generierte Beschreibung">
+            <p:cNvPr id="11" name="Grafik 10" descr="Ein Bild, das Screenshot, Reihe enthält.&#10;&#10;Automatisch generierte Beschreibung">
               <a:extLst>
                 <a:ext uri="{FF2B5EF4-FFF2-40B4-BE49-F238E27FC236}">
-                  <a16:creationId xmlns:a16="http://schemas.microsoft.com/office/drawing/2014/main" id="{800C57D2-AB41-D904-A8DE-68E3A1F1BCFC}"/>
+                  <a16:creationId xmlns:a16="http://schemas.microsoft.com/office/drawing/2014/main" id="{FD64ABE3-3978-40B2-FDFF-17596934FB5A}"/>
                 </a:ext>
               </a:extLst>
             </p:cNvPr>
@@ -4452,1406 +3744,8 @@
           </p:blipFill>
           <p:spPr>
             <a:xfrm>
-              <a:off x="6048000" y="325021"/>
-              <a:ext cx="3024000" cy="2520000"/>
-            </a:xfrm>
-            <a:prstGeom prst="rect">
-              <a:avLst/>
-            </a:prstGeom>
-          </p:spPr>
-        </p:pic>
-        <p:pic>
-          <p:nvPicPr>
-            <p:cNvPr id="11" name="Grafik 10" descr="Ein Bild, das Screenshot, Schwarz enthält.&#10;&#10;Automatisch generierte Beschreibung">
-              <a:extLst>
-                <a:ext uri="{FF2B5EF4-FFF2-40B4-BE49-F238E27FC236}">
-                  <a16:creationId xmlns:a16="http://schemas.microsoft.com/office/drawing/2014/main" id="{6B3F944A-4F9F-DE82-E3FD-406FA5449504}"/>
-                </a:ext>
-              </a:extLst>
-            </p:cNvPr>
-            <p:cNvPicPr>
-              <a:picLocks noChangeAspect="1"/>
-            </p:cNvPicPr>
-            <p:nvPr/>
-          </p:nvPicPr>
-          <p:blipFill>
-            <a:blip r:embed="rId6">
-              <a:extLst>
-                <a:ext uri="{28A0092B-C50C-407E-A947-70E740481C1C}">
-                  <a14:useLocalDpi xmlns:a14="http://schemas.microsoft.com/office/drawing/2010/main" val="0"/>
-                </a:ext>
-              </a:extLst>
-            </a:blip>
-            <a:stretch>
-              <a:fillRect/>
-            </a:stretch>
-          </p:blipFill>
-          <p:spPr>
-            <a:xfrm>
-              <a:off x="0" y="5365008"/>
-              <a:ext cx="3024000" cy="2520000"/>
-            </a:xfrm>
-            <a:prstGeom prst="rect">
-              <a:avLst/>
-            </a:prstGeom>
-          </p:spPr>
-        </p:pic>
-        <p:pic>
-          <p:nvPicPr>
-            <p:cNvPr id="13" name="Grafik 12" descr="Ein Bild, das Screenshot, Schwarz, Quadrat enthält.&#10;&#10;Automatisch generierte Beschreibung">
-              <a:extLst>
-                <a:ext uri="{FF2B5EF4-FFF2-40B4-BE49-F238E27FC236}">
-                  <a16:creationId xmlns:a16="http://schemas.microsoft.com/office/drawing/2014/main" id="{366A1475-FAD9-1D40-847B-9D842BEBEEEE}"/>
-                </a:ext>
-              </a:extLst>
-            </p:cNvPr>
-            <p:cNvPicPr>
-              <a:picLocks noChangeAspect="1"/>
-            </p:cNvPicPr>
-            <p:nvPr/>
-          </p:nvPicPr>
-          <p:blipFill>
-            <a:blip r:embed="rId7">
-              <a:extLst>
-                <a:ext uri="{28A0092B-C50C-407E-A947-70E740481C1C}">
-                  <a14:useLocalDpi xmlns:a14="http://schemas.microsoft.com/office/drawing/2010/main" val="0"/>
-                </a:ext>
-              </a:extLst>
-            </a:blip>
-            <a:stretch>
-              <a:fillRect/>
-            </a:stretch>
-          </p:blipFill>
-          <p:spPr>
-            <a:xfrm>
-              <a:off x="0" y="2845016"/>
-              <a:ext cx="3024000" cy="2520000"/>
-            </a:xfrm>
-            <a:prstGeom prst="rect">
-              <a:avLst/>
-            </a:prstGeom>
-          </p:spPr>
-        </p:pic>
-        <p:pic>
-          <p:nvPicPr>
-            <p:cNvPr id="19" name="Grafik 18" descr="Ein Bild, das Screenshot, Quadrat, Schwarz enthält.&#10;&#10;Automatisch generierte Beschreibung">
-              <a:extLst>
-                <a:ext uri="{FF2B5EF4-FFF2-40B4-BE49-F238E27FC236}">
-                  <a16:creationId xmlns:a16="http://schemas.microsoft.com/office/drawing/2014/main" id="{101DA896-81E4-BB5E-649D-B84ABD9A262C}"/>
-                </a:ext>
-              </a:extLst>
-            </p:cNvPr>
-            <p:cNvPicPr>
-              <a:picLocks noChangeAspect="1"/>
-            </p:cNvPicPr>
-            <p:nvPr/>
-          </p:nvPicPr>
-          <p:blipFill>
-            <a:blip r:embed="rId8">
-              <a:extLst>
-                <a:ext uri="{28A0092B-C50C-407E-A947-70E740481C1C}">
-                  <a14:useLocalDpi xmlns:a14="http://schemas.microsoft.com/office/drawing/2010/main" val="0"/>
-                </a:ext>
-              </a:extLst>
-            </a:blip>
-            <a:stretch>
-              <a:fillRect/>
-            </a:stretch>
-          </p:blipFill>
-          <p:spPr>
-            <a:xfrm>
-              <a:off x="-6" y="7884991"/>
-              <a:ext cx="3024000" cy="2520000"/>
-            </a:xfrm>
-            <a:prstGeom prst="rect">
-              <a:avLst/>
-            </a:prstGeom>
-          </p:spPr>
-        </p:pic>
-        <p:pic>
-          <p:nvPicPr>
-            <p:cNvPr id="23" name="Grafik 22" descr="Ein Bild, das Screenshot, Quadrat, Schwarz enthält.&#10;&#10;Automatisch generierte Beschreibung">
-              <a:extLst>
-                <a:ext uri="{FF2B5EF4-FFF2-40B4-BE49-F238E27FC236}">
-                  <a16:creationId xmlns:a16="http://schemas.microsoft.com/office/drawing/2014/main" id="{AD2F4EC6-D433-F34F-6BB8-C2F3CEA41B9F}"/>
-                </a:ext>
-              </a:extLst>
-            </p:cNvPr>
-            <p:cNvPicPr>
-              <a:picLocks noChangeAspect="1"/>
-            </p:cNvPicPr>
-            <p:nvPr/>
-          </p:nvPicPr>
-          <p:blipFill>
-            <a:blip r:embed="rId9">
-              <a:extLst>
-                <a:ext uri="{28A0092B-C50C-407E-A947-70E740481C1C}">
-                  <a14:useLocalDpi xmlns:a14="http://schemas.microsoft.com/office/drawing/2010/main" val="0"/>
-                </a:ext>
-              </a:extLst>
-            </a:blip>
-            <a:stretch>
-              <a:fillRect/>
-            </a:stretch>
-          </p:blipFill>
-          <p:spPr>
-            <a:xfrm>
-              <a:off x="3023999" y="7884935"/>
-              <a:ext cx="3024000" cy="2520000"/>
-            </a:xfrm>
-            <a:prstGeom prst="rect">
-              <a:avLst/>
-            </a:prstGeom>
-          </p:spPr>
-        </p:pic>
-        <p:pic>
-          <p:nvPicPr>
-            <p:cNvPr id="27" name="Grafik 26" descr="Ein Bild, das Screenshot, Schwarz enthält.&#10;&#10;Automatisch generierte Beschreibung">
-              <a:extLst>
-                <a:ext uri="{FF2B5EF4-FFF2-40B4-BE49-F238E27FC236}">
-                  <a16:creationId xmlns:a16="http://schemas.microsoft.com/office/drawing/2014/main" id="{76348480-2379-A0FA-D552-CC25FAF5EBA2}"/>
-                </a:ext>
-              </a:extLst>
-            </p:cNvPr>
-            <p:cNvPicPr>
-              <a:picLocks noChangeAspect="1"/>
-            </p:cNvPicPr>
-            <p:nvPr/>
-          </p:nvPicPr>
-          <p:blipFill>
-            <a:blip r:embed="rId10">
-              <a:extLst>
-                <a:ext uri="{28A0092B-C50C-407E-A947-70E740481C1C}">
-                  <a14:useLocalDpi xmlns:a14="http://schemas.microsoft.com/office/drawing/2010/main" val="0"/>
-                </a:ext>
-              </a:extLst>
-            </a:blip>
-            <a:stretch>
-              <a:fillRect/>
-            </a:stretch>
-          </p:blipFill>
-          <p:spPr>
-            <a:xfrm>
-              <a:off x="3023999" y="5365008"/>
-              <a:ext cx="3024000" cy="2520000"/>
-            </a:xfrm>
-            <a:prstGeom prst="rect">
-              <a:avLst/>
-            </a:prstGeom>
-          </p:spPr>
-        </p:pic>
-        <p:pic>
-          <p:nvPicPr>
-            <p:cNvPr id="31" name="Grafik 30" descr="Ein Bild, das Screenshot, Quadrat, Schwarz enthält.&#10;&#10;Automatisch generierte Beschreibung">
-              <a:extLst>
-                <a:ext uri="{FF2B5EF4-FFF2-40B4-BE49-F238E27FC236}">
-                  <a16:creationId xmlns:a16="http://schemas.microsoft.com/office/drawing/2014/main" id="{B6D5DBE8-8EEC-F8FF-886C-A9850EE813A4}"/>
-                </a:ext>
-              </a:extLst>
-            </p:cNvPr>
-            <p:cNvPicPr>
-              <a:picLocks noChangeAspect="1"/>
-            </p:cNvPicPr>
-            <p:nvPr/>
-          </p:nvPicPr>
-          <p:blipFill>
-            <a:blip r:embed="rId11">
-              <a:extLst>
-                <a:ext uri="{28A0092B-C50C-407E-A947-70E740481C1C}">
-                  <a14:useLocalDpi xmlns:a14="http://schemas.microsoft.com/office/drawing/2010/main" val="0"/>
-                </a:ext>
-              </a:extLst>
-            </a:blip>
-            <a:stretch>
-              <a:fillRect/>
-            </a:stretch>
-          </p:blipFill>
-          <p:spPr>
-            <a:xfrm>
-              <a:off x="3023999" y="2844979"/>
-              <a:ext cx="3024000" cy="2520000"/>
-            </a:xfrm>
-            <a:prstGeom prst="rect">
-              <a:avLst/>
-            </a:prstGeom>
-          </p:spPr>
-        </p:pic>
-        <p:pic>
-          <p:nvPicPr>
-            <p:cNvPr id="35" name="Grafik 34" descr="Ein Bild, das Screenshot, Quadrat, Schwarz enthält.&#10;&#10;Automatisch generierte Beschreibung">
-              <a:extLst>
-                <a:ext uri="{FF2B5EF4-FFF2-40B4-BE49-F238E27FC236}">
-                  <a16:creationId xmlns:a16="http://schemas.microsoft.com/office/drawing/2014/main" id="{1A46CCF5-D3C1-694F-A356-18ED7CDFDE81}"/>
-                </a:ext>
-              </a:extLst>
-            </p:cNvPr>
-            <p:cNvPicPr>
-              <a:picLocks noChangeAspect="1"/>
-            </p:cNvPicPr>
-            <p:nvPr/>
-          </p:nvPicPr>
-          <p:blipFill>
-            <a:blip r:embed="rId12">
-              <a:extLst>
-                <a:ext uri="{28A0092B-C50C-407E-A947-70E740481C1C}">
-                  <a14:useLocalDpi xmlns:a14="http://schemas.microsoft.com/office/drawing/2010/main" val="0"/>
-                </a:ext>
-              </a:extLst>
-            </a:blip>
-            <a:stretch>
-              <a:fillRect/>
-            </a:stretch>
-          </p:blipFill>
-          <p:spPr>
-            <a:xfrm>
-              <a:off x="6047999" y="7884935"/>
-              <a:ext cx="3024000" cy="2520000"/>
-            </a:xfrm>
-            <a:prstGeom prst="rect">
-              <a:avLst/>
-            </a:prstGeom>
-          </p:spPr>
-        </p:pic>
-        <p:pic>
-          <p:nvPicPr>
-            <p:cNvPr id="38" name="Grafik 37" descr="Ein Bild, das Screenshot, Schwarz enthält.&#10;&#10;Automatisch generierte Beschreibung">
-              <a:extLst>
-                <a:ext uri="{FF2B5EF4-FFF2-40B4-BE49-F238E27FC236}">
-                  <a16:creationId xmlns:a16="http://schemas.microsoft.com/office/drawing/2014/main" id="{DF8EC252-8510-6C66-8E16-6A6129C0BF90}"/>
-                </a:ext>
-              </a:extLst>
-            </p:cNvPr>
-            <p:cNvPicPr>
-              <a:picLocks noChangeAspect="1"/>
-            </p:cNvPicPr>
-            <p:nvPr/>
-          </p:nvPicPr>
-          <p:blipFill>
-            <a:blip r:embed="rId13">
-              <a:extLst>
-                <a:ext uri="{28A0092B-C50C-407E-A947-70E740481C1C}">
-                  <a14:useLocalDpi xmlns:a14="http://schemas.microsoft.com/office/drawing/2010/main" val="0"/>
-                </a:ext>
-              </a:extLst>
-            </a:blip>
-            <a:stretch>
-              <a:fillRect/>
-            </a:stretch>
-          </p:blipFill>
-          <p:spPr>
-            <a:xfrm>
-              <a:off x="6047999" y="2844923"/>
-              <a:ext cx="3024000" cy="2520000"/>
-            </a:xfrm>
-            <a:prstGeom prst="rect">
-              <a:avLst/>
-            </a:prstGeom>
-          </p:spPr>
-        </p:pic>
-        <p:pic>
-          <p:nvPicPr>
-            <p:cNvPr id="45" name="Grafik 44" descr="Ein Bild, das Screenshot, Schwarz enthält.&#10;&#10;Automatisch generierte Beschreibung">
-              <a:extLst>
-                <a:ext uri="{FF2B5EF4-FFF2-40B4-BE49-F238E27FC236}">
-                  <a16:creationId xmlns:a16="http://schemas.microsoft.com/office/drawing/2014/main" id="{A73BF44D-371E-E5DE-FD37-8956B7A5CF0D}"/>
-                </a:ext>
-              </a:extLst>
-            </p:cNvPr>
-            <p:cNvPicPr>
-              <a:picLocks noChangeAspect="1"/>
-            </p:cNvPicPr>
-            <p:nvPr/>
-          </p:nvPicPr>
-          <p:blipFill>
-            <a:blip r:embed="rId14">
-              <a:extLst>
-                <a:ext uri="{28A0092B-C50C-407E-A947-70E740481C1C}">
-                  <a14:useLocalDpi xmlns:a14="http://schemas.microsoft.com/office/drawing/2010/main" val="0"/>
-                </a:ext>
-              </a:extLst>
-            </a:blip>
-            <a:stretch>
-              <a:fillRect/>
-            </a:stretch>
-          </p:blipFill>
-          <p:spPr>
-            <a:xfrm>
-              <a:off x="6047999" y="5365008"/>
-              <a:ext cx="3024000" cy="2520000"/>
-            </a:xfrm>
-            <a:prstGeom prst="rect">
-              <a:avLst/>
-            </a:prstGeom>
-          </p:spPr>
-        </p:pic>
-      </p:grpSp>
-    </p:spTree>
-    <p:extLst>
-      <p:ext uri="{BB962C8B-B14F-4D97-AF65-F5344CB8AC3E}">
-        <p14:creationId xmlns:p14="http://schemas.microsoft.com/office/powerpoint/2010/main" val="1042497208"/>
-      </p:ext>
-    </p:extLst>
-  </p:cSld>
-  <p:clrMapOvr>
-    <a:masterClrMapping/>
-  </p:clrMapOvr>
-</p:sld>
-</file>
-
-<file path=ppt/slides/slide3.xml><?xml version="1.0" encoding="utf-8"?>
-<p:sld xmlns:a="http://schemas.openxmlformats.org/drawingml/2006/main" xmlns:r="http://schemas.openxmlformats.org/officeDocument/2006/relationships" xmlns:p="http://schemas.openxmlformats.org/presentationml/2006/main">
-  <p:cSld>
-    <p:spTree>
-      <p:nvGrpSpPr>
-        <p:cNvPr id="1" name=""/>
-        <p:cNvGrpSpPr/>
-        <p:nvPr/>
-      </p:nvGrpSpPr>
-      <p:grpSpPr>
-        <a:xfrm>
-          <a:off x="0" y="0"/>
-          <a:ext cx="0" cy="0"/>
-          <a:chOff x="0" y="0"/>
-          <a:chExt cx="0" cy="0"/>
-        </a:xfrm>
-      </p:grpSpPr>
-      <p:sp>
-        <p:nvSpPr>
-          <p:cNvPr id="16" name="Rechteck 15">
-            <a:extLst>
-              <a:ext uri="{FF2B5EF4-FFF2-40B4-BE49-F238E27FC236}">
-                <a16:creationId xmlns:a16="http://schemas.microsoft.com/office/drawing/2014/main" id="{4D2DECCA-196C-DB8C-A722-463F497C3AD7}"/>
-              </a:ext>
-            </a:extLst>
-          </p:cNvPr>
-          <p:cNvSpPr/>
-          <p:nvPr/>
-        </p:nvSpPr>
-        <p:spPr>
-          <a:xfrm>
-            <a:off x="0" y="0"/>
-            <a:ext cx="3024000" cy="325023"/>
-          </a:xfrm>
-          <a:prstGeom prst="rect">
-            <a:avLst/>
-          </a:prstGeom>
-          <a:noFill/>
-          <a:ln>
-            <a:solidFill>
-              <a:schemeClr val="tx1"/>
-            </a:solidFill>
-          </a:ln>
-        </p:spPr>
-        <p:style>
-          <a:lnRef idx="2">
-            <a:schemeClr val="accent1">
-              <a:shade val="15000"/>
-            </a:schemeClr>
-          </a:lnRef>
-          <a:fillRef idx="1">
-            <a:schemeClr val="accent1"/>
-          </a:fillRef>
-          <a:effectRef idx="0">
-            <a:schemeClr val="accent1"/>
-          </a:effectRef>
-          <a:fontRef idx="minor">
-            <a:schemeClr val="lt1"/>
-          </a:fontRef>
-        </p:style>
-        <p:txBody>
-          <a:bodyPr rtlCol="0" anchor="ctr"/>
-          <a:lstStyle/>
-          <a:p>
-            <a:pPr algn="ctr"/>
-            <a:r>
-              <a:rPr lang="de-CH" sz="1600" dirty="0">
-                <a:solidFill>
-                  <a:schemeClr val="tx1"/>
-                </a:solidFill>
-                <a:latin typeface="Avenir Next LT Pro" panose="020B0504020202020204" pitchFamily="34" charset="0"/>
-              </a:rPr>
-              <a:t>Selected Variables</a:t>
-            </a:r>
-            <a:endParaRPr lang="en-GB" sz="1600" dirty="0">
-              <a:solidFill>
-                <a:schemeClr val="tx1"/>
-              </a:solidFill>
-              <a:latin typeface="Avenir Next LT Pro" panose="020B0504020202020204" pitchFamily="34" charset="0"/>
-            </a:endParaRPr>
-          </a:p>
-        </p:txBody>
-      </p:sp>
-      <p:sp>
-        <p:nvSpPr>
-          <p:cNvPr id="17" name="Rechteck 16">
-            <a:extLst>
-              <a:ext uri="{FF2B5EF4-FFF2-40B4-BE49-F238E27FC236}">
-                <a16:creationId xmlns:a16="http://schemas.microsoft.com/office/drawing/2014/main" id="{94F71326-D408-1B4C-DC3A-A6E956DFE073}"/>
-              </a:ext>
-            </a:extLst>
-          </p:cNvPr>
-          <p:cNvSpPr/>
-          <p:nvPr/>
-        </p:nvSpPr>
-        <p:spPr>
-          <a:xfrm>
-            <a:off x="3024000" y="0"/>
-            <a:ext cx="3024000" cy="325023"/>
-          </a:xfrm>
-          <a:prstGeom prst="rect">
-            <a:avLst/>
-          </a:prstGeom>
-          <a:noFill/>
-          <a:ln>
-            <a:solidFill>
-              <a:schemeClr val="tx1"/>
-            </a:solidFill>
-          </a:ln>
-        </p:spPr>
-        <p:style>
-          <a:lnRef idx="2">
-            <a:schemeClr val="accent1">
-              <a:shade val="15000"/>
-            </a:schemeClr>
-          </a:lnRef>
-          <a:fillRef idx="1">
-            <a:schemeClr val="accent1"/>
-          </a:fillRef>
-          <a:effectRef idx="0">
-            <a:schemeClr val="accent1"/>
-          </a:effectRef>
-          <a:fontRef idx="minor">
-            <a:schemeClr val="lt1"/>
-          </a:fontRef>
-        </p:style>
-        <p:txBody>
-          <a:bodyPr rtlCol="0" anchor="ctr"/>
-          <a:lstStyle/>
-          <a:p>
-            <a:pPr algn="ctr"/>
-            <a:r>
-              <a:rPr lang="de-CH" sz="1600" dirty="0" err="1">
-                <a:solidFill>
-                  <a:schemeClr val="tx1"/>
-                </a:solidFill>
-                <a:latin typeface="Avenir Next LT Pro" panose="020B0504020202020204" pitchFamily="34" charset="0"/>
-              </a:rPr>
-              <a:t>Water</a:t>
-            </a:r>
-            <a:r>
-              <a:rPr lang="de-CH" sz="1600" dirty="0">
-                <a:solidFill>
-                  <a:schemeClr val="tx1"/>
-                </a:solidFill>
-                <a:latin typeface="Avenir Next LT Pro" panose="020B0504020202020204" pitchFamily="34" charset="0"/>
-              </a:rPr>
-              <a:t> Depth &amp; Velocity</a:t>
-            </a:r>
-            <a:endParaRPr lang="en-GB" sz="1600" dirty="0">
-              <a:solidFill>
-                <a:schemeClr val="tx1"/>
-              </a:solidFill>
-              <a:latin typeface="Avenir Next LT Pro" panose="020B0504020202020204" pitchFamily="34" charset="0"/>
-            </a:endParaRPr>
-          </a:p>
-        </p:txBody>
-      </p:sp>
-      <p:sp>
-        <p:nvSpPr>
-          <p:cNvPr id="18" name="Rechteck 17">
-            <a:extLst>
-              <a:ext uri="{FF2B5EF4-FFF2-40B4-BE49-F238E27FC236}">
-                <a16:creationId xmlns:a16="http://schemas.microsoft.com/office/drawing/2014/main" id="{F162640B-558C-1B13-A7CA-84CF9AF501A6}"/>
-              </a:ext>
-            </a:extLst>
-          </p:cNvPr>
-          <p:cNvSpPr/>
-          <p:nvPr/>
-        </p:nvSpPr>
-        <p:spPr>
-          <a:xfrm>
-            <a:off x="6048000" y="0"/>
-            <a:ext cx="3024000" cy="325023"/>
-          </a:xfrm>
-          <a:prstGeom prst="rect">
-            <a:avLst/>
-          </a:prstGeom>
-          <a:noFill/>
-          <a:ln>
-            <a:solidFill>
-              <a:schemeClr val="tx1"/>
-            </a:solidFill>
-          </a:ln>
-        </p:spPr>
-        <p:style>
-          <a:lnRef idx="2">
-            <a:schemeClr val="accent1">
-              <a:shade val="15000"/>
-            </a:schemeClr>
-          </a:lnRef>
-          <a:fillRef idx="1">
-            <a:schemeClr val="accent1"/>
-          </a:fillRef>
-          <a:effectRef idx="0">
-            <a:schemeClr val="accent1"/>
-          </a:effectRef>
-          <a:fontRef idx="minor">
-            <a:schemeClr val="lt1"/>
-          </a:fontRef>
-        </p:style>
-        <p:txBody>
-          <a:bodyPr rtlCol="0" anchor="ctr"/>
-          <a:lstStyle/>
-          <a:p>
-            <a:pPr algn="ctr"/>
-            <a:r>
-              <a:rPr lang="de-CH" sz="1600" dirty="0">
-                <a:solidFill>
-                  <a:schemeClr val="tx1"/>
-                </a:solidFill>
-                <a:latin typeface="Avenir Next LT Pro" panose="020B0504020202020204" pitchFamily="34" charset="0"/>
-              </a:rPr>
-              <a:t>Velocity</a:t>
-            </a:r>
-            <a:endParaRPr lang="en-GB" sz="1600" dirty="0">
-              <a:solidFill>
-                <a:schemeClr val="tx1"/>
-              </a:solidFill>
-              <a:latin typeface="Avenir Next LT Pro" panose="020B0504020202020204" pitchFamily="34" charset="0"/>
-            </a:endParaRPr>
-          </a:p>
-        </p:txBody>
-      </p:sp>
-      <p:sp>
-        <p:nvSpPr>
-          <p:cNvPr id="39" name="Rechteck 38">
-            <a:extLst>
-              <a:ext uri="{FF2B5EF4-FFF2-40B4-BE49-F238E27FC236}">
-                <a16:creationId xmlns:a16="http://schemas.microsoft.com/office/drawing/2014/main" id="{E5BDB56F-CEDE-325E-5948-B378D0ED13A9}"/>
-              </a:ext>
-            </a:extLst>
-          </p:cNvPr>
-          <p:cNvSpPr/>
-          <p:nvPr/>
-        </p:nvSpPr>
-        <p:spPr>
-          <a:xfrm rot="16200000">
-            <a:off x="-1422514" y="1422513"/>
-            <a:ext cx="2520001" cy="325023"/>
-          </a:xfrm>
-          <a:prstGeom prst="rect">
-            <a:avLst/>
-          </a:prstGeom>
-          <a:noFill/>
-          <a:ln>
-            <a:solidFill>
-              <a:schemeClr val="tx1"/>
-            </a:solidFill>
-          </a:ln>
-        </p:spPr>
-        <p:style>
-          <a:lnRef idx="2">
-            <a:schemeClr val="accent1">
-              <a:shade val="15000"/>
-            </a:schemeClr>
-          </a:lnRef>
-          <a:fillRef idx="1">
-            <a:schemeClr val="accent1"/>
-          </a:fillRef>
-          <a:effectRef idx="0">
-            <a:schemeClr val="accent1"/>
-          </a:effectRef>
-          <a:fontRef idx="minor">
-            <a:schemeClr val="lt1"/>
-          </a:fontRef>
-        </p:style>
-        <p:txBody>
-          <a:bodyPr rtlCol="0" anchor="ctr"/>
-          <a:lstStyle/>
-          <a:p>
-            <a:pPr algn="ctr"/>
-            <a:r>
-              <a:rPr lang="de-CH" sz="1600" dirty="0">
-                <a:solidFill>
-                  <a:schemeClr val="tx1"/>
-                </a:solidFill>
-                <a:latin typeface="Avenir Next LT Pro" panose="020B0504020202020204" pitchFamily="34" charset="0"/>
-              </a:rPr>
-              <a:t>K-Index</a:t>
-            </a:r>
-            <a:endParaRPr lang="en-GB" sz="1600" dirty="0">
-              <a:solidFill>
-                <a:schemeClr val="tx1"/>
-              </a:solidFill>
-              <a:latin typeface="Avenir Next LT Pro" panose="020B0504020202020204" pitchFamily="34" charset="0"/>
-            </a:endParaRPr>
-          </a:p>
-        </p:txBody>
-      </p:sp>
-      <p:sp>
-        <p:nvSpPr>
-          <p:cNvPr id="40" name="Rechteck 39">
-            <a:extLst>
-              <a:ext uri="{FF2B5EF4-FFF2-40B4-BE49-F238E27FC236}">
-                <a16:creationId xmlns:a16="http://schemas.microsoft.com/office/drawing/2014/main" id="{A73A7DF3-4449-7701-5980-27341F650896}"/>
-              </a:ext>
-            </a:extLst>
-          </p:cNvPr>
-          <p:cNvSpPr/>
-          <p:nvPr/>
-        </p:nvSpPr>
-        <p:spPr>
-          <a:xfrm rot="16200000">
-            <a:off x="-1422515" y="6462511"/>
-            <a:ext cx="2520001" cy="325023"/>
-          </a:xfrm>
-          <a:prstGeom prst="rect">
-            <a:avLst/>
-          </a:prstGeom>
-          <a:noFill/>
-          <a:ln>
-            <a:solidFill>
-              <a:schemeClr val="tx1"/>
-            </a:solidFill>
-          </a:ln>
-        </p:spPr>
-        <p:style>
-          <a:lnRef idx="2">
-            <a:schemeClr val="accent1">
-              <a:shade val="15000"/>
-            </a:schemeClr>
-          </a:lnRef>
-          <a:fillRef idx="1">
-            <a:schemeClr val="accent1"/>
-          </a:fillRef>
-          <a:effectRef idx="0">
-            <a:schemeClr val="accent1"/>
-          </a:effectRef>
-          <a:fontRef idx="minor">
-            <a:schemeClr val="lt1"/>
-          </a:fontRef>
-        </p:style>
-        <p:txBody>
-          <a:bodyPr rtlCol="0" anchor="ctr"/>
-          <a:lstStyle/>
-          <a:p>
-            <a:pPr algn="ctr"/>
-            <a:r>
-              <a:rPr lang="de-CH" sz="1600" dirty="0">
-                <a:solidFill>
-                  <a:schemeClr val="tx1"/>
-                </a:solidFill>
-                <a:latin typeface="Avenir Next LT Pro" panose="020B0504020202020204" pitchFamily="34" charset="0"/>
-              </a:rPr>
-              <a:t>Absolute </a:t>
-            </a:r>
-            <a:r>
-              <a:rPr lang="de-CH" sz="1600" dirty="0" err="1">
-                <a:solidFill>
-                  <a:schemeClr val="tx1"/>
-                </a:solidFill>
-                <a:latin typeface="Avenir Next LT Pro" panose="020B0504020202020204" pitchFamily="34" charset="0"/>
-              </a:rPr>
-              <a:t>Abundance</a:t>
-            </a:r>
-            <a:endParaRPr lang="en-GB" sz="1600" dirty="0">
-              <a:solidFill>
-                <a:schemeClr val="tx1"/>
-              </a:solidFill>
-              <a:latin typeface="Avenir Next LT Pro" panose="020B0504020202020204" pitchFamily="34" charset="0"/>
-            </a:endParaRPr>
-          </a:p>
-        </p:txBody>
-      </p:sp>
-      <p:sp>
-        <p:nvSpPr>
-          <p:cNvPr id="41" name="Rechteck 40">
-            <a:extLst>
-              <a:ext uri="{FF2B5EF4-FFF2-40B4-BE49-F238E27FC236}">
-                <a16:creationId xmlns:a16="http://schemas.microsoft.com/office/drawing/2014/main" id="{BBCFE273-5CC3-2012-FAB1-133628A1BF1B}"/>
-              </a:ext>
-            </a:extLst>
-          </p:cNvPr>
-          <p:cNvSpPr/>
-          <p:nvPr/>
-        </p:nvSpPr>
-        <p:spPr>
-          <a:xfrm rot="16200000">
-            <a:off x="-1422518" y="8982508"/>
-            <a:ext cx="2520001" cy="325023"/>
-          </a:xfrm>
-          <a:prstGeom prst="rect">
-            <a:avLst/>
-          </a:prstGeom>
-          <a:noFill/>
-          <a:ln>
-            <a:solidFill>
-              <a:schemeClr val="tx1"/>
-            </a:solidFill>
-          </a:ln>
-        </p:spPr>
-        <p:style>
-          <a:lnRef idx="2">
-            <a:schemeClr val="accent1">
-              <a:shade val="15000"/>
-            </a:schemeClr>
-          </a:lnRef>
-          <a:fillRef idx="1">
-            <a:schemeClr val="accent1"/>
-          </a:fillRef>
-          <a:effectRef idx="0">
-            <a:schemeClr val="accent1"/>
-          </a:effectRef>
-          <a:fontRef idx="minor">
-            <a:schemeClr val="lt1"/>
-          </a:fontRef>
-        </p:style>
-        <p:txBody>
-          <a:bodyPr rtlCol="0" anchor="ctr"/>
-          <a:lstStyle/>
-          <a:p>
-            <a:pPr algn="ctr"/>
-            <a:r>
-              <a:rPr lang="de-CH" sz="1600" dirty="0">
-                <a:solidFill>
-                  <a:schemeClr val="tx1"/>
-                </a:solidFill>
-                <a:latin typeface="Avenir Next LT Pro" panose="020B0504020202020204" pitchFamily="34" charset="0"/>
-              </a:rPr>
-              <a:t>Relative </a:t>
-            </a:r>
-            <a:r>
-              <a:rPr lang="de-CH" sz="1600" dirty="0" err="1">
-                <a:solidFill>
-                  <a:schemeClr val="tx1"/>
-                </a:solidFill>
-                <a:latin typeface="Avenir Next LT Pro" panose="020B0504020202020204" pitchFamily="34" charset="0"/>
-              </a:rPr>
-              <a:t>Abundance</a:t>
-            </a:r>
-            <a:endParaRPr lang="en-GB" sz="1600" dirty="0">
-              <a:solidFill>
-                <a:schemeClr val="tx1"/>
-              </a:solidFill>
-              <a:latin typeface="Avenir Next LT Pro" panose="020B0504020202020204" pitchFamily="34" charset="0"/>
-            </a:endParaRPr>
-          </a:p>
-        </p:txBody>
-      </p:sp>
-      <p:sp>
-        <p:nvSpPr>
-          <p:cNvPr id="42" name="Rechteck 41">
-            <a:extLst>
-              <a:ext uri="{FF2B5EF4-FFF2-40B4-BE49-F238E27FC236}">
-                <a16:creationId xmlns:a16="http://schemas.microsoft.com/office/drawing/2014/main" id="{3B2249BC-0939-5A2D-C660-9940EAFD6152}"/>
-              </a:ext>
-            </a:extLst>
-          </p:cNvPr>
-          <p:cNvSpPr/>
-          <p:nvPr/>
-        </p:nvSpPr>
-        <p:spPr>
-          <a:xfrm rot="16200000">
-            <a:off x="-1422512" y="3942512"/>
-            <a:ext cx="2520001" cy="325023"/>
-          </a:xfrm>
-          <a:prstGeom prst="rect">
-            <a:avLst/>
-          </a:prstGeom>
-          <a:noFill/>
-          <a:ln>
-            <a:solidFill>
-              <a:schemeClr val="tx1"/>
-            </a:solidFill>
-          </a:ln>
-        </p:spPr>
-        <p:style>
-          <a:lnRef idx="2">
-            <a:schemeClr val="accent1">
-              <a:shade val="15000"/>
-            </a:schemeClr>
-          </a:lnRef>
-          <a:fillRef idx="1">
-            <a:schemeClr val="accent1"/>
-          </a:fillRef>
-          <a:effectRef idx="0">
-            <a:schemeClr val="accent1"/>
-          </a:effectRef>
-          <a:fontRef idx="minor">
-            <a:schemeClr val="lt1"/>
-          </a:fontRef>
-        </p:style>
-        <p:txBody>
-          <a:bodyPr rtlCol="0" anchor="ctr"/>
-          <a:lstStyle/>
-          <a:p>
-            <a:pPr algn="ctr"/>
-            <a:r>
-              <a:rPr lang="de-CH" sz="1600" dirty="0">
-                <a:solidFill>
-                  <a:schemeClr val="tx1"/>
-                </a:solidFill>
-                <a:latin typeface="Avenir Next LT Pro" panose="020B0504020202020204" pitchFamily="34" charset="0"/>
-              </a:rPr>
-              <a:t>Shannon Index</a:t>
-            </a:r>
-            <a:endParaRPr lang="en-GB" sz="1600" dirty="0">
-              <a:solidFill>
-                <a:schemeClr val="tx1"/>
-              </a:solidFill>
-              <a:latin typeface="Avenir Next LT Pro" panose="020B0504020202020204" pitchFamily="34" charset="0"/>
-            </a:endParaRPr>
-          </a:p>
-        </p:txBody>
-      </p:sp>
-      <p:pic>
-        <p:nvPicPr>
-          <p:cNvPr id="3" name="Grafik 2" descr="Ein Bild, das Screenshot, Schwarz, Quadrat enthält.&#10;&#10;Automatisch generierte Beschreibung">
-            <a:extLst>
-              <a:ext uri="{FF2B5EF4-FFF2-40B4-BE49-F238E27FC236}">
-                <a16:creationId xmlns:a16="http://schemas.microsoft.com/office/drawing/2014/main" id="{8B60FD0B-A99B-1550-E24C-62511AA79A6A}"/>
-              </a:ext>
-            </a:extLst>
-          </p:cNvPr>
-          <p:cNvPicPr>
-            <a:picLocks noChangeAspect="1"/>
-          </p:cNvPicPr>
-          <p:nvPr/>
-        </p:nvPicPr>
-        <p:blipFill>
-          <a:blip r:embed="rId3">
-            <a:extLst>
-              <a:ext uri="{28A0092B-C50C-407E-A947-70E740481C1C}">
-                <a14:useLocalDpi xmlns:a14="http://schemas.microsoft.com/office/drawing/2010/main" val="0"/>
-              </a:ext>
-            </a:extLst>
-          </a:blip>
-          <a:stretch>
-            <a:fillRect/>
-          </a:stretch>
-        </p:blipFill>
-        <p:spPr>
-          <a:xfrm>
-            <a:off x="-6" y="325018"/>
-            <a:ext cx="3024000" cy="2520000"/>
-          </a:xfrm>
-          <a:prstGeom prst="rect">
-            <a:avLst/>
-          </a:prstGeom>
-          <a:ln>
-            <a:noFill/>
-          </a:ln>
-        </p:spPr>
-      </p:pic>
-      <p:pic>
-        <p:nvPicPr>
-          <p:cNvPr id="6" name="Grafik 5" descr="Ein Bild, das Screenshot, Schwarz enthält.&#10;&#10;Automatisch generierte Beschreibung">
-            <a:extLst>
-              <a:ext uri="{FF2B5EF4-FFF2-40B4-BE49-F238E27FC236}">
-                <a16:creationId xmlns:a16="http://schemas.microsoft.com/office/drawing/2014/main" id="{044F9003-F183-65A5-99F4-8A5D3EDAC236}"/>
-              </a:ext>
-            </a:extLst>
-          </p:cNvPr>
-          <p:cNvPicPr>
-            <a:picLocks noChangeAspect="1"/>
-          </p:cNvPicPr>
-          <p:nvPr/>
-        </p:nvPicPr>
-        <p:blipFill>
-          <a:blip r:embed="rId4">
-            <a:extLst>
-              <a:ext uri="{28A0092B-C50C-407E-A947-70E740481C1C}">
-                <a14:useLocalDpi xmlns:a14="http://schemas.microsoft.com/office/drawing/2010/main" val="0"/>
-              </a:ext>
-            </a:extLst>
-          </a:blip>
-          <a:stretch>
-            <a:fillRect/>
-          </a:stretch>
-        </p:blipFill>
-        <p:spPr>
-          <a:xfrm>
-            <a:off x="3024000" y="325021"/>
-            <a:ext cx="3024000" cy="2520000"/>
-          </a:xfrm>
-          <a:prstGeom prst="rect">
-            <a:avLst/>
-          </a:prstGeom>
-          <a:ln>
-            <a:noFill/>
-          </a:ln>
-        </p:spPr>
-      </p:pic>
-      <p:pic>
-        <p:nvPicPr>
-          <p:cNvPr id="9" name="Grafik 8" descr="Ein Bild, das Screenshot, Schwarz enthält.&#10;&#10;Automatisch generierte Beschreibung">
-            <a:extLst>
-              <a:ext uri="{FF2B5EF4-FFF2-40B4-BE49-F238E27FC236}">
-                <a16:creationId xmlns:a16="http://schemas.microsoft.com/office/drawing/2014/main" id="{7E5CCA01-89F3-CE25-1857-D70E578406FD}"/>
-              </a:ext>
-            </a:extLst>
-          </p:cNvPr>
-          <p:cNvPicPr>
-            <a:picLocks noChangeAspect="1"/>
-          </p:cNvPicPr>
-          <p:nvPr/>
-        </p:nvPicPr>
-        <p:blipFill>
-          <a:blip r:embed="rId5">
-            <a:extLst>
-              <a:ext uri="{28A0092B-C50C-407E-A947-70E740481C1C}">
-                <a14:useLocalDpi xmlns:a14="http://schemas.microsoft.com/office/drawing/2010/main" val="0"/>
-              </a:ext>
-            </a:extLst>
-          </a:blip>
-          <a:stretch>
-            <a:fillRect/>
-          </a:stretch>
-        </p:blipFill>
-        <p:spPr>
-          <a:xfrm>
-            <a:off x="6048000" y="325024"/>
-            <a:ext cx="3024000" cy="2520000"/>
-          </a:xfrm>
-          <a:prstGeom prst="rect">
-            <a:avLst/>
-          </a:prstGeom>
-          <a:ln>
-            <a:noFill/>
-          </a:ln>
-        </p:spPr>
-      </p:pic>
-      <p:pic>
-        <p:nvPicPr>
-          <p:cNvPr id="11" name="Grafik 10" descr="Ein Bild, das Screenshot, Schwarz, Quadrat enthält.&#10;&#10;Automatisch generierte Beschreibung">
-            <a:extLst>
-              <a:ext uri="{FF2B5EF4-FFF2-40B4-BE49-F238E27FC236}">
-                <a16:creationId xmlns:a16="http://schemas.microsoft.com/office/drawing/2014/main" id="{15233CF0-FAAA-28A1-AE64-72BE28ADA504}"/>
-              </a:ext>
-            </a:extLst>
-          </p:cNvPr>
-          <p:cNvPicPr>
-            <a:picLocks noChangeAspect="1"/>
-          </p:cNvPicPr>
-          <p:nvPr/>
-        </p:nvPicPr>
-        <p:blipFill>
-          <a:blip r:embed="rId6">
-            <a:extLst>
-              <a:ext uri="{28A0092B-C50C-407E-A947-70E740481C1C}">
-                <a14:useLocalDpi xmlns:a14="http://schemas.microsoft.com/office/drawing/2010/main" val="0"/>
-              </a:ext>
-            </a:extLst>
-          </a:blip>
-          <a:stretch>
-            <a:fillRect/>
-          </a:stretch>
-        </p:blipFill>
-        <p:spPr>
-          <a:xfrm>
-            <a:off x="-12" y="2845018"/>
-            <a:ext cx="3024000" cy="2520000"/>
-          </a:xfrm>
-          <a:prstGeom prst="rect">
-            <a:avLst/>
-          </a:prstGeom>
-          <a:ln>
-            <a:noFill/>
-          </a:ln>
-        </p:spPr>
-      </p:pic>
-      <p:pic>
-        <p:nvPicPr>
-          <p:cNvPr id="13" name="Grafik 12" descr="Ein Bild, das Screenshot, Schwarz, Quadrat enthält.&#10;&#10;Automatisch generierte Beschreibung">
-            <a:extLst>
-              <a:ext uri="{FF2B5EF4-FFF2-40B4-BE49-F238E27FC236}">
-                <a16:creationId xmlns:a16="http://schemas.microsoft.com/office/drawing/2014/main" id="{D6903A83-8533-909D-438C-044D8BFC0182}"/>
-              </a:ext>
-            </a:extLst>
-          </p:cNvPr>
-          <p:cNvPicPr>
-            <a:picLocks noChangeAspect="1"/>
-          </p:cNvPicPr>
-          <p:nvPr/>
-        </p:nvPicPr>
-        <p:blipFill>
-          <a:blip r:embed="rId7">
-            <a:extLst>
-              <a:ext uri="{28A0092B-C50C-407E-A947-70E740481C1C}">
-                <a14:useLocalDpi xmlns:a14="http://schemas.microsoft.com/office/drawing/2010/main" val="0"/>
-              </a:ext>
-            </a:extLst>
-          </a:blip>
-          <a:stretch>
-            <a:fillRect/>
-          </a:stretch>
-        </p:blipFill>
-        <p:spPr>
-          <a:xfrm>
-            <a:off x="3023988" y="2845018"/>
-            <a:ext cx="3024000" cy="2520000"/>
-          </a:xfrm>
-          <a:prstGeom prst="rect">
-            <a:avLst/>
-          </a:prstGeom>
-          <a:ln>
-            <a:noFill/>
-          </a:ln>
-        </p:spPr>
-      </p:pic>
-      <p:pic>
-        <p:nvPicPr>
-          <p:cNvPr id="19" name="Grafik 18" descr="Ein Bild, das Screenshot, Schwarz enthält.&#10;&#10;Automatisch generierte Beschreibung">
-            <a:extLst>
-              <a:ext uri="{FF2B5EF4-FFF2-40B4-BE49-F238E27FC236}">
-                <a16:creationId xmlns:a16="http://schemas.microsoft.com/office/drawing/2014/main" id="{369B31A2-4A63-1A2B-B02F-9EB5D964DD68}"/>
-              </a:ext>
-            </a:extLst>
-          </p:cNvPr>
-          <p:cNvPicPr>
-            <a:picLocks noChangeAspect="1"/>
-          </p:cNvPicPr>
-          <p:nvPr/>
-        </p:nvPicPr>
-        <p:blipFill>
-          <a:blip r:embed="rId8">
-            <a:extLst>
-              <a:ext uri="{28A0092B-C50C-407E-A947-70E740481C1C}">
-                <a14:useLocalDpi xmlns:a14="http://schemas.microsoft.com/office/drawing/2010/main" val="0"/>
-              </a:ext>
-            </a:extLst>
-          </a:blip>
-          <a:stretch>
-            <a:fillRect/>
-          </a:stretch>
-        </p:blipFill>
-        <p:spPr>
-          <a:xfrm>
-            <a:off x="6047994" y="2845023"/>
-            <a:ext cx="3024000" cy="2520000"/>
-          </a:xfrm>
-          <a:prstGeom prst="rect">
-            <a:avLst/>
-          </a:prstGeom>
-          <a:ln>
-            <a:noFill/>
-          </a:ln>
-        </p:spPr>
-      </p:pic>
-      <p:pic>
-        <p:nvPicPr>
-          <p:cNvPr id="23" name="Grafik 22" descr="Ein Bild, das Screenshot, Schwarz enthält.&#10;&#10;Automatisch generierte Beschreibung">
-            <a:extLst>
-              <a:ext uri="{FF2B5EF4-FFF2-40B4-BE49-F238E27FC236}">
-                <a16:creationId xmlns:a16="http://schemas.microsoft.com/office/drawing/2014/main" id="{6BC35B4C-C38B-8DDA-951F-E238979B663F}"/>
-              </a:ext>
-            </a:extLst>
-          </p:cNvPr>
-          <p:cNvPicPr>
-            <a:picLocks noChangeAspect="1"/>
-          </p:cNvPicPr>
-          <p:nvPr/>
-        </p:nvPicPr>
-        <p:blipFill>
-          <a:blip r:embed="rId9">
-            <a:extLst>
-              <a:ext uri="{28A0092B-C50C-407E-A947-70E740481C1C}">
-                <a14:useLocalDpi xmlns:a14="http://schemas.microsoft.com/office/drawing/2010/main" val="0"/>
-              </a:ext>
-            </a:extLst>
-          </a:blip>
-          <a:stretch>
-            <a:fillRect/>
-          </a:stretch>
-        </p:blipFill>
-        <p:spPr>
-          <a:xfrm>
-            <a:off x="0" y="5365012"/>
-            <a:ext cx="3024000" cy="2520000"/>
-          </a:xfrm>
-          <a:prstGeom prst="rect">
-            <a:avLst/>
-          </a:prstGeom>
-          <a:ln>
-            <a:noFill/>
-          </a:ln>
-        </p:spPr>
-      </p:pic>
-      <p:pic>
-        <p:nvPicPr>
-          <p:cNvPr id="27" name="Grafik 26" descr="Ein Bild, das Screenshot, Schwarz enthält.&#10;&#10;Automatisch generierte Beschreibung">
-            <a:extLst>
-              <a:ext uri="{FF2B5EF4-FFF2-40B4-BE49-F238E27FC236}">
-                <a16:creationId xmlns:a16="http://schemas.microsoft.com/office/drawing/2014/main" id="{3C6B4CE9-3B4D-31B3-82CC-B5D0247444A9}"/>
-              </a:ext>
-            </a:extLst>
-          </p:cNvPr>
-          <p:cNvPicPr>
-            <a:picLocks noChangeAspect="1"/>
-          </p:cNvPicPr>
-          <p:nvPr/>
-        </p:nvPicPr>
-        <p:blipFill>
-          <a:blip r:embed="rId10">
-            <a:extLst>
-              <a:ext uri="{28A0092B-C50C-407E-A947-70E740481C1C}">
-                <a14:useLocalDpi xmlns:a14="http://schemas.microsoft.com/office/drawing/2010/main" val="0"/>
-              </a:ext>
-            </a:extLst>
-          </a:blip>
-          <a:stretch>
-            <a:fillRect/>
-          </a:stretch>
-        </p:blipFill>
-        <p:spPr>
-          <a:xfrm>
-            <a:off x="3023976" y="5365012"/>
-            <a:ext cx="3024000" cy="2520000"/>
-          </a:xfrm>
-          <a:prstGeom prst="rect">
-            <a:avLst/>
-          </a:prstGeom>
-          <a:ln>
-            <a:noFill/>
-          </a:ln>
-        </p:spPr>
-      </p:pic>
-      <p:pic>
-        <p:nvPicPr>
-          <p:cNvPr id="31" name="Grafik 30" descr="Ein Bild, das Screenshot, Schwarz enthält.&#10;&#10;Automatisch generierte Beschreibung">
-            <a:extLst>
-              <a:ext uri="{FF2B5EF4-FFF2-40B4-BE49-F238E27FC236}">
-                <a16:creationId xmlns:a16="http://schemas.microsoft.com/office/drawing/2014/main" id="{34DBDA8B-A5BB-901F-BF12-15AAC64DC8D9}"/>
-              </a:ext>
-            </a:extLst>
-          </p:cNvPr>
-          <p:cNvPicPr>
-            <a:picLocks noChangeAspect="1"/>
-          </p:cNvPicPr>
-          <p:nvPr/>
-        </p:nvPicPr>
-        <p:blipFill>
-          <a:blip r:embed="rId11">
-            <a:extLst>
-              <a:ext uri="{28A0092B-C50C-407E-A947-70E740481C1C}">
-                <a14:useLocalDpi xmlns:a14="http://schemas.microsoft.com/office/drawing/2010/main" val="0"/>
-              </a:ext>
-            </a:extLst>
-          </a:blip>
-          <a:stretch>
-            <a:fillRect/>
-          </a:stretch>
-        </p:blipFill>
-        <p:spPr>
-          <a:xfrm>
-            <a:off x="6047994" y="5365022"/>
-            <a:ext cx="3024000" cy="2520000"/>
-          </a:xfrm>
-          <a:prstGeom prst="rect">
-            <a:avLst/>
-          </a:prstGeom>
-          <a:ln>
-            <a:noFill/>
-          </a:ln>
-        </p:spPr>
-      </p:pic>
-      <p:pic>
-        <p:nvPicPr>
-          <p:cNvPr id="35" name="Grafik 34" descr="Ein Bild, das Screenshot, Quadrat, Schwarz enthält.&#10;&#10;Automatisch generierte Beschreibung">
-            <a:extLst>
-              <a:ext uri="{FF2B5EF4-FFF2-40B4-BE49-F238E27FC236}">
-                <a16:creationId xmlns:a16="http://schemas.microsoft.com/office/drawing/2014/main" id="{20F7690D-2DEB-BF03-71CF-AACC0445906C}"/>
-              </a:ext>
-            </a:extLst>
-          </p:cNvPr>
-          <p:cNvPicPr>
-            <a:picLocks noChangeAspect="1"/>
-          </p:cNvPicPr>
-          <p:nvPr/>
-        </p:nvPicPr>
-        <p:blipFill>
-          <a:blip r:embed="rId12">
-            <a:extLst>
-              <a:ext uri="{28A0092B-C50C-407E-A947-70E740481C1C}">
-                <a14:useLocalDpi xmlns:a14="http://schemas.microsoft.com/office/drawing/2010/main" val="0"/>
-              </a:ext>
-            </a:extLst>
-          </a:blip>
-          <a:stretch>
-            <a:fillRect/>
-          </a:stretch>
-        </p:blipFill>
-        <p:spPr>
-          <a:xfrm>
-            <a:off x="0" y="7899282"/>
-            <a:ext cx="3024000" cy="2520000"/>
-          </a:xfrm>
-          <a:prstGeom prst="rect">
-            <a:avLst/>
-          </a:prstGeom>
-          <a:ln>
-            <a:noFill/>
-          </a:ln>
-        </p:spPr>
-      </p:pic>
-      <p:pic>
-        <p:nvPicPr>
-          <p:cNvPr id="38" name="Grafik 37" descr="Ein Bild, das Screenshot, Quadrat, Schwarz enthält.&#10;&#10;Automatisch generierte Beschreibung">
-            <a:extLst>
-              <a:ext uri="{FF2B5EF4-FFF2-40B4-BE49-F238E27FC236}">
-                <a16:creationId xmlns:a16="http://schemas.microsoft.com/office/drawing/2014/main" id="{6305D3EC-B95C-9D12-3401-A45BC517AF06}"/>
-              </a:ext>
-            </a:extLst>
-          </p:cNvPr>
-          <p:cNvPicPr>
-            <a:picLocks noChangeAspect="1"/>
-          </p:cNvPicPr>
-          <p:nvPr/>
-        </p:nvPicPr>
-        <p:blipFill>
-          <a:blip r:embed="rId13">
-            <a:extLst>
-              <a:ext uri="{28A0092B-C50C-407E-A947-70E740481C1C}">
-                <a14:useLocalDpi xmlns:a14="http://schemas.microsoft.com/office/drawing/2010/main" val="0"/>
-              </a:ext>
-            </a:extLst>
-          </a:blip>
-          <a:stretch>
-            <a:fillRect/>
-          </a:stretch>
-        </p:blipFill>
-        <p:spPr>
-          <a:xfrm>
-            <a:off x="3023976" y="7899282"/>
-            <a:ext cx="3024000" cy="2520000"/>
-          </a:xfrm>
-          <a:prstGeom prst="rect">
-            <a:avLst/>
-          </a:prstGeom>
-          <a:ln>
-            <a:noFill/>
-          </a:ln>
-        </p:spPr>
-      </p:pic>
-      <p:pic>
-        <p:nvPicPr>
-          <p:cNvPr id="44" name="Grafik 43" descr="Ein Bild, das Screenshot, Quadrat, Schwarz enthält.&#10;&#10;Automatisch generierte Beschreibung">
-            <a:extLst>
-              <a:ext uri="{FF2B5EF4-FFF2-40B4-BE49-F238E27FC236}">
-                <a16:creationId xmlns:a16="http://schemas.microsoft.com/office/drawing/2014/main" id="{F97CE4DA-7238-81F7-634E-685BD59604A3}"/>
-              </a:ext>
-            </a:extLst>
-          </p:cNvPr>
-          <p:cNvPicPr>
-            <a:picLocks noChangeAspect="1"/>
-          </p:cNvPicPr>
-          <p:nvPr/>
-        </p:nvPicPr>
-        <p:blipFill>
-          <a:blip r:embed="rId14">
-            <a:extLst>
-              <a:ext uri="{28A0092B-C50C-407E-A947-70E740481C1C}">
-                <a14:useLocalDpi xmlns:a14="http://schemas.microsoft.com/office/drawing/2010/main" val="0"/>
-              </a:ext>
-            </a:extLst>
-          </a:blip>
-          <a:stretch>
-            <a:fillRect/>
-          </a:stretch>
-        </p:blipFill>
-        <p:spPr>
-          <a:xfrm>
-            <a:off x="6047976" y="7899282"/>
-            <a:ext cx="3024000" cy="2520000"/>
-          </a:xfrm>
-          <a:prstGeom prst="rect">
-            <a:avLst/>
-          </a:prstGeom>
-          <a:ln>
-            <a:noFill/>
-          </a:ln>
-        </p:spPr>
-      </p:pic>
-    </p:spTree>
-    <p:extLst>
-      <p:ext uri="{BB962C8B-B14F-4D97-AF65-F5344CB8AC3E}">
-        <p14:creationId xmlns:p14="http://schemas.microsoft.com/office/powerpoint/2010/main" val="2981622591"/>
-      </p:ext>
-    </p:extLst>
-  </p:cSld>
-  <p:clrMapOvr>
-    <a:masterClrMapping/>
-  </p:clrMapOvr>
-</p:sld>
-</file>
-
-<file path=ppt/slides/slide4.xml><?xml version="1.0" encoding="utf-8"?>
-<p:sld xmlns:a="http://schemas.openxmlformats.org/drawingml/2006/main" xmlns:r="http://schemas.openxmlformats.org/officeDocument/2006/relationships" xmlns:p="http://schemas.openxmlformats.org/presentationml/2006/main">
-  <p:cSld>
-    <p:spTree>
-      <p:nvGrpSpPr>
-        <p:cNvPr id="1" name=""/>
-        <p:cNvGrpSpPr/>
-        <p:nvPr/>
-      </p:nvGrpSpPr>
-      <p:grpSpPr>
-        <a:xfrm>
-          <a:off x="0" y="0"/>
-          <a:ext cx="0" cy="0"/>
-          <a:chOff x="0" y="0"/>
-          <a:chExt cx="0" cy="0"/>
-        </a:xfrm>
-      </p:grpSpPr>
-      <p:grpSp>
-        <p:nvGrpSpPr>
-          <p:cNvPr id="32" name="Gruppieren 31">
-            <a:extLst>
-              <a:ext uri="{FF2B5EF4-FFF2-40B4-BE49-F238E27FC236}">
-                <a16:creationId xmlns:a16="http://schemas.microsoft.com/office/drawing/2014/main" id="{2AD580C8-5783-A513-2320-C44BD930D72C}"/>
-              </a:ext>
-            </a:extLst>
-          </p:cNvPr>
-          <p:cNvGrpSpPr/>
-          <p:nvPr/>
-        </p:nvGrpSpPr>
-        <p:grpSpPr>
-          <a:xfrm>
-            <a:off x="-331365" y="-325023"/>
-            <a:ext cx="8977706" cy="7525022"/>
-            <a:chOff x="-331365" y="-325023"/>
-            <a:chExt cx="8977706" cy="7525022"/>
-          </a:xfrm>
-        </p:grpSpPr>
-        <p:pic>
-          <p:nvPicPr>
-            <p:cNvPr id="4" name="Grafik 3" descr="Ein Bild, das Screenshot, Quadrat, Schwarz enthält.&#10;&#10;Automatisch generierte Beschreibung">
-              <a:extLst>
-                <a:ext uri="{FF2B5EF4-FFF2-40B4-BE49-F238E27FC236}">
-                  <a16:creationId xmlns:a16="http://schemas.microsoft.com/office/drawing/2014/main" id="{37AA74FC-FE36-8ED7-84F2-761ABED56BF8}"/>
-                </a:ext>
-              </a:extLst>
-            </p:cNvPr>
-            <p:cNvPicPr>
-              <a:picLocks noChangeAspect="1"/>
-            </p:cNvPicPr>
-            <p:nvPr/>
-          </p:nvPicPr>
-          <p:blipFill>
-            <a:blip r:embed="rId3">
-              <a:extLst>
-                <a:ext uri="{28A0092B-C50C-407E-A947-70E740481C1C}">
-                  <a14:useLocalDpi xmlns:a14="http://schemas.microsoft.com/office/drawing/2010/main" val="0"/>
-                </a:ext>
-              </a:extLst>
-            </a:blip>
-            <a:stretch>
-              <a:fillRect/>
-            </a:stretch>
-          </p:blipFill>
-          <p:spPr>
-            <a:xfrm>
-              <a:off x="4326341" y="3599999"/>
-              <a:ext cx="4320000" cy="3600000"/>
+              <a:off x="4236244" y="3519243"/>
+              <a:ext cx="12192000" cy="3386667"/>
             </a:xfrm>
             <a:prstGeom prst="rect">
               <a:avLst/>
@@ -5861,335 +3755,11 @@
             </a:ln>
           </p:spPr>
         </p:pic>
-        <p:pic>
-          <p:nvPicPr>
-            <p:cNvPr id="7" name="Grafik 6" descr="Ein Bild, das Screenshot, Schwarz enthält.&#10;&#10;Automatisch generierte Beschreibung">
-              <a:extLst>
-                <a:ext uri="{FF2B5EF4-FFF2-40B4-BE49-F238E27FC236}">
-                  <a16:creationId xmlns:a16="http://schemas.microsoft.com/office/drawing/2014/main" id="{F6B638A8-776E-1820-F608-7F5DEF214BDB}"/>
-                </a:ext>
-              </a:extLst>
-            </p:cNvPr>
-            <p:cNvPicPr>
-              <a:picLocks noChangeAspect="1"/>
-            </p:cNvPicPr>
-            <p:nvPr/>
-          </p:nvPicPr>
-          <p:blipFill>
-            <a:blip r:embed="rId4">
-              <a:extLst>
-                <a:ext uri="{28A0092B-C50C-407E-A947-70E740481C1C}">
-                  <a14:useLocalDpi xmlns:a14="http://schemas.microsoft.com/office/drawing/2010/main" val="0"/>
-                </a:ext>
-              </a:extLst>
-            </a:blip>
-            <a:stretch>
-              <a:fillRect/>
-            </a:stretch>
-          </p:blipFill>
-          <p:spPr>
-            <a:xfrm>
-              <a:off x="0" y="3599998"/>
-              <a:ext cx="4320000" cy="3600000"/>
-            </a:xfrm>
-            <a:prstGeom prst="rect">
-              <a:avLst/>
-            </a:prstGeom>
-            <a:ln>
-              <a:noFill/>
-            </a:ln>
-          </p:spPr>
-        </p:pic>
-        <p:pic>
-          <p:nvPicPr>
-            <p:cNvPr id="10" name="Grafik 9" descr="Ein Bild, das Screenshot, Schwarz enthält.&#10;&#10;Automatisch generierte Beschreibung">
-              <a:extLst>
-                <a:ext uri="{FF2B5EF4-FFF2-40B4-BE49-F238E27FC236}">
-                  <a16:creationId xmlns:a16="http://schemas.microsoft.com/office/drawing/2014/main" id="{6FB8B580-C463-1FB2-2A63-AEF828E721CC}"/>
-                </a:ext>
-              </a:extLst>
-            </p:cNvPr>
-            <p:cNvPicPr>
-              <a:picLocks noChangeAspect="1"/>
-            </p:cNvPicPr>
-            <p:nvPr/>
-          </p:nvPicPr>
-          <p:blipFill>
-            <a:blip r:embed="rId5">
-              <a:extLst>
-                <a:ext uri="{28A0092B-C50C-407E-A947-70E740481C1C}">
-                  <a14:useLocalDpi xmlns:a14="http://schemas.microsoft.com/office/drawing/2010/main" val="0"/>
-                </a:ext>
-              </a:extLst>
-            </a:blip>
-            <a:stretch>
-              <a:fillRect/>
-            </a:stretch>
-          </p:blipFill>
-          <p:spPr>
-            <a:xfrm>
-              <a:off x="4326341" y="0"/>
-              <a:ext cx="4320000" cy="3600000"/>
-            </a:xfrm>
-            <a:prstGeom prst="rect">
-              <a:avLst/>
-            </a:prstGeom>
-            <a:ln>
-              <a:noFill/>
-            </a:ln>
-          </p:spPr>
-        </p:pic>
-        <p:pic>
-          <p:nvPicPr>
-            <p:cNvPr id="14" name="Grafik 13" descr="Ein Bild, das Screenshot, Quadrat, Schwarz enthält.&#10;&#10;Automatisch generierte Beschreibung">
-              <a:extLst>
-                <a:ext uri="{FF2B5EF4-FFF2-40B4-BE49-F238E27FC236}">
-                  <a16:creationId xmlns:a16="http://schemas.microsoft.com/office/drawing/2014/main" id="{3ACF791A-9367-6DB0-490F-669B9636BF06}"/>
-                </a:ext>
-              </a:extLst>
-            </p:cNvPr>
-            <p:cNvPicPr>
-              <a:picLocks noChangeAspect="1"/>
-            </p:cNvPicPr>
-            <p:nvPr/>
-          </p:nvPicPr>
-          <p:blipFill>
-            <a:blip r:embed="rId6">
-              <a:extLst>
-                <a:ext uri="{28A0092B-C50C-407E-A947-70E740481C1C}">
-                  <a14:useLocalDpi xmlns:a14="http://schemas.microsoft.com/office/drawing/2010/main" val="0"/>
-                </a:ext>
-              </a:extLst>
-            </a:blip>
-            <a:stretch>
-              <a:fillRect/>
-            </a:stretch>
-          </p:blipFill>
-          <p:spPr>
-            <a:xfrm>
-              <a:off x="0" y="0"/>
-              <a:ext cx="4320000" cy="3600000"/>
-            </a:xfrm>
-            <a:prstGeom prst="rect">
-              <a:avLst/>
-            </a:prstGeom>
-            <a:ln>
-              <a:noFill/>
-            </a:ln>
-          </p:spPr>
-        </p:pic>
-        <p:sp>
-          <p:nvSpPr>
-            <p:cNvPr id="15" name="Rechteck 14">
-              <a:extLst>
-                <a:ext uri="{FF2B5EF4-FFF2-40B4-BE49-F238E27FC236}">
-                  <a16:creationId xmlns:a16="http://schemas.microsoft.com/office/drawing/2014/main" id="{2CC9DCC4-B3F4-28DD-39B7-F611C54F3E10}"/>
-                </a:ext>
-              </a:extLst>
-            </p:cNvPr>
-            <p:cNvSpPr/>
-            <p:nvPr/>
-          </p:nvSpPr>
-          <p:spPr>
-            <a:xfrm rot="16200000">
-              <a:off x="-1968853" y="5237487"/>
-              <a:ext cx="3600001" cy="325023"/>
-            </a:xfrm>
-            <a:prstGeom prst="rect">
-              <a:avLst/>
-            </a:prstGeom>
-            <a:noFill/>
-            <a:ln>
-              <a:solidFill>
-                <a:schemeClr val="tx1"/>
-              </a:solidFill>
-            </a:ln>
-          </p:spPr>
-          <p:style>
-            <a:lnRef idx="2">
-              <a:schemeClr val="accent1">
-                <a:shade val="15000"/>
-              </a:schemeClr>
-            </a:lnRef>
-            <a:fillRef idx="1">
-              <a:schemeClr val="accent1"/>
-            </a:fillRef>
-            <a:effectRef idx="0">
-              <a:schemeClr val="accent1"/>
-            </a:effectRef>
-            <a:fontRef idx="minor">
-              <a:schemeClr val="lt1"/>
-            </a:fontRef>
-          </p:style>
-          <p:txBody>
-            <a:bodyPr rtlCol="0" anchor="ctr"/>
-            <a:lstStyle/>
-            <a:p>
-              <a:pPr algn="ctr"/>
-              <a:r>
-                <a:rPr lang="de-CH" sz="1600" dirty="0">
-                  <a:solidFill>
-                    <a:schemeClr val="tx1"/>
-                  </a:solidFill>
-                  <a:latin typeface="Avenir Next LT Pro" panose="020B0504020202020204" pitchFamily="34" charset="0"/>
-                </a:rPr>
-                <a:t>Absolute &amp; Relative </a:t>
-              </a:r>
-              <a:r>
-                <a:rPr lang="de-CH" sz="1600" dirty="0" err="1">
-                  <a:solidFill>
-                    <a:schemeClr val="tx1"/>
-                  </a:solidFill>
-                  <a:latin typeface="Avenir Next LT Pro" panose="020B0504020202020204" pitchFamily="34" charset="0"/>
-                </a:rPr>
-                <a:t>Abundance</a:t>
-              </a:r>
-              <a:endParaRPr lang="en-GB" sz="1600" dirty="0">
-                <a:solidFill>
-                  <a:schemeClr val="tx1"/>
-                </a:solidFill>
-                <a:latin typeface="Avenir Next LT Pro" panose="020B0504020202020204" pitchFamily="34" charset="0"/>
-              </a:endParaRPr>
-            </a:p>
-          </p:txBody>
-        </p:sp>
-        <p:sp>
-          <p:nvSpPr>
-            <p:cNvPr id="20" name="Rechteck 19">
-              <a:extLst>
-                <a:ext uri="{FF2B5EF4-FFF2-40B4-BE49-F238E27FC236}">
-                  <a16:creationId xmlns:a16="http://schemas.microsoft.com/office/drawing/2014/main" id="{EF679121-533E-420D-965A-298292F1C651}"/>
-                </a:ext>
-              </a:extLst>
-            </p:cNvPr>
-            <p:cNvSpPr/>
-            <p:nvPr/>
-          </p:nvSpPr>
-          <p:spPr>
-            <a:xfrm rot="16200000">
-              <a:off x="-1968854" y="1637485"/>
-              <a:ext cx="3600001" cy="325023"/>
-            </a:xfrm>
-            <a:prstGeom prst="rect">
-              <a:avLst/>
-            </a:prstGeom>
-            <a:noFill/>
-            <a:ln>
-              <a:solidFill>
-                <a:schemeClr val="tx1"/>
-              </a:solidFill>
-            </a:ln>
-          </p:spPr>
-          <p:style>
-            <a:lnRef idx="2">
-              <a:schemeClr val="accent1">
-                <a:shade val="15000"/>
-              </a:schemeClr>
-            </a:lnRef>
-            <a:fillRef idx="1">
-              <a:schemeClr val="accent1"/>
-            </a:fillRef>
-            <a:effectRef idx="0">
-              <a:schemeClr val="accent1"/>
-            </a:effectRef>
-            <a:fontRef idx="minor">
-              <a:schemeClr val="lt1"/>
-            </a:fontRef>
-          </p:style>
-          <p:txBody>
-            <a:bodyPr rtlCol="0" anchor="ctr"/>
-            <a:lstStyle/>
-            <a:p>
-              <a:pPr algn="ctr"/>
-              <a:r>
-                <a:rPr lang="de-CH" sz="1600" dirty="0">
-                  <a:solidFill>
-                    <a:schemeClr val="tx1"/>
-                  </a:solidFill>
-                  <a:latin typeface="Avenir Next LT Pro" panose="020B0504020202020204" pitchFamily="34" charset="0"/>
-                </a:rPr>
-                <a:t>K-Index &amp; Shannon Index</a:t>
-              </a:r>
-              <a:endParaRPr lang="en-GB" sz="1600" dirty="0">
-                <a:solidFill>
-                  <a:schemeClr val="tx1"/>
-                </a:solidFill>
-                <a:latin typeface="Avenir Next LT Pro" panose="020B0504020202020204" pitchFamily="34" charset="0"/>
-              </a:endParaRPr>
-            </a:p>
-          </p:txBody>
-        </p:sp>
-        <p:sp>
-          <p:nvSpPr>
-            <p:cNvPr id="30" name="Rechteck 29">
-              <a:extLst>
-                <a:ext uri="{FF2B5EF4-FFF2-40B4-BE49-F238E27FC236}">
-                  <a16:creationId xmlns:a16="http://schemas.microsoft.com/office/drawing/2014/main" id="{E7F5FB81-6710-A58D-898C-17235EE4C10D}"/>
-                </a:ext>
-              </a:extLst>
-            </p:cNvPr>
-            <p:cNvSpPr/>
-            <p:nvPr/>
-          </p:nvSpPr>
-          <p:spPr>
-            <a:xfrm>
-              <a:off x="-1" y="-325023"/>
-              <a:ext cx="8646341" cy="325023"/>
-            </a:xfrm>
-            <a:prstGeom prst="rect">
-              <a:avLst/>
-            </a:prstGeom>
-            <a:noFill/>
-            <a:ln>
-              <a:solidFill>
-                <a:schemeClr val="tx1"/>
-              </a:solidFill>
-            </a:ln>
-          </p:spPr>
-          <p:style>
-            <a:lnRef idx="2">
-              <a:schemeClr val="accent1">
-                <a:shade val="15000"/>
-              </a:schemeClr>
-            </a:lnRef>
-            <a:fillRef idx="1">
-              <a:schemeClr val="accent1"/>
-            </a:fillRef>
-            <a:effectRef idx="0">
-              <a:schemeClr val="accent1"/>
-            </a:effectRef>
-            <a:fontRef idx="minor">
-              <a:schemeClr val="lt1"/>
-            </a:fontRef>
-          </p:style>
-          <p:txBody>
-            <a:bodyPr rtlCol="0" anchor="ctr"/>
-            <a:lstStyle/>
-            <a:p>
-              <a:pPr algn="ctr"/>
-              <a:r>
-                <a:rPr lang="de-CH" sz="1600" dirty="0">
-                  <a:solidFill>
-                    <a:schemeClr val="tx1"/>
-                  </a:solidFill>
-                  <a:latin typeface="Avenir Next LT Pro" panose="020B0504020202020204" pitchFamily="34" charset="0"/>
-                </a:rPr>
-                <a:t>Habitat Suitability Index</a:t>
-              </a:r>
-              <a:endParaRPr lang="en-GB" sz="1600" dirty="0">
-                <a:solidFill>
-                  <a:schemeClr val="tx1"/>
-                </a:solidFill>
-                <a:latin typeface="Avenir Next LT Pro" panose="020B0504020202020204" pitchFamily="34" charset="0"/>
-              </a:endParaRPr>
-            </a:p>
-          </p:txBody>
-        </p:sp>
       </p:grpSp>
     </p:spTree>
     <p:extLst>
       <p:ext uri="{BB962C8B-B14F-4D97-AF65-F5344CB8AC3E}">
-        <p14:creationId xmlns:p14="http://schemas.microsoft.com/office/powerpoint/2010/main" val="2237152891"/>
+        <p14:creationId xmlns:p14="http://schemas.microsoft.com/office/powerpoint/2010/main" val="4255925165"/>
       </p:ext>
     </p:extLst>
   </p:cSld>
@@ -6200,9 +3770,9 @@
 </file>
 
 <file path=ppt/theme/theme1.xml><?xml version="1.0" encoding="utf-8"?>
-<a:theme xmlns:a="http://schemas.openxmlformats.org/drawingml/2006/main" name="Office">
+<a:theme xmlns:a="http://schemas.openxmlformats.org/drawingml/2006/main" name="Office 2013 – 2022-Design">
   <a:themeElements>
-    <a:clrScheme name="Office">
+    <a:clrScheme name="Office 2013 – 2022-Design">
       <a:dk1>
         <a:sysClr val="windowText" lastClr="000000"/>
       </a:dk1>
@@ -6240,7 +3810,7 @@
         <a:srgbClr val="954F72"/>
       </a:folHlink>
     </a:clrScheme>
-    <a:fontScheme name="Office">
+    <a:fontScheme name="Office 2013 – 2022-Design">
       <a:majorFont>
         <a:latin typeface="Calibri Light" panose="020F0302020204030204"/>
         <a:ea typeface=""/>
@@ -6312,7 +3882,7 @@
         <a:font script="Geor" typeface="Sylfaen"/>
       </a:minorFont>
     </a:fontScheme>
-    <a:fmtScheme name="Office">
+    <a:fmtScheme name="Office 2013 – 2022-Design">
       <a:fillStyleLst>
         <a:solidFill>
           <a:schemeClr val="phClr"/>
